--- a/generators.pptx
+++ b/generators.pptx
@@ -20,7 +20,10 @@
     <p:sldId id="285" r:id="rId14"/>
     <p:sldId id="288" r:id="rId15"/>
     <p:sldId id="289" r:id="rId16"/>
-    <p:sldId id="282" r:id="rId17"/>
+    <p:sldId id="290" r:id="rId17"/>
+    <p:sldId id="291" r:id="rId18"/>
+    <p:sldId id="292" r:id="rId19"/>
+    <p:sldId id="282" r:id="rId20"/>
   </p:sldIdLst>
   <p:sldSz cx="12188825" cy="6858000"/>
   <p:notesSz cx="6858000" cy="9144000"/>
@@ -121,7 +124,7 @@
   </p:defaultTextStyle>
   <p:extLst>
     <p:ext uri="{EFAFB233-063F-42B5-8137-9DF3F51BA10A}">
-      <p15:sldGuideLst xmlns="" xmlns:p15="http://schemas.microsoft.com/office/powerpoint/2012/main">
+      <p15:sldGuideLst xmlns:p15="http://schemas.microsoft.com/office/powerpoint/2012/main">
         <p15:guide id="1" orient="horz" pos="3776">
           <p15:clr>
             <a:srgbClr val="A4A3A4"/>
@@ -15832,7 +15835,7 @@
             <a:fld id="{5B79BDB1-EA6D-F04D-88E8-640A8DCE69BA}" type="datetimeFigureOut">
               <a:rPr lang="en-US"/>
               <a:pPr/>
-              <a:t>5/29/2017</a:t>
+              <a:t>5/30/2017</a:t>
             </a:fld>
             <a:endParaRPr lang="en-US"/>
           </a:p>
@@ -17909,6 +17912,493 @@
           <a:chExt cx="0" cy="0"/>
         </a:xfrm>
       </p:grpSpPr>
+      <p:sp>
+        <p:nvSpPr>
+          <p:cNvPr id="8" name="Title 7"/>
+          <p:cNvSpPr>
+            <a:spLocks noGrp="1"/>
+          </p:cNvSpPr>
+          <p:nvPr>
+            <p:ph type="ctrTitle"/>
+          </p:nvPr>
+        </p:nvSpPr>
+        <p:spPr>
+          <a:xfrm>
+            <a:off x="685800" y="1140791"/>
+            <a:ext cx="10360025" cy="714513"/>
+          </a:xfrm>
+        </p:spPr>
+        <p:txBody>
+          <a:bodyPr/>
+          <a:lstStyle/>
+          <a:p>
+            <a:pPr algn="ctr"/>
+            <a:r>
+              <a:rPr lang="en-US" sz="4000" dirty="0" smtClean="0"/>
+              <a:t>Good-to-have features</a:t>
+            </a:r>
+            <a:endParaRPr lang="en-US" sz="4000" dirty="0"/>
+          </a:p>
+        </p:txBody>
+      </p:sp>
+      <p:sp>
+        <p:nvSpPr>
+          <p:cNvPr id="3" name="Rectangle 2"/>
+          <p:cNvSpPr/>
+          <p:nvPr/>
+        </p:nvSpPr>
+        <p:spPr>
+          <a:xfrm>
+            <a:off x="838200" y="2333318"/>
+            <a:ext cx="8731878" cy="1200329"/>
+          </a:xfrm>
+          <a:prstGeom prst="rect">
+            <a:avLst/>
+          </a:prstGeom>
+        </p:spPr>
+        <p:txBody>
+          <a:bodyPr wrap="none">
+            <a:spAutoFit/>
+          </a:bodyPr>
+          <a:lstStyle/>
+          <a:p>
+            <a:pPr marL="285750" indent="-285750">
+              <a:buFont typeface="Arial" panose="020B0604020202020204" pitchFamily="34" charset="0"/>
+              <a:buChar char="•"/>
+            </a:pPr>
+            <a:r>
+              <a:rPr lang="en-US" dirty="0" smtClean="0"/>
+              <a:t>Create sub-generators to generate </a:t>
+            </a:r>
+            <a:r>
+              <a:rPr lang="en-US" b="1" dirty="0" smtClean="0"/>
+              <a:t>components</a:t>
+            </a:r>
+            <a:r>
+              <a:rPr lang="en-US" dirty="0" smtClean="0"/>
+              <a:t>, or change </a:t>
+            </a:r>
+            <a:r>
+              <a:rPr lang="en-US" b="1" dirty="0" smtClean="0"/>
+              <a:t>file configurations</a:t>
+            </a:r>
+            <a:r>
+              <a:rPr lang="en-US" dirty="0" smtClean="0"/>
+              <a:t>.</a:t>
+            </a:r>
+          </a:p>
+          <a:p>
+            <a:pPr marL="285750" indent="-285750">
+              <a:buFont typeface="Arial" panose="020B0604020202020204" pitchFamily="34" charset="0"/>
+              <a:buChar char="•"/>
+            </a:pPr>
+            <a:r>
+              <a:rPr lang="en-US" dirty="0" smtClean="0"/>
+              <a:t>Add trending frameworks like </a:t>
+            </a:r>
+            <a:r>
+              <a:rPr lang="en-US" b="1" dirty="0" smtClean="0"/>
+              <a:t>Angular2, </a:t>
+            </a:r>
+            <a:r>
+              <a:rPr lang="en-US" b="1" dirty="0" err="1" smtClean="0"/>
+              <a:t>Preact</a:t>
+            </a:r>
+            <a:r>
+              <a:rPr lang="en-US" dirty="0" smtClean="0"/>
+              <a:t>.</a:t>
+            </a:r>
+          </a:p>
+          <a:p>
+            <a:pPr marL="285750" indent="-285750">
+              <a:buFont typeface="Arial" panose="020B0604020202020204" pitchFamily="34" charset="0"/>
+              <a:buChar char="•"/>
+            </a:pPr>
+            <a:r>
+              <a:rPr lang="en-US" dirty="0" smtClean="0"/>
+              <a:t>Provide basic test cases with required testing frameworks(</a:t>
+            </a:r>
+            <a:r>
+              <a:rPr lang="en-US" b="1" dirty="0" err="1" smtClean="0"/>
+              <a:t>chai,mocha</a:t>
+            </a:r>
+            <a:r>
+              <a:rPr lang="en-US" dirty="0" smtClean="0"/>
+              <a:t>).</a:t>
+            </a:r>
+          </a:p>
+          <a:p>
+            <a:pPr marL="285750" indent="-285750">
+              <a:buFont typeface="Arial" panose="020B0604020202020204" pitchFamily="34" charset="0"/>
+              <a:buChar char="•"/>
+            </a:pPr>
+            <a:r>
+              <a:rPr lang="en-US" dirty="0" smtClean="0"/>
+              <a:t>Create </a:t>
+            </a:r>
+            <a:r>
+              <a:rPr lang="en-US" dirty="0" err="1" smtClean="0"/>
+              <a:t>git</a:t>
+            </a:r>
+            <a:r>
+              <a:rPr lang="en-US" dirty="0" smtClean="0"/>
+              <a:t> repo and for the generated codebase(using </a:t>
+            </a:r>
+            <a:r>
+              <a:rPr lang="en-US" b="1" dirty="0" err="1" smtClean="0"/>
+              <a:t>gitclick</a:t>
+            </a:r>
+            <a:r>
+              <a:rPr lang="en-US" b="1" dirty="0" smtClean="0"/>
+              <a:t>).</a:t>
+            </a:r>
+            <a:endParaRPr lang="en-US" dirty="0"/>
+          </a:p>
+        </p:txBody>
+      </p:sp>
+    </p:spTree>
+    <p:extLst>
+      <p:ext uri="{BB962C8B-B14F-4D97-AF65-F5344CB8AC3E}">
+        <p14:creationId xmlns:p14="http://schemas.microsoft.com/office/powerpoint/2010/main" val="681104022"/>
+      </p:ext>
+    </p:extLst>
+  </p:cSld>
+  <p:clrMapOvr>
+    <a:masterClrMapping/>
+  </p:clrMapOvr>
+  <p:timing>
+    <p:tnLst>
+      <p:par>
+        <p:cTn id="1" dur="indefinite" restart="never" nodeType="tmRoot"/>
+      </p:par>
+    </p:tnLst>
+  </p:timing>
+</p:sld>
+</file>
+
+<file path=ppt/slides/slide11.xml><?xml version="1.0" encoding="utf-8"?>
+<p:sld xmlns:a="http://schemas.openxmlformats.org/drawingml/2006/main" xmlns:r="http://schemas.openxmlformats.org/officeDocument/2006/relationships" xmlns:p="http://schemas.openxmlformats.org/presentationml/2006/main">
+  <p:cSld>
+    <p:spTree>
+      <p:nvGrpSpPr>
+        <p:cNvPr id="1" name=""/>
+        <p:cNvGrpSpPr/>
+        <p:nvPr/>
+      </p:nvGrpSpPr>
+      <p:grpSpPr>
+        <a:xfrm>
+          <a:off x="0" y="0"/>
+          <a:ext cx="0" cy="0"/>
+          <a:chOff x="0" y="0"/>
+          <a:chExt cx="0" cy="0"/>
+        </a:xfrm>
+      </p:grpSpPr>
+      <p:sp>
+        <p:nvSpPr>
+          <p:cNvPr id="8" name="Title 7"/>
+          <p:cNvSpPr>
+            <a:spLocks noGrp="1"/>
+          </p:cNvSpPr>
+          <p:nvPr>
+            <p:ph type="ctrTitle"/>
+          </p:nvPr>
+        </p:nvSpPr>
+        <p:spPr>
+          <a:xfrm>
+            <a:off x="566530" y="1921323"/>
+            <a:ext cx="10360025" cy="1231106"/>
+          </a:xfrm>
+        </p:spPr>
+        <p:txBody>
+          <a:bodyPr/>
+          <a:lstStyle/>
+          <a:p>
+            <a:pPr algn="ctr"/>
+            <a:r>
+              <a:rPr lang="en-US" sz="4000" dirty="0" smtClean="0"/>
+              <a:t>Questions?</a:t>
+            </a:r>
+            <a:br>
+              <a:rPr lang="en-US" sz="4000" dirty="0" smtClean="0"/>
+            </a:br>
+            <a:r>
+              <a:rPr lang="en-US" sz="4000" dirty="0"/>
+              <a:t/>
+            </a:r>
+            <a:br>
+              <a:rPr lang="en-US" sz="4000" dirty="0"/>
+            </a:br>
+            <a:r>
+              <a:rPr lang="en-US" sz="4000" dirty="0" smtClean="0"/>
+              <a:t/>
+            </a:r>
+            <a:br>
+              <a:rPr lang="en-US" sz="4000" dirty="0" smtClean="0"/>
+            </a:br>
+            <a:r>
+              <a:rPr lang="en-US" sz="4000" dirty="0" smtClean="0"/>
+              <a:t>Feedback?</a:t>
+            </a:r>
+            <a:endParaRPr lang="en-US" sz="4000" dirty="0"/>
+          </a:p>
+        </p:txBody>
+      </p:sp>
+    </p:spTree>
+    <p:extLst>
+      <p:ext uri="{BB962C8B-B14F-4D97-AF65-F5344CB8AC3E}">
+        <p14:creationId xmlns:p14="http://schemas.microsoft.com/office/powerpoint/2010/main" val="923078205"/>
+      </p:ext>
+    </p:extLst>
+  </p:cSld>
+  <p:clrMapOvr>
+    <a:masterClrMapping/>
+  </p:clrMapOvr>
+  <p:timing>
+    <p:tnLst>
+      <p:par>
+        <p:cTn id="1" dur="indefinite" restart="never" nodeType="tmRoot"/>
+      </p:par>
+    </p:tnLst>
+  </p:timing>
+</p:sld>
+</file>
+
+<file path=ppt/slides/slide12.xml><?xml version="1.0" encoding="utf-8"?>
+<p:sld xmlns:a="http://schemas.openxmlformats.org/drawingml/2006/main" xmlns:r="http://schemas.openxmlformats.org/officeDocument/2006/relationships" xmlns:p="http://schemas.openxmlformats.org/presentationml/2006/main">
+  <p:cSld>
+    <p:spTree>
+      <p:nvGrpSpPr>
+        <p:cNvPr id="1" name=""/>
+        <p:cNvGrpSpPr/>
+        <p:nvPr/>
+      </p:nvGrpSpPr>
+      <p:grpSpPr>
+        <a:xfrm>
+          <a:off x="0" y="0"/>
+          <a:ext cx="0" cy="0"/>
+          <a:chOff x="0" y="0"/>
+          <a:chExt cx="0" cy="0"/>
+        </a:xfrm>
+      </p:grpSpPr>
+      <p:sp>
+        <p:nvSpPr>
+          <p:cNvPr id="8" name="Title 7"/>
+          <p:cNvSpPr>
+            <a:spLocks noGrp="1"/>
+          </p:cNvSpPr>
+          <p:nvPr>
+            <p:ph type="ctrTitle"/>
+          </p:nvPr>
+        </p:nvSpPr>
+        <p:spPr>
+          <a:xfrm>
+            <a:off x="570416" y="2158313"/>
+            <a:ext cx="10360025" cy="807278"/>
+          </a:xfrm>
+        </p:spPr>
+        <p:txBody>
+          <a:bodyPr/>
+          <a:lstStyle/>
+          <a:p>
+            <a:pPr algn="ctr"/>
+            <a:r>
+              <a:rPr lang="en-US" sz="4000" dirty="0" smtClean="0"/>
+              <a:t>Thank You</a:t>
+            </a:r>
+            <a:endParaRPr lang="en-US" sz="4000" dirty="0"/>
+          </a:p>
+        </p:txBody>
+      </p:sp>
+      <p:sp>
+        <p:nvSpPr>
+          <p:cNvPr id="3" name="Rectangle 2"/>
+          <p:cNvSpPr/>
+          <p:nvPr/>
+        </p:nvSpPr>
+        <p:spPr>
+          <a:xfrm>
+            <a:off x="4747589" y="3334923"/>
+            <a:ext cx="2005677" cy="369332"/>
+          </a:xfrm>
+          <a:prstGeom prst="rect">
+            <a:avLst/>
+          </a:prstGeom>
+        </p:spPr>
+        <p:txBody>
+          <a:bodyPr wrap="none">
+            <a:spAutoFit/>
+          </a:bodyPr>
+          <a:lstStyle/>
+          <a:p>
+            <a:r>
+              <a:rPr lang="en-US" dirty="0" smtClean="0">
+                <a:solidFill>
+                  <a:srgbClr val="333333"/>
+                </a:solidFill>
+                <a:latin typeface="proxima-regular1"/>
+              </a:rPr>
+              <a:t>Reach out to us - </a:t>
+            </a:r>
+            <a:endParaRPr lang="en-US" dirty="0"/>
+          </a:p>
+        </p:txBody>
+      </p:sp>
+      <p:sp>
+        <p:nvSpPr>
+          <p:cNvPr id="4" name="Rectangle 3"/>
+          <p:cNvSpPr/>
+          <p:nvPr/>
+        </p:nvSpPr>
+        <p:spPr>
+          <a:xfrm>
+            <a:off x="1229139" y="3890448"/>
+            <a:ext cx="2470548" cy="646331"/>
+          </a:xfrm>
+          <a:prstGeom prst="rect">
+            <a:avLst/>
+          </a:prstGeom>
+        </p:spPr>
+        <p:txBody>
+          <a:bodyPr wrap="none">
+            <a:spAutoFit/>
+          </a:bodyPr>
+          <a:lstStyle/>
+          <a:p>
+            <a:r>
+              <a:rPr lang="en-US" dirty="0" smtClean="0">
+                <a:solidFill>
+                  <a:srgbClr val="333333"/>
+                </a:solidFill>
+                <a:latin typeface="proxima-regular1"/>
+              </a:rPr>
+              <a:t>Ayan Dalal</a:t>
+            </a:r>
+          </a:p>
+          <a:p>
+            <a:r>
+              <a:rPr lang="en-US" dirty="0" smtClean="0">
+                <a:solidFill>
+                  <a:srgbClr val="333333"/>
+                </a:solidFill>
+                <a:latin typeface="proxima-regular1"/>
+                <a:hlinkClick r:id="rId2"/>
+              </a:rPr>
+              <a:t>adalal4@sapient.com</a:t>
+            </a:r>
+            <a:r>
+              <a:rPr lang="en-US" dirty="0" smtClean="0">
+                <a:solidFill>
+                  <a:srgbClr val="333333"/>
+                </a:solidFill>
+                <a:latin typeface="proxima-regular1"/>
+              </a:rPr>
+              <a:t> </a:t>
+            </a:r>
+            <a:endParaRPr lang="en-US" dirty="0"/>
+          </a:p>
+        </p:txBody>
+      </p:sp>
+      <p:sp>
+        <p:nvSpPr>
+          <p:cNvPr id="5" name="Rectangle 4"/>
+          <p:cNvSpPr/>
+          <p:nvPr/>
+        </p:nvSpPr>
+        <p:spPr>
+          <a:xfrm>
+            <a:off x="7868478" y="3890448"/>
+            <a:ext cx="2624436" cy="646331"/>
+          </a:xfrm>
+          <a:prstGeom prst="rect">
+            <a:avLst/>
+          </a:prstGeom>
+        </p:spPr>
+        <p:txBody>
+          <a:bodyPr wrap="none">
+            <a:spAutoFit/>
+          </a:bodyPr>
+          <a:lstStyle/>
+          <a:p>
+            <a:r>
+              <a:rPr lang="en-US" dirty="0" err="1" smtClean="0">
+                <a:solidFill>
+                  <a:srgbClr val="333333"/>
+                </a:solidFill>
+                <a:latin typeface="proxima-regular1"/>
+              </a:rPr>
+              <a:t>Arkadyuti</a:t>
+            </a:r>
+            <a:r>
+              <a:rPr lang="en-US" dirty="0" smtClean="0">
+                <a:solidFill>
+                  <a:srgbClr val="333333"/>
+                </a:solidFill>
+                <a:latin typeface="proxima-regular1"/>
+              </a:rPr>
+              <a:t> Sarkar</a:t>
+            </a:r>
+          </a:p>
+          <a:p>
+            <a:r>
+              <a:rPr lang="en-US" dirty="0" smtClean="0">
+                <a:solidFill>
+                  <a:srgbClr val="333333"/>
+                </a:solidFill>
+                <a:latin typeface="proxima-regular1"/>
+                <a:hlinkClick r:id="rId3"/>
+              </a:rPr>
+              <a:t>asarkar2@sapient.com</a:t>
+            </a:r>
+            <a:r>
+              <a:rPr lang="en-US" dirty="0" smtClean="0">
+                <a:solidFill>
+                  <a:srgbClr val="333333"/>
+                </a:solidFill>
+                <a:latin typeface="proxima-regular1"/>
+              </a:rPr>
+              <a:t> </a:t>
+            </a:r>
+            <a:endParaRPr lang="en-US" dirty="0"/>
+          </a:p>
+        </p:txBody>
+      </p:sp>
+    </p:spTree>
+    <p:extLst>
+      <p:ext uri="{BB962C8B-B14F-4D97-AF65-F5344CB8AC3E}">
+        <p14:creationId xmlns:p14="http://schemas.microsoft.com/office/powerpoint/2010/main" val="3048438000"/>
+      </p:ext>
+    </p:extLst>
+  </p:cSld>
+  <p:clrMapOvr>
+    <a:masterClrMapping/>
+  </p:clrMapOvr>
+  <p:timing>
+    <p:tnLst>
+      <p:par>
+        <p:cTn id="1" dur="indefinite" restart="never" nodeType="tmRoot"/>
+      </p:par>
+    </p:tnLst>
+  </p:timing>
+</p:sld>
+</file>
+
+<file path=ppt/slides/slide13.xml><?xml version="1.0" encoding="utf-8"?>
+<p:sld xmlns:a="http://schemas.openxmlformats.org/drawingml/2006/main" xmlns:r="http://schemas.openxmlformats.org/officeDocument/2006/relationships" xmlns:p="http://schemas.openxmlformats.org/presentationml/2006/main">
+  <p:cSld>
+    <p:spTree>
+      <p:nvGrpSpPr>
+        <p:cNvPr id="1" name=""/>
+        <p:cNvGrpSpPr/>
+        <p:nvPr/>
+      </p:nvGrpSpPr>
+      <p:grpSpPr>
+        <a:xfrm>
+          <a:off x="0" y="0"/>
+          <a:ext cx="0" cy="0"/>
+          <a:chOff x="0" y="0"/>
+          <a:chExt cx="0" cy="0"/>
+        </a:xfrm>
+      </p:grpSpPr>
     </p:spTree>
     <p:extLst>
       <p:ext uri="{BB962C8B-B14F-4D97-AF65-F5344CB8AC3E}">
@@ -18081,11 +18571,7 @@
           <a:p>
             <a:r>
               <a:rPr lang="en-US" dirty="0" smtClean="0"/>
-              <a:t>What </a:t>
-            </a:r>
-            <a:r>
-              <a:rPr lang="en-US" dirty="0" smtClean="0"/>
-              <a:t>is Yeoman? Why not Yeoman?</a:t>
+              <a:t>What is Yeoman? Why not Yeoman?</a:t>
             </a:r>
           </a:p>
           <a:p>
@@ -18103,14 +18589,25 @@
           <a:p>
             <a:r>
               <a:rPr lang="en-US" dirty="0" smtClean="0"/>
+              <a:t>Repo details</a:t>
+            </a:r>
+          </a:p>
+          <a:p>
+            <a:r>
+              <a:rPr lang="en-US" dirty="0" smtClean="0"/>
+              <a:t>Good-to-have features</a:t>
+            </a:r>
+          </a:p>
+          <a:p>
+            <a:r>
+              <a:rPr lang="en-US" dirty="0"/>
               <a:t>Q/A session</a:t>
             </a:r>
           </a:p>
           <a:p>
-            <a:r>
-              <a:rPr lang="en-US" dirty="0" smtClean="0"/>
-              <a:t>Repo details</a:t>
-            </a:r>
+            <a:pPr marL="0" indent="0">
+              <a:buNone/>
+            </a:pPr>
             <a:endParaRPr lang="en-US" dirty="0"/>
           </a:p>
         </p:txBody>
@@ -18193,15 +18690,7 @@
             <a:pPr lvl="0"/>
             <a:r>
               <a:rPr lang="en-US" sz="1400" dirty="0" smtClean="0"/>
-              <a:t>Generators are an awesome way to </a:t>
-            </a:r>
-            <a:r>
-              <a:rPr lang="en-US" sz="1400" dirty="0" smtClean="0"/>
-              <a:t>kick start </a:t>
-            </a:r>
-            <a:r>
-              <a:rPr lang="en-US" sz="1400" dirty="0" smtClean="0"/>
-              <a:t>your application. </a:t>
+              <a:t>Generators are an awesome way to kick start your application. </a:t>
             </a:r>
             <a:endParaRPr lang="en-US" sz="1400" dirty="0"/>
           </a:p>
@@ -19356,37 +19845,21 @@
             <a:pPr lvl="0"/>
             <a:r>
               <a:rPr lang="en-US" sz="1400" dirty="0" smtClean="0"/>
-              <a:t>Setting up a new project from </a:t>
-            </a:r>
+              <a:t>Setting up a new project from scratch! </a:t>
+            </a:r>
+          </a:p>
+          <a:p>
+            <a:pPr lvl="0"/>
             <a:r>
               <a:rPr lang="en-US" sz="1400" dirty="0" smtClean="0"/>
-              <a:t>scratch! </a:t>
+              <a:t>Might be a hectic job! </a:t>
             </a:r>
           </a:p>
           <a:p>
             <a:pPr lvl="0"/>
             <a:r>
               <a:rPr lang="en-US" sz="1400" dirty="0" smtClean="0"/>
-              <a:t>Might be </a:t>
-            </a:r>
-            <a:r>
-              <a:rPr lang="en-US" sz="1400" dirty="0" smtClean="0"/>
-              <a:t>a hectic </a:t>
-            </a:r>
-            <a:r>
-              <a:rPr lang="en-US" sz="1400" dirty="0" smtClean="0"/>
-              <a:t>job! </a:t>
-            </a:r>
-          </a:p>
-          <a:p>
-            <a:pPr lvl="0"/>
-            <a:r>
-              <a:rPr lang="en-US" sz="1400" dirty="0" smtClean="0"/>
-              <a:t>Some </a:t>
-            </a:r>
-            <a:r>
-              <a:rPr lang="en-US" sz="1400" dirty="0" smtClean="0"/>
-              <a:t>of the possible reasons behind are – </a:t>
+              <a:t>Some of the possible reasons behind are – </a:t>
             </a:r>
           </a:p>
           <a:p>
@@ -19407,11 +19880,7 @@
             </a:pPr>
             <a:r>
               <a:rPr lang="en-US" sz="1400" dirty="0" smtClean="0"/>
-              <a:t>Complex </a:t>
-            </a:r>
-            <a:r>
-              <a:rPr lang="en-US" sz="1400" dirty="0" smtClean="0"/>
-              <a:t>folder structure </a:t>
+              <a:t>Complex folder structure </a:t>
             </a:r>
             <a:endParaRPr lang="en-US" sz="1400" dirty="0"/>
           </a:p>
@@ -19422,13 +19891,8 @@
             </a:pPr>
             <a:r>
               <a:rPr lang="en-US" sz="1400" dirty="0" smtClean="0"/>
-              <a:t>Configuration </a:t>
-            </a:r>
-            <a:r>
-              <a:rPr lang="en-US" sz="1400" dirty="0" smtClean="0"/>
-              <a:t>of files </a:t>
-            </a:r>
-            <a:endParaRPr lang="en-US" sz="1400" dirty="0" smtClean="0"/>
+              <a:t>Configuration of files </a:t>
+            </a:r>
           </a:p>
           <a:p>
             <a:pPr marL="228600" lvl="0" indent="-228600">
@@ -19578,13 +20042,8 @@
             </a:pPr>
             <a:r>
               <a:rPr lang="en-US" sz="1400" dirty="0" smtClean="0"/>
-              <a:t>Write your own </a:t>
-            </a:r>
-            <a:r>
-              <a:rPr lang="en-US" sz="1400" dirty="0" smtClean="0"/>
-              <a:t>script.</a:t>
-            </a:r>
-            <a:endParaRPr lang="en-US" sz="1400" dirty="0" smtClean="0"/>
+              <a:t>Write your own script.</a:t>
+            </a:r>
           </a:p>
           <a:p>
             <a:pPr marL="285750" lvl="0" indent="-285750">
@@ -19593,17 +20052,8 @@
             </a:pPr>
             <a:r>
               <a:rPr lang="en-US" sz="1400" dirty="0" smtClean="0"/>
-              <a:t>Create/edit files and their contents on </a:t>
-            </a:r>
-            <a:r>
-              <a:rPr lang="en-US" sz="1400" dirty="0" smtClean="0"/>
-              <a:t>the </a:t>
-            </a:r>
-            <a:r>
-              <a:rPr lang="en-US" sz="1400" dirty="0" smtClean="0"/>
-              <a:t>fly.</a:t>
-            </a:r>
-            <a:endParaRPr lang="en-US" sz="1400" dirty="0" smtClean="0"/>
+              <a:t>Create/edit files and their contents on the fly.</a:t>
+            </a:r>
           </a:p>
           <a:p>
             <a:pPr lvl="0"/>
@@ -19716,23 +20166,7 @@
             <a:pPr lvl="0"/>
             <a:r>
               <a:rPr lang="en-US" sz="1400" dirty="0" smtClean="0"/>
-              <a:t>A yeoman </a:t>
-            </a:r>
-            <a:r>
-              <a:rPr lang="en-US" sz="1400" dirty="0" smtClean="0"/>
-              <a:t>generator </a:t>
-            </a:r>
-            <a:r>
-              <a:rPr lang="en-US" sz="1400" dirty="0" smtClean="0"/>
-              <a:t>is kind of a middleware which </a:t>
-            </a:r>
-            <a:r>
-              <a:rPr lang="en-US" sz="1400" dirty="0" smtClean="0"/>
-              <a:t>takes our code </a:t>
-            </a:r>
-            <a:r>
-              <a:rPr lang="en-US" sz="1400" dirty="0" smtClean="0"/>
-              <a:t>and talks to node(fs) to scaffold our application.</a:t>
+              <a:t>A yeoman generator is kind of a middleware which takes our code and talks to node(fs) to scaffold our application.</a:t>
             </a:r>
           </a:p>
           <a:p>
@@ -20140,7 +20574,12 @@
             <p:ph type="ctrTitle"/>
           </p:nvPr>
         </p:nvSpPr>
-        <p:spPr/>
+        <p:spPr>
+          <a:xfrm>
+            <a:off x="685800" y="994465"/>
+            <a:ext cx="10360025" cy="728317"/>
+          </a:xfrm>
+        </p:spPr>
         <p:txBody>
           <a:bodyPr/>
           <a:lstStyle/>
@@ -20148,7 +20587,120 @@
             <a:pPr algn="ctr"/>
             <a:r>
               <a:rPr lang="en-US" sz="4000" dirty="0" smtClean="0"/>
-              <a:t>CODE WALK</a:t>
+              <a:t>Repo Details</a:t>
+            </a:r>
+            <a:endParaRPr lang="en-US" sz="4000" dirty="0"/>
+          </a:p>
+        </p:txBody>
+      </p:sp>
+      <p:sp>
+        <p:nvSpPr>
+          <p:cNvPr id="2" name="Rectangle 1"/>
+          <p:cNvSpPr/>
+          <p:nvPr/>
+        </p:nvSpPr>
+        <p:spPr>
+          <a:xfrm>
+            <a:off x="838200" y="1842987"/>
+            <a:ext cx="5955541" cy="369332"/>
+          </a:xfrm>
+          <a:prstGeom prst="rect">
+            <a:avLst/>
+          </a:prstGeom>
+        </p:spPr>
+        <p:txBody>
+          <a:bodyPr wrap="none">
+            <a:spAutoFit/>
+          </a:bodyPr>
+          <a:lstStyle/>
+          <a:p>
+            <a:r>
+              <a:rPr lang="en-US" dirty="0">
+                <a:solidFill>
+                  <a:srgbClr val="333333"/>
+                </a:solidFill>
+                <a:latin typeface="proxima-regular1"/>
+              </a:rPr>
+              <a:t>Clone - </a:t>
+            </a:r>
+            <a:r>
+              <a:rPr lang="en-US" dirty="0">
+                <a:solidFill>
+                  <a:srgbClr val="333333"/>
+                </a:solidFill>
+                <a:latin typeface="proxima-regular1"/>
+                <a:hlinkClick r:id="rId2"/>
+              </a:rPr>
+              <a:t>https://</a:t>
+            </a:r>
+            <a:r>
+              <a:rPr lang="en-US" dirty="0" smtClean="0">
+                <a:solidFill>
+                  <a:srgbClr val="333333"/>
+                </a:solidFill>
+                <a:latin typeface="proxima-regular1"/>
+                <a:hlinkClick r:id="rId2"/>
+              </a:rPr>
+              <a:t>github.com/dalalayan1/shell-generator.git</a:t>
+            </a:r>
+            <a:r>
+              <a:rPr lang="en-US" dirty="0" smtClean="0">
+                <a:solidFill>
+                  <a:srgbClr val="333333"/>
+                </a:solidFill>
+                <a:latin typeface="proxima-regular1"/>
+              </a:rPr>
+              <a:t> </a:t>
+            </a:r>
+            <a:endParaRPr lang="en-US" dirty="0"/>
+          </a:p>
+        </p:txBody>
+      </p:sp>
+      <p:sp>
+        <p:nvSpPr>
+          <p:cNvPr id="4" name="Title 7"/>
+          <p:cNvSpPr txBox="1">
+            <a:spLocks/>
+          </p:cNvSpPr>
+          <p:nvPr/>
+        </p:nvSpPr>
+        <p:spPr>
+          <a:xfrm>
+            <a:off x="685800" y="2896152"/>
+            <a:ext cx="10360025" cy="728317"/>
+          </a:xfrm>
+          <a:prstGeom prst="rect">
+            <a:avLst/>
+          </a:prstGeom>
+        </p:spPr>
+        <p:txBody>
+          <a:bodyPr vert="horz" lIns="0" tIns="0" rIns="0" bIns="0" rtlCol="0" anchor="t" anchorCtr="0">
+            <a:noAutofit/>
+          </a:bodyPr>
+          <a:lstStyle>
+            <a:lvl1pPr algn="l" defTabSz="457200" rtl="0" eaLnBrk="1" latinLnBrk="0" hangingPunct="1">
+              <a:lnSpc>
+                <a:spcPct val="97000"/>
+              </a:lnSpc>
+              <a:spcBef>
+                <a:spcPct val="0"/>
+              </a:spcBef>
+              <a:buNone/>
+              <a:defRPr sz="2100" kern="1200" spc="30">
+                <a:solidFill>
+                  <a:schemeClr val="tx1"/>
+                </a:solidFill>
+                <a:latin typeface="MillerDisplay"/>
+                <a:ea typeface="+mj-ea"/>
+                <a:cs typeface="+mj-cs"/>
+              </a:defRPr>
+            </a:lvl1pPr>
+          </a:lstStyle>
+          <a:p>
+            <a:pPr algn="ctr"/>
+            <a:r>
+              <a:rPr lang="en-US" sz="4000" dirty="0" smtClean="0"/>
+              <a:t>FEEL FREE TO CONTRIBUTE!</a:t>
             </a:r>
             <a:endParaRPr lang="en-US" sz="4000" dirty="0"/>
           </a:p>

--- a/generators.pptx
+++ b/generators.pptx
@@ -19,11 +19,12 @@
     <p:sldId id="287" r:id="rId13"/>
     <p:sldId id="285" r:id="rId14"/>
     <p:sldId id="288" r:id="rId15"/>
-    <p:sldId id="289" r:id="rId16"/>
-    <p:sldId id="290" r:id="rId17"/>
-    <p:sldId id="291" r:id="rId18"/>
-    <p:sldId id="292" r:id="rId19"/>
-    <p:sldId id="282" r:id="rId20"/>
+    <p:sldId id="293" r:id="rId16"/>
+    <p:sldId id="289" r:id="rId17"/>
+    <p:sldId id="290" r:id="rId18"/>
+    <p:sldId id="291" r:id="rId19"/>
+    <p:sldId id="292" r:id="rId20"/>
+    <p:sldId id="282" r:id="rId21"/>
   </p:sldIdLst>
   <p:sldSz cx="12188825" cy="6858000"/>
   <p:notesSz cx="6858000" cy="9144000"/>
@@ -124,7 +125,7 @@
   </p:defaultTextStyle>
   <p:extLst>
     <p:ext uri="{EFAFB233-063F-42B5-8137-9DF3F51BA10A}">
-      <p15:sldGuideLst xmlns:p15="http://schemas.microsoft.com/office/powerpoint/2012/main">
+      <p15:sldGuideLst xmlns:p15="http://schemas.microsoft.com/office/powerpoint/2012/main" xmlns="">
         <p15:guide id="1" orient="horz" pos="3776">
           <p15:clr>
             <a:srgbClr val="A4A3A4"/>
@@ -17924,8 +17925,8 @@
         </p:nvSpPr>
         <p:spPr>
           <a:xfrm>
-            <a:off x="685800" y="1140791"/>
-            <a:ext cx="10360025" cy="714513"/>
+            <a:off x="685800" y="994465"/>
+            <a:ext cx="10360025" cy="728317"/>
           </a:xfrm>
         </p:spPr>
         <p:txBody>
@@ -17935,7 +17936,7 @@
             <a:pPr algn="ctr"/>
             <a:r>
               <a:rPr lang="en-US" sz="4000" dirty="0" smtClean="0"/>
-              <a:t>Good-to-have features</a:t>
+              <a:t>Repo Details</a:t>
             </a:r>
             <a:endParaRPr lang="en-US" sz="4000" dirty="0"/>
           </a:p>
@@ -17943,14 +17944,14 @@
       </p:sp>
       <p:sp>
         <p:nvSpPr>
-          <p:cNvPr id="3" name="Rectangle 2"/>
+          <p:cNvPr id="2" name="Rectangle 1"/>
           <p:cNvSpPr/>
           <p:nvPr/>
         </p:nvSpPr>
         <p:spPr>
           <a:xfrm>
-            <a:off x="838200" y="2333318"/>
-            <a:ext cx="8731878" cy="1200329"/>
+            <a:off x="838200" y="1842987"/>
+            <a:ext cx="5955541" cy="369332"/>
           </a:xfrm>
           <a:prstGeom prst="rect">
             <a:avLst/>
@@ -17962,104 +17963,102 @@
           </a:bodyPr>
           <a:lstStyle/>
           <a:p>
-            <a:pPr marL="285750" indent="-285750">
-              <a:buFont typeface="Arial" panose="020B0604020202020204" pitchFamily="34" charset="0"/>
-              <a:buChar char="•"/>
-            </a:pPr>
-            <a:r>
-              <a:rPr lang="en-US" dirty="0" smtClean="0"/>
-              <a:t>Create sub-generators to generate </a:t>
-            </a:r>
-            <a:r>
-              <a:rPr lang="en-US" b="1" dirty="0" smtClean="0"/>
-              <a:t>components</a:t>
-            </a:r>
-            <a:r>
-              <a:rPr lang="en-US" dirty="0" smtClean="0"/>
-              <a:t>, or change </a:t>
-            </a:r>
-            <a:r>
-              <a:rPr lang="en-US" b="1" dirty="0" smtClean="0"/>
-              <a:t>file configurations</a:t>
-            </a:r>
-            <a:r>
-              <a:rPr lang="en-US" dirty="0" smtClean="0"/>
-              <a:t>.</a:t>
-            </a:r>
-          </a:p>
-          <a:p>
-            <a:pPr marL="285750" indent="-285750">
-              <a:buFont typeface="Arial" panose="020B0604020202020204" pitchFamily="34" charset="0"/>
-              <a:buChar char="•"/>
-            </a:pPr>
-            <a:r>
-              <a:rPr lang="en-US" dirty="0" smtClean="0"/>
-              <a:t>Add trending frameworks like </a:t>
-            </a:r>
-            <a:r>
-              <a:rPr lang="en-US" b="1" dirty="0" smtClean="0"/>
-              <a:t>Angular2, </a:t>
-            </a:r>
-            <a:r>
-              <a:rPr lang="en-US" b="1" dirty="0" err="1" smtClean="0"/>
-              <a:t>Preact</a:t>
-            </a:r>
-            <a:r>
-              <a:rPr lang="en-US" dirty="0" smtClean="0"/>
-              <a:t>.</a:t>
-            </a:r>
-          </a:p>
-          <a:p>
-            <a:pPr marL="285750" indent="-285750">
-              <a:buFont typeface="Arial" panose="020B0604020202020204" pitchFamily="34" charset="0"/>
-              <a:buChar char="•"/>
-            </a:pPr>
-            <a:r>
-              <a:rPr lang="en-US" dirty="0" smtClean="0"/>
-              <a:t>Provide basic test cases with required testing frameworks(</a:t>
-            </a:r>
-            <a:r>
-              <a:rPr lang="en-US" b="1" dirty="0" err="1" smtClean="0"/>
-              <a:t>chai,mocha</a:t>
-            </a:r>
-            <a:r>
-              <a:rPr lang="en-US" dirty="0" smtClean="0"/>
-              <a:t>).</a:t>
-            </a:r>
-          </a:p>
-          <a:p>
-            <a:pPr marL="285750" indent="-285750">
-              <a:buFont typeface="Arial" panose="020B0604020202020204" pitchFamily="34" charset="0"/>
-              <a:buChar char="•"/>
-            </a:pPr>
-            <a:r>
-              <a:rPr lang="en-US" dirty="0" smtClean="0"/>
-              <a:t>Create </a:t>
-            </a:r>
-            <a:r>
-              <a:rPr lang="en-US" dirty="0" err="1" smtClean="0"/>
-              <a:t>git</a:t>
-            </a:r>
-            <a:r>
-              <a:rPr lang="en-US" dirty="0" smtClean="0"/>
-              <a:t> repo and for the generated codebase(using </a:t>
-            </a:r>
-            <a:r>
-              <a:rPr lang="en-US" b="1" dirty="0" err="1" smtClean="0"/>
-              <a:t>gitclick</a:t>
-            </a:r>
-            <a:r>
-              <a:rPr lang="en-US" b="1" dirty="0" smtClean="0"/>
-              <a:t>).</a:t>
+            <a:r>
+              <a:rPr lang="en-US" dirty="0">
+                <a:solidFill>
+                  <a:srgbClr val="333333"/>
+                </a:solidFill>
+                <a:latin typeface="proxima-regular1"/>
+              </a:rPr>
+              <a:t>Clone - </a:t>
+            </a:r>
+            <a:r>
+              <a:rPr lang="en-US" dirty="0">
+                <a:solidFill>
+                  <a:srgbClr val="333333"/>
+                </a:solidFill>
+                <a:latin typeface="proxima-regular1"/>
+                <a:hlinkClick r:id="rId2"/>
+              </a:rPr>
+              <a:t>https://</a:t>
+            </a:r>
+            <a:r>
+              <a:rPr lang="en-US" dirty="0" smtClean="0">
+                <a:solidFill>
+                  <a:srgbClr val="333333"/>
+                </a:solidFill>
+                <a:latin typeface="proxima-regular1"/>
+                <a:hlinkClick r:id="rId2"/>
+              </a:rPr>
+              <a:t>github.com/dalalayan1/shell-generator.git</a:t>
+            </a:r>
+            <a:r>
+              <a:rPr lang="en-US" dirty="0" smtClean="0">
+                <a:solidFill>
+                  <a:srgbClr val="333333"/>
+                </a:solidFill>
+                <a:latin typeface="proxima-regular1"/>
+              </a:rPr>
+              <a:t> </a:t>
             </a:r>
             <a:endParaRPr lang="en-US" dirty="0"/>
+          </a:p>
+        </p:txBody>
+      </p:sp>
+      <p:sp>
+        <p:nvSpPr>
+          <p:cNvPr id="4" name="Title 7"/>
+          <p:cNvSpPr txBox="1">
+            <a:spLocks/>
+          </p:cNvSpPr>
+          <p:nvPr/>
+        </p:nvSpPr>
+        <p:spPr>
+          <a:xfrm>
+            <a:off x="685800" y="2896152"/>
+            <a:ext cx="10360025" cy="728317"/>
+          </a:xfrm>
+          <a:prstGeom prst="rect">
+            <a:avLst/>
+          </a:prstGeom>
+        </p:spPr>
+        <p:txBody>
+          <a:bodyPr vert="horz" lIns="0" tIns="0" rIns="0" bIns="0" rtlCol="0" anchor="t" anchorCtr="0">
+            <a:noAutofit/>
+          </a:bodyPr>
+          <a:lstStyle>
+            <a:lvl1pPr algn="l" defTabSz="457200" rtl="0" eaLnBrk="1" latinLnBrk="0" hangingPunct="1">
+              <a:lnSpc>
+                <a:spcPct val="97000"/>
+              </a:lnSpc>
+              <a:spcBef>
+                <a:spcPct val="0"/>
+              </a:spcBef>
+              <a:buNone/>
+              <a:defRPr sz="2100" kern="1200" spc="30">
+                <a:solidFill>
+                  <a:schemeClr val="tx1"/>
+                </a:solidFill>
+                <a:latin typeface="MillerDisplay"/>
+                <a:ea typeface="+mj-ea"/>
+                <a:cs typeface="+mj-cs"/>
+              </a:defRPr>
+            </a:lvl1pPr>
+          </a:lstStyle>
+          <a:p>
+            <a:pPr algn="ctr"/>
+            <a:r>
+              <a:rPr lang="en-US" sz="4000" dirty="0" smtClean="0"/>
+              <a:t>FEEL FREE TO CONTRIBUTE!</a:t>
+            </a:r>
+            <a:endParaRPr lang="en-US" sz="4000" dirty="0"/>
           </a:p>
         </p:txBody>
       </p:sp>
     </p:spTree>
     <p:extLst>
       <p:ext uri="{BB962C8B-B14F-4D97-AF65-F5344CB8AC3E}">
-        <p14:creationId xmlns:p14="http://schemas.microsoft.com/office/powerpoint/2010/main" val="681104022"/>
+        <p14:creationId xmlns:p14="http://schemas.microsoft.com/office/powerpoint/2010/main" val="770327104"/>
       </p:ext>
     </p:extLst>
   </p:cSld>
@@ -18105,8 +18104,8 @@
         </p:nvSpPr>
         <p:spPr>
           <a:xfrm>
-            <a:off x="566530" y="1921323"/>
-            <a:ext cx="10360025" cy="1231106"/>
+            <a:off x="685800" y="1140791"/>
+            <a:ext cx="10360025" cy="714513"/>
           </a:xfrm>
         </p:spPr>
         <p:txBody>
@@ -18116,37 +18115,105 @@
             <a:pPr algn="ctr"/>
             <a:r>
               <a:rPr lang="en-US" sz="4000" dirty="0" smtClean="0"/>
-              <a:t>Questions?</a:t>
-            </a:r>
-            <a:br>
-              <a:rPr lang="en-US" sz="4000" dirty="0" smtClean="0"/>
-            </a:br>
-            <a:r>
-              <a:rPr lang="en-US" sz="4000" dirty="0"/>
-              <a:t/>
-            </a:r>
-            <a:br>
-              <a:rPr lang="en-US" sz="4000" dirty="0"/>
-            </a:br>
-            <a:r>
-              <a:rPr lang="en-US" sz="4000" dirty="0" smtClean="0"/>
-              <a:t/>
-            </a:r>
-            <a:br>
-              <a:rPr lang="en-US" sz="4000" dirty="0" smtClean="0"/>
-            </a:br>
-            <a:r>
-              <a:rPr lang="en-US" sz="4000" dirty="0" smtClean="0"/>
-              <a:t>Feedback?</a:t>
+              <a:t>Good-to-have features</a:t>
             </a:r>
             <a:endParaRPr lang="en-US" sz="4000" dirty="0"/>
+          </a:p>
+        </p:txBody>
+      </p:sp>
+      <p:sp>
+        <p:nvSpPr>
+          <p:cNvPr id="3" name="Rectangle 2"/>
+          <p:cNvSpPr/>
+          <p:nvPr/>
+        </p:nvSpPr>
+        <p:spPr>
+          <a:xfrm>
+            <a:off x="838200" y="2333318"/>
+            <a:ext cx="9565760" cy="923330"/>
+          </a:xfrm>
+          <a:prstGeom prst="rect">
+            <a:avLst/>
+          </a:prstGeom>
+        </p:spPr>
+        <p:txBody>
+          <a:bodyPr wrap="none">
+            <a:spAutoFit/>
+          </a:bodyPr>
+          <a:lstStyle/>
+          <a:p>
+            <a:pPr marL="285750" indent="-285750">
+              <a:buFont typeface="Arial" panose="020B0604020202020204" pitchFamily="34" charset="0"/>
+              <a:buChar char="•"/>
+            </a:pPr>
+            <a:r>
+              <a:rPr lang="en-US" dirty="0" smtClean="0"/>
+              <a:t>Create sub-generators to generate </a:t>
+            </a:r>
+            <a:r>
+              <a:rPr lang="en-US" b="1" dirty="0" smtClean="0"/>
+              <a:t>components</a:t>
+            </a:r>
+            <a:r>
+              <a:rPr lang="en-US" dirty="0" smtClean="0"/>
+              <a:t>, or change </a:t>
+            </a:r>
+            <a:r>
+              <a:rPr lang="en-US" b="1" dirty="0" smtClean="0"/>
+              <a:t>file configurations</a:t>
+            </a:r>
+            <a:r>
+              <a:rPr lang="en-US" dirty="0" smtClean="0"/>
+              <a:t>.</a:t>
+            </a:r>
+          </a:p>
+          <a:p>
+            <a:pPr marL="285750" indent="-285750">
+              <a:buFont typeface="Arial" panose="020B0604020202020204" pitchFamily="34" charset="0"/>
+              <a:buChar char="•"/>
+            </a:pPr>
+            <a:r>
+              <a:rPr lang="en-US" dirty="0" smtClean="0"/>
+              <a:t>Add trending frameworks like </a:t>
+            </a:r>
+            <a:r>
+              <a:rPr lang="en-US" b="1" dirty="0" smtClean="0"/>
+              <a:t>Angular2, </a:t>
+            </a:r>
+            <a:r>
+              <a:rPr lang="en-US" b="1" dirty="0" err="1" smtClean="0"/>
+              <a:t>Preact</a:t>
+            </a:r>
+            <a:r>
+              <a:rPr lang="en-US" dirty="0" smtClean="0"/>
+              <a:t>.</a:t>
+            </a:r>
+          </a:p>
+          <a:p>
+            <a:pPr marL="285750" indent="-285750">
+              <a:buFont typeface="Arial" panose="020B0604020202020204" pitchFamily="34" charset="0"/>
+              <a:buChar char="•"/>
+            </a:pPr>
+            <a:r>
+              <a:rPr lang="en-US" dirty="0" smtClean="0"/>
+              <a:t>Provide basic test cases with required testing frameworks(</a:t>
+            </a:r>
+            <a:r>
+              <a:rPr lang="en-US" b="1" dirty="0" err="1" smtClean="0"/>
+              <a:t>chai,mocha</a:t>
+            </a:r>
+            <a:r>
+              <a:rPr lang="en-US" dirty="0" smtClean="0"/>
+              <a:t>).</a:t>
+            </a:r>
+            <a:endParaRPr lang="en-US" dirty="0"/>
           </a:p>
         </p:txBody>
       </p:sp>
     </p:spTree>
     <p:extLst>
       <p:ext uri="{BB962C8B-B14F-4D97-AF65-F5344CB8AC3E}">
-        <p14:creationId xmlns:p14="http://schemas.microsoft.com/office/powerpoint/2010/main" val="923078205"/>
+        <p14:creationId xmlns:p14="http://schemas.microsoft.com/office/powerpoint/2010/main" val="681104022"/>
       </p:ext>
     </p:extLst>
   </p:cSld>
@@ -18192,6 +18259,93 @@
         </p:nvSpPr>
         <p:spPr>
           <a:xfrm>
+            <a:off x="566530" y="1921323"/>
+            <a:ext cx="10360025" cy="1231106"/>
+          </a:xfrm>
+        </p:spPr>
+        <p:txBody>
+          <a:bodyPr/>
+          <a:lstStyle/>
+          <a:p>
+            <a:pPr algn="ctr"/>
+            <a:r>
+              <a:rPr lang="en-US" sz="4000" dirty="0" smtClean="0"/>
+              <a:t>Questions?</a:t>
+            </a:r>
+            <a:br>
+              <a:rPr lang="en-US" sz="4000" dirty="0" smtClean="0"/>
+            </a:br>
+            <a:r>
+              <a:rPr lang="en-US" sz="4000" dirty="0"/>
+              <a:t/>
+            </a:r>
+            <a:br>
+              <a:rPr lang="en-US" sz="4000" dirty="0"/>
+            </a:br>
+            <a:r>
+              <a:rPr lang="en-US" sz="4000" dirty="0" smtClean="0"/>
+              <a:t/>
+            </a:r>
+            <a:br>
+              <a:rPr lang="en-US" sz="4000" dirty="0" smtClean="0"/>
+            </a:br>
+            <a:r>
+              <a:rPr lang="en-US" sz="4000" dirty="0" smtClean="0"/>
+              <a:t>Feedback?</a:t>
+            </a:r>
+            <a:endParaRPr lang="en-US" sz="4000" dirty="0"/>
+          </a:p>
+        </p:txBody>
+      </p:sp>
+    </p:spTree>
+    <p:extLst>
+      <p:ext uri="{BB962C8B-B14F-4D97-AF65-F5344CB8AC3E}">
+        <p14:creationId xmlns:p14="http://schemas.microsoft.com/office/powerpoint/2010/main" val="923078205"/>
+      </p:ext>
+    </p:extLst>
+  </p:cSld>
+  <p:clrMapOvr>
+    <a:masterClrMapping/>
+  </p:clrMapOvr>
+  <p:timing>
+    <p:tnLst>
+      <p:par>
+        <p:cTn id="1" dur="indefinite" restart="never" nodeType="tmRoot"/>
+      </p:par>
+    </p:tnLst>
+  </p:timing>
+</p:sld>
+</file>
+
+<file path=ppt/slides/slide13.xml><?xml version="1.0" encoding="utf-8"?>
+<p:sld xmlns:a="http://schemas.openxmlformats.org/drawingml/2006/main" xmlns:r="http://schemas.openxmlformats.org/officeDocument/2006/relationships" xmlns:p="http://schemas.openxmlformats.org/presentationml/2006/main">
+  <p:cSld>
+    <p:spTree>
+      <p:nvGrpSpPr>
+        <p:cNvPr id="1" name=""/>
+        <p:cNvGrpSpPr/>
+        <p:nvPr/>
+      </p:nvGrpSpPr>
+      <p:grpSpPr>
+        <a:xfrm>
+          <a:off x="0" y="0"/>
+          <a:ext cx="0" cy="0"/>
+          <a:chOff x="0" y="0"/>
+          <a:chExt cx="0" cy="0"/>
+        </a:xfrm>
+      </p:grpSpPr>
+      <p:sp>
+        <p:nvSpPr>
+          <p:cNvPr id="8" name="Title 7"/>
+          <p:cNvSpPr>
+            <a:spLocks noGrp="1"/>
+          </p:cNvSpPr>
+          <p:nvPr>
+            <p:ph type="ctrTitle"/>
+          </p:nvPr>
+        </p:nvSpPr>
+        <p:spPr>
+          <a:xfrm>
             <a:off x="570416" y="2158313"/>
             <a:ext cx="10360025" cy="807278"/>
           </a:xfrm>
@@ -18251,7 +18405,7 @@
         </p:nvSpPr>
         <p:spPr>
           <a:xfrm>
-            <a:off x="1229139" y="3890448"/>
+            <a:off x="7949428" y="3919157"/>
             <a:ext cx="2470548" cy="646331"/>
           </a:xfrm>
           <a:prstGeom prst="rect">
@@ -18306,7 +18460,7 @@
         </p:nvSpPr>
         <p:spPr>
           <a:xfrm>
-            <a:off x="7868478" y="3890448"/>
+            <a:off x="1176913" y="3922168"/>
             <a:ext cx="2624436" cy="646331"/>
           </a:xfrm>
           <a:prstGeom prst="rect">
@@ -18382,7 +18536,7 @@
 </p:sld>
 </file>
 
-<file path=ppt/slides/slide13.xml><?xml version="1.0" encoding="utf-8"?>
+<file path=ppt/slides/slide14.xml><?xml version="1.0" encoding="utf-8"?>
 <p:sld xmlns:a="http://schemas.openxmlformats.org/drawingml/2006/main" xmlns:r="http://schemas.openxmlformats.org/officeDocument/2006/relationships" xmlns:p="http://schemas.openxmlformats.org/presentationml/2006/main">
   <p:cSld>
     <p:spTree>
@@ -18482,6 +18636,81 @@
               <a:rPr lang="en-US" dirty="0"/>
               <a:t>2017</a:t>
             </a:r>
+          </a:p>
+        </p:txBody>
+      </p:sp>
+      <p:sp>
+        <p:nvSpPr>
+          <p:cNvPr id="4" name="Title 8"/>
+          <p:cNvSpPr txBox="1">
+            <a:spLocks/>
+          </p:cNvSpPr>
+          <p:nvPr/>
+        </p:nvSpPr>
+        <p:spPr>
+          <a:xfrm>
+            <a:off x="8005445" y="3656806"/>
+            <a:ext cx="2423160" cy="705578"/>
+          </a:xfrm>
+          <a:prstGeom prst="rect">
+            <a:avLst/>
+          </a:prstGeom>
+        </p:spPr>
+        <p:txBody>
+          <a:bodyPr vert="horz" lIns="0" tIns="0" rIns="0" bIns="0" rtlCol="0" anchor="t" anchorCtr="0">
+            <a:noAutofit/>
+          </a:bodyPr>
+          <a:lstStyle>
+            <a:lvl1pPr algn="l" defTabSz="457200" rtl="0" eaLnBrk="1" latinLnBrk="0" hangingPunct="1">
+              <a:lnSpc>
+                <a:spcPct val="97000"/>
+              </a:lnSpc>
+              <a:spcBef>
+                <a:spcPct val="0"/>
+              </a:spcBef>
+              <a:buNone/>
+              <a:defRPr sz="4000" kern="1200">
+                <a:solidFill>
+                  <a:schemeClr val="tx1"/>
+                </a:solidFill>
+                <a:latin typeface="MillerDisplay"/>
+                <a:ea typeface="+mj-ea"/>
+                <a:cs typeface="+mj-cs"/>
+              </a:defRPr>
+            </a:lvl1pPr>
+          </a:lstStyle>
+          <a:p>
+            <a:pPr marL="285750" indent="-285750">
+              <a:buFontTx/>
+              <a:buChar char="-"/>
+            </a:pPr>
+            <a:r>
+              <a:rPr lang="en-US" sz="1800" dirty="0" smtClean="0">
+                <a:latin typeface="+mn-lt"/>
+              </a:rPr>
+              <a:t>Arkadyuti Sarkar</a:t>
+            </a:r>
+          </a:p>
+          <a:p>
+            <a:pPr marL="285750" indent="-285750">
+              <a:buFontTx/>
+              <a:buChar char="-"/>
+            </a:pPr>
+            <a:r>
+              <a:rPr lang="en-US" sz="1800" dirty="0">
+                <a:latin typeface="+mn-lt"/>
+              </a:rPr>
+              <a:t>Ayan Dalal</a:t>
+            </a:r>
+          </a:p>
+          <a:p>
+            <a:pPr marL="285750" indent="-285750">
+              <a:buFontTx/>
+              <a:buChar char="-"/>
+            </a:pPr>
+            <a:endParaRPr lang="en-US" sz="1800" dirty="0">
+              <a:latin typeface="+mn-lt"/>
+            </a:endParaRPr>
           </a:p>
         </p:txBody>
       </p:sp>
@@ -19854,22 +20083,24 @@
               <a:rPr lang="en-US" sz="1400" dirty="0" smtClean="0"/>
               <a:t>Might be a hectic job! </a:t>
             </a:r>
+            <a:endParaRPr lang="en-US" sz="1400" dirty="0" smtClean="0"/>
           </a:p>
           <a:p>
             <a:pPr lvl="0"/>
-            <a:r>
-              <a:rPr lang="en-US" sz="1400" dirty="0" smtClean="0"/>
-              <a:t>Some of the possible reasons behind are – </a:t>
-            </a:r>
-          </a:p>
-          <a:p>
-            <a:pPr marL="228600" lvl="0" indent="-228600">
+            <a:endParaRPr lang="en-US" sz="1400" dirty="0"/>
+          </a:p>
+          <a:p>
+            <a:pPr marL="342900" lvl="0" indent="-342900">
               <a:buFont typeface="+mj-lt"/>
               <a:buAutoNum type="arabicPeriod"/>
             </a:pPr>
             <a:r>
               <a:rPr lang="en-US" sz="1400" dirty="0" smtClean="0"/>
-              <a:t>Time consuming</a:t>
+              <a:t>Time </a:t>
+            </a:r>
+            <a:r>
+              <a:rPr lang="en-US" sz="1400" dirty="0" smtClean="0"/>
+              <a:t>consuming</a:t>
             </a:r>
             <a:endParaRPr lang="en-US" sz="1400" dirty="0"/>
           </a:p>
@@ -20017,6 +20248,16 @@
           <a:bodyPr/>
           <a:lstStyle/>
           <a:p>
+            <a:pPr marL="285750" indent="-285750">
+              <a:buFont typeface="Arial" panose="020B0604020202020204" pitchFamily="34" charset="0"/>
+              <a:buChar char="•"/>
+            </a:pPr>
+            <a:r>
+              <a:rPr lang="en-US" sz="1400" dirty="0"/>
+              <a:t>Write your own script.</a:t>
+            </a:r>
+          </a:p>
+          <a:p>
             <a:pPr marL="285750" lvl="0" indent="-285750">
               <a:buFont typeface="Arial" panose="020B0604020202020204" pitchFamily="34" charset="0"/>
               <a:buChar char="•"/>
@@ -20042,17 +20283,11 @@
             </a:pPr>
             <a:r>
               <a:rPr lang="en-US" sz="1400" dirty="0" smtClean="0"/>
-              <a:t>Write your own script.</a:t>
-            </a:r>
-          </a:p>
-          <a:p>
-            <a:pPr marL="285750" lvl="0" indent="-285750">
-              <a:buFont typeface="Arial" panose="020B0604020202020204" pitchFamily="34" charset="0"/>
-              <a:buChar char="•"/>
-            </a:pPr>
+              <a:t>Create/edit </a:t>
+            </a:r>
             <a:r>
               <a:rPr lang="en-US" sz="1400" dirty="0" smtClean="0"/>
-              <a:t>Create/edit files and their contents on the fly.</a:t>
+              <a:t>files and their contents on the fly.</a:t>
             </a:r>
           </a:p>
           <a:p>
@@ -20061,23 +20296,778 @@
           </a:p>
         </p:txBody>
       </p:sp>
-      <p:sp>
-        <p:nvSpPr>
-          <p:cNvPr id="4" name="Picture Placeholder 3"/>
-          <p:cNvSpPr>
-            <a:spLocks noGrp="1"/>
-          </p:cNvSpPr>
-          <p:nvPr>
-            <p:ph type="pic" sz="quarter" idx="11"/>
-          </p:nvPr>
-        </p:nvSpPr>
+      <p:grpSp>
+        <p:nvGrpSpPr>
+          <p:cNvPr id="5" name="Group 4"/>
+          <p:cNvGrpSpPr/>
+          <p:nvPr/>
+        </p:nvGrpSpPr>
+        <p:grpSpPr>
+          <a:xfrm>
+            <a:off x="5648785" y="2203036"/>
+            <a:ext cx="1820115" cy="453337"/>
+            <a:chOff x="0" y="1768387"/>
+            <a:chExt cx="1417884" cy="810002"/>
+          </a:xfrm>
+        </p:grpSpPr>
+        <p:sp>
+          <p:nvSpPr>
+            <p:cNvPr id="6" name="Rounded Rectangle 5"/>
+            <p:cNvSpPr/>
+            <p:nvPr/>
+          </p:nvSpPr>
+          <p:spPr>
+            <a:xfrm>
+              <a:off x="0" y="1768387"/>
+              <a:ext cx="1417884" cy="810002"/>
+            </a:xfrm>
+            <a:prstGeom prst="roundRect">
+              <a:avLst>
+                <a:gd name="adj" fmla="val 10000"/>
+              </a:avLst>
+            </a:prstGeom>
+          </p:spPr>
+          <p:style>
+            <a:lnRef idx="2">
+              <a:schemeClr val="accent2"/>
+            </a:lnRef>
+            <a:fillRef idx="1">
+              <a:schemeClr val="lt1"/>
+            </a:fillRef>
+            <a:effectRef idx="0">
+              <a:schemeClr val="accent2"/>
+            </a:effectRef>
+            <a:fontRef idx="minor">
+              <a:schemeClr val="dk1"/>
+            </a:fontRef>
+          </p:style>
+          <p:txBody>
+            <a:bodyPr/>
+            <a:lstStyle/>
+            <a:p>
+              <a:pPr algn="ctr"/>
+              <a:r>
+                <a:rPr lang="en-US" dirty="0" err="1" smtClean="0"/>
+                <a:t>Config</a:t>
+              </a:r>
+              <a:r>
+                <a:rPr lang="en-US" dirty="0" smtClean="0"/>
+                <a:t> files</a:t>
+              </a:r>
+              <a:endParaRPr lang="en-US" dirty="0"/>
+            </a:p>
+          </p:txBody>
+        </p:sp>
+        <p:sp>
+          <p:nvSpPr>
+            <p:cNvPr id="7" name="Rounded Rectangle 4"/>
+            <p:cNvSpPr/>
+            <p:nvPr/>
+          </p:nvSpPr>
+          <p:spPr>
+            <a:xfrm>
+              <a:off x="23724" y="1792111"/>
+              <a:ext cx="1370436" cy="762554"/>
+            </a:xfrm>
+            <a:prstGeom prst="rect">
+              <a:avLst/>
+            </a:prstGeom>
+          </p:spPr>
+          <p:style>
+            <a:lnRef idx="0">
+              <a:scrgbClr r="0" g="0" b="0"/>
+            </a:lnRef>
+            <a:fillRef idx="0">
+              <a:scrgbClr r="0" g="0" b="0"/>
+            </a:fillRef>
+            <a:effectRef idx="0">
+              <a:scrgbClr r="0" g="0" b="0"/>
+            </a:effectRef>
+            <a:fontRef idx="minor">
+              <a:schemeClr val="lt1"/>
+            </a:fontRef>
+          </p:style>
+          <p:txBody>
+            <a:bodyPr spcFirstLastPara="0" vert="horz" wrap="square" lIns="6985" tIns="6985" rIns="6985" bIns="6985" numCol="1" spcCol="1270" anchor="ctr" anchorCtr="0">
+              <a:noAutofit/>
+            </a:bodyPr>
+            <a:lstStyle/>
+            <a:p>
+              <a:pPr algn="ctr"/>
+              <a:endParaRPr lang="en-US" sz="1100" dirty="0" smtClean="0">
+                <a:solidFill>
+                  <a:schemeClr val="tx1"/>
+                </a:solidFill>
+              </a:endParaRPr>
+            </a:p>
+          </p:txBody>
+        </p:sp>
+      </p:grpSp>
+      <p:grpSp>
+        <p:nvGrpSpPr>
+          <p:cNvPr id="8" name="Group 7"/>
+          <p:cNvGrpSpPr/>
+          <p:nvPr/>
+        </p:nvGrpSpPr>
+        <p:grpSpPr>
+          <a:xfrm>
+            <a:off x="5100811" y="3738360"/>
+            <a:ext cx="3183874" cy="2398035"/>
+            <a:chOff x="0" y="1768387"/>
+            <a:chExt cx="1417884" cy="810002"/>
+          </a:xfrm>
+        </p:grpSpPr>
+        <p:sp>
+          <p:nvSpPr>
+            <p:cNvPr id="10" name="Rounded Rectangle 9"/>
+            <p:cNvSpPr/>
+            <p:nvPr/>
+          </p:nvSpPr>
+          <p:spPr>
+            <a:xfrm>
+              <a:off x="0" y="1768387"/>
+              <a:ext cx="1417884" cy="810002"/>
+            </a:xfrm>
+            <a:prstGeom prst="roundRect">
+              <a:avLst>
+                <a:gd name="adj" fmla="val 10000"/>
+              </a:avLst>
+            </a:prstGeom>
+          </p:spPr>
+          <p:style>
+            <a:lnRef idx="2">
+              <a:schemeClr val="accent2"/>
+            </a:lnRef>
+            <a:fillRef idx="1">
+              <a:schemeClr val="lt1"/>
+            </a:fillRef>
+            <a:effectRef idx="0">
+              <a:schemeClr val="accent2"/>
+            </a:effectRef>
+            <a:fontRef idx="minor">
+              <a:schemeClr val="dk1"/>
+            </a:fontRef>
+          </p:style>
+          <p:txBody>
+            <a:bodyPr/>
+            <a:lstStyle/>
+            <a:p>
+              <a:r>
+                <a:rPr lang="en-US" dirty="0" smtClean="0"/>
+                <a:t>	Folder1</a:t>
+              </a:r>
+            </a:p>
+            <a:p>
+              <a:r>
+                <a:rPr lang="en-US" dirty="0"/>
+                <a:t>	</a:t>
+              </a:r>
+              <a:r>
+                <a:rPr lang="en-US" dirty="0" smtClean="0"/>
+                <a:t>	 sub-folder1</a:t>
+              </a:r>
+            </a:p>
+            <a:p>
+              <a:r>
+                <a:rPr lang="en-US" dirty="0"/>
+                <a:t>	</a:t>
+              </a:r>
+              <a:r>
+                <a:rPr lang="en-US" dirty="0" smtClean="0"/>
+                <a:t>	 sub-folder2</a:t>
+              </a:r>
+            </a:p>
+            <a:p>
+              <a:r>
+                <a:rPr lang="en-US" dirty="0"/>
+                <a:t>	</a:t>
+              </a:r>
+              <a:r>
+                <a:rPr lang="en-US" dirty="0" smtClean="0"/>
+                <a:t>		file1</a:t>
+              </a:r>
+            </a:p>
+            <a:p>
+              <a:r>
+                <a:rPr lang="en-US" dirty="0"/>
+                <a:t>	</a:t>
+              </a:r>
+              <a:r>
+                <a:rPr lang="en-US" dirty="0" smtClean="0"/>
+                <a:t>Folder2</a:t>
+              </a:r>
+            </a:p>
+            <a:p>
+              <a:r>
+                <a:rPr lang="en-US" dirty="0"/>
+                <a:t>	</a:t>
+              </a:r>
+              <a:r>
+                <a:rPr lang="en-US" dirty="0" smtClean="0"/>
+                <a:t>	  sub-folder1</a:t>
+              </a:r>
+            </a:p>
+            <a:p>
+              <a:r>
+                <a:rPr lang="en-US" dirty="0"/>
+                <a:t>	</a:t>
+              </a:r>
+              <a:r>
+                <a:rPr lang="en-US" dirty="0" smtClean="0"/>
+                <a:t>Folder3</a:t>
+              </a:r>
+            </a:p>
+            <a:p>
+              <a:r>
+                <a:rPr lang="en-US" dirty="0"/>
+                <a:t>	</a:t>
+              </a:r>
+              <a:r>
+                <a:rPr lang="en-US" dirty="0" smtClean="0"/>
+                <a:t>	  file1</a:t>
+              </a:r>
+              <a:endParaRPr lang="en-US" dirty="0"/>
+            </a:p>
+          </p:txBody>
+        </p:sp>
+        <p:sp>
+          <p:nvSpPr>
+            <p:cNvPr id="11" name="Rounded Rectangle 4"/>
+            <p:cNvSpPr/>
+            <p:nvPr/>
+          </p:nvSpPr>
+          <p:spPr>
+            <a:xfrm>
+              <a:off x="23724" y="1792111"/>
+              <a:ext cx="1370436" cy="762554"/>
+            </a:xfrm>
+            <a:prstGeom prst="rect">
+              <a:avLst/>
+            </a:prstGeom>
+          </p:spPr>
+          <p:style>
+            <a:lnRef idx="0">
+              <a:scrgbClr r="0" g="0" b="0"/>
+            </a:lnRef>
+            <a:fillRef idx="0">
+              <a:scrgbClr r="0" g="0" b="0"/>
+            </a:fillRef>
+            <a:effectRef idx="0">
+              <a:scrgbClr r="0" g="0" b="0"/>
+            </a:effectRef>
+            <a:fontRef idx="minor">
+              <a:schemeClr val="lt1"/>
+            </a:fontRef>
+          </p:style>
+          <p:txBody>
+            <a:bodyPr spcFirstLastPara="0" vert="horz" wrap="square" lIns="6985" tIns="6985" rIns="6985" bIns="6985" numCol="1" spcCol="1270" anchor="ctr" anchorCtr="0">
+              <a:noAutofit/>
+            </a:bodyPr>
+            <a:lstStyle/>
+            <a:p>
+              <a:pPr algn="ctr"/>
+              <a:endParaRPr lang="en-US" sz="1100" dirty="0" smtClean="0">
+                <a:solidFill>
+                  <a:schemeClr val="tx1"/>
+                </a:solidFill>
+              </a:endParaRPr>
+            </a:p>
+          </p:txBody>
+        </p:sp>
+      </p:grpSp>
+      <p:cxnSp>
+        <p:nvCxnSpPr>
+          <p:cNvPr id="14" name="Straight Connector 13"/>
+          <p:cNvCxnSpPr/>
+          <p:nvPr/>
+        </p:nvCxnSpPr>
         <p:spPr>
           <a:xfrm>
-            <a:off x="4890051" y="0"/>
-            <a:ext cx="7298773" cy="6858000"/>
+            <a:off x="5406750" y="3988106"/>
+            <a:ext cx="0" cy="1850834"/>
           </a:xfrm>
+          <a:prstGeom prst="line">
+            <a:avLst/>
+          </a:prstGeom>
         </p:spPr>
-      </p:sp>
+        <p:style>
+          <a:lnRef idx="2">
+            <a:schemeClr val="dk1"/>
+          </a:lnRef>
+          <a:fillRef idx="0">
+            <a:schemeClr val="dk1"/>
+          </a:fillRef>
+          <a:effectRef idx="1">
+            <a:schemeClr val="dk1"/>
+          </a:effectRef>
+          <a:fontRef idx="minor">
+            <a:schemeClr val="tx1"/>
+          </a:fontRef>
+        </p:style>
+      </p:cxnSp>
+      <p:cxnSp>
+        <p:nvCxnSpPr>
+          <p:cNvPr id="19" name="Straight Connector 18"/>
+          <p:cNvCxnSpPr/>
+          <p:nvPr/>
+        </p:nvCxnSpPr>
+        <p:spPr>
+          <a:xfrm>
+            <a:off x="5406750" y="3988106"/>
+            <a:ext cx="322021" cy="0"/>
+          </a:xfrm>
+          <a:prstGeom prst="line">
+            <a:avLst/>
+          </a:prstGeom>
+        </p:spPr>
+        <p:style>
+          <a:lnRef idx="2">
+            <a:schemeClr val="dk1"/>
+          </a:lnRef>
+          <a:fillRef idx="0">
+            <a:schemeClr val="dk1"/>
+          </a:fillRef>
+          <a:effectRef idx="1">
+            <a:schemeClr val="dk1"/>
+          </a:effectRef>
+          <a:fontRef idx="minor">
+            <a:schemeClr val="tx1"/>
+          </a:fontRef>
+        </p:style>
+      </p:cxnSp>
+      <p:grpSp>
+        <p:nvGrpSpPr>
+          <p:cNvPr id="20" name="Group 19"/>
+          <p:cNvGrpSpPr/>
+          <p:nvPr/>
+        </p:nvGrpSpPr>
+        <p:grpSpPr>
+          <a:xfrm>
+            <a:off x="5618331" y="561681"/>
+            <a:ext cx="1820115" cy="453337"/>
+            <a:chOff x="0" y="1768387"/>
+            <a:chExt cx="1417884" cy="810002"/>
+          </a:xfrm>
+        </p:grpSpPr>
+        <p:sp>
+          <p:nvSpPr>
+            <p:cNvPr id="21" name="Rounded Rectangle 20"/>
+            <p:cNvSpPr/>
+            <p:nvPr/>
+          </p:nvSpPr>
+          <p:spPr>
+            <a:xfrm>
+              <a:off x="0" y="1768387"/>
+              <a:ext cx="1417884" cy="810002"/>
+            </a:xfrm>
+            <a:prstGeom prst="roundRect">
+              <a:avLst>
+                <a:gd name="adj" fmla="val 10000"/>
+              </a:avLst>
+            </a:prstGeom>
+          </p:spPr>
+          <p:style>
+            <a:lnRef idx="2">
+              <a:schemeClr val="accent2"/>
+            </a:lnRef>
+            <a:fillRef idx="1">
+              <a:schemeClr val="lt1"/>
+            </a:fillRef>
+            <a:effectRef idx="0">
+              <a:schemeClr val="accent2"/>
+            </a:effectRef>
+            <a:fontRef idx="minor">
+              <a:schemeClr val="dk1"/>
+            </a:fontRef>
+          </p:style>
+          <p:txBody>
+            <a:bodyPr/>
+            <a:lstStyle/>
+            <a:p>
+              <a:pPr algn="ctr"/>
+              <a:r>
+                <a:rPr lang="en-US" dirty="0" smtClean="0"/>
+                <a:t>Scripts</a:t>
+              </a:r>
+              <a:endParaRPr lang="en-US" dirty="0"/>
+            </a:p>
+          </p:txBody>
+        </p:sp>
+        <p:sp>
+          <p:nvSpPr>
+            <p:cNvPr id="22" name="Rounded Rectangle 4"/>
+            <p:cNvSpPr/>
+            <p:nvPr/>
+          </p:nvSpPr>
+          <p:spPr>
+            <a:xfrm>
+              <a:off x="23724" y="1792111"/>
+              <a:ext cx="1370436" cy="762554"/>
+            </a:xfrm>
+            <a:prstGeom prst="rect">
+              <a:avLst/>
+            </a:prstGeom>
+          </p:spPr>
+          <p:style>
+            <a:lnRef idx="0">
+              <a:scrgbClr r="0" g="0" b="0"/>
+            </a:lnRef>
+            <a:fillRef idx="0">
+              <a:scrgbClr r="0" g="0" b="0"/>
+            </a:fillRef>
+            <a:effectRef idx="0">
+              <a:scrgbClr r="0" g="0" b="0"/>
+            </a:effectRef>
+            <a:fontRef idx="minor">
+              <a:schemeClr val="lt1"/>
+            </a:fontRef>
+          </p:style>
+          <p:txBody>
+            <a:bodyPr spcFirstLastPara="0" vert="horz" wrap="square" lIns="6985" tIns="6985" rIns="6985" bIns="6985" numCol="1" spcCol="1270" anchor="ctr" anchorCtr="0">
+              <a:noAutofit/>
+            </a:bodyPr>
+            <a:lstStyle/>
+            <a:p>
+              <a:pPr algn="ctr"/>
+              <a:endParaRPr lang="en-US" sz="1100" dirty="0" smtClean="0">
+                <a:solidFill>
+                  <a:schemeClr val="tx1"/>
+                </a:solidFill>
+              </a:endParaRPr>
+            </a:p>
+          </p:txBody>
+        </p:sp>
+      </p:grpSp>
+      <p:cxnSp>
+        <p:nvCxnSpPr>
+          <p:cNvPr id="26" name="Straight Connector 25"/>
+          <p:cNvCxnSpPr/>
+          <p:nvPr/>
+        </p:nvCxnSpPr>
+        <p:spPr>
+          <a:xfrm>
+            <a:off x="5406750" y="5121008"/>
+            <a:ext cx="322021" cy="0"/>
+          </a:xfrm>
+          <a:prstGeom prst="line">
+            <a:avLst/>
+          </a:prstGeom>
+        </p:spPr>
+        <p:style>
+          <a:lnRef idx="2">
+            <a:schemeClr val="dk1"/>
+          </a:lnRef>
+          <a:fillRef idx="0">
+            <a:schemeClr val="dk1"/>
+          </a:fillRef>
+          <a:effectRef idx="1">
+            <a:schemeClr val="dk1"/>
+          </a:effectRef>
+          <a:fontRef idx="minor">
+            <a:schemeClr val="tx1"/>
+          </a:fontRef>
+        </p:style>
+      </p:cxnSp>
+      <p:cxnSp>
+        <p:nvCxnSpPr>
+          <p:cNvPr id="27" name="Straight Connector 26"/>
+          <p:cNvCxnSpPr/>
+          <p:nvPr/>
+        </p:nvCxnSpPr>
+        <p:spPr>
+          <a:xfrm>
+            <a:off x="5420173" y="5636964"/>
+            <a:ext cx="322021" cy="0"/>
+          </a:xfrm>
+          <a:prstGeom prst="line">
+            <a:avLst/>
+          </a:prstGeom>
+        </p:spPr>
+        <p:style>
+          <a:lnRef idx="2">
+            <a:schemeClr val="dk1"/>
+          </a:lnRef>
+          <a:fillRef idx="0">
+            <a:schemeClr val="dk1"/>
+          </a:fillRef>
+          <a:effectRef idx="1">
+            <a:schemeClr val="dk1"/>
+          </a:effectRef>
+          <a:fontRef idx="minor">
+            <a:schemeClr val="tx1"/>
+          </a:fontRef>
+        </p:style>
+      </p:cxnSp>
+      <p:cxnSp>
+        <p:nvCxnSpPr>
+          <p:cNvPr id="28" name="Straight Connector 27"/>
+          <p:cNvCxnSpPr/>
+          <p:nvPr/>
+        </p:nvCxnSpPr>
+        <p:spPr>
+          <a:xfrm>
+            <a:off x="5911690" y="4109971"/>
+            <a:ext cx="8610" cy="561181"/>
+          </a:xfrm>
+          <a:prstGeom prst="line">
+            <a:avLst/>
+          </a:prstGeom>
+        </p:spPr>
+        <p:style>
+          <a:lnRef idx="2">
+            <a:schemeClr val="dk1"/>
+          </a:lnRef>
+          <a:fillRef idx="0">
+            <a:schemeClr val="dk1"/>
+          </a:fillRef>
+          <a:effectRef idx="1">
+            <a:schemeClr val="dk1"/>
+          </a:effectRef>
+          <a:fontRef idx="minor">
+            <a:schemeClr val="tx1"/>
+          </a:fontRef>
+        </p:style>
+      </p:cxnSp>
+      <p:cxnSp>
+        <p:nvCxnSpPr>
+          <p:cNvPr id="31" name="Straight Connector 30"/>
+          <p:cNvCxnSpPr/>
+          <p:nvPr/>
+        </p:nvCxnSpPr>
+        <p:spPr>
+          <a:xfrm>
+            <a:off x="5920300" y="4316537"/>
+            <a:ext cx="347535" cy="3672"/>
+          </a:xfrm>
+          <a:prstGeom prst="line">
+            <a:avLst/>
+          </a:prstGeom>
+        </p:spPr>
+        <p:style>
+          <a:lnRef idx="2">
+            <a:schemeClr val="dk1"/>
+          </a:lnRef>
+          <a:fillRef idx="0">
+            <a:schemeClr val="dk1"/>
+          </a:fillRef>
+          <a:effectRef idx="1">
+            <a:schemeClr val="dk1"/>
+          </a:effectRef>
+          <a:fontRef idx="minor">
+            <a:schemeClr val="tx1"/>
+          </a:fontRef>
+        </p:style>
+      </p:cxnSp>
+      <p:cxnSp>
+        <p:nvCxnSpPr>
+          <p:cNvPr id="36" name="Straight Connector 35"/>
+          <p:cNvCxnSpPr/>
+          <p:nvPr/>
+        </p:nvCxnSpPr>
+        <p:spPr>
+          <a:xfrm>
+            <a:off x="5920300" y="4568089"/>
+            <a:ext cx="347535" cy="3672"/>
+          </a:xfrm>
+          <a:prstGeom prst="line">
+            <a:avLst/>
+          </a:prstGeom>
+        </p:spPr>
+        <p:style>
+          <a:lnRef idx="2">
+            <a:schemeClr val="dk1"/>
+          </a:lnRef>
+          <a:fillRef idx="0">
+            <a:schemeClr val="dk1"/>
+          </a:fillRef>
+          <a:effectRef idx="1">
+            <a:schemeClr val="dk1"/>
+          </a:effectRef>
+          <a:fontRef idx="minor">
+            <a:schemeClr val="tx1"/>
+          </a:fontRef>
+        </p:style>
+      </p:cxnSp>
+      <p:cxnSp>
+        <p:nvCxnSpPr>
+          <p:cNvPr id="37" name="Straight Connector 36"/>
+          <p:cNvCxnSpPr/>
+          <p:nvPr/>
+        </p:nvCxnSpPr>
+        <p:spPr>
+          <a:xfrm>
+            <a:off x="6471959" y="4825149"/>
+            <a:ext cx="173768" cy="0"/>
+          </a:xfrm>
+          <a:prstGeom prst="line">
+            <a:avLst/>
+          </a:prstGeom>
+        </p:spPr>
+        <p:style>
+          <a:lnRef idx="2">
+            <a:schemeClr val="dk1"/>
+          </a:lnRef>
+          <a:fillRef idx="0">
+            <a:schemeClr val="dk1"/>
+          </a:fillRef>
+          <a:effectRef idx="1">
+            <a:schemeClr val="dk1"/>
+          </a:effectRef>
+          <a:fontRef idx="minor">
+            <a:schemeClr val="tx1"/>
+          </a:fontRef>
+        </p:style>
+      </p:cxnSp>
+      <p:cxnSp>
+        <p:nvCxnSpPr>
+          <p:cNvPr id="39" name="Straight Connector 38"/>
+          <p:cNvCxnSpPr/>
+          <p:nvPr/>
+        </p:nvCxnSpPr>
+        <p:spPr>
+          <a:xfrm>
+            <a:off x="6471959" y="4632933"/>
+            <a:ext cx="0" cy="280590"/>
+          </a:xfrm>
+          <a:prstGeom prst="line">
+            <a:avLst/>
+          </a:prstGeom>
+        </p:spPr>
+        <p:style>
+          <a:lnRef idx="2">
+            <a:schemeClr val="dk1"/>
+          </a:lnRef>
+          <a:fillRef idx="0">
+            <a:schemeClr val="dk1"/>
+          </a:fillRef>
+          <a:effectRef idx="1">
+            <a:schemeClr val="dk1"/>
+          </a:effectRef>
+          <a:fontRef idx="minor">
+            <a:schemeClr val="tx1"/>
+          </a:fontRef>
+        </p:style>
+      </p:cxnSp>
+      <p:cxnSp>
+        <p:nvCxnSpPr>
+          <p:cNvPr id="41" name="Straight Connector 40"/>
+          <p:cNvCxnSpPr/>
+          <p:nvPr/>
+        </p:nvCxnSpPr>
+        <p:spPr>
+          <a:xfrm>
+            <a:off x="6094067" y="5374156"/>
+            <a:ext cx="173768" cy="0"/>
+          </a:xfrm>
+          <a:prstGeom prst="line">
+            <a:avLst/>
+          </a:prstGeom>
+        </p:spPr>
+        <p:style>
+          <a:lnRef idx="2">
+            <a:schemeClr val="dk1"/>
+          </a:lnRef>
+          <a:fillRef idx="0">
+            <a:schemeClr val="dk1"/>
+          </a:fillRef>
+          <a:effectRef idx="1">
+            <a:schemeClr val="dk1"/>
+          </a:effectRef>
+          <a:fontRef idx="minor">
+            <a:schemeClr val="tx1"/>
+          </a:fontRef>
+        </p:style>
+      </p:cxnSp>
+      <p:cxnSp>
+        <p:nvCxnSpPr>
+          <p:cNvPr id="42" name="Straight Connector 41"/>
+          <p:cNvCxnSpPr/>
+          <p:nvPr/>
+        </p:nvCxnSpPr>
+        <p:spPr>
+          <a:xfrm>
+            <a:off x="6094067" y="5181940"/>
+            <a:ext cx="0" cy="280590"/>
+          </a:xfrm>
+          <a:prstGeom prst="line">
+            <a:avLst/>
+          </a:prstGeom>
+        </p:spPr>
+        <p:style>
+          <a:lnRef idx="2">
+            <a:schemeClr val="dk1"/>
+          </a:lnRef>
+          <a:fillRef idx="0">
+            <a:schemeClr val="dk1"/>
+          </a:fillRef>
+          <a:effectRef idx="1">
+            <a:schemeClr val="dk1"/>
+          </a:effectRef>
+          <a:fontRef idx="minor">
+            <a:schemeClr val="tx1"/>
+          </a:fontRef>
+        </p:style>
+      </p:cxnSp>
+      <p:cxnSp>
+        <p:nvCxnSpPr>
+          <p:cNvPr id="43" name="Straight Connector 42"/>
+          <p:cNvCxnSpPr/>
+          <p:nvPr/>
+        </p:nvCxnSpPr>
+        <p:spPr>
+          <a:xfrm>
+            <a:off x="6124521" y="5925000"/>
+            <a:ext cx="173768" cy="0"/>
+          </a:xfrm>
+          <a:prstGeom prst="line">
+            <a:avLst/>
+          </a:prstGeom>
+        </p:spPr>
+        <p:style>
+          <a:lnRef idx="2">
+            <a:schemeClr val="dk1"/>
+          </a:lnRef>
+          <a:fillRef idx="0">
+            <a:schemeClr val="dk1"/>
+          </a:fillRef>
+          <a:effectRef idx="1">
+            <a:schemeClr val="dk1"/>
+          </a:effectRef>
+          <a:fontRef idx="minor">
+            <a:schemeClr val="tx1"/>
+          </a:fontRef>
+        </p:style>
+      </p:cxnSp>
+      <p:cxnSp>
+        <p:nvCxnSpPr>
+          <p:cNvPr id="44" name="Straight Connector 43"/>
+          <p:cNvCxnSpPr/>
+          <p:nvPr/>
+        </p:nvCxnSpPr>
+        <p:spPr>
+          <a:xfrm>
+            <a:off x="6124521" y="5732784"/>
+            <a:ext cx="0" cy="280590"/>
+          </a:xfrm>
+          <a:prstGeom prst="line">
+            <a:avLst/>
+          </a:prstGeom>
+        </p:spPr>
+        <p:style>
+          <a:lnRef idx="2">
+            <a:schemeClr val="dk1"/>
+          </a:lnRef>
+          <a:fillRef idx="0">
+            <a:schemeClr val="dk1"/>
+          </a:fillRef>
+          <a:effectRef idx="1">
+            <a:schemeClr val="dk1"/>
+          </a:effectRef>
+          <a:fontRef idx="minor">
+            <a:schemeClr val="tx1"/>
+          </a:fontRef>
+        </p:style>
+      </p:cxnSp>
     </p:spTree>
     <p:extLst>
       <p:ext uri="{BB962C8B-B14F-4D97-AF65-F5344CB8AC3E}">
@@ -20450,7 +21440,7 @@
             </a:pPr>
             <a:r>
               <a:rPr lang="en-US" sz="1400" dirty="0" smtClean="0"/>
-              <a:t>Yeoman (or talk about any dependency) will surely have certain limitations.</a:t>
+              <a:t>Heavy</a:t>
             </a:r>
           </a:p>
           <a:p>
@@ -20460,9 +21450,893 @@
             </a:pPr>
             <a:r>
               <a:rPr lang="en-US" sz="1400" dirty="0" smtClean="0"/>
-              <a:t>Added to that, yeoman might have several unnecessary dependencies.</a:t>
+              <a:t>Not server-side compatible</a:t>
             </a:r>
             <a:endParaRPr lang="en-US" sz="1400" dirty="0"/>
+          </a:p>
+        </p:txBody>
+      </p:sp>
+      <p:sp>
+        <p:nvSpPr>
+          <p:cNvPr id="6" name="Vertical Text Placeholder 11"/>
+          <p:cNvSpPr txBox="1">
+            <a:spLocks/>
+          </p:cNvSpPr>
+          <p:nvPr/>
+        </p:nvSpPr>
+        <p:spPr>
+          <a:xfrm>
+            <a:off x="5447321" y="529472"/>
+            <a:ext cx="6384795" cy="6025564"/>
+          </a:xfrm>
+          <a:prstGeom prst="rect">
+            <a:avLst/>
+          </a:prstGeom>
+        </p:spPr>
+        <p:txBody>
+          <a:bodyPr vert="horz" lIns="0" tIns="0" rIns="0" bIns="0" numCol="1" spcCol="384048" rtlCol="0" anchor="t" anchorCtr="0">
+            <a:noAutofit/>
+          </a:bodyPr>
+          <a:lstStyle>
+            <a:lvl1pPr marL="0" indent="0" algn="l" defTabSz="457200" rtl="0" eaLnBrk="1" latinLnBrk="0" hangingPunct="1">
+              <a:lnSpc>
+                <a:spcPct val="150000"/>
+              </a:lnSpc>
+              <a:spcBef>
+                <a:spcPts val="0"/>
+              </a:spcBef>
+              <a:spcAft>
+                <a:spcPts val="0"/>
+              </a:spcAft>
+              <a:buFontTx/>
+              <a:buNone/>
+              <a:defRPr sz="1100" b="0" i="0" kern="1200">
+                <a:solidFill>
+                  <a:schemeClr val="tx1"/>
+                </a:solidFill>
+                <a:latin typeface="Gotham Book"/>
+                <a:ea typeface="+mn-ea"/>
+                <a:cs typeface="Gotham Book"/>
+              </a:defRPr>
+            </a:lvl1pPr>
+            <a:lvl2pPr marL="177800" indent="-177800" algn="l" defTabSz="457200" rtl="0" eaLnBrk="1" latinLnBrk="0" hangingPunct="1">
+              <a:lnSpc>
+                <a:spcPct val="150000"/>
+              </a:lnSpc>
+              <a:spcBef>
+                <a:spcPts val="0"/>
+              </a:spcBef>
+              <a:spcAft>
+                <a:spcPts val="0"/>
+              </a:spcAft>
+              <a:buClr>
+                <a:schemeClr val="accent1">
+                  <a:lumMod val="50000"/>
+                </a:schemeClr>
+              </a:buClr>
+              <a:buFont typeface="Wingdings" charset="2"/>
+              <a:buChar char="§"/>
+              <a:defRPr sz="1100" b="0" i="0" kern="1200">
+                <a:solidFill>
+                  <a:schemeClr val="tx1"/>
+                </a:solidFill>
+                <a:latin typeface="Gotham Book"/>
+                <a:ea typeface="+mn-ea"/>
+                <a:cs typeface="Gotham Book"/>
+              </a:defRPr>
+            </a:lvl2pPr>
+            <a:lvl3pPr marL="342900" indent="-165100" algn="l" defTabSz="457200" rtl="0" eaLnBrk="1" latinLnBrk="0" hangingPunct="1">
+              <a:lnSpc>
+                <a:spcPct val="150000"/>
+              </a:lnSpc>
+              <a:spcBef>
+                <a:spcPts val="0"/>
+              </a:spcBef>
+              <a:spcAft>
+                <a:spcPts val="0"/>
+              </a:spcAft>
+              <a:buClr>
+                <a:schemeClr val="accent1">
+                  <a:lumMod val="50000"/>
+                </a:schemeClr>
+              </a:buClr>
+              <a:buFont typeface="Wingdings" charset="2"/>
+              <a:buChar char="§"/>
+              <a:defRPr sz="1100" b="0" i="0" kern="1200" baseline="0">
+                <a:solidFill>
+                  <a:schemeClr val="tx1"/>
+                </a:solidFill>
+                <a:latin typeface="Gotham Book"/>
+                <a:ea typeface="+mn-ea"/>
+                <a:cs typeface="Gotham Book"/>
+              </a:defRPr>
+            </a:lvl3pPr>
+            <a:lvl4pPr marL="520700" indent="-177800" algn="l" defTabSz="457200" rtl="0" eaLnBrk="1" latinLnBrk="0" hangingPunct="1">
+              <a:lnSpc>
+                <a:spcPct val="150000"/>
+              </a:lnSpc>
+              <a:spcBef>
+                <a:spcPts val="0"/>
+              </a:spcBef>
+              <a:spcAft>
+                <a:spcPts val="0"/>
+              </a:spcAft>
+              <a:buClr>
+                <a:schemeClr val="accent1">
+                  <a:lumMod val="50000"/>
+                </a:schemeClr>
+              </a:buClr>
+              <a:buFont typeface="Wingdings" charset="2"/>
+              <a:buChar char="§"/>
+              <a:defRPr sz="1100" b="0" i="0" kern="1200">
+                <a:solidFill>
+                  <a:schemeClr val="tx1"/>
+                </a:solidFill>
+                <a:latin typeface="Gotham Book"/>
+                <a:ea typeface="+mn-ea"/>
+                <a:cs typeface="Gotham Book"/>
+              </a:defRPr>
+            </a:lvl4pPr>
+            <a:lvl5pPr marL="692150" indent="-171450" algn="l" defTabSz="457200" rtl="0" eaLnBrk="1" latinLnBrk="0" hangingPunct="1">
+              <a:lnSpc>
+                <a:spcPct val="150000"/>
+              </a:lnSpc>
+              <a:spcBef>
+                <a:spcPts val="0"/>
+              </a:spcBef>
+              <a:spcAft>
+                <a:spcPts val="250"/>
+              </a:spcAft>
+              <a:buClr>
+                <a:schemeClr val="accent1">
+                  <a:lumMod val="50000"/>
+                </a:schemeClr>
+              </a:buClr>
+              <a:buFont typeface="Wingdings" charset="2"/>
+              <a:buChar char="§"/>
+              <a:defRPr sz="1100" b="0" i="0" kern="1200">
+                <a:solidFill>
+                  <a:schemeClr val="tx1"/>
+                </a:solidFill>
+                <a:latin typeface="Gotham Book"/>
+                <a:ea typeface="+mn-ea"/>
+                <a:cs typeface="Gotham Book"/>
+              </a:defRPr>
+            </a:lvl5pPr>
+            <a:lvl6pPr marL="685800" indent="-165100" algn="l" defTabSz="457200" rtl="0" eaLnBrk="1" latinLnBrk="0" hangingPunct="1">
+              <a:lnSpc>
+                <a:spcPct val="150000"/>
+              </a:lnSpc>
+              <a:spcBef>
+                <a:spcPts val="0"/>
+              </a:spcBef>
+              <a:spcAft>
+                <a:spcPts val="0"/>
+              </a:spcAft>
+              <a:buClr>
+                <a:schemeClr val="accent1">
+                  <a:lumMod val="50000"/>
+                </a:schemeClr>
+              </a:buClr>
+              <a:buFont typeface="Wingdings" charset="2"/>
+              <a:buChar char="§"/>
+              <a:defRPr sz="1100" b="0" i="0" kern="1200">
+                <a:solidFill>
+                  <a:schemeClr val="tx1"/>
+                </a:solidFill>
+                <a:latin typeface="Gotham Book"/>
+                <a:ea typeface="+mn-ea"/>
+                <a:cs typeface="Gotham Book"/>
+              </a:defRPr>
+            </a:lvl6pPr>
+            <a:lvl7pPr marL="2971800" indent="-228600" algn="l" defTabSz="457200" rtl="0" eaLnBrk="1" latinLnBrk="0" hangingPunct="1">
+              <a:spcBef>
+                <a:spcPct val="20000"/>
+              </a:spcBef>
+              <a:buFont typeface="Arial"/>
+              <a:buChar char="•"/>
+              <a:defRPr sz="2000" kern="1200">
+                <a:solidFill>
+                  <a:schemeClr val="tx1"/>
+                </a:solidFill>
+                <a:latin typeface="+mn-lt"/>
+                <a:ea typeface="+mn-ea"/>
+                <a:cs typeface="+mn-cs"/>
+              </a:defRPr>
+            </a:lvl7pPr>
+            <a:lvl8pPr marL="3429000" indent="-228600" algn="l" defTabSz="457200" rtl="0" eaLnBrk="1" latinLnBrk="0" hangingPunct="1">
+              <a:spcBef>
+                <a:spcPct val="20000"/>
+              </a:spcBef>
+              <a:buFont typeface="Arial"/>
+              <a:buChar char="•"/>
+              <a:defRPr sz="2000" kern="1200">
+                <a:solidFill>
+                  <a:schemeClr val="tx1"/>
+                </a:solidFill>
+                <a:latin typeface="+mn-lt"/>
+                <a:ea typeface="+mn-ea"/>
+                <a:cs typeface="+mn-cs"/>
+              </a:defRPr>
+            </a:lvl8pPr>
+            <a:lvl9pPr marL="3886200" indent="-228600" algn="l" defTabSz="457200" rtl="0" eaLnBrk="1" latinLnBrk="0" hangingPunct="1">
+              <a:spcBef>
+                <a:spcPct val="20000"/>
+              </a:spcBef>
+              <a:buFont typeface="Arial"/>
+              <a:buChar char="•"/>
+              <a:defRPr sz="2000" kern="1200">
+                <a:solidFill>
+                  <a:schemeClr val="tx1"/>
+                </a:solidFill>
+                <a:latin typeface="+mn-lt"/>
+                <a:ea typeface="+mn-ea"/>
+                <a:cs typeface="+mn-cs"/>
+              </a:defRPr>
+            </a:lvl9pPr>
+          </a:lstStyle>
+          <a:p>
+            <a:endParaRPr lang="en-US" sz="1400" dirty="0"/>
+          </a:p>
+        </p:txBody>
+      </p:sp>
+      <p:sp>
+        <p:nvSpPr>
+          <p:cNvPr id="2" name="Rectangle 1"/>
+          <p:cNvSpPr/>
+          <p:nvPr/>
+        </p:nvSpPr>
+        <p:spPr>
+          <a:xfrm>
+            <a:off x="5447321" y="911854"/>
+            <a:ext cx="2804313" cy="5509200"/>
+          </a:xfrm>
+          <a:prstGeom prst="rect">
+            <a:avLst/>
+          </a:prstGeom>
+        </p:spPr>
+        <p:txBody>
+          <a:bodyPr wrap="square">
+            <a:spAutoFit/>
+          </a:bodyPr>
+          <a:lstStyle/>
+          <a:p>
+            <a:r>
+              <a:rPr lang="en-US" sz="1100" b="1" dirty="0"/>
+              <a:t>"dependencies": {</a:t>
+            </a:r>
+          </a:p>
+          <a:p>
+            <a:r>
+              <a:rPr lang="en-US" sz="1100" b="1" dirty="0"/>
+              <a:t>    "</a:t>
+            </a:r>
+            <a:r>
+              <a:rPr lang="en-US" sz="1100" b="1" dirty="0" err="1"/>
+              <a:t>async</a:t>
+            </a:r>
+            <a:r>
+              <a:rPr lang="en-US" sz="1100" b="1" dirty="0"/>
+              <a:t>": "^1.0.0",</a:t>
+            </a:r>
+          </a:p>
+          <a:p>
+            <a:r>
+              <a:rPr lang="en-US" sz="1100" b="1" dirty="0"/>
+              <a:t>    "chalk": "^1.0.0",</a:t>
+            </a:r>
+          </a:p>
+          <a:p>
+            <a:r>
+              <a:rPr lang="en-US" sz="1100" b="1" dirty="0"/>
+              <a:t>    "cli-list": "^0.1.1",</a:t>
+            </a:r>
+          </a:p>
+          <a:p>
+            <a:r>
+              <a:rPr lang="en-US" sz="1100" b="1" dirty="0"/>
+              <a:t>    "</a:t>
+            </a:r>
+            <a:r>
+              <a:rPr lang="en-US" sz="1100" b="1" dirty="0" err="1"/>
+              <a:t>configstore</a:t>
+            </a:r>
+            <a:r>
+              <a:rPr lang="en-US" sz="1100" b="1" dirty="0"/>
+              <a:t>": "^1.0.0",</a:t>
+            </a:r>
+          </a:p>
+          <a:p>
+            <a:r>
+              <a:rPr lang="en-US" sz="1100" b="1" dirty="0"/>
+              <a:t>    "cross-spawn": "^3.0.1",</a:t>
+            </a:r>
+          </a:p>
+          <a:p>
+            <a:r>
+              <a:rPr lang="en-US" sz="1100" b="1" dirty="0"/>
+              <a:t>    "figures": "^1.3.5",</a:t>
+            </a:r>
+          </a:p>
+          <a:p>
+            <a:r>
+              <a:rPr lang="en-US" sz="1100" b="1" dirty="0"/>
+              <a:t>    "</a:t>
+            </a:r>
+            <a:r>
+              <a:rPr lang="en-US" sz="1100" b="1" dirty="0" err="1"/>
+              <a:t>fullname</a:t>
+            </a:r>
+            <a:r>
+              <a:rPr lang="en-US" sz="1100" b="1" dirty="0"/>
+              <a:t>": "^2.0.0",</a:t>
+            </a:r>
+          </a:p>
+          <a:p>
+            <a:r>
+              <a:rPr lang="en-US" sz="1100" b="1" dirty="0"/>
+              <a:t>    "got": "^5.0.0",</a:t>
+            </a:r>
+          </a:p>
+          <a:p>
+            <a:r>
+              <a:rPr lang="en-US" sz="1100" b="1" dirty="0"/>
+              <a:t>    "humanize-string": "^1.0.0",</a:t>
+            </a:r>
+          </a:p>
+          <a:p>
+            <a:r>
+              <a:rPr lang="en-US" sz="1100" b="1" dirty="0"/>
+              <a:t>    "inquirer": "^0.11.0",</a:t>
+            </a:r>
+          </a:p>
+          <a:p>
+            <a:r>
+              <a:rPr lang="en-US" sz="1100" b="1" dirty="0"/>
+              <a:t>    "insight": "^0.7.0",</a:t>
+            </a:r>
+          </a:p>
+          <a:p>
+            <a:r>
+              <a:rPr lang="en-US" sz="1100" b="1" dirty="0"/>
+              <a:t>    "</a:t>
+            </a:r>
+            <a:r>
+              <a:rPr lang="en-US" sz="1100" b="1" dirty="0" err="1"/>
+              <a:t>lodash</a:t>
+            </a:r>
+            <a:r>
+              <a:rPr lang="en-US" sz="1100" b="1" dirty="0"/>
+              <a:t>": "^3.2.0",</a:t>
+            </a:r>
+          </a:p>
+          <a:p>
+            <a:r>
+              <a:rPr lang="en-US" sz="1100" b="1" dirty="0"/>
+              <a:t>    "meow": "^3.0.0",</a:t>
+            </a:r>
+          </a:p>
+          <a:p>
+            <a:r>
+              <a:rPr lang="en-US" sz="1100" b="1" dirty="0"/>
+              <a:t>    "</a:t>
+            </a:r>
+            <a:r>
+              <a:rPr lang="en-US" sz="1100" b="1" dirty="0" err="1"/>
+              <a:t>npm</a:t>
+            </a:r>
+            <a:r>
+              <a:rPr lang="en-US" sz="1100" b="1" dirty="0"/>
+              <a:t>-keyword": "^4.1.0",</a:t>
+            </a:r>
+          </a:p>
+          <a:p>
+            <a:r>
+              <a:rPr lang="en-US" sz="1100" b="1" dirty="0"/>
+              <a:t>    "</a:t>
+            </a:r>
+            <a:r>
+              <a:rPr lang="en-US" sz="1100" b="1" dirty="0" err="1"/>
+              <a:t>opn</a:t>
+            </a:r>
+            <a:r>
+              <a:rPr lang="en-US" sz="1100" b="1" dirty="0"/>
+              <a:t>": "^3.0.2",</a:t>
+            </a:r>
+          </a:p>
+          <a:p>
+            <a:r>
+              <a:rPr lang="en-US" sz="1100" b="1" dirty="0"/>
+              <a:t>    "package-</a:t>
+            </a:r>
+            <a:r>
+              <a:rPr lang="en-US" sz="1100" b="1" dirty="0" err="1"/>
+              <a:t>json</a:t>
+            </a:r>
+            <a:r>
+              <a:rPr lang="en-US" sz="1100" b="1" dirty="0"/>
+              <a:t>": "^2.1.0",</a:t>
+            </a:r>
+          </a:p>
+          <a:p>
+            <a:r>
+              <a:rPr lang="en-US" sz="1100" b="1" dirty="0"/>
+              <a:t>    "parse-help": "^0.1.1",</a:t>
+            </a:r>
+          </a:p>
+          <a:p>
+            <a:r>
+              <a:rPr lang="en-US" sz="1100" b="1" dirty="0"/>
+              <a:t>    "read-</a:t>
+            </a:r>
+            <a:r>
+              <a:rPr lang="en-US" sz="1100" b="1" dirty="0" err="1"/>
+              <a:t>pkg</a:t>
+            </a:r>
+            <a:r>
+              <a:rPr lang="en-US" sz="1100" b="1" dirty="0"/>
+              <a:t>-up": "^1.0.1",</a:t>
+            </a:r>
+          </a:p>
+          <a:p>
+            <a:r>
+              <a:rPr lang="en-US" sz="1100" b="1" dirty="0"/>
+              <a:t>    "repeating": "^2.0.0",</a:t>
+            </a:r>
+          </a:p>
+          <a:p>
+            <a:r>
+              <a:rPr lang="en-US" sz="1100" b="1" dirty="0"/>
+              <a:t>    "root-check": "^1.0.0",</a:t>
+            </a:r>
+          </a:p>
+          <a:p>
+            <a:r>
+              <a:rPr lang="en-US" sz="1100" b="1" dirty="0"/>
+              <a:t>    "sort-on": "^1.0.0",</a:t>
+            </a:r>
+          </a:p>
+          <a:p>
+            <a:r>
+              <a:rPr lang="en-US" sz="1100" b="1" dirty="0"/>
+              <a:t>    "string-length": "^1.0.0",</a:t>
+            </a:r>
+          </a:p>
+          <a:p>
+            <a:r>
+              <a:rPr lang="en-US" sz="1100" b="1" dirty="0"/>
+              <a:t>    "</a:t>
+            </a:r>
+            <a:r>
+              <a:rPr lang="en-US" sz="1100" b="1" dirty="0" err="1"/>
+              <a:t>tabtab</a:t>
+            </a:r>
+            <a:r>
+              <a:rPr lang="en-US" sz="1100" b="1" dirty="0"/>
+              <a:t>": "^1.3.0",</a:t>
+            </a:r>
+          </a:p>
+          <a:p>
+            <a:r>
+              <a:rPr lang="en-US" sz="1100" b="1" dirty="0"/>
+              <a:t>    "</a:t>
+            </a:r>
+            <a:r>
+              <a:rPr lang="en-US" sz="1100" b="1" dirty="0" err="1"/>
+              <a:t>titleize</a:t>
+            </a:r>
+            <a:r>
+              <a:rPr lang="en-US" sz="1100" b="1" dirty="0"/>
+              <a:t>": "^1.0.0",</a:t>
+            </a:r>
+          </a:p>
+          <a:p>
+            <a:r>
+              <a:rPr lang="en-US" sz="1100" b="1" dirty="0"/>
+              <a:t>    "update-</a:t>
+            </a:r>
+            <a:r>
+              <a:rPr lang="en-US" sz="1100" b="1" dirty="0" err="1"/>
+              <a:t>notifier</a:t>
+            </a:r>
+            <a:r>
+              <a:rPr lang="en-US" sz="1100" b="1" dirty="0"/>
+              <a:t>": "^0.6.0",</a:t>
+            </a:r>
+          </a:p>
+          <a:p>
+            <a:r>
+              <a:rPr lang="en-US" sz="1100" b="1" dirty="0"/>
+              <a:t>    "user-home": "^2.0.0",</a:t>
+            </a:r>
+          </a:p>
+          <a:p>
+            <a:r>
+              <a:rPr lang="en-US" sz="1100" b="1" dirty="0"/>
+              <a:t>    "yeoman-character": "^1.0.0",</a:t>
+            </a:r>
+          </a:p>
+          <a:p>
+            <a:r>
+              <a:rPr lang="en-US" sz="1100" b="1" dirty="0"/>
+              <a:t>    "yeoman-doctor": "^2.0.0",</a:t>
+            </a:r>
+          </a:p>
+          <a:p>
+            <a:r>
+              <a:rPr lang="en-US" sz="1100" b="1" dirty="0"/>
+              <a:t>    "yeoman-environment": "^1.6.1",</a:t>
+            </a:r>
+          </a:p>
+          <a:p>
+            <a:r>
+              <a:rPr lang="en-US" sz="1100" b="1" dirty="0"/>
+              <a:t>    "</a:t>
+            </a:r>
+            <a:r>
+              <a:rPr lang="en-US" sz="1100" b="1" dirty="0" err="1"/>
+              <a:t>yosay</a:t>
+            </a:r>
+            <a:r>
+              <a:rPr lang="en-US" sz="1100" b="1" dirty="0"/>
+              <a:t>": "^1.0.0"</a:t>
+            </a:r>
+          </a:p>
+          <a:p>
+            <a:r>
+              <a:rPr lang="en-US" sz="1100" b="1" dirty="0"/>
+              <a:t>  }</a:t>
+            </a:r>
+          </a:p>
+        </p:txBody>
+      </p:sp>
+      <p:sp>
+        <p:nvSpPr>
+          <p:cNvPr id="10" name="Rectangle 9"/>
+          <p:cNvSpPr/>
+          <p:nvPr/>
+        </p:nvSpPr>
+        <p:spPr>
+          <a:xfrm>
+            <a:off x="8404553" y="911854"/>
+            <a:ext cx="3141124" cy="2970044"/>
+          </a:xfrm>
+          <a:prstGeom prst="rect">
+            <a:avLst/>
+          </a:prstGeom>
+        </p:spPr>
+        <p:txBody>
+          <a:bodyPr wrap="square">
+            <a:spAutoFit/>
+          </a:bodyPr>
+          <a:lstStyle/>
+          <a:p>
+            <a:r>
+              <a:rPr lang="en-US" sz="1100" b="1" dirty="0"/>
+              <a:t>"</a:t>
+            </a:r>
+            <a:r>
+              <a:rPr lang="en-US" sz="1100" b="1" dirty="0" err="1"/>
+              <a:t>devDependencies</a:t>
+            </a:r>
+            <a:r>
+              <a:rPr lang="en-US" sz="1100" b="1" dirty="0"/>
+              <a:t>": {</a:t>
+            </a:r>
+          </a:p>
+          <a:p>
+            <a:r>
+              <a:rPr lang="en-US" sz="1100" b="1" dirty="0"/>
+              <a:t>    "gulp": "^3.6.0",</a:t>
+            </a:r>
+          </a:p>
+          <a:p>
+            <a:r>
+              <a:rPr lang="en-US" sz="1100" b="1" dirty="0"/>
+              <a:t>    "gulp-coveralls": "^0.1.0",</a:t>
+            </a:r>
+          </a:p>
+          <a:p>
+            <a:r>
+              <a:rPr lang="en-US" sz="1100" b="1" dirty="0"/>
+              <a:t>    "gulp-</a:t>
+            </a:r>
+            <a:r>
+              <a:rPr lang="en-US" sz="1100" b="1" dirty="0" err="1"/>
+              <a:t>eslint</a:t>
+            </a:r>
+            <a:r>
+              <a:rPr lang="en-US" sz="1100" b="1" dirty="0"/>
+              <a:t>": "^2.0.0",</a:t>
+            </a:r>
+          </a:p>
+          <a:p>
+            <a:r>
+              <a:rPr lang="en-US" sz="1100" b="1" dirty="0"/>
+              <a:t>    "gulp-exclude-</a:t>
+            </a:r>
+            <a:r>
+              <a:rPr lang="en-US" sz="1100" b="1" dirty="0" err="1"/>
+              <a:t>gitignore</a:t>
+            </a:r>
+            <a:r>
+              <a:rPr lang="en-US" sz="1100" b="1" dirty="0"/>
+              <a:t>": "^1.0.0",</a:t>
+            </a:r>
+          </a:p>
+          <a:p>
+            <a:r>
+              <a:rPr lang="en-US" sz="1100" b="1" dirty="0"/>
+              <a:t>    "gulp-</a:t>
+            </a:r>
+            <a:r>
+              <a:rPr lang="en-US" sz="1100" b="1" dirty="0" err="1"/>
+              <a:t>istanbul</a:t>
+            </a:r>
+            <a:r>
+              <a:rPr lang="en-US" sz="1100" b="1" dirty="0"/>
+              <a:t>": "^0.10.4",</a:t>
+            </a:r>
+          </a:p>
+          <a:p>
+            <a:r>
+              <a:rPr lang="en-US" sz="1100" b="1" dirty="0"/>
+              <a:t>    "gulp-mocha": "^2.0.0",</a:t>
+            </a:r>
+          </a:p>
+          <a:p>
+            <a:r>
+              <a:rPr lang="en-US" sz="1100" b="1" dirty="0"/>
+              <a:t>    "gulp-</a:t>
+            </a:r>
+            <a:r>
+              <a:rPr lang="en-US" sz="1100" b="1" dirty="0" err="1"/>
+              <a:t>nsp</a:t>
+            </a:r>
+            <a:r>
+              <a:rPr lang="en-US" sz="1100" b="1" dirty="0"/>
+              <a:t>": "^2.1.0",</a:t>
+            </a:r>
+          </a:p>
+          <a:p>
+            <a:r>
+              <a:rPr lang="en-US" sz="1100" b="1" dirty="0"/>
+              <a:t>    "gulp-plumber": "^1.0.0",</a:t>
+            </a:r>
+          </a:p>
+          <a:p>
+            <a:r>
+              <a:rPr lang="en-US" sz="1100" b="1" dirty="0"/>
+              <a:t>    "mocha": "^2.1.0",</a:t>
+            </a:r>
+          </a:p>
+          <a:p>
+            <a:r>
+              <a:rPr lang="en-US" sz="1100" b="1" dirty="0"/>
+              <a:t>    "mockery": "^1.4.0",</a:t>
+            </a:r>
+          </a:p>
+          <a:p>
+            <a:r>
+              <a:rPr lang="en-US" sz="1100" b="1" dirty="0"/>
+              <a:t>    "nock": "^8.0.0",</a:t>
+            </a:r>
+          </a:p>
+          <a:p>
+            <a:r>
+              <a:rPr lang="en-US" sz="1100" b="1" dirty="0"/>
+              <a:t>    "</a:t>
+            </a:r>
+            <a:r>
+              <a:rPr lang="en-US" sz="1100" b="1" dirty="0" err="1"/>
+              <a:t>nsp</a:t>
+            </a:r>
+            <a:r>
+              <a:rPr lang="en-US" sz="1100" b="1" dirty="0"/>
+              <a:t>": "^2.2.0",</a:t>
+            </a:r>
+          </a:p>
+          <a:p>
+            <a:r>
+              <a:rPr lang="en-US" sz="1100" b="1" dirty="0"/>
+              <a:t>    "</a:t>
+            </a:r>
+            <a:r>
+              <a:rPr lang="en-US" sz="1100" b="1" dirty="0" err="1"/>
+              <a:t>proxyquire</a:t>
+            </a:r>
+            <a:r>
+              <a:rPr lang="en-US" sz="1100" b="1" dirty="0"/>
+              <a:t>": "^1.0.1",</a:t>
+            </a:r>
+          </a:p>
+          <a:p>
+            <a:r>
+              <a:rPr lang="en-US" sz="1100" b="1" dirty="0"/>
+              <a:t>    "registry-</a:t>
+            </a:r>
+            <a:r>
+              <a:rPr lang="en-US" sz="1100" b="1" dirty="0" err="1"/>
+              <a:t>url</a:t>
+            </a:r>
+            <a:r>
+              <a:rPr lang="en-US" sz="1100" b="1" dirty="0"/>
+              <a:t>": "^3.0.0",</a:t>
+            </a:r>
+          </a:p>
+          <a:p>
+            <a:r>
+              <a:rPr lang="en-US" sz="1100" b="1" dirty="0"/>
+              <a:t>    "</a:t>
+            </a:r>
+            <a:r>
+              <a:rPr lang="en-US" sz="1100" b="1" dirty="0" err="1"/>
+              <a:t>sinon</a:t>
+            </a:r>
+            <a:r>
+              <a:rPr lang="en-US" sz="1100" b="1" dirty="0"/>
+              <a:t>": "^1.12.1"</a:t>
+            </a:r>
+          </a:p>
+          <a:p>
+            <a:r>
+              <a:rPr lang="en-US" sz="1100" b="1" dirty="0"/>
+              <a:t>  }</a:t>
+            </a:r>
+          </a:p>
+        </p:txBody>
+      </p:sp>
+      <p:sp>
+        <p:nvSpPr>
+          <p:cNvPr id="11" name="Title 8"/>
+          <p:cNvSpPr txBox="1">
+            <a:spLocks/>
+          </p:cNvSpPr>
+          <p:nvPr/>
+        </p:nvSpPr>
+        <p:spPr>
+          <a:xfrm>
+            <a:off x="5733761" y="307814"/>
+            <a:ext cx="5558528" cy="429802"/>
+          </a:xfrm>
+          <a:prstGeom prst="rect">
+            <a:avLst/>
+          </a:prstGeom>
+        </p:spPr>
+        <p:txBody>
+          <a:bodyPr vert="horz" lIns="0" tIns="0" rIns="0" bIns="0" rtlCol="0" anchor="t" anchorCtr="0">
+            <a:noAutofit/>
+          </a:bodyPr>
+          <a:lstStyle>
+            <a:lvl1pPr algn="l" defTabSz="457200" rtl="0" eaLnBrk="1" latinLnBrk="0" hangingPunct="1">
+              <a:lnSpc>
+                <a:spcPct val="110000"/>
+              </a:lnSpc>
+              <a:spcBef>
+                <a:spcPct val="0"/>
+              </a:spcBef>
+              <a:buNone/>
+              <a:defRPr sz="2100" kern="1200" spc="30" baseline="0">
+                <a:solidFill>
+                  <a:schemeClr val="tx1"/>
+                </a:solidFill>
+                <a:latin typeface="MillerDisplay"/>
+                <a:ea typeface="+mj-ea"/>
+                <a:cs typeface="+mj-cs"/>
+              </a:defRPr>
+            </a:lvl1pPr>
+          </a:lstStyle>
+          <a:p>
+            <a:r>
+              <a:rPr lang="en-US" dirty="0" smtClean="0"/>
+              <a:t>Snapshot of </a:t>
+            </a:r>
+            <a:r>
+              <a:rPr lang="en-US" dirty="0" err="1" smtClean="0"/>
+              <a:t>package.json</a:t>
+            </a:r>
+            <a:endParaRPr lang="en-US" dirty="0"/>
+          </a:p>
+        </p:txBody>
+      </p:sp>
+      <p:sp>
+        <p:nvSpPr>
+          <p:cNvPr id="13" name="Title 8"/>
+          <p:cNvSpPr txBox="1">
+            <a:spLocks/>
+          </p:cNvSpPr>
+          <p:nvPr/>
+        </p:nvSpPr>
+        <p:spPr>
+          <a:xfrm>
+            <a:off x="8404553" y="4537213"/>
+            <a:ext cx="2423160" cy="375667"/>
+          </a:xfrm>
+          <a:prstGeom prst="rect">
+            <a:avLst/>
+          </a:prstGeom>
+        </p:spPr>
+        <p:txBody>
+          <a:bodyPr vert="horz" lIns="0" tIns="0" rIns="0" bIns="0" rtlCol="0" anchor="t" anchorCtr="0">
+            <a:noAutofit/>
+          </a:bodyPr>
+          <a:lstStyle>
+            <a:lvl1pPr algn="l" defTabSz="457200" rtl="0" eaLnBrk="1" latinLnBrk="0" hangingPunct="1">
+              <a:lnSpc>
+                <a:spcPct val="110000"/>
+              </a:lnSpc>
+              <a:spcBef>
+                <a:spcPct val="0"/>
+              </a:spcBef>
+              <a:buNone/>
+              <a:defRPr sz="2100" kern="1200" spc="30" baseline="0">
+                <a:solidFill>
+                  <a:schemeClr val="tx1"/>
+                </a:solidFill>
+                <a:latin typeface="MillerDisplay"/>
+                <a:ea typeface="+mj-ea"/>
+                <a:cs typeface="+mj-cs"/>
+              </a:defRPr>
+            </a:lvl1pPr>
+          </a:lstStyle>
+          <a:p>
+            <a:r>
+              <a:rPr lang="en-US" dirty="0" smtClean="0">
+                <a:solidFill>
+                  <a:srgbClr val="FF0000"/>
+                </a:solidFill>
+              </a:rPr>
+              <a:t>30 + 15 = 45!!!!!! </a:t>
+            </a:r>
+            <a:endParaRPr lang="en-US" dirty="0">
+              <a:solidFill>
+                <a:srgbClr val="FF0000"/>
+              </a:solidFill>
+            </a:endParaRPr>
+          </a:p>
+        </p:txBody>
+      </p:sp>
+      <p:sp>
+        <p:nvSpPr>
+          <p:cNvPr id="4" name="Rectangle 3"/>
+          <p:cNvSpPr/>
+          <p:nvPr/>
+        </p:nvSpPr>
+        <p:spPr>
+          <a:xfrm>
+            <a:off x="5596569" y="2622014"/>
+            <a:ext cx="1817783" cy="198304"/>
+          </a:xfrm>
+          <a:prstGeom prst="rect">
+            <a:avLst/>
+          </a:prstGeom>
+          <a:noFill/>
+          <a:ln>
+            <a:solidFill>
+              <a:schemeClr val="accent2"/>
+            </a:solidFill>
+          </a:ln>
+        </p:spPr>
+        <p:style>
+          <a:lnRef idx="1">
+            <a:schemeClr val="accent1"/>
+          </a:lnRef>
+          <a:fillRef idx="3">
+            <a:schemeClr val="accent1"/>
+          </a:fillRef>
+          <a:effectRef idx="2">
+            <a:schemeClr val="accent1"/>
+          </a:effectRef>
+          <a:fontRef idx="minor">
+            <a:schemeClr val="lt1"/>
+          </a:fontRef>
+        </p:style>
+        <p:txBody>
+          <a:bodyPr rtlCol="0" anchor="ctr"/>
+          <a:lstStyle/>
+          <a:p>
+            <a:pPr algn="ctr"/>
+            <a:endParaRPr lang="en-US"/>
           </a:p>
         </p:txBody>
       </p:sp>
@@ -20574,12 +22448,7 @@
             <p:ph type="ctrTitle"/>
           </p:nvPr>
         </p:nvSpPr>
-        <p:spPr>
-          <a:xfrm>
-            <a:off x="685800" y="994465"/>
-            <a:ext cx="10360025" cy="728317"/>
-          </a:xfrm>
-        </p:spPr>
+        <p:spPr/>
         <p:txBody>
           <a:bodyPr/>
           <a:lstStyle/>
@@ -20587,120 +22456,7 @@
             <a:pPr algn="ctr"/>
             <a:r>
               <a:rPr lang="en-US" sz="4000" dirty="0" smtClean="0"/>
-              <a:t>Repo Details</a:t>
-            </a:r>
-            <a:endParaRPr lang="en-US" sz="4000" dirty="0"/>
-          </a:p>
-        </p:txBody>
-      </p:sp>
-      <p:sp>
-        <p:nvSpPr>
-          <p:cNvPr id="2" name="Rectangle 1"/>
-          <p:cNvSpPr/>
-          <p:nvPr/>
-        </p:nvSpPr>
-        <p:spPr>
-          <a:xfrm>
-            <a:off x="838200" y="1842987"/>
-            <a:ext cx="5955541" cy="369332"/>
-          </a:xfrm>
-          <a:prstGeom prst="rect">
-            <a:avLst/>
-          </a:prstGeom>
-        </p:spPr>
-        <p:txBody>
-          <a:bodyPr wrap="none">
-            <a:spAutoFit/>
-          </a:bodyPr>
-          <a:lstStyle/>
-          <a:p>
-            <a:r>
-              <a:rPr lang="en-US" dirty="0">
-                <a:solidFill>
-                  <a:srgbClr val="333333"/>
-                </a:solidFill>
-                <a:latin typeface="proxima-regular1"/>
-              </a:rPr>
-              <a:t>Clone - </a:t>
-            </a:r>
-            <a:r>
-              <a:rPr lang="en-US" dirty="0">
-                <a:solidFill>
-                  <a:srgbClr val="333333"/>
-                </a:solidFill>
-                <a:latin typeface="proxima-regular1"/>
-                <a:hlinkClick r:id="rId2"/>
-              </a:rPr>
-              <a:t>https://</a:t>
-            </a:r>
-            <a:r>
-              <a:rPr lang="en-US" dirty="0" smtClean="0">
-                <a:solidFill>
-                  <a:srgbClr val="333333"/>
-                </a:solidFill>
-                <a:latin typeface="proxima-regular1"/>
-                <a:hlinkClick r:id="rId2"/>
-              </a:rPr>
-              <a:t>github.com/dalalayan1/shell-generator.git</a:t>
-            </a:r>
-            <a:r>
-              <a:rPr lang="en-US" dirty="0" smtClean="0">
-                <a:solidFill>
-                  <a:srgbClr val="333333"/>
-                </a:solidFill>
-                <a:latin typeface="proxima-regular1"/>
-              </a:rPr>
-              <a:t> </a:t>
-            </a:r>
-            <a:endParaRPr lang="en-US" dirty="0"/>
-          </a:p>
-        </p:txBody>
-      </p:sp>
-      <p:sp>
-        <p:nvSpPr>
-          <p:cNvPr id="4" name="Title 7"/>
-          <p:cNvSpPr txBox="1">
-            <a:spLocks/>
-          </p:cNvSpPr>
-          <p:nvPr/>
-        </p:nvSpPr>
-        <p:spPr>
-          <a:xfrm>
-            <a:off x="685800" y="2896152"/>
-            <a:ext cx="10360025" cy="728317"/>
-          </a:xfrm>
-          <a:prstGeom prst="rect">
-            <a:avLst/>
-          </a:prstGeom>
-        </p:spPr>
-        <p:txBody>
-          <a:bodyPr vert="horz" lIns="0" tIns="0" rIns="0" bIns="0" rtlCol="0" anchor="t" anchorCtr="0">
-            <a:noAutofit/>
-          </a:bodyPr>
-          <a:lstStyle>
-            <a:lvl1pPr algn="l" defTabSz="457200" rtl="0" eaLnBrk="1" latinLnBrk="0" hangingPunct="1">
-              <a:lnSpc>
-                <a:spcPct val="97000"/>
-              </a:lnSpc>
-              <a:spcBef>
-                <a:spcPct val="0"/>
-              </a:spcBef>
-              <a:buNone/>
-              <a:defRPr sz="2100" kern="1200" spc="30">
-                <a:solidFill>
-                  <a:schemeClr val="tx1"/>
-                </a:solidFill>
-                <a:latin typeface="MillerDisplay"/>
-                <a:ea typeface="+mj-ea"/>
-                <a:cs typeface="+mj-cs"/>
-              </a:defRPr>
-            </a:lvl1pPr>
-          </a:lstStyle>
-          <a:p>
-            <a:pPr algn="ctr"/>
-            <a:r>
-              <a:rPr lang="en-US" sz="4000" dirty="0" smtClean="0"/>
-              <a:t>FEEL FREE TO CONTRIBUTE!</a:t>
+              <a:t>CODE-WALK</a:t>
             </a:r>
             <a:endParaRPr lang="en-US" sz="4000" dirty="0"/>
           </a:p>
@@ -20709,7 +22465,7 @@
     </p:spTree>
     <p:extLst>
       <p:ext uri="{BB962C8B-B14F-4D97-AF65-F5344CB8AC3E}">
-        <p14:creationId xmlns:p14="http://schemas.microsoft.com/office/powerpoint/2010/main" val="770327104"/>
+        <p14:creationId xmlns:p14="http://schemas.microsoft.com/office/powerpoint/2010/main" val="1142964917"/>
       </p:ext>
     </p:extLst>
   </p:cSld>

--- a/generators.pptx
+++ b/generators.pptx
@@ -19,8 +19,12 @@
     <p:sldId id="287" r:id="rId13"/>
     <p:sldId id="285" r:id="rId14"/>
     <p:sldId id="288" r:id="rId15"/>
-    <p:sldId id="289" r:id="rId16"/>
-    <p:sldId id="282" r:id="rId17"/>
+    <p:sldId id="293" r:id="rId16"/>
+    <p:sldId id="289" r:id="rId17"/>
+    <p:sldId id="290" r:id="rId18"/>
+    <p:sldId id="291" r:id="rId19"/>
+    <p:sldId id="292" r:id="rId20"/>
+    <p:sldId id="282" r:id="rId21"/>
   </p:sldIdLst>
   <p:sldSz cx="12188825" cy="6858000"/>
   <p:notesSz cx="6858000" cy="9144000"/>
@@ -121,7 +125,7 @@
   </p:defaultTextStyle>
   <p:extLst>
     <p:ext uri="{EFAFB233-063F-42B5-8137-9DF3F51BA10A}">
-      <p15:sldGuideLst xmlns="" xmlns:p15="http://schemas.microsoft.com/office/powerpoint/2012/main">
+      <p15:sldGuideLst xmlns:p15="http://schemas.microsoft.com/office/powerpoint/2012/main" xmlns="">
         <p15:guide id="1" orient="horz" pos="3776">
           <p15:clr>
             <a:srgbClr val="A4A3A4"/>
@@ -15832,7 +15836,7 @@
             <a:fld id="{5B79BDB1-EA6D-F04D-88E8-640A8DCE69BA}" type="datetimeFigureOut">
               <a:rPr lang="en-US"/>
               <a:pPr/>
-              <a:t>5/29/2017</a:t>
+              <a:t>5/30/2017</a:t>
             </a:fld>
             <a:endParaRPr lang="en-US"/>
           </a:p>
@@ -17909,6 +17913,646 @@
           <a:chExt cx="0" cy="0"/>
         </a:xfrm>
       </p:grpSpPr>
+      <p:sp>
+        <p:nvSpPr>
+          <p:cNvPr id="8" name="Title 7"/>
+          <p:cNvSpPr>
+            <a:spLocks noGrp="1"/>
+          </p:cNvSpPr>
+          <p:nvPr>
+            <p:ph type="ctrTitle"/>
+          </p:nvPr>
+        </p:nvSpPr>
+        <p:spPr>
+          <a:xfrm>
+            <a:off x="685800" y="994465"/>
+            <a:ext cx="10360025" cy="728317"/>
+          </a:xfrm>
+        </p:spPr>
+        <p:txBody>
+          <a:bodyPr/>
+          <a:lstStyle/>
+          <a:p>
+            <a:pPr algn="ctr"/>
+            <a:r>
+              <a:rPr lang="en-US" sz="4000" dirty="0" smtClean="0"/>
+              <a:t>Repo Details</a:t>
+            </a:r>
+            <a:endParaRPr lang="en-US" sz="4000" dirty="0"/>
+          </a:p>
+        </p:txBody>
+      </p:sp>
+      <p:sp>
+        <p:nvSpPr>
+          <p:cNvPr id="2" name="Rectangle 1"/>
+          <p:cNvSpPr/>
+          <p:nvPr/>
+        </p:nvSpPr>
+        <p:spPr>
+          <a:xfrm>
+            <a:off x="838200" y="1842987"/>
+            <a:ext cx="5955541" cy="369332"/>
+          </a:xfrm>
+          <a:prstGeom prst="rect">
+            <a:avLst/>
+          </a:prstGeom>
+        </p:spPr>
+        <p:txBody>
+          <a:bodyPr wrap="none">
+            <a:spAutoFit/>
+          </a:bodyPr>
+          <a:lstStyle/>
+          <a:p>
+            <a:r>
+              <a:rPr lang="en-US" dirty="0">
+                <a:solidFill>
+                  <a:srgbClr val="333333"/>
+                </a:solidFill>
+                <a:latin typeface="proxima-regular1"/>
+              </a:rPr>
+              <a:t>Clone - </a:t>
+            </a:r>
+            <a:r>
+              <a:rPr lang="en-US" dirty="0">
+                <a:solidFill>
+                  <a:srgbClr val="333333"/>
+                </a:solidFill>
+                <a:latin typeface="proxima-regular1"/>
+                <a:hlinkClick r:id="rId2"/>
+              </a:rPr>
+              <a:t>https://</a:t>
+            </a:r>
+            <a:r>
+              <a:rPr lang="en-US" dirty="0" smtClean="0">
+                <a:solidFill>
+                  <a:srgbClr val="333333"/>
+                </a:solidFill>
+                <a:latin typeface="proxima-regular1"/>
+                <a:hlinkClick r:id="rId2"/>
+              </a:rPr>
+              <a:t>github.com/dalalayan1/shell-generator.git</a:t>
+            </a:r>
+            <a:r>
+              <a:rPr lang="en-US" dirty="0" smtClean="0">
+                <a:solidFill>
+                  <a:srgbClr val="333333"/>
+                </a:solidFill>
+                <a:latin typeface="proxima-regular1"/>
+              </a:rPr>
+              <a:t> </a:t>
+            </a:r>
+            <a:endParaRPr lang="en-US" dirty="0"/>
+          </a:p>
+        </p:txBody>
+      </p:sp>
+      <p:sp>
+        <p:nvSpPr>
+          <p:cNvPr id="4" name="Title 7"/>
+          <p:cNvSpPr txBox="1">
+            <a:spLocks/>
+          </p:cNvSpPr>
+          <p:nvPr/>
+        </p:nvSpPr>
+        <p:spPr>
+          <a:xfrm>
+            <a:off x="685800" y="2896152"/>
+            <a:ext cx="10360025" cy="728317"/>
+          </a:xfrm>
+          <a:prstGeom prst="rect">
+            <a:avLst/>
+          </a:prstGeom>
+        </p:spPr>
+        <p:txBody>
+          <a:bodyPr vert="horz" lIns="0" tIns="0" rIns="0" bIns="0" rtlCol="0" anchor="t" anchorCtr="0">
+            <a:noAutofit/>
+          </a:bodyPr>
+          <a:lstStyle>
+            <a:lvl1pPr algn="l" defTabSz="457200" rtl="0" eaLnBrk="1" latinLnBrk="0" hangingPunct="1">
+              <a:lnSpc>
+                <a:spcPct val="97000"/>
+              </a:lnSpc>
+              <a:spcBef>
+                <a:spcPct val="0"/>
+              </a:spcBef>
+              <a:buNone/>
+              <a:defRPr sz="2100" kern="1200" spc="30">
+                <a:solidFill>
+                  <a:schemeClr val="tx1"/>
+                </a:solidFill>
+                <a:latin typeface="MillerDisplay"/>
+                <a:ea typeface="+mj-ea"/>
+                <a:cs typeface="+mj-cs"/>
+              </a:defRPr>
+            </a:lvl1pPr>
+          </a:lstStyle>
+          <a:p>
+            <a:pPr algn="ctr"/>
+            <a:r>
+              <a:rPr lang="en-US" sz="4000" dirty="0" smtClean="0"/>
+              <a:t>FEEL FREE TO CONTRIBUTE!</a:t>
+            </a:r>
+            <a:endParaRPr lang="en-US" sz="4000" dirty="0"/>
+          </a:p>
+        </p:txBody>
+      </p:sp>
+    </p:spTree>
+    <p:extLst>
+      <p:ext uri="{BB962C8B-B14F-4D97-AF65-F5344CB8AC3E}">
+        <p14:creationId xmlns:p14="http://schemas.microsoft.com/office/powerpoint/2010/main" val="770327104"/>
+      </p:ext>
+    </p:extLst>
+  </p:cSld>
+  <p:clrMapOvr>
+    <a:masterClrMapping/>
+  </p:clrMapOvr>
+  <p:timing>
+    <p:tnLst>
+      <p:par>
+        <p:cTn id="1" dur="indefinite" restart="never" nodeType="tmRoot"/>
+      </p:par>
+    </p:tnLst>
+  </p:timing>
+</p:sld>
+</file>
+
+<file path=ppt/slides/slide11.xml><?xml version="1.0" encoding="utf-8"?>
+<p:sld xmlns:a="http://schemas.openxmlformats.org/drawingml/2006/main" xmlns:r="http://schemas.openxmlformats.org/officeDocument/2006/relationships" xmlns:p="http://schemas.openxmlformats.org/presentationml/2006/main">
+  <p:cSld>
+    <p:spTree>
+      <p:nvGrpSpPr>
+        <p:cNvPr id="1" name=""/>
+        <p:cNvGrpSpPr/>
+        <p:nvPr/>
+      </p:nvGrpSpPr>
+      <p:grpSpPr>
+        <a:xfrm>
+          <a:off x="0" y="0"/>
+          <a:ext cx="0" cy="0"/>
+          <a:chOff x="0" y="0"/>
+          <a:chExt cx="0" cy="0"/>
+        </a:xfrm>
+      </p:grpSpPr>
+      <p:sp>
+        <p:nvSpPr>
+          <p:cNvPr id="8" name="Title 7"/>
+          <p:cNvSpPr>
+            <a:spLocks noGrp="1"/>
+          </p:cNvSpPr>
+          <p:nvPr>
+            <p:ph type="ctrTitle"/>
+          </p:nvPr>
+        </p:nvSpPr>
+        <p:spPr>
+          <a:xfrm>
+            <a:off x="685800" y="1140791"/>
+            <a:ext cx="10360025" cy="714513"/>
+          </a:xfrm>
+        </p:spPr>
+        <p:txBody>
+          <a:bodyPr/>
+          <a:lstStyle/>
+          <a:p>
+            <a:pPr algn="ctr"/>
+            <a:r>
+              <a:rPr lang="en-US" sz="4000" dirty="0" smtClean="0"/>
+              <a:t>Good-to-have features</a:t>
+            </a:r>
+            <a:endParaRPr lang="en-US" sz="4000" dirty="0"/>
+          </a:p>
+        </p:txBody>
+      </p:sp>
+      <p:sp>
+        <p:nvSpPr>
+          <p:cNvPr id="3" name="Rectangle 2"/>
+          <p:cNvSpPr/>
+          <p:nvPr/>
+        </p:nvSpPr>
+        <p:spPr>
+          <a:xfrm>
+            <a:off x="838200" y="2333318"/>
+            <a:ext cx="9565760" cy="923330"/>
+          </a:xfrm>
+          <a:prstGeom prst="rect">
+            <a:avLst/>
+          </a:prstGeom>
+        </p:spPr>
+        <p:txBody>
+          <a:bodyPr wrap="none">
+            <a:spAutoFit/>
+          </a:bodyPr>
+          <a:lstStyle/>
+          <a:p>
+            <a:pPr marL="285750" indent="-285750">
+              <a:buFont typeface="Arial" panose="020B0604020202020204" pitchFamily="34" charset="0"/>
+              <a:buChar char="•"/>
+            </a:pPr>
+            <a:r>
+              <a:rPr lang="en-US" dirty="0" smtClean="0"/>
+              <a:t>Create sub-generators to generate </a:t>
+            </a:r>
+            <a:r>
+              <a:rPr lang="en-US" b="1" dirty="0" smtClean="0"/>
+              <a:t>components</a:t>
+            </a:r>
+            <a:r>
+              <a:rPr lang="en-US" dirty="0" smtClean="0"/>
+              <a:t>, or change </a:t>
+            </a:r>
+            <a:r>
+              <a:rPr lang="en-US" b="1" dirty="0" smtClean="0"/>
+              <a:t>file configurations</a:t>
+            </a:r>
+            <a:r>
+              <a:rPr lang="en-US" dirty="0" smtClean="0"/>
+              <a:t>.</a:t>
+            </a:r>
+          </a:p>
+          <a:p>
+            <a:pPr marL="285750" indent="-285750">
+              <a:buFont typeface="Arial" panose="020B0604020202020204" pitchFamily="34" charset="0"/>
+              <a:buChar char="•"/>
+            </a:pPr>
+            <a:r>
+              <a:rPr lang="en-US" dirty="0" smtClean="0"/>
+              <a:t>Add trending frameworks like </a:t>
+            </a:r>
+            <a:r>
+              <a:rPr lang="en-US" b="1" dirty="0" smtClean="0"/>
+              <a:t>Angular2, </a:t>
+            </a:r>
+            <a:r>
+              <a:rPr lang="en-US" b="1" dirty="0" err="1" smtClean="0"/>
+              <a:t>Preact</a:t>
+            </a:r>
+            <a:r>
+              <a:rPr lang="en-US" dirty="0" smtClean="0"/>
+              <a:t>.</a:t>
+            </a:r>
+          </a:p>
+          <a:p>
+            <a:pPr marL="285750" indent="-285750">
+              <a:buFont typeface="Arial" panose="020B0604020202020204" pitchFamily="34" charset="0"/>
+              <a:buChar char="•"/>
+            </a:pPr>
+            <a:r>
+              <a:rPr lang="en-US" dirty="0" smtClean="0"/>
+              <a:t>Provide basic test cases with required testing frameworks(</a:t>
+            </a:r>
+            <a:r>
+              <a:rPr lang="en-US" b="1" dirty="0" err="1" smtClean="0"/>
+              <a:t>chai,mocha</a:t>
+            </a:r>
+            <a:r>
+              <a:rPr lang="en-US" dirty="0" smtClean="0"/>
+              <a:t>).</a:t>
+            </a:r>
+            <a:endParaRPr lang="en-US" dirty="0"/>
+          </a:p>
+        </p:txBody>
+      </p:sp>
+    </p:spTree>
+    <p:extLst>
+      <p:ext uri="{BB962C8B-B14F-4D97-AF65-F5344CB8AC3E}">
+        <p14:creationId xmlns:p14="http://schemas.microsoft.com/office/powerpoint/2010/main" val="681104022"/>
+      </p:ext>
+    </p:extLst>
+  </p:cSld>
+  <p:clrMapOvr>
+    <a:masterClrMapping/>
+  </p:clrMapOvr>
+  <p:timing>
+    <p:tnLst>
+      <p:par>
+        <p:cTn id="1" dur="indefinite" restart="never" nodeType="tmRoot"/>
+      </p:par>
+    </p:tnLst>
+  </p:timing>
+</p:sld>
+</file>
+
+<file path=ppt/slides/slide12.xml><?xml version="1.0" encoding="utf-8"?>
+<p:sld xmlns:a="http://schemas.openxmlformats.org/drawingml/2006/main" xmlns:r="http://schemas.openxmlformats.org/officeDocument/2006/relationships" xmlns:p="http://schemas.openxmlformats.org/presentationml/2006/main">
+  <p:cSld>
+    <p:spTree>
+      <p:nvGrpSpPr>
+        <p:cNvPr id="1" name=""/>
+        <p:cNvGrpSpPr/>
+        <p:nvPr/>
+      </p:nvGrpSpPr>
+      <p:grpSpPr>
+        <a:xfrm>
+          <a:off x="0" y="0"/>
+          <a:ext cx="0" cy="0"/>
+          <a:chOff x="0" y="0"/>
+          <a:chExt cx="0" cy="0"/>
+        </a:xfrm>
+      </p:grpSpPr>
+      <p:sp>
+        <p:nvSpPr>
+          <p:cNvPr id="8" name="Title 7"/>
+          <p:cNvSpPr>
+            <a:spLocks noGrp="1"/>
+          </p:cNvSpPr>
+          <p:nvPr>
+            <p:ph type="ctrTitle"/>
+          </p:nvPr>
+        </p:nvSpPr>
+        <p:spPr>
+          <a:xfrm>
+            <a:off x="566530" y="1921323"/>
+            <a:ext cx="10360025" cy="1231106"/>
+          </a:xfrm>
+        </p:spPr>
+        <p:txBody>
+          <a:bodyPr/>
+          <a:lstStyle/>
+          <a:p>
+            <a:pPr algn="ctr"/>
+            <a:r>
+              <a:rPr lang="en-US" sz="4000" dirty="0" smtClean="0"/>
+              <a:t>Questions?</a:t>
+            </a:r>
+            <a:br>
+              <a:rPr lang="en-US" sz="4000" dirty="0" smtClean="0"/>
+            </a:br>
+            <a:r>
+              <a:rPr lang="en-US" sz="4000" dirty="0"/>
+              <a:t/>
+            </a:r>
+            <a:br>
+              <a:rPr lang="en-US" sz="4000" dirty="0"/>
+            </a:br>
+            <a:r>
+              <a:rPr lang="en-US" sz="4000" dirty="0" smtClean="0"/>
+              <a:t/>
+            </a:r>
+            <a:br>
+              <a:rPr lang="en-US" sz="4000" dirty="0" smtClean="0"/>
+            </a:br>
+            <a:r>
+              <a:rPr lang="en-US" sz="4000" dirty="0" smtClean="0"/>
+              <a:t>Feedback?</a:t>
+            </a:r>
+            <a:endParaRPr lang="en-US" sz="4000" dirty="0"/>
+          </a:p>
+        </p:txBody>
+      </p:sp>
+    </p:spTree>
+    <p:extLst>
+      <p:ext uri="{BB962C8B-B14F-4D97-AF65-F5344CB8AC3E}">
+        <p14:creationId xmlns:p14="http://schemas.microsoft.com/office/powerpoint/2010/main" val="923078205"/>
+      </p:ext>
+    </p:extLst>
+  </p:cSld>
+  <p:clrMapOvr>
+    <a:masterClrMapping/>
+  </p:clrMapOvr>
+  <p:timing>
+    <p:tnLst>
+      <p:par>
+        <p:cTn id="1" dur="indefinite" restart="never" nodeType="tmRoot"/>
+      </p:par>
+    </p:tnLst>
+  </p:timing>
+</p:sld>
+</file>
+
+<file path=ppt/slides/slide13.xml><?xml version="1.0" encoding="utf-8"?>
+<p:sld xmlns:a="http://schemas.openxmlformats.org/drawingml/2006/main" xmlns:r="http://schemas.openxmlformats.org/officeDocument/2006/relationships" xmlns:p="http://schemas.openxmlformats.org/presentationml/2006/main">
+  <p:cSld>
+    <p:spTree>
+      <p:nvGrpSpPr>
+        <p:cNvPr id="1" name=""/>
+        <p:cNvGrpSpPr/>
+        <p:nvPr/>
+      </p:nvGrpSpPr>
+      <p:grpSpPr>
+        <a:xfrm>
+          <a:off x="0" y="0"/>
+          <a:ext cx="0" cy="0"/>
+          <a:chOff x="0" y="0"/>
+          <a:chExt cx="0" cy="0"/>
+        </a:xfrm>
+      </p:grpSpPr>
+      <p:sp>
+        <p:nvSpPr>
+          <p:cNvPr id="8" name="Title 7"/>
+          <p:cNvSpPr>
+            <a:spLocks noGrp="1"/>
+          </p:cNvSpPr>
+          <p:nvPr>
+            <p:ph type="ctrTitle"/>
+          </p:nvPr>
+        </p:nvSpPr>
+        <p:spPr>
+          <a:xfrm>
+            <a:off x="570416" y="2158313"/>
+            <a:ext cx="10360025" cy="807278"/>
+          </a:xfrm>
+        </p:spPr>
+        <p:txBody>
+          <a:bodyPr/>
+          <a:lstStyle/>
+          <a:p>
+            <a:pPr algn="ctr"/>
+            <a:r>
+              <a:rPr lang="en-US" sz="4000" dirty="0" smtClean="0"/>
+              <a:t>Thank You</a:t>
+            </a:r>
+            <a:endParaRPr lang="en-US" sz="4000" dirty="0"/>
+          </a:p>
+        </p:txBody>
+      </p:sp>
+      <p:sp>
+        <p:nvSpPr>
+          <p:cNvPr id="3" name="Rectangle 2"/>
+          <p:cNvSpPr/>
+          <p:nvPr/>
+        </p:nvSpPr>
+        <p:spPr>
+          <a:xfrm>
+            <a:off x="4747589" y="3334923"/>
+            <a:ext cx="2005677" cy="369332"/>
+          </a:xfrm>
+          <a:prstGeom prst="rect">
+            <a:avLst/>
+          </a:prstGeom>
+        </p:spPr>
+        <p:txBody>
+          <a:bodyPr wrap="none">
+            <a:spAutoFit/>
+          </a:bodyPr>
+          <a:lstStyle/>
+          <a:p>
+            <a:r>
+              <a:rPr lang="en-US" dirty="0" smtClean="0">
+                <a:solidFill>
+                  <a:srgbClr val="333333"/>
+                </a:solidFill>
+                <a:latin typeface="proxima-regular1"/>
+              </a:rPr>
+              <a:t>Reach out to us - </a:t>
+            </a:r>
+            <a:endParaRPr lang="en-US" dirty="0"/>
+          </a:p>
+        </p:txBody>
+      </p:sp>
+      <p:sp>
+        <p:nvSpPr>
+          <p:cNvPr id="4" name="Rectangle 3"/>
+          <p:cNvSpPr/>
+          <p:nvPr/>
+        </p:nvSpPr>
+        <p:spPr>
+          <a:xfrm>
+            <a:off x="7949428" y="3919157"/>
+            <a:ext cx="2470548" cy="646331"/>
+          </a:xfrm>
+          <a:prstGeom prst="rect">
+            <a:avLst/>
+          </a:prstGeom>
+        </p:spPr>
+        <p:txBody>
+          <a:bodyPr wrap="none">
+            <a:spAutoFit/>
+          </a:bodyPr>
+          <a:lstStyle/>
+          <a:p>
+            <a:r>
+              <a:rPr lang="en-US" dirty="0" smtClean="0">
+                <a:solidFill>
+                  <a:srgbClr val="333333"/>
+                </a:solidFill>
+                <a:latin typeface="proxima-regular1"/>
+              </a:rPr>
+              <a:t>Ayan Dalal</a:t>
+            </a:r>
+          </a:p>
+          <a:p>
+            <a:r>
+              <a:rPr lang="en-US" dirty="0" smtClean="0">
+                <a:solidFill>
+                  <a:srgbClr val="333333"/>
+                </a:solidFill>
+                <a:latin typeface="proxima-regular1"/>
+                <a:hlinkClick r:id="rId2"/>
+              </a:rPr>
+              <a:t>adalal4@sapient.com</a:t>
+            </a:r>
+            <a:r>
+              <a:rPr lang="en-US" dirty="0" smtClean="0">
+                <a:solidFill>
+                  <a:srgbClr val="333333"/>
+                </a:solidFill>
+                <a:latin typeface="proxima-regular1"/>
+              </a:rPr>
+              <a:t> </a:t>
+            </a:r>
+            <a:endParaRPr lang="en-US" dirty="0"/>
+          </a:p>
+        </p:txBody>
+      </p:sp>
+      <p:sp>
+        <p:nvSpPr>
+          <p:cNvPr id="5" name="Rectangle 4"/>
+          <p:cNvSpPr/>
+          <p:nvPr/>
+        </p:nvSpPr>
+        <p:spPr>
+          <a:xfrm>
+            <a:off x="1176913" y="3922168"/>
+            <a:ext cx="2624436" cy="646331"/>
+          </a:xfrm>
+          <a:prstGeom prst="rect">
+            <a:avLst/>
+          </a:prstGeom>
+        </p:spPr>
+        <p:txBody>
+          <a:bodyPr wrap="none">
+            <a:spAutoFit/>
+          </a:bodyPr>
+          <a:lstStyle/>
+          <a:p>
+            <a:r>
+              <a:rPr lang="en-US" dirty="0" err="1" smtClean="0">
+                <a:solidFill>
+                  <a:srgbClr val="333333"/>
+                </a:solidFill>
+                <a:latin typeface="proxima-regular1"/>
+              </a:rPr>
+              <a:t>Arkadyuti</a:t>
+            </a:r>
+            <a:r>
+              <a:rPr lang="en-US" dirty="0" smtClean="0">
+                <a:solidFill>
+                  <a:srgbClr val="333333"/>
+                </a:solidFill>
+                <a:latin typeface="proxima-regular1"/>
+              </a:rPr>
+              <a:t> Sarkar</a:t>
+            </a:r>
+          </a:p>
+          <a:p>
+            <a:r>
+              <a:rPr lang="en-US" dirty="0" smtClean="0">
+                <a:solidFill>
+                  <a:srgbClr val="333333"/>
+                </a:solidFill>
+                <a:latin typeface="proxima-regular1"/>
+                <a:hlinkClick r:id="rId3"/>
+              </a:rPr>
+              <a:t>asarkar2@sapient.com</a:t>
+            </a:r>
+            <a:r>
+              <a:rPr lang="en-US" dirty="0" smtClean="0">
+                <a:solidFill>
+                  <a:srgbClr val="333333"/>
+                </a:solidFill>
+                <a:latin typeface="proxima-regular1"/>
+              </a:rPr>
+              <a:t> </a:t>
+            </a:r>
+            <a:endParaRPr lang="en-US" dirty="0"/>
+          </a:p>
+        </p:txBody>
+      </p:sp>
+    </p:spTree>
+    <p:extLst>
+      <p:ext uri="{BB962C8B-B14F-4D97-AF65-F5344CB8AC3E}">
+        <p14:creationId xmlns:p14="http://schemas.microsoft.com/office/powerpoint/2010/main" val="3048438000"/>
+      </p:ext>
+    </p:extLst>
+  </p:cSld>
+  <p:clrMapOvr>
+    <a:masterClrMapping/>
+  </p:clrMapOvr>
+  <p:timing>
+    <p:tnLst>
+      <p:par>
+        <p:cTn id="1" dur="indefinite" restart="never" nodeType="tmRoot"/>
+      </p:par>
+    </p:tnLst>
+  </p:timing>
+</p:sld>
+</file>
+
+<file path=ppt/slides/slide14.xml><?xml version="1.0" encoding="utf-8"?>
+<p:sld xmlns:a="http://schemas.openxmlformats.org/drawingml/2006/main" xmlns:r="http://schemas.openxmlformats.org/officeDocument/2006/relationships" xmlns:p="http://schemas.openxmlformats.org/presentationml/2006/main">
+  <p:cSld>
+    <p:spTree>
+      <p:nvGrpSpPr>
+        <p:cNvPr id="1" name=""/>
+        <p:cNvGrpSpPr/>
+        <p:nvPr/>
+      </p:nvGrpSpPr>
+      <p:grpSpPr>
+        <a:xfrm>
+          <a:off x="0" y="0"/>
+          <a:ext cx="0" cy="0"/>
+          <a:chOff x="0" y="0"/>
+          <a:chExt cx="0" cy="0"/>
+        </a:xfrm>
+      </p:grpSpPr>
     </p:spTree>
     <p:extLst>
       <p:ext uri="{BB962C8B-B14F-4D97-AF65-F5344CB8AC3E}">
@@ -17992,6 +18636,81 @@
               <a:rPr lang="en-US" dirty="0"/>
               <a:t>2017</a:t>
             </a:r>
+          </a:p>
+        </p:txBody>
+      </p:sp>
+      <p:sp>
+        <p:nvSpPr>
+          <p:cNvPr id="4" name="Title 8"/>
+          <p:cNvSpPr txBox="1">
+            <a:spLocks/>
+          </p:cNvSpPr>
+          <p:nvPr/>
+        </p:nvSpPr>
+        <p:spPr>
+          <a:xfrm>
+            <a:off x="8005445" y="3656806"/>
+            <a:ext cx="2423160" cy="705578"/>
+          </a:xfrm>
+          <a:prstGeom prst="rect">
+            <a:avLst/>
+          </a:prstGeom>
+        </p:spPr>
+        <p:txBody>
+          <a:bodyPr vert="horz" lIns="0" tIns="0" rIns="0" bIns="0" rtlCol="0" anchor="t" anchorCtr="0">
+            <a:noAutofit/>
+          </a:bodyPr>
+          <a:lstStyle>
+            <a:lvl1pPr algn="l" defTabSz="457200" rtl="0" eaLnBrk="1" latinLnBrk="0" hangingPunct="1">
+              <a:lnSpc>
+                <a:spcPct val="97000"/>
+              </a:lnSpc>
+              <a:spcBef>
+                <a:spcPct val="0"/>
+              </a:spcBef>
+              <a:buNone/>
+              <a:defRPr sz="4000" kern="1200">
+                <a:solidFill>
+                  <a:schemeClr val="tx1"/>
+                </a:solidFill>
+                <a:latin typeface="MillerDisplay"/>
+                <a:ea typeface="+mj-ea"/>
+                <a:cs typeface="+mj-cs"/>
+              </a:defRPr>
+            </a:lvl1pPr>
+          </a:lstStyle>
+          <a:p>
+            <a:pPr marL="285750" indent="-285750">
+              <a:buFontTx/>
+              <a:buChar char="-"/>
+            </a:pPr>
+            <a:r>
+              <a:rPr lang="en-US" sz="1800" dirty="0" smtClean="0">
+                <a:latin typeface="+mn-lt"/>
+              </a:rPr>
+              <a:t>Arkadyuti Sarkar</a:t>
+            </a:r>
+          </a:p>
+          <a:p>
+            <a:pPr marL="285750" indent="-285750">
+              <a:buFontTx/>
+              <a:buChar char="-"/>
+            </a:pPr>
+            <a:r>
+              <a:rPr lang="en-US" sz="1800" dirty="0">
+                <a:latin typeface="+mn-lt"/>
+              </a:rPr>
+              <a:t>Ayan Dalal</a:t>
+            </a:r>
+          </a:p>
+          <a:p>
+            <a:pPr marL="285750" indent="-285750">
+              <a:buFontTx/>
+              <a:buChar char="-"/>
+            </a:pPr>
+            <a:endParaRPr lang="en-US" sz="1800" dirty="0">
+              <a:latin typeface="+mn-lt"/>
+            </a:endParaRPr>
           </a:p>
         </p:txBody>
       </p:sp>
@@ -18081,11 +18800,7 @@
           <a:p>
             <a:r>
               <a:rPr lang="en-US" dirty="0" smtClean="0"/>
-              <a:t>What </a:t>
-            </a:r>
-            <a:r>
-              <a:rPr lang="en-US" dirty="0" smtClean="0"/>
-              <a:t>is Yeoman? Why not Yeoman?</a:t>
+              <a:t>What is Yeoman? Why not Yeoman?</a:t>
             </a:r>
           </a:p>
           <a:p>
@@ -18103,14 +18818,25 @@
           <a:p>
             <a:r>
               <a:rPr lang="en-US" dirty="0" smtClean="0"/>
+              <a:t>Repo details</a:t>
+            </a:r>
+          </a:p>
+          <a:p>
+            <a:r>
+              <a:rPr lang="en-US" dirty="0" smtClean="0"/>
+              <a:t>Good-to-have features</a:t>
+            </a:r>
+          </a:p>
+          <a:p>
+            <a:r>
+              <a:rPr lang="en-US" dirty="0"/>
               <a:t>Q/A session</a:t>
             </a:r>
           </a:p>
           <a:p>
-            <a:r>
-              <a:rPr lang="en-US" dirty="0" smtClean="0"/>
-              <a:t>Repo details</a:t>
-            </a:r>
+            <a:pPr marL="0" indent="0">
+              <a:buNone/>
+            </a:pPr>
             <a:endParaRPr lang="en-US" dirty="0"/>
           </a:p>
         </p:txBody>
@@ -18193,15 +18919,7 @@
             <a:pPr lvl="0"/>
             <a:r>
               <a:rPr lang="en-US" sz="1400" dirty="0" smtClean="0"/>
-              <a:t>Generators are an awesome way to </a:t>
-            </a:r>
-            <a:r>
-              <a:rPr lang="en-US" sz="1400" dirty="0" smtClean="0"/>
-              <a:t>kick start </a:t>
-            </a:r>
-            <a:r>
-              <a:rPr lang="en-US" sz="1400" dirty="0" smtClean="0"/>
-              <a:t>your application. </a:t>
+              <a:t>Generators are an awesome way to kick start your application. </a:t>
             </a:r>
             <a:endParaRPr lang="en-US" sz="1400" dirty="0"/>
           </a:p>
@@ -19356,38 +20074,35 @@
             <a:pPr lvl="0"/>
             <a:r>
               <a:rPr lang="en-US" sz="1400" dirty="0" smtClean="0"/>
-              <a:t>Setting up a new project from </a:t>
-            </a:r>
+              <a:t>Setting up a new project from scratch! </a:t>
+            </a:r>
+          </a:p>
+          <a:p>
+            <a:pPr lvl="0"/>
             <a:r>
               <a:rPr lang="en-US" sz="1400" dirty="0" smtClean="0"/>
-              <a:t>scratch! </a:t>
-            </a:r>
+              <a:t>Might be a hectic job! </a:t>
+            </a:r>
+            <a:endParaRPr lang="en-US" sz="1400" dirty="0" smtClean="0"/>
           </a:p>
           <a:p>
             <a:pPr lvl="0"/>
+            <a:endParaRPr lang="en-US" sz="1400" dirty="0"/>
+          </a:p>
+          <a:p>
+            <a:pPr marL="342900" lvl="0" indent="-342900">
+              <a:buFont typeface="+mj-lt"/>
+              <a:buAutoNum type="arabicPeriod"/>
+            </a:pPr>
             <a:r>
               <a:rPr lang="en-US" sz="1400" dirty="0" smtClean="0"/>
-              <a:t>Might be </a:t>
+              <a:t>Time </a:t>
             </a:r>
             <a:r>
               <a:rPr lang="en-US" sz="1400" dirty="0" smtClean="0"/>
-              <a:t>a hectic </a:t>
-            </a:r>
-            <a:r>
-              <a:rPr lang="en-US" sz="1400" dirty="0" smtClean="0"/>
-              <a:t>job! </a:t>
-            </a:r>
-          </a:p>
-          <a:p>
-            <a:pPr lvl="0"/>
-            <a:r>
-              <a:rPr lang="en-US" sz="1400" dirty="0" smtClean="0"/>
-              <a:t>Some </a:t>
-            </a:r>
-            <a:r>
-              <a:rPr lang="en-US" sz="1400" dirty="0" smtClean="0"/>
-              <a:t>of the possible reasons behind are – </a:t>
-            </a:r>
+              <a:t>consuming</a:t>
+            </a:r>
+            <a:endParaRPr lang="en-US" sz="1400" dirty="0"/>
           </a:p>
           <a:p>
             <a:pPr marL="228600" lvl="0" indent="-228600">
@@ -19396,7 +20111,7 @@
             </a:pPr>
             <a:r>
               <a:rPr lang="en-US" sz="1400" dirty="0" smtClean="0"/>
-              <a:t>Time consuming</a:t>
+              <a:t>Complex folder structure </a:t>
             </a:r>
             <a:endParaRPr lang="en-US" sz="1400" dirty="0"/>
           </a:p>
@@ -19407,28 +20122,8 @@
             </a:pPr>
             <a:r>
               <a:rPr lang="en-US" sz="1400" dirty="0" smtClean="0"/>
-              <a:t>Complex </a:t>
-            </a:r>
-            <a:r>
-              <a:rPr lang="en-US" sz="1400" dirty="0" smtClean="0"/>
-              <a:t>folder structure </a:t>
-            </a:r>
-            <a:endParaRPr lang="en-US" sz="1400" dirty="0"/>
-          </a:p>
-          <a:p>
-            <a:pPr marL="228600" lvl="0" indent="-228600">
-              <a:buFont typeface="+mj-lt"/>
-              <a:buAutoNum type="arabicPeriod"/>
-            </a:pPr>
-            <a:r>
-              <a:rPr lang="en-US" sz="1400" dirty="0" smtClean="0"/>
-              <a:t>Configuration </a:t>
-            </a:r>
-            <a:r>
-              <a:rPr lang="en-US" sz="1400" dirty="0" smtClean="0"/>
-              <a:t>of files </a:t>
-            </a:r>
-            <a:endParaRPr lang="en-US" sz="1400" dirty="0" smtClean="0"/>
+              <a:t>Configuration of files </a:t>
+            </a:r>
           </a:p>
           <a:p>
             <a:pPr marL="228600" lvl="0" indent="-228600">
@@ -19553,6 +20248,16 @@
           <a:bodyPr/>
           <a:lstStyle/>
           <a:p>
+            <a:pPr marL="285750" indent="-285750">
+              <a:buFont typeface="Arial" panose="020B0604020202020204" pitchFamily="34" charset="0"/>
+              <a:buChar char="•"/>
+            </a:pPr>
+            <a:r>
+              <a:rPr lang="en-US" sz="1400" dirty="0"/>
+              <a:t>Write your own script.</a:t>
+            </a:r>
+          </a:p>
+          <a:p>
             <a:pPr marL="285750" lvl="0" indent="-285750">
               <a:buFont typeface="Arial" panose="020B0604020202020204" pitchFamily="34" charset="0"/>
               <a:buChar char="•"/>
@@ -19578,32 +20283,12 @@
             </a:pPr>
             <a:r>
               <a:rPr lang="en-US" sz="1400" dirty="0" smtClean="0"/>
-              <a:t>Write your own </a:t>
+              <a:t>Create/edit </a:t>
             </a:r>
             <a:r>
               <a:rPr lang="en-US" sz="1400" dirty="0" smtClean="0"/>
-              <a:t>script.</a:t>
-            </a:r>
-            <a:endParaRPr lang="en-US" sz="1400" dirty="0" smtClean="0"/>
-          </a:p>
-          <a:p>
-            <a:pPr marL="285750" lvl="0" indent="-285750">
-              <a:buFont typeface="Arial" panose="020B0604020202020204" pitchFamily="34" charset="0"/>
-              <a:buChar char="•"/>
-            </a:pPr>
-            <a:r>
-              <a:rPr lang="en-US" sz="1400" dirty="0" smtClean="0"/>
-              <a:t>Create/edit files and their contents on </a:t>
-            </a:r>
-            <a:r>
-              <a:rPr lang="en-US" sz="1400" dirty="0" smtClean="0"/>
-              <a:t>the </a:t>
-            </a:r>
-            <a:r>
-              <a:rPr lang="en-US" sz="1400" dirty="0" smtClean="0"/>
-              <a:t>fly.</a:t>
-            </a:r>
-            <a:endParaRPr lang="en-US" sz="1400" dirty="0" smtClean="0"/>
+              <a:t>files and their contents on the fly.</a:t>
+            </a:r>
           </a:p>
           <a:p>
             <a:pPr lvl="0"/>
@@ -19611,23 +20296,778 @@
           </a:p>
         </p:txBody>
       </p:sp>
-      <p:sp>
-        <p:nvSpPr>
-          <p:cNvPr id="4" name="Picture Placeholder 3"/>
-          <p:cNvSpPr>
-            <a:spLocks noGrp="1"/>
-          </p:cNvSpPr>
-          <p:nvPr>
-            <p:ph type="pic" sz="quarter" idx="11"/>
-          </p:nvPr>
-        </p:nvSpPr>
+      <p:grpSp>
+        <p:nvGrpSpPr>
+          <p:cNvPr id="5" name="Group 4"/>
+          <p:cNvGrpSpPr/>
+          <p:nvPr/>
+        </p:nvGrpSpPr>
+        <p:grpSpPr>
+          <a:xfrm>
+            <a:off x="5648785" y="2203036"/>
+            <a:ext cx="1820115" cy="453337"/>
+            <a:chOff x="0" y="1768387"/>
+            <a:chExt cx="1417884" cy="810002"/>
+          </a:xfrm>
+        </p:grpSpPr>
+        <p:sp>
+          <p:nvSpPr>
+            <p:cNvPr id="6" name="Rounded Rectangle 5"/>
+            <p:cNvSpPr/>
+            <p:nvPr/>
+          </p:nvSpPr>
+          <p:spPr>
+            <a:xfrm>
+              <a:off x="0" y="1768387"/>
+              <a:ext cx="1417884" cy="810002"/>
+            </a:xfrm>
+            <a:prstGeom prst="roundRect">
+              <a:avLst>
+                <a:gd name="adj" fmla="val 10000"/>
+              </a:avLst>
+            </a:prstGeom>
+          </p:spPr>
+          <p:style>
+            <a:lnRef idx="2">
+              <a:schemeClr val="accent2"/>
+            </a:lnRef>
+            <a:fillRef idx="1">
+              <a:schemeClr val="lt1"/>
+            </a:fillRef>
+            <a:effectRef idx="0">
+              <a:schemeClr val="accent2"/>
+            </a:effectRef>
+            <a:fontRef idx="minor">
+              <a:schemeClr val="dk1"/>
+            </a:fontRef>
+          </p:style>
+          <p:txBody>
+            <a:bodyPr/>
+            <a:lstStyle/>
+            <a:p>
+              <a:pPr algn="ctr"/>
+              <a:r>
+                <a:rPr lang="en-US" dirty="0" err="1" smtClean="0"/>
+                <a:t>Config</a:t>
+              </a:r>
+              <a:r>
+                <a:rPr lang="en-US" dirty="0" smtClean="0"/>
+                <a:t> files</a:t>
+              </a:r>
+              <a:endParaRPr lang="en-US" dirty="0"/>
+            </a:p>
+          </p:txBody>
+        </p:sp>
+        <p:sp>
+          <p:nvSpPr>
+            <p:cNvPr id="7" name="Rounded Rectangle 4"/>
+            <p:cNvSpPr/>
+            <p:nvPr/>
+          </p:nvSpPr>
+          <p:spPr>
+            <a:xfrm>
+              <a:off x="23724" y="1792111"/>
+              <a:ext cx="1370436" cy="762554"/>
+            </a:xfrm>
+            <a:prstGeom prst="rect">
+              <a:avLst/>
+            </a:prstGeom>
+          </p:spPr>
+          <p:style>
+            <a:lnRef idx="0">
+              <a:scrgbClr r="0" g="0" b="0"/>
+            </a:lnRef>
+            <a:fillRef idx="0">
+              <a:scrgbClr r="0" g="0" b="0"/>
+            </a:fillRef>
+            <a:effectRef idx="0">
+              <a:scrgbClr r="0" g="0" b="0"/>
+            </a:effectRef>
+            <a:fontRef idx="minor">
+              <a:schemeClr val="lt1"/>
+            </a:fontRef>
+          </p:style>
+          <p:txBody>
+            <a:bodyPr spcFirstLastPara="0" vert="horz" wrap="square" lIns="6985" tIns="6985" rIns="6985" bIns="6985" numCol="1" spcCol="1270" anchor="ctr" anchorCtr="0">
+              <a:noAutofit/>
+            </a:bodyPr>
+            <a:lstStyle/>
+            <a:p>
+              <a:pPr algn="ctr"/>
+              <a:endParaRPr lang="en-US" sz="1100" dirty="0" smtClean="0">
+                <a:solidFill>
+                  <a:schemeClr val="tx1"/>
+                </a:solidFill>
+              </a:endParaRPr>
+            </a:p>
+          </p:txBody>
+        </p:sp>
+      </p:grpSp>
+      <p:grpSp>
+        <p:nvGrpSpPr>
+          <p:cNvPr id="8" name="Group 7"/>
+          <p:cNvGrpSpPr/>
+          <p:nvPr/>
+        </p:nvGrpSpPr>
+        <p:grpSpPr>
+          <a:xfrm>
+            <a:off x="5100811" y="3738360"/>
+            <a:ext cx="3183874" cy="2398035"/>
+            <a:chOff x="0" y="1768387"/>
+            <a:chExt cx="1417884" cy="810002"/>
+          </a:xfrm>
+        </p:grpSpPr>
+        <p:sp>
+          <p:nvSpPr>
+            <p:cNvPr id="10" name="Rounded Rectangle 9"/>
+            <p:cNvSpPr/>
+            <p:nvPr/>
+          </p:nvSpPr>
+          <p:spPr>
+            <a:xfrm>
+              <a:off x="0" y="1768387"/>
+              <a:ext cx="1417884" cy="810002"/>
+            </a:xfrm>
+            <a:prstGeom prst="roundRect">
+              <a:avLst>
+                <a:gd name="adj" fmla="val 10000"/>
+              </a:avLst>
+            </a:prstGeom>
+          </p:spPr>
+          <p:style>
+            <a:lnRef idx="2">
+              <a:schemeClr val="accent2"/>
+            </a:lnRef>
+            <a:fillRef idx="1">
+              <a:schemeClr val="lt1"/>
+            </a:fillRef>
+            <a:effectRef idx="0">
+              <a:schemeClr val="accent2"/>
+            </a:effectRef>
+            <a:fontRef idx="minor">
+              <a:schemeClr val="dk1"/>
+            </a:fontRef>
+          </p:style>
+          <p:txBody>
+            <a:bodyPr/>
+            <a:lstStyle/>
+            <a:p>
+              <a:r>
+                <a:rPr lang="en-US" dirty="0" smtClean="0"/>
+                <a:t>	Folder1</a:t>
+              </a:r>
+            </a:p>
+            <a:p>
+              <a:r>
+                <a:rPr lang="en-US" dirty="0"/>
+                <a:t>	</a:t>
+              </a:r>
+              <a:r>
+                <a:rPr lang="en-US" dirty="0" smtClean="0"/>
+                <a:t>	 sub-folder1</a:t>
+              </a:r>
+            </a:p>
+            <a:p>
+              <a:r>
+                <a:rPr lang="en-US" dirty="0"/>
+                <a:t>	</a:t>
+              </a:r>
+              <a:r>
+                <a:rPr lang="en-US" dirty="0" smtClean="0"/>
+                <a:t>	 sub-folder2</a:t>
+              </a:r>
+            </a:p>
+            <a:p>
+              <a:r>
+                <a:rPr lang="en-US" dirty="0"/>
+                <a:t>	</a:t>
+              </a:r>
+              <a:r>
+                <a:rPr lang="en-US" dirty="0" smtClean="0"/>
+                <a:t>		file1</a:t>
+              </a:r>
+            </a:p>
+            <a:p>
+              <a:r>
+                <a:rPr lang="en-US" dirty="0"/>
+                <a:t>	</a:t>
+              </a:r>
+              <a:r>
+                <a:rPr lang="en-US" dirty="0" smtClean="0"/>
+                <a:t>Folder2</a:t>
+              </a:r>
+            </a:p>
+            <a:p>
+              <a:r>
+                <a:rPr lang="en-US" dirty="0"/>
+                <a:t>	</a:t>
+              </a:r>
+              <a:r>
+                <a:rPr lang="en-US" dirty="0" smtClean="0"/>
+                <a:t>	  sub-folder1</a:t>
+              </a:r>
+            </a:p>
+            <a:p>
+              <a:r>
+                <a:rPr lang="en-US" dirty="0"/>
+                <a:t>	</a:t>
+              </a:r>
+              <a:r>
+                <a:rPr lang="en-US" dirty="0" smtClean="0"/>
+                <a:t>Folder3</a:t>
+              </a:r>
+            </a:p>
+            <a:p>
+              <a:r>
+                <a:rPr lang="en-US" dirty="0"/>
+                <a:t>	</a:t>
+              </a:r>
+              <a:r>
+                <a:rPr lang="en-US" dirty="0" smtClean="0"/>
+                <a:t>	  file1</a:t>
+              </a:r>
+              <a:endParaRPr lang="en-US" dirty="0"/>
+            </a:p>
+          </p:txBody>
+        </p:sp>
+        <p:sp>
+          <p:nvSpPr>
+            <p:cNvPr id="11" name="Rounded Rectangle 4"/>
+            <p:cNvSpPr/>
+            <p:nvPr/>
+          </p:nvSpPr>
+          <p:spPr>
+            <a:xfrm>
+              <a:off x="23724" y="1792111"/>
+              <a:ext cx="1370436" cy="762554"/>
+            </a:xfrm>
+            <a:prstGeom prst="rect">
+              <a:avLst/>
+            </a:prstGeom>
+          </p:spPr>
+          <p:style>
+            <a:lnRef idx="0">
+              <a:scrgbClr r="0" g="0" b="0"/>
+            </a:lnRef>
+            <a:fillRef idx="0">
+              <a:scrgbClr r="0" g="0" b="0"/>
+            </a:fillRef>
+            <a:effectRef idx="0">
+              <a:scrgbClr r="0" g="0" b="0"/>
+            </a:effectRef>
+            <a:fontRef idx="minor">
+              <a:schemeClr val="lt1"/>
+            </a:fontRef>
+          </p:style>
+          <p:txBody>
+            <a:bodyPr spcFirstLastPara="0" vert="horz" wrap="square" lIns="6985" tIns="6985" rIns="6985" bIns="6985" numCol="1" spcCol="1270" anchor="ctr" anchorCtr="0">
+              <a:noAutofit/>
+            </a:bodyPr>
+            <a:lstStyle/>
+            <a:p>
+              <a:pPr algn="ctr"/>
+              <a:endParaRPr lang="en-US" sz="1100" dirty="0" smtClean="0">
+                <a:solidFill>
+                  <a:schemeClr val="tx1"/>
+                </a:solidFill>
+              </a:endParaRPr>
+            </a:p>
+          </p:txBody>
+        </p:sp>
+      </p:grpSp>
+      <p:cxnSp>
+        <p:nvCxnSpPr>
+          <p:cNvPr id="14" name="Straight Connector 13"/>
+          <p:cNvCxnSpPr/>
+          <p:nvPr/>
+        </p:nvCxnSpPr>
         <p:spPr>
           <a:xfrm>
-            <a:off x="4890051" y="0"/>
-            <a:ext cx="7298773" cy="6858000"/>
+            <a:off x="5406750" y="3988106"/>
+            <a:ext cx="0" cy="1850834"/>
           </a:xfrm>
+          <a:prstGeom prst="line">
+            <a:avLst/>
+          </a:prstGeom>
         </p:spPr>
-      </p:sp>
+        <p:style>
+          <a:lnRef idx="2">
+            <a:schemeClr val="dk1"/>
+          </a:lnRef>
+          <a:fillRef idx="0">
+            <a:schemeClr val="dk1"/>
+          </a:fillRef>
+          <a:effectRef idx="1">
+            <a:schemeClr val="dk1"/>
+          </a:effectRef>
+          <a:fontRef idx="minor">
+            <a:schemeClr val="tx1"/>
+          </a:fontRef>
+        </p:style>
+      </p:cxnSp>
+      <p:cxnSp>
+        <p:nvCxnSpPr>
+          <p:cNvPr id="19" name="Straight Connector 18"/>
+          <p:cNvCxnSpPr/>
+          <p:nvPr/>
+        </p:nvCxnSpPr>
+        <p:spPr>
+          <a:xfrm>
+            <a:off x="5406750" y="3988106"/>
+            <a:ext cx="322021" cy="0"/>
+          </a:xfrm>
+          <a:prstGeom prst="line">
+            <a:avLst/>
+          </a:prstGeom>
+        </p:spPr>
+        <p:style>
+          <a:lnRef idx="2">
+            <a:schemeClr val="dk1"/>
+          </a:lnRef>
+          <a:fillRef idx="0">
+            <a:schemeClr val="dk1"/>
+          </a:fillRef>
+          <a:effectRef idx="1">
+            <a:schemeClr val="dk1"/>
+          </a:effectRef>
+          <a:fontRef idx="minor">
+            <a:schemeClr val="tx1"/>
+          </a:fontRef>
+        </p:style>
+      </p:cxnSp>
+      <p:grpSp>
+        <p:nvGrpSpPr>
+          <p:cNvPr id="20" name="Group 19"/>
+          <p:cNvGrpSpPr/>
+          <p:nvPr/>
+        </p:nvGrpSpPr>
+        <p:grpSpPr>
+          <a:xfrm>
+            <a:off x="5618331" y="561681"/>
+            <a:ext cx="1820115" cy="453337"/>
+            <a:chOff x="0" y="1768387"/>
+            <a:chExt cx="1417884" cy="810002"/>
+          </a:xfrm>
+        </p:grpSpPr>
+        <p:sp>
+          <p:nvSpPr>
+            <p:cNvPr id="21" name="Rounded Rectangle 20"/>
+            <p:cNvSpPr/>
+            <p:nvPr/>
+          </p:nvSpPr>
+          <p:spPr>
+            <a:xfrm>
+              <a:off x="0" y="1768387"/>
+              <a:ext cx="1417884" cy="810002"/>
+            </a:xfrm>
+            <a:prstGeom prst="roundRect">
+              <a:avLst>
+                <a:gd name="adj" fmla="val 10000"/>
+              </a:avLst>
+            </a:prstGeom>
+          </p:spPr>
+          <p:style>
+            <a:lnRef idx="2">
+              <a:schemeClr val="accent2"/>
+            </a:lnRef>
+            <a:fillRef idx="1">
+              <a:schemeClr val="lt1"/>
+            </a:fillRef>
+            <a:effectRef idx="0">
+              <a:schemeClr val="accent2"/>
+            </a:effectRef>
+            <a:fontRef idx="minor">
+              <a:schemeClr val="dk1"/>
+            </a:fontRef>
+          </p:style>
+          <p:txBody>
+            <a:bodyPr/>
+            <a:lstStyle/>
+            <a:p>
+              <a:pPr algn="ctr"/>
+              <a:r>
+                <a:rPr lang="en-US" dirty="0" smtClean="0"/>
+                <a:t>Scripts</a:t>
+              </a:r>
+              <a:endParaRPr lang="en-US" dirty="0"/>
+            </a:p>
+          </p:txBody>
+        </p:sp>
+        <p:sp>
+          <p:nvSpPr>
+            <p:cNvPr id="22" name="Rounded Rectangle 4"/>
+            <p:cNvSpPr/>
+            <p:nvPr/>
+          </p:nvSpPr>
+          <p:spPr>
+            <a:xfrm>
+              <a:off x="23724" y="1792111"/>
+              <a:ext cx="1370436" cy="762554"/>
+            </a:xfrm>
+            <a:prstGeom prst="rect">
+              <a:avLst/>
+            </a:prstGeom>
+          </p:spPr>
+          <p:style>
+            <a:lnRef idx="0">
+              <a:scrgbClr r="0" g="0" b="0"/>
+            </a:lnRef>
+            <a:fillRef idx="0">
+              <a:scrgbClr r="0" g="0" b="0"/>
+            </a:fillRef>
+            <a:effectRef idx="0">
+              <a:scrgbClr r="0" g="0" b="0"/>
+            </a:effectRef>
+            <a:fontRef idx="minor">
+              <a:schemeClr val="lt1"/>
+            </a:fontRef>
+          </p:style>
+          <p:txBody>
+            <a:bodyPr spcFirstLastPara="0" vert="horz" wrap="square" lIns="6985" tIns="6985" rIns="6985" bIns="6985" numCol="1" spcCol="1270" anchor="ctr" anchorCtr="0">
+              <a:noAutofit/>
+            </a:bodyPr>
+            <a:lstStyle/>
+            <a:p>
+              <a:pPr algn="ctr"/>
+              <a:endParaRPr lang="en-US" sz="1100" dirty="0" smtClean="0">
+                <a:solidFill>
+                  <a:schemeClr val="tx1"/>
+                </a:solidFill>
+              </a:endParaRPr>
+            </a:p>
+          </p:txBody>
+        </p:sp>
+      </p:grpSp>
+      <p:cxnSp>
+        <p:nvCxnSpPr>
+          <p:cNvPr id="26" name="Straight Connector 25"/>
+          <p:cNvCxnSpPr/>
+          <p:nvPr/>
+        </p:nvCxnSpPr>
+        <p:spPr>
+          <a:xfrm>
+            <a:off x="5406750" y="5121008"/>
+            <a:ext cx="322021" cy="0"/>
+          </a:xfrm>
+          <a:prstGeom prst="line">
+            <a:avLst/>
+          </a:prstGeom>
+        </p:spPr>
+        <p:style>
+          <a:lnRef idx="2">
+            <a:schemeClr val="dk1"/>
+          </a:lnRef>
+          <a:fillRef idx="0">
+            <a:schemeClr val="dk1"/>
+          </a:fillRef>
+          <a:effectRef idx="1">
+            <a:schemeClr val="dk1"/>
+          </a:effectRef>
+          <a:fontRef idx="minor">
+            <a:schemeClr val="tx1"/>
+          </a:fontRef>
+        </p:style>
+      </p:cxnSp>
+      <p:cxnSp>
+        <p:nvCxnSpPr>
+          <p:cNvPr id="27" name="Straight Connector 26"/>
+          <p:cNvCxnSpPr/>
+          <p:nvPr/>
+        </p:nvCxnSpPr>
+        <p:spPr>
+          <a:xfrm>
+            <a:off x="5420173" y="5636964"/>
+            <a:ext cx="322021" cy="0"/>
+          </a:xfrm>
+          <a:prstGeom prst="line">
+            <a:avLst/>
+          </a:prstGeom>
+        </p:spPr>
+        <p:style>
+          <a:lnRef idx="2">
+            <a:schemeClr val="dk1"/>
+          </a:lnRef>
+          <a:fillRef idx="0">
+            <a:schemeClr val="dk1"/>
+          </a:fillRef>
+          <a:effectRef idx="1">
+            <a:schemeClr val="dk1"/>
+          </a:effectRef>
+          <a:fontRef idx="minor">
+            <a:schemeClr val="tx1"/>
+          </a:fontRef>
+        </p:style>
+      </p:cxnSp>
+      <p:cxnSp>
+        <p:nvCxnSpPr>
+          <p:cNvPr id="28" name="Straight Connector 27"/>
+          <p:cNvCxnSpPr/>
+          <p:nvPr/>
+        </p:nvCxnSpPr>
+        <p:spPr>
+          <a:xfrm>
+            <a:off x="5911690" y="4109971"/>
+            <a:ext cx="8610" cy="561181"/>
+          </a:xfrm>
+          <a:prstGeom prst="line">
+            <a:avLst/>
+          </a:prstGeom>
+        </p:spPr>
+        <p:style>
+          <a:lnRef idx="2">
+            <a:schemeClr val="dk1"/>
+          </a:lnRef>
+          <a:fillRef idx="0">
+            <a:schemeClr val="dk1"/>
+          </a:fillRef>
+          <a:effectRef idx="1">
+            <a:schemeClr val="dk1"/>
+          </a:effectRef>
+          <a:fontRef idx="minor">
+            <a:schemeClr val="tx1"/>
+          </a:fontRef>
+        </p:style>
+      </p:cxnSp>
+      <p:cxnSp>
+        <p:nvCxnSpPr>
+          <p:cNvPr id="31" name="Straight Connector 30"/>
+          <p:cNvCxnSpPr/>
+          <p:nvPr/>
+        </p:nvCxnSpPr>
+        <p:spPr>
+          <a:xfrm>
+            <a:off x="5920300" y="4316537"/>
+            <a:ext cx="347535" cy="3672"/>
+          </a:xfrm>
+          <a:prstGeom prst="line">
+            <a:avLst/>
+          </a:prstGeom>
+        </p:spPr>
+        <p:style>
+          <a:lnRef idx="2">
+            <a:schemeClr val="dk1"/>
+          </a:lnRef>
+          <a:fillRef idx="0">
+            <a:schemeClr val="dk1"/>
+          </a:fillRef>
+          <a:effectRef idx="1">
+            <a:schemeClr val="dk1"/>
+          </a:effectRef>
+          <a:fontRef idx="minor">
+            <a:schemeClr val="tx1"/>
+          </a:fontRef>
+        </p:style>
+      </p:cxnSp>
+      <p:cxnSp>
+        <p:nvCxnSpPr>
+          <p:cNvPr id="36" name="Straight Connector 35"/>
+          <p:cNvCxnSpPr/>
+          <p:nvPr/>
+        </p:nvCxnSpPr>
+        <p:spPr>
+          <a:xfrm>
+            <a:off x="5920300" y="4568089"/>
+            <a:ext cx="347535" cy="3672"/>
+          </a:xfrm>
+          <a:prstGeom prst="line">
+            <a:avLst/>
+          </a:prstGeom>
+        </p:spPr>
+        <p:style>
+          <a:lnRef idx="2">
+            <a:schemeClr val="dk1"/>
+          </a:lnRef>
+          <a:fillRef idx="0">
+            <a:schemeClr val="dk1"/>
+          </a:fillRef>
+          <a:effectRef idx="1">
+            <a:schemeClr val="dk1"/>
+          </a:effectRef>
+          <a:fontRef idx="minor">
+            <a:schemeClr val="tx1"/>
+          </a:fontRef>
+        </p:style>
+      </p:cxnSp>
+      <p:cxnSp>
+        <p:nvCxnSpPr>
+          <p:cNvPr id="37" name="Straight Connector 36"/>
+          <p:cNvCxnSpPr/>
+          <p:nvPr/>
+        </p:nvCxnSpPr>
+        <p:spPr>
+          <a:xfrm>
+            <a:off x="6471959" y="4825149"/>
+            <a:ext cx="173768" cy="0"/>
+          </a:xfrm>
+          <a:prstGeom prst="line">
+            <a:avLst/>
+          </a:prstGeom>
+        </p:spPr>
+        <p:style>
+          <a:lnRef idx="2">
+            <a:schemeClr val="dk1"/>
+          </a:lnRef>
+          <a:fillRef idx="0">
+            <a:schemeClr val="dk1"/>
+          </a:fillRef>
+          <a:effectRef idx="1">
+            <a:schemeClr val="dk1"/>
+          </a:effectRef>
+          <a:fontRef idx="minor">
+            <a:schemeClr val="tx1"/>
+          </a:fontRef>
+        </p:style>
+      </p:cxnSp>
+      <p:cxnSp>
+        <p:nvCxnSpPr>
+          <p:cNvPr id="39" name="Straight Connector 38"/>
+          <p:cNvCxnSpPr/>
+          <p:nvPr/>
+        </p:nvCxnSpPr>
+        <p:spPr>
+          <a:xfrm>
+            <a:off x="6471959" y="4632933"/>
+            <a:ext cx="0" cy="280590"/>
+          </a:xfrm>
+          <a:prstGeom prst="line">
+            <a:avLst/>
+          </a:prstGeom>
+        </p:spPr>
+        <p:style>
+          <a:lnRef idx="2">
+            <a:schemeClr val="dk1"/>
+          </a:lnRef>
+          <a:fillRef idx="0">
+            <a:schemeClr val="dk1"/>
+          </a:fillRef>
+          <a:effectRef idx="1">
+            <a:schemeClr val="dk1"/>
+          </a:effectRef>
+          <a:fontRef idx="minor">
+            <a:schemeClr val="tx1"/>
+          </a:fontRef>
+        </p:style>
+      </p:cxnSp>
+      <p:cxnSp>
+        <p:nvCxnSpPr>
+          <p:cNvPr id="41" name="Straight Connector 40"/>
+          <p:cNvCxnSpPr/>
+          <p:nvPr/>
+        </p:nvCxnSpPr>
+        <p:spPr>
+          <a:xfrm>
+            <a:off x="6094067" y="5374156"/>
+            <a:ext cx="173768" cy="0"/>
+          </a:xfrm>
+          <a:prstGeom prst="line">
+            <a:avLst/>
+          </a:prstGeom>
+        </p:spPr>
+        <p:style>
+          <a:lnRef idx="2">
+            <a:schemeClr val="dk1"/>
+          </a:lnRef>
+          <a:fillRef idx="0">
+            <a:schemeClr val="dk1"/>
+          </a:fillRef>
+          <a:effectRef idx="1">
+            <a:schemeClr val="dk1"/>
+          </a:effectRef>
+          <a:fontRef idx="minor">
+            <a:schemeClr val="tx1"/>
+          </a:fontRef>
+        </p:style>
+      </p:cxnSp>
+      <p:cxnSp>
+        <p:nvCxnSpPr>
+          <p:cNvPr id="42" name="Straight Connector 41"/>
+          <p:cNvCxnSpPr/>
+          <p:nvPr/>
+        </p:nvCxnSpPr>
+        <p:spPr>
+          <a:xfrm>
+            <a:off x="6094067" y="5181940"/>
+            <a:ext cx="0" cy="280590"/>
+          </a:xfrm>
+          <a:prstGeom prst="line">
+            <a:avLst/>
+          </a:prstGeom>
+        </p:spPr>
+        <p:style>
+          <a:lnRef idx="2">
+            <a:schemeClr val="dk1"/>
+          </a:lnRef>
+          <a:fillRef idx="0">
+            <a:schemeClr val="dk1"/>
+          </a:fillRef>
+          <a:effectRef idx="1">
+            <a:schemeClr val="dk1"/>
+          </a:effectRef>
+          <a:fontRef idx="minor">
+            <a:schemeClr val="tx1"/>
+          </a:fontRef>
+        </p:style>
+      </p:cxnSp>
+      <p:cxnSp>
+        <p:nvCxnSpPr>
+          <p:cNvPr id="43" name="Straight Connector 42"/>
+          <p:cNvCxnSpPr/>
+          <p:nvPr/>
+        </p:nvCxnSpPr>
+        <p:spPr>
+          <a:xfrm>
+            <a:off x="6124521" y="5925000"/>
+            <a:ext cx="173768" cy="0"/>
+          </a:xfrm>
+          <a:prstGeom prst="line">
+            <a:avLst/>
+          </a:prstGeom>
+        </p:spPr>
+        <p:style>
+          <a:lnRef idx="2">
+            <a:schemeClr val="dk1"/>
+          </a:lnRef>
+          <a:fillRef idx="0">
+            <a:schemeClr val="dk1"/>
+          </a:fillRef>
+          <a:effectRef idx="1">
+            <a:schemeClr val="dk1"/>
+          </a:effectRef>
+          <a:fontRef idx="minor">
+            <a:schemeClr val="tx1"/>
+          </a:fontRef>
+        </p:style>
+      </p:cxnSp>
+      <p:cxnSp>
+        <p:nvCxnSpPr>
+          <p:cNvPr id="44" name="Straight Connector 43"/>
+          <p:cNvCxnSpPr/>
+          <p:nvPr/>
+        </p:nvCxnSpPr>
+        <p:spPr>
+          <a:xfrm>
+            <a:off x="6124521" y="5732784"/>
+            <a:ext cx="0" cy="280590"/>
+          </a:xfrm>
+          <a:prstGeom prst="line">
+            <a:avLst/>
+          </a:prstGeom>
+        </p:spPr>
+        <p:style>
+          <a:lnRef idx="2">
+            <a:schemeClr val="dk1"/>
+          </a:lnRef>
+          <a:fillRef idx="0">
+            <a:schemeClr val="dk1"/>
+          </a:fillRef>
+          <a:effectRef idx="1">
+            <a:schemeClr val="dk1"/>
+          </a:effectRef>
+          <a:fontRef idx="minor">
+            <a:schemeClr val="tx1"/>
+          </a:fontRef>
+        </p:style>
+      </p:cxnSp>
     </p:spTree>
     <p:extLst>
       <p:ext uri="{BB962C8B-B14F-4D97-AF65-F5344CB8AC3E}">
@@ -19716,23 +21156,7 @@
             <a:pPr lvl="0"/>
             <a:r>
               <a:rPr lang="en-US" sz="1400" dirty="0" smtClean="0"/>
-              <a:t>A yeoman </a:t>
-            </a:r>
-            <a:r>
-              <a:rPr lang="en-US" sz="1400" dirty="0" smtClean="0"/>
-              <a:t>generator </a:t>
-            </a:r>
-            <a:r>
-              <a:rPr lang="en-US" sz="1400" dirty="0" smtClean="0"/>
-              <a:t>is kind of a middleware which </a:t>
-            </a:r>
-            <a:r>
-              <a:rPr lang="en-US" sz="1400" dirty="0" smtClean="0"/>
-              <a:t>takes our code </a:t>
-            </a:r>
-            <a:r>
-              <a:rPr lang="en-US" sz="1400" dirty="0" smtClean="0"/>
-              <a:t>and talks to node(fs) to scaffold our application.</a:t>
+              <a:t>A yeoman generator is kind of a middleware which takes our code and talks to node(fs) to scaffold our application.</a:t>
             </a:r>
           </a:p>
           <a:p>
@@ -20016,7 +21440,7 @@
             </a:pPr>
             <a:r>
               <a:rPr lang="en-US" sz="1400" dirty="0" smtClean="0"/>
-              <a:t>Yeoman (or talk about any dependency) will surely have certain limitations.</a:t>
+              <a:t>Heavy</a:t>
             </a:r>
           </a:p>
           <a:p>
@@ -20026,9 +21450,893 @@
             </a:pPr>
             <a:r>
               <a:rPr lang="en-US" sz="1400" dirty="0" smtClean="0"/>
-              <a:t>Added to that, yeoman might have several unnecessary dependencies.</a:t>
+              <a:t>Not server-side compatible</a:t>
             </a:r>
             <a:endParaRPr lang="en-US" sz="1400" dirty="0"/>
+          </a:p>
+        </p:txBody>
+      </p:sp>
+      <p:sp>
+        <p:nvSpPr>
+          <p:cNvPr id="6" name="Vertical Text Placeholder 11"/>
+          <p:cNvSpPr txBox="1">
+            <a:spLocks/>
+          </p:cNvSpPr>
+          <p:nvPr/>
+        </p:nvSpPr>
+        <p:spPr>
+          <a:xfrm>
+            <a:off x="5447321" y="529472"/>
+            <a:ext cx="6384795" cy="6025564"/>
+          </a:xfrm>
+          <a:prstGeom prst="rect">
+            <a:avLst/>
+          </a:prstGeom>
+        </p:spPr>
+        <p:txBody>
+          <a:bodyPr vert="horz" lIns="0" tIns="0" rIns="0" bIns="0" numCol="1" spcCol="384048" rtlCol="0" anchor="t" anchorCtr="0">
+            <a:noAutofit/>
+          </a:bodyPr>
+          <a:lstStyle>
+            <a:lvl1pPr marL="0" indent="0" algn="l" defTabSz="457200" rtl="0" eaLnBrk="1" latinLnBrk="0" hangingPunct="1">
+              <a:lnSpc>
+                <a:spcPct val="150000"/>
+              </a:lnSpc>
+              <a:spcBef>
+                <a:spcPts val="0"/>
+              </a:spcBef>
+              <a:spcAft>
+                <a:spcPts val="0"/>
+              </a:spcAft>
+              <a:buFontTx/>
+              <a:buNone/>
+              <a:defRPr sz="1100" b="0" i="0" kern="1200">
+                <a:solidFill>
+                  <a:schemeClr val="tx1"/>
+                </a:solidFill>
+                <a:latin typeface="Gotham Book"/>
+                <a:ea typeface="+mn-ea"/>
+                <a:cs typeface="Gotham Book"/>
+              </a:defRPr>
+            </a:lvl1pPr>
+            <a:lvl2pPr marL="177800" indent="-177800" algn="l" defTabSz="457200" rtl="0" eaLnBrk="1" latinLnBrk="0" hangingPunct="1">
+              <a:lnSpc>
+                <a:spcPct val="150000"/>
+              </a:lnSpc>
+              <a:spcBef>
+                <a:spcPts val="0"/>
+              </a:spcBef>
+              <a:spcAft>
+                <a:spcPts val="0"/>
+              </a:spcAft>
+              <a:buClr>
+                <a:schemeClr val="accent1">
+                  <a:lumMod val="50000"/>
+                </a:schemeClr>
+              </a:buClr>
+              <a:buFont typeface="Wingdings" charset="2"/>
+              <a:buChar char="§"/>
+              <a:defRPr sz="1100" b="0" i="0" kern="1200">
+                <a:solidFill>
+                  <a:schemeClr val="tx1"/>
+                </a:solidFill>
+                <a:latin typeface="Gotham Book"/>
+                <a:ea typeface="+mn-ea"/>
+                <a:cs typeface="Gotham Book"/>
+              </a:defRPr>
+            </a:lvl2pPr>
+            <a:lvl3pPr marL="342900" indent="-165100" algn="l" defTabSz="457200" rtl="0" eaLnBrk="1" latinLnBrk="0" hangingPunct="1">
+              <a:lnSpc>
+                <a:spcPct val="150000"/>
+              </a:lnSpc>
+              <a:spcBef>
+                <a:spcPts val="0"/>
+              </a:spcBef>
+              <a:spcAft>
+                <a:spcPts val="0"/>
+              </a:spcAft>
+              <a:buClr>
+                <a:schemeClr val="accent1">
+                  <a:lumMod val="50000"/>
+                </a:schemeClr>
+              </a:buClr>
+              <a:buFont typeface="Wingdings" charset="2"/>
+              <a:buChar char="§"/>
+              <a:defRPr sz="1100" b="0" i="0" kern="1200" baseline="0">
+                <a:solidFill>
+                  <a:schemeClr val="tx1"/>
+                </a:solidFill>
+                <a:latin typeface="Gotham Book"/>
+                <a:ea typeface="+mn-ea"/>
+                <a:cs typeface="Gotham Book"/>
+              </a:defRPr>
+            </a:lvl3pPr>
+            <a:lvl4pPr marL="520700" indent="-177800" algn="l" defTabSz="457200" rtl="0" eaLnBrk="1" latinLnBrk="0" hangingPunct="1">
+              <a:lnSpc>
+                <a:spcPct val="150000"/>
+              </a:lnSpc>
+              <a:spcBef>
+                <a:spcPts val="0"/>
+              </a:spcBef>
+              <a:spcAft>
+                <a:spcPts val="0"/>
+              </a:spcAft>
+              <a:buClr>
+                <a:schemeClr val="accent1">
+                  <a:lumMod val="50000"/>
+                </a:schemeClr>
+              </a:buClr>
+              <a:buFont typeface="Wingdings" charset="2"/>
+              <a:buChar char="§"/>
+              <a:defRPr sz="1100" b="0" i="0" kern="1200">
+                <a:solidFill>
+                  <a:schemeClr val="tx1"/>
+                </a:solidFill>
+                <a:latin typeface="Gotham Book"/>
+                <a:ea typeface="+mn-ea"/>
+                <a:cs typeface="Gotham Book"/>
+              </a:defRPr>
+            </a:lvl4pPr>
+            <a:lvl5pPr marL="692150" indent="-171450" algn="l" defTabSz="457200" rtl="0" eaLnBrk="1" latinLnBrk="0" hangingPunct="1">
+              <a:lnSpc>
+                <a:spcPct val="150000"/>
+              </a:lnSpc>
+              <a:spcBef>
+                <a:spcPts val="0"/>
+              </a:spcBef>
+              <a:spcAft>
+                <a:spcPts val="250"/>
+              </a:spcAft>
+              <a:buClr>
+                <a:schemeClr val="accent1">
+                  <a:lumMod val="50000"/>
+                </a:schemeClr>
+              </a:buClr>
+              <a:buFont typeface="Wingdings" charset="2"/>
+              <a:buChar char="§"/>
+              <a:defRPr sz="1100" b="0" i="0" kern="1200">
+                <a:solidFill>
+                  <a:schemeClr val="tx1"/>
+                </a:solidFill>
+                <a:latin typeface="Gotham Book"/>
+                <a:ea typeface="+mn-ea"/>
+                <a:cs typeface="Gotham Book"/>
+              </a:defRPr>
+            </a:lvl5pPr>
+            <a:lvl6pPr marL="685800" indent="-165100" algn="l" defTabSz="457200" rtl="0" eaLnBrk="1" latinLnBrk="0" hangingPunct="1">
+              <a:lnSpc>
+                <a:spcPct val="150000"/>
+              </a:lnSpc>
+              <a:spcBef>
+                <a:spcPts val="0"/>
+              </a:spcBef>
+              <a:spcAft>
+                <a:spcPts val="0"/>
+              </a:spcAft>
+              <a:buClr>
+                <a:schemeClr val="accent1">
+                  <a:lumMod val="50000"/>
+                </a:schemeClr>
+              </a:buClr>
+              <a:buFont typeface="Wingdings" charset="2"/>
+              <a:buChar char="§"/>
+              <a:defRPr sz="1100" b="0" i="0" kern="1200">
+                <a:solidFill>
+                  <a:schemeClr val="tx1"/>
+                </a:solidFill>
+                <a:latin typeface="Gotham Book"/>
+                <a:ea typeface="+mn-ea"/>
+                <a:cs typeface="Gotham Book"/>
+              </a:defRPr>
+            </a:lvl6pPr>
+            <a:lvl7pPr marL="2971800" indent="-228600" algn="l" defTabSz="457200" rtl="0" eaLnBrk="1" latinLnBrk="0" hangingPunct="1">
+              <a:spcBef>
+                <a:spcPct val="20000"/>
+              </a:spcBef>
+              <a:buFont typeface="Arial"/>
+              <a:buChar char="•"/>
+              <a:defRPr sz="2000" kern="1200">
+                <a:solidFill>
+                  <a:schemeClr val="tx1"/>
+                </a:solidFill>
+                <a:latin typeface="+mn-lt"/>
+                <a:ea typeface="+mn-ea"/>
+                <a:cs typeface="+mn-cs"/>
+              </a:defRPr>
+            </a:lvl7pPr>
+            <a:lvl8pPr marL="3429000" indent="-228600" algn="l" defTabSz="457200" rtl="0" eaLnBrk="1" latinLnBrk="0" hangingPunct="1">
+              <a:spcBef>
+                <a:spcPct val="20000"/>
+              </a:spcBef>
+              <a:buFont typeface="Arial"/>
+              <a:buChar char="•"/>
+              <a:defRPr sz="2000" kern="1200">
+                <a:solidFill>
+                  <a:schemeClr val="tx1"/>
+                </a:solidFill>
+                <a:latin typeface="+mn-lt"/>
+                <a:ea typeface="+mn-ea"/>
+                <a:cs typeface="+mn-cs"/>
+              </a:defRPr>
+            </a:lvl8pPr>
+            <a:lvl9pPr marL="3886200" indent="-228600" algn="l" defTabSz="457200" rtl="0" eaLnBrk="1" latinLnBrk="0" hangingPunct="1">
+              <a:spcBef>
+                <a:spcPct val="20000"/>
+              </a:spcBef>
+              <a:buFont typeface="Arial"/>
+              <a:buChar char="•"/>
+              <a:defRPr sz="2000" kern="1200">
+                <a:solidFill>
+                  <a:schemeClr val="tx1"/>
+                </a:solidFill>
+                <a:latin typeface="+mn-lt"/>
+                <a:ea typeface="+mn-ea"/>
+                <a:cs typeface="+mn-cs"/>
+              </a:defRPr>
+            </a:lvl9pPr>
+          </a:lstStyle>
+          <a:p>
+            <a:endParaRPr lang="en-US" sz="1400" dirty="0"/>
+          </a:p>
+        </p:txBody>
+      </p:sp>
+      <p:sp>
+        <p:nvSpPr>
+          <p:cNvPr id="2" name="Rectangle 1"/>
+          <p:cNvSpPr/>
+          <p:nvPr/>
+        </p:nvSpPr>
+        <p:spPr>
+          <a:xfrm>
+            <a:off x="5447321" y="911854"/>
+            <a:ext cx="2804313" cy="5509200"/>
+          </a:xfrm>
+          <a:prstGeom prst="rect">
+            <a:avLst/>
+          </a:prstGeom>
+        </p:spPr>
+        <p:txBody>
+          <a:bodyPr wrap="square">
+            <a:spAutoFit/>
+          </a:bodyPr>
+          <a:lstStyle/>
+          <a:p>
+            <a:r>
+              <a:rPr lang="en-US" sz="1100" b="1" dirty="0"/>
+              <a:t>"dependencies": {</a:t>
+            </a:r>
+          </a:p>
+          <a:p>
+            <a:r>
+              <a:rPr lang="en-US" sz="1100" b="1" dirty="0"/>
+              <a:t>    "</a:t>
+            </a:r>
+            <a:r>
+              <a:rPr lang="en-US" sz="1100" b="1" dirty="0" err="1"/>
+              <a:t>async</a:t>
+            </a:r>
+            <a:r>
+              <a:rPr lang="en-US" sz="1100" b="1" dirty="0"/>
+              <a:t>": "^1.0.0",</a:t>
+            </a:r>
+          </a:p>
+          <a:p>
+            <a:r>
+              <a:rPr lang="en-US" sz="1100" b="1" dirty="0"/>
+              <a:t>    "chalk": "^1.0.0",</a:t>
+            </a:r>
+          </a:p>
+          <a:p>
+            <a:r>
+              <a:rPr lang="en-US" sz="1100" b="1" dirty="0"/>
+              <a:t>    "cli-list": "^0.1.1",</a:t>
+            </a:r>
+          </a:p>
+          <a:p>
+            <a:r>
+              <a:rPr lang="en-US" sz="1100" b="1" dirty="0"/>
+              <a:t>    "</a:t>
+            </a:r>
+            <a:r>
+              <a:rPr lang="en-US" sz="1100" b="1" dirty="0" err="1"/>
+              <a:t>configstore</a:t>
+            </a:r>
+            <a:r>
+              <a:rPr lang="en-US" sz="1100" b="1" dirty="0"/>
+              <a:t>": "^1.0.0",</a:t>
+            </a:r>
+          </a:p>
+          <a:p>
+            <a:r>
+              <a:rPr lang="en-US" sz="1100" b="1" dirty="0"/>
+              <a:t>    "cross-spawn": "^3.0.1",</a:t>
+            </a:r>
+          </a:p>
+          <a:p>
+            <a:r>
+              <a:rPr lang="en-US" sz="1100" b="1" dirty="0"/>
+              <a:t>    "figures": "^1.3.5",</a:t>
+            </a:r>
+          </a:p>
+          <a:p>
+            <a:r>
+              <a:rPr lang="en-US" sz="1100" b="1" dirty="0"/>
+              <a:t>    "</a:t>
+            </a:r>
+            <a:r>
+              <a:rPr lang="en-US" sz="1100" b="1" dirty="0" err="1"/>
+              <a:t>fullname</a:t>
+            </a:r>
+            <a:r>
+              <a:rPr lang="en-US" sz="1100" b="1" dirty="0"/>
+              <a:t>": "^2.0.0",</a:t>
+            </a:r>
+          </a:p>
+          <a:p>
+            <a:r>
+              <a:rPr lang="en-US" sz="1100" b="1" dirty="0"/>
+              <a:t>    "got": "^5.0.0",</a:t>
+            </a:r>
+          </a:p>
+          <a:p>
+            <a:r>
+              <a:rPr lang="en-US" sz="1100" b="1" dirty="0"/>
+              <a:t>    "humanize-string": "^1.0.0",</a:t>
+            </a:r>
+          </a:p>
+          <a:p>
+            <a:r>
+              <a:rPr lang="en-US" sz="1100" b="1" dirty="0"/>
+              <a:t>    "inquirer": "^0.11.0",</a:t>
+            </a:r>
+          </a:p>
+          <a:p>
+            <a:r>
+              <a:rPr lang="en-US" sz="1100" b="1" dirty="0"/>
+              <a:t>    "insight": "^0.7.0",</a:t>
+            </a:r>
+          </a:p>
+          <a:p>
+            <a:r>
+              <a:rPr lang="en-US" sz="1100" b="1" dirty="0"/>
+              <a:t>    "</a:t>
+            </a:r>
+            <a:r>
+              <a:rPr lang="en-US" sz="1100" b="1" dirty="0" err="1"/>
+              <a:t>lodash</a:t>
+            </a:r>
+            <a:r>
+              <a:rPr lang="en-US" sz="1100" b="1" dirty="0"/>
+              <a:t>": "^3.2.0",</a:t>
+            </a:r>
+          </a:p>
+          <a:p>
+            <a:r>
+              <a:rPr lang="en-US" sz="1100" b="1" dirty="0"/>
+              <a:t>    "meow": "^3.0.0",</a:t>
+            </a:r>
+          </a:p>
+          <a:p>
+            <a:r>
+              <a:rPr lang="en-US" sz="1100" b="1" dirty="0"/>
+              <a:t>    "</a:t>
+            </a:r>
+            <a:r>
+              <a:rPr lang="en-US" sz="1100" b="1" dirty="0" err="1"/>
+              <a:t>npm</a:t>
+            </a:r>
+            <a:r>
+              <a:rPr lang="en-US" sz="1100" b="1" dirty="0"/>
+              <a:t>-keyword": "^4.1.0",</a:t>
+            </a:r>
+          </a:p>
+          <a:p>
+            <a:r>
+              <a:rPr lang="en-US" sz="1100" b="1" dirty="0"/>
+              <a:t>    "</a:t>
+            </a:r>
+            <a:r>
+              <a:rPr lang="en-US" sz="1100" b="1" dirty="0" err="1"/>
+              <a:t>opn</a:t>
+            </a:r>
+            <a:r>
+              <a:rPr lang="en-US" sz="1100" b="1" dirty="0"/>
+              <a:t>": "^3.0.2",</a:t>
+            </a:r>
+          </a:p>
+          <a:p>
+            <a:r>
+              <a:rPr lang="en-US" sz="1100" b="1" dirty="0"/>
+              <a:t>    "package-</a:t>
+            </a:r>
+            <a:r>
+              <a:rPr lang="en-US" sz="1100" b="1" dirty="0" err="1"/>
+              <a:t>json</a:t>
+            </a:r>
+            <a:r>
+              <a:rPr lang="en-US" sz="1100" b="1" dirty="0"/>
+              <a:t>": "^2.1.0",</a:t>
+            </a:r>
+          </a:p>
+          <a:p>
+            <a:r>
+              <a:rPr lang="en-US" sz="1100" b="1" dirty="0"/>
+              <a:t>    "parse-help": "^0.1.1",</a:t>
+            </a:r>
+          </a:p>
+          <a:p>
+            <a:r>
+              <a:rPr lang="en-US" sz="1100" b="1" dirty="0"/>
+              <a:t>    "read-</a:t>
+            </a:r>
+            <a:r>
+              <a:rPr lang="en-US" sz="1100" b="1" dirty="0" err="1"/>
+              <a:t>pkg</a:t>
+            </a:r>
+            <a:r>
+              <a:rPr lang="en-US" sz="1100" b="1" dirty="0"/>
+              <a:t>-up": "^1.0.1",</a:t>
+            </a:r>
+          </a:p>
+          <a:p>
+            <a:r>
+              <a:rPr lang="en-US" sz="1100" b="1" dirty="0"/>
+              <a:t>    "repeating": "^2.0.0",</a:t>
+            </a:r>
+          </a:p>
+          <a:p>
+            <a:r>
+              <a:rPr lang="en-US" sz="1100" b="1" dirty="0"/>
+              <a:t>    "root-check": "^1.0.0",</a:t>
+            </a:r>
+          </a:p>
+          <a:p>
+            <a:r>
+              <a:rPr lang="en-US" sz="1100" b="1" dirty="0"/>
+              <a:t>    "sort-on": "^1.0.0",</a:t>
+            </a:r>
+          </a:p>
+          <a:p>
+            <a:r>
+              <a:rPr lang="en-US" sz="1100" b="1" dirty="0"/>
+              <a:t>    "string-length": "^1.0.0",</a:t>
+            </a:r>
+          </a:p>
+          <a:p>
+            <a:r>
+              <a:rPr lang="en-US" sz="1100" b="1" dirty="0"/>
+              <a:t>    "</a:t>
+            </a:r>
+            <a:r>
+              <a:rPr lang="en-US" sz="1100" b="1" dirty="0" err="1"/>
+              <a:t>tabtab</a:t>
+            </a:r>
+            <a:r>
+              <a:rPr lang="en-US" sz="1100" b="1" dirty="0"/>
+              <a:t>": "^1.3.0",</a:t>
+            </a:r>
+          </a:p>
+          <a:p>
+            <a:r>
+              <a:rPr lang="en-US" sz="1100" b="1" dirty="0"/>
+              <a:t>    "</a:t>
+            </a:r>
+            <a:r>
+              <a:rPr lang="en-US" sz="1100" b="1" dirty="0" err="1"/>
+              <a:t>titleize</a:t>
+            </a:r>
+            <a:r>
+              <a:rPr lang="en-US" sz="1100" b="1" dirty="0"/>
+              <a:t>": "^1.0.0",</a:t>
+            </a:r>
+          </a:p>
+          <a:p>
+            <a:r>
+              <a:rPr lang="en-US" sz="1100" b="1" dirty="0"/>
+              <a:t>    "update-</a:t>
+            </a:r>
+            <a:r>
+              <a:rPr lang="en-US" sz="1100" b="1" dirty="0" err="1"/>
+              <a:t>notifier</a:t>
+            </a:r>
+            <a:r>
+              <a:rPr lang="en-US" sz="1100" b="1" dirty="0"/>
+              <a:t>": "^0.6.0",</a:t>
+            </a:r>
+          </a:p>
+          <a:p>
+            <a:r>
+              <a:rPr lang="en-US" sz="1100" b="1" dirty="0"/>
+              <a:t>    "user-home": "^2.0.0",</a:t>
+            </a:r>
+          </a:p>
+          <a:p>
+            <a:r>
+              <a:rPr lang="en-US" sz="1100" b="1" dirty="0"/>
+              <a:t>    "yeoman-character": "^1.0.0",</a:t>
+            </a:r>
+          </a:p>
+          <a:p>
+            <a:r>
+              <a:rPr lang="en-US" sz="1100" b="1" dirty="0"/>
+              <a:t>    "yeoman-doctor": "^2.0.0",</a:t>
+            </a:r>
+          </a:p>
+          <a:p>
+            <a:r>
+              <a:rPr lang="en-US" sz="1100" b="1" dirty="0"/>
+              <a:t>    "yeoman-environment": "^1.6.1",</a:t>
+            </a:r>
+          </a:p>
+          <a:p>
+            <a:r>
+              <a:rPr lang="en-US" sz="1100" b="1" dirty="0"/>
+              <a:t>    "</a:t>
+            </a:r>
+            <a:r>
+              <a:rPr lang="en-US" sz="1100" b="1" dirty="0" err="1"/>
+              <a:t>yosay</a:t>
+            </a:r>
+            <a:r>
+              <a:rPr lang="en-US" sz="1100" b="1" dirty="0"/>
+              <a:t>": "^1.0.0"</a:t>
+            </a:r>
+          </a:p>
+          <a:p>
+            <a:r>
+              <a:rPr lang="en-US" sz="1100" b="1" dirty="0"/>
+              <a:t>  }</a:t>
+            </a:r>
+          </a:p>
+        </p:txBody>
+      </p:sp>
+      <p:sp>
+        <p:nvSpPr>
+          <p:cNvPr id="10" name="Rectangle 9"/>
+          <p:cNvSpPr/>
+          <p:nvPr/>
+        </p:nvSpPr>
+        <p:spPr>
+          <a:xfrm>
+            <a:off x="8404553" y="911854"/>
+            <a:ext cx="3141124" cy="2970044"/>
+          </a:xfrm>
+          <a:prstGeom prst="rect">
+            <a:avLst/>
+          </a:prstGeom>
+        </p:spPr>
+        <p:txBody>
+          <a:bodyPr wrap="square">
+            <a:spAutoFit/>
+          </a:bodyPr>
+          <a:lstStyle/>
+          <a:p>
+            <a:r>
+              <a:rPr lang="en-US" sz="1100" b="1" dirty="0"/>
+              <a:t>"</a:t>
+            </a:r>
+            <a:r>
+              <a:rPr lang="en-US" sz="1100" b="1" dirty="0" err="1"/>
+              <a:t>devDependencies</a:t>
+            </a:r>
+            <a:r>
+              <a:rPr lang="en-US" sz="1100" b="1" dirty="0"/>
+              <a:t>": {</a:t>
+            </a:r>
+          </a:p>
+          <a:p>
+            <a:r>
+              <a:rPr lang="en-US" sz="1100" b="1" dirty="0"/>
+              <a:t>    "gulp": "^3.6.0",</a:t>
+            </a:r>
+          </a:p>
+          <a:p>
+            <a:r>
+              <a:rPr lang="en-US" sz="1100" b="1" dirty="0"/>
+              <a:t>    "gulp-coveralls": "^0.1.0",</a:t>
+            </a:r>
+          </a:p>
+          <a:p>
+            <a:r>
+              <a:rPr lang="en-US" sz="1100" b="1" dirty="0"/>
+              <a:t>    "gulp-</a:t>
+            </a:r>
+            <a:r>
+              <a:rPr lang="en-US" sz="1100" b="1" dirty="0" err="1"/>
+              <a:t>eslint</a:t>
+            </a:r>
+            <a:r>
+              <a:rPr lang="en-US" sz="1100" b="1" dirty="0"/>
+              <a:t>": "^2.0.0",</a:t>
+            </a:r>
+          </a:p>
+          <a:p>
+            <a:r>
+              <a:rPr lang="en-US" sz="1100" b="1" dirty="0"/>
+              <a:t>    "gulp-exclude-</a:t>
+            </a:r>
+            <a:r>
+              <a:rPr lang="en-US" sz="1100" b="1" dirty="0" err="1"/>
+              <a:t>gitignore</a:t>
+            </a:r>
+            <a:r>
+              <a:rPr lang="en-US" sz="1100" b="1" dirty="0"/>
+              <a:t>": "^1.0.0",</a:t>
+            </a:r>
+          </a:p>
+          <a:p>
+            <a:r>
+              <a:rPr lang="en-US" sz="1100" b="1" dirty="0"/>
+              <a:t>    "gulp-</a:t>
+            </a:r>
+            <a:r>
+              <a:rPr lang="en-US" sz="1100" b="1" dirty="0" err="1"/>
+              <a:t>istanbul</a:t>
+            </a:r>
+            <a:r>
+              <a:rPr lang="en-US" sz="1100" b="1" dirty="0"/>
+              <a:t>": "^0.10.4",</a:t>
+            </a:r>
+          </a:p>
+          <a:p>
+            <a:r>
+              <a:rPr lang="en-US" sz="1100" b="1" dirty="0"/>
+              <a:t>    "gulp-mocha": "^2.0.0",</a:t>
+            </a:r>
+          </a:p>
+          <a:p>
+            <a:r>
+              <a:rPr lang="en-US" sz="1100" b="1" dirty="0"/>
+              <a:t>    "gulp-</a:t>
+            </a:r>
+            <a:r>
+              <a:rPr lang="en-US" sz="1100" b="1" dirty="0" err="1"/>
+              <a:t>nsp</a:t>
+            </a:r>
+            <a:r>
+              <a:rPr lang="en-US" sz="1100" b="1" dirty="0"/>
+              <a:t>": "^2.1.0",</a:t>
+            </a:r>
+          </a:p>
+          <a:p>
+            <a:r>
+              <a:rPr lang="en-US" sz="1100" b="1" dirty="0"/>
+              <a:t>    "gulp-plumber": "^1.0.0",</a:t>
+            </a:r>
+          </a:p>
+          <a:p>
+            <a:r>
+              <a:rPr lang="en-US" sz="1100" b="1" dirty="0"/>
+              <a:t>    "mocha": "^2.1.0",</a:t>
+            </a:r>
+          </a:p>
+          <a:p>
+            <a:r>
+              <a:rPr lang="en-US" sz="1100" b="1" dirty="0"/>
+              <a:t>    "mockery": "^1.4.0",</a:t>
+            </a:r>
+          </a:p>
+          <a:p>
+            <a:r>
+              <a:rPr lang="en-US" sz="1100" b="1" dirty="0"/>
+              <a:t>    "nock": "^8.0.0",</a:t>
+            </a:r>
+          </a:p>
+          <a:p>
+            <a:r>
+              <a:rPr lang="en-US" sz="1100" b="1" dirty="0"/>
+              <a:t>    "</a:t>
+            </a:r>
+            <a:r>
+              <a:rPr lang="en-US" sz="1100" b="1" dirty="0" err="1"/>
+              <a:t>nsp</a:t>
+            </a:r>
+            <a:r>
+              <a:rPr lang="en-US" sz="1100" b="1" dirty="0"/>
+              <a:t>": "^2.2.0",</a:t>
+            </a:r>
+          </a:p>
+          <a:p>
+            <a:r>
+              <a:rPr lang="en-US" sz="1100" b="1" dirty="0"/>
+              <a:t>    "</a:t>
+            </a:r>
+            <a:r>
+              <a:rPr lang="en-US" sz="1100" b="1" dirty="0" err="1"/>
+              <a:t>proxyquire</a:t>
+            </a:r>
+            <a:r>
+              <a:rPr lang="en-US" sz="1100" b="1" dirty="0"/>
+              <a:t>": "^1.0.1",</a:t>
+            </a:r>
+          </a:p>
+          <a:p>
+            <a:r>
+              <a:rPr lang="en-US" sz="1100" b="1" dirty="0"/>
+              <a:t>    "registry-</a:t>
+            </a:r>
+            <a:r>
+              <a:rPr lang="en-US" sz="1100" b="1" dirty="0" err="1"/>
+              <a:t>url</a:t>
+            </a:r>
+            <a:r>
+              <a:rPr lang="en-US" sz="1100" b="1" dirty="0"/>
+              <a:t>": "^3.0.0",</a:t>
+            </a:r>
+          </a:p>
+          <a:p>
+            <a:r>
+              <a:rPr lang="en-US" sz="1100" b="1" dirty="0"/>
+              <a:t>    "</a:t>
+            </a:r>
+            <a:r>
+              <a:rPr lang="en-US" sz="1100" b="1" dirty="0" err="1"/>
+              <a:t>sinon</a:t>
+            </a:r>
+            <a:r>
+              <a:rPr lang="en-US" sz="1100" b="1" dirty="0"/>
+              <a:t>": "^1.12.1"</a:t>
+            </a:r>
+          </a:p>
+          <a:p>
+            <a:r>
+              <a:rPr lang="en-US" sz="1100" b="1" dirty="0"/>
+              <a:t>  }</a:t>
+            </a:r>
+          </a:p>
+        </p:txBody>
+      </p:sp>
+      <p:sp>
+        <p:nvSpPr>
+          <p:cNvPr id="11" name="Title 8"/>
+          <p:cNvSpPr txBox="1">
+            <a:spLocks/>
+          </p:cNvSpPr>
+          <p:nvPr/>
+        </p:nvSpPr>
+        <p:spPr>
+          <a:xfrm>
+            <a:off x="5733761" y="307814"/>
+            <a:ext cx="5558528" cy="429802"/>
+          </a:xfrm>
+          <a:prstGeom prst="rect">
+            <a:avLst/>
+          </a:prstGeom>
+        </p:spPr>
+        <p:txBody>
+          <a:bodyPr vert="horz" lIns="0" tIns="0" rIns="0" bIns="0" rtlCol="0" anchor="t" anchorCtr="0">
+            <a:noAutofit/>
+          </a:bodyPr>
+          <a:lstStyle>
+            <a:lvl1pPr algn="l" defTabSz="457200" rtl="0" eaLnBrk="1" latinLnBrk="0" hangingPunct="1">
+              <a:lnSpc>
+                <a:spcPct val="110000"/>
+              </a:lnSpc>
+              <a:spcBef>
+                <a:spcPct val="0"/>
+              </a:spcBef>
+              <a:buNone/>
+              <a:defRPr sz="2100" kern="1200" spc="30" baseline="0">
+                <a:solidFill>
+                  <a:schemeClr val="tx1"/>
+                </a:solidFill>
+                <a:latin typeface="MillerDisplay"/>
+                <a:ea typeface="+mj-ea"/>
+                <a:cs typeface="+mj-cs"/>
+              </a:defRPr>
+            </a:lvl1pPr>
+          </a:lstStyle>
+          <a:p>
+            <a:r>
+              <a:rPr lang="en-US" dirty="0" smtClean="0"/>
+              <a:t>Snapshot of </a:t>
+            </a:r>
+            <a:r>
+              <a:rPr lang="en-US" dirty="0" err="1" smtClean="0"/>
+              <a:t>package.json</a:t>
+            </a:r>
+            <a:endParaRPr lang="en-US" dirty="0"/>
+          </a:p>
+        </p:txBody>
+      </p:sp>
+      <p:sp>
+        <p:nvSpPr>
+          <p:cNvPr id="13" name="Title 8"/>
+          <p:cNvSpPr txBox="1">
+            <a:spLocks/>
+          </p:cNvSpPr>
+          <p:nvPr/>
+        </p:nvSpPr>
+        <p:spPr>
+          <a:xfrm>
+            <a:off x="8404553" y="4537213"/>
+            <a:ext cx="2423160" cy="375667"/>
+          </a:xfrm>
+          <a:prstGeom prst="rect">
+            <a:avLst/>
+          </a:prstGeom>
+        </p:spPr>
+        <p:txBody>
+          <a:bodyPr vert="horz" lIns="0" tIns="0" rIns="0" bIns="0" rtlCol="0" anchor="t" anchorCtr="0">
+            <a:noAutofit/>
+          </a:bodyPr>
+          <a:lstStyle>
+            <a:lvl1pPr algn="l" defTabSz="457200" rtl="0" eaLnBrk="1" latinLnBrk="0" hangingPunct="1">
+              <a:lnSpc>
+                <a:spcPct val="110000"/>
+              </a:lnSpc>
+              <a:spcBef>
+                <a:spcPct val="0"/>
+              </a:spcBef>
+              <a:buNone/>
+              <a:defRPr sz="2100" kern="1200" spc="30" baseline="0">
+                <a:solidFill>
+                  <a:schemeClr val="tx1"/>
+                </a:solidFill>
+                <a:latin typeface="MillerDisplay"/>
+                <a:ea typeface="+mj-ea"/>
+                <a:cs typeface="+mj-cs"/>
+              </a:defRPr>
+            </a:lvl1pPr>
+          </a:lstStyle>
+          <a:p>
+            <a:r>
+              <a:rPr lang="en-US" dirty="0" smtClean="0">
+                <a:solidFill>
+                  <a:srgbClr val="FF0000"/>
+                </a:solidFill>
+              </a:rPr>
+              <a:t>30 + 15 = 45!!!!!! </a:t>
+            </a:r>
+            <a:endParaRPr lang="en-US" dirty="0">
+              <a:solidFill>
+                <a:srgbClr val="FF0000"/>
+              </a:solidFill>
+            </a:endParaRPr>
+          </a:p>
+        </p:txBody>
+      </p:sp>
+      <p:sp>
+        <p:nvSpPr>
+          <p:cNvPr id="4" name="Rectangle 3"/>
+          <p:cNvSpPr/>
+          <p:nvPr/>
+        </p:nvSpPr>
+        <p:spPr>
+          <a:xfrm>
+            <a:off x="5596569" y="2622014"/>
+            <a:ext cx="1817783" cy="198304"/>
+          </a:xfrm>
+          <a:prstGeom prst="rect">
+            <a:avLst/>
+          </a:prstGeom>
+          <a:noFill/>
+          <a:ln>
+            <a:solidFill>
+              <a:schemeClr val="accent2"/>
+            </a:solidFill>
+          </a:ln>
+        </p:spPr>
+        <p:style>
+          <a:lnRef idx="1">
+            <a:schemeClr val="accent1"/>
+          </a:lnRef>
+          <a:fillRef idx="3">
+            <a:schemeClr val="accent1"/>
+          </a:fillRef>
+          <a:effectRef idx="2">
+            <a:schemeClr val="accent1"/>
+          </a:effectRef>
+          <a:fontRef idx="minor">
+            <a:schemeClr val="lt1"/>
+          </a:fontRef>
+        </p:style>
+        <p:txBody>
+          <a:bodyPr rtlCol="0" anchor="ctr"/>
+          <a:lstStyle/>
+          <a:p>
+            <a:pPr algn="ctr"/>
+            <a:endParaRPr lang="en-US"/>
           </a:p>
         </p:txBody>
       </p:sp>
@@ -20148,7 +22456,7 @@
             <a:pPr algn="ctr"/>
             <a:r>
               <a:rPr lang="en-US" sz="4000" dirty="0" smtClean="0"/>
-              <a:t>CODE WALK</a:t>
+              <a:t>CODE-WALK</a:t>
             </a:r>
             <a:endParaRPr lang="en-US" sz="4000" dirty="0"/>
           </a:p>
@@ -20157,7 +22465,7 @@
     </p:spTree>
     <p:extLst>
       <p:ext uri="{BB962C8B-B14F-4D97-AF65-F5344CB8AC3E}">
-        <p14:creationId xmlns:p14="http://schemas.microsoft.com/office/powerpoint/2010/main" val="770327104"/>
+        <p14:creationId xmlns:p14="http://schemas.microsoft.com/office/powerpoint/2010/main" val="1142964917"/>
       </p:ext>
     </p:extLst>
   </p:cSld>

--- a/generators.pptx
+++ b/generators.pptx
@@ -16,15 +16,21 @@
     <p:sldId id="284" r:id="rId10"/>
     <p:sldId id="263" r:id="rId11"/>
     <p:sldId id="262" r:id="rId12"/>
-    <p:sldId id="287" r:id="rId13"/>
-    <p:sldId id="285" r:id="rId14"/>
-    <p:sldId id="288" r:id="rId15"/>
-    <p:sldId id="293" r:id="rId16"/>
-    <p:sldId id="289" r:id="rId17"/>
-    <p:sldId id="290" r:id="rId18"/>
-    <p:sldId id="291" r:id="rId19"/>
-    <p:sldId id="292" r:id="rId20"/>
-    <p:sldId id="282" r:id="rId21"/>
+    <p:sldId id="294" r:id="rId13"/>
+    <p:sldId id="295" r:id="rId14"/>
+    <p:sldId id="296" r:id="rId15"/>
+    <p:sldId id="297" r:id="rId16"/>
+    <p:sldId id="287" r:id="rId17"/>
+    <p:sldId id="299" r:id="rId18"/>
+    <p:sldId id="300" r:id="rId19"/>
+    <p:sldId id="301" r:id="rId20"/>
+    <p:sldId id="288" r:id="rId21"/>
+    <p:sldId id="293" r:id="rId22"/>
+    <p:sldId id="289" r:id="rId23"/>
+    <p:sldId id="290" r:id="rId24"/>
+    <p:sldId id="291" r:id="rId25"/>
+    <p:sldId id="292" r:id="rId26"/>
+    <p:sldId id="282" r:id="rId27"/>
   </p:sldIdLst>
   <p:sldSz cx="12188825" cy="6858000"/>
   <p:notesSz cx="6858000" cy="9144000"/>
@@ -125,7 +131,7 @@
   </p:defaultTextStyle>
   <p:extLst>
     <p:ext uri="{EFAFB233-063F-42B5-8137-9DF3F51BA10A}">
-      <p15:sldGuideLst xmlns:p15="http://schemas.microsoft.com/office/powerpoint/2012/main" xmlns="">
+      <p15:sldGuideLst xmlns:p15="http://schemas.microsoft.com/office/powerpoint/2012/main">
         <p15:guide id="1" orient="horz" pos="3776">
           <p15:clr>
             <a:srgbClr val="A4A3A4"/>
@@ -17915,18 +17921,18 @@
       </p:grpSpPr>
       <p:sp>
         <p:nvSpPr>
-          <p:cNvPr id="8" name="Title 7"/>
+          <p:cNvPr id="9" name="Title 8"/>
           <p:cNvSpPr>
             <a:spLocks noGrp="1"/>
           </p:cNvSpPr>
           <p:nvPr>
-            <p:ph type="ctrTitle"/>
+            <p:ph type="title"/>
           </p:nvPr>
         </p:nvSpPr>
         <p:spPr>
           <a:xfrm>
-            <a:off x="685800" y="994465"/>
-            <a:ext cx="10360025" cy="728317"/>
+            <a:off x="4403034" y="2506779"/>
+            <a:ext cx="2580861" cy="938785"/>
           </a:xfrm>
         </p:spPr>
         <p:txBody>
@@ -17935,130 +17941,17 @@
           <a:p>
             <a:pPr algn="ctr"/>
             <a:r>
-              <a:rPr lang="en-US" sz="4000" dirty="0" smtClean="0"/>
-              <a:t>Repo Details</a:t>
-            </a:r>
-            <a:endParaRPr lang="en-US" sz="4000" dirty="0"/>
-          </a:p>
-        </p:txBody>
-      </p:sp>
-      <p:sp>
-        <p:nvSpPr>
-          <p:cNvPr id="2" name="Rectangle 1"/>
-          <p:cNvSpPr/>
-          <p:nvPr/>
-        </p:nvSpPr>
-        <p:spPr>
-          <a:xfrm>
-            <a:off x="838200" y="1842987"/>
-            <a:ext cx="5955541" cy="369332"/>
-          </a:xfrm>
-          <a:prstGeom prst="rect">
-            <a:avLst/>
-          </a:prstGeom>
-        </p:spPr>
-        <p:txBody>
-          <a:bodyPr wrap="none">
-            <a:spAutoFit/>
-          </a:bodyPr>
-          <a:lstStyle/>
-          <a:p>
-            <a:r>
-              <a:rPr lang="en-US" dirty="0">
-                <a:solidFill>
-                  <a:srgbClr val="333333"/>
-                </a:solidFill>
-                <a:latin typeface="proxima-regular1"/>
-              </a:rPr>
-              <a:t>Clone - </a:t>
-            </a:r>
-            <a:r>
-              <a:rPr lang="en-US" dirty="0">
-                <a:solidFill>
-                  <a:srgbClr val="333333"/>
-                </a:solidFill>
-                <a:latin typeface="proxima-regular1"/>
-                <a:hlinkClick r:id="rId2"/>
-              </a:rPr>
-              <a:t>https://</a:t>
-            </a:r>
-            <a:r>
-              <a:rPr lang="en-US" dirty="0" smtClean="0">
-                <a:solidFill>
-                  <a:srgbClr val="333333"/>
-                </a:solidFill>
-                <a:latin typeface="proxima-regular1"/>
-                <a:hlinkClick r:id="rId2"/>
-              </a:rPr>
-              <a:t>github.com/dalalayan1/shell-generator.git</a:t>
-            </a:r>
-            <a:r>
-              <a:rPr lang="en-US" dirty="0" smtClean="0">
-                <a:solidFill>
-                  <a:srgbClr val="333333"/>
-                </a:solidFill>
-                <a:latin typeface="proxima-regular1"/>
-              </a:rPr>
-              <a:t> </a:t>
-            </a:r>
-            <a:endParaRPr lang="en-US" dirty="0"/>
-          </a:p>
-        </p:txBody>
-      </p:sp>
-      <p:sp>
-        <p:nvSpPr>
-          <p:cNvPr id="4" name="Title 7"/>
-          <p:cNvSpPr txBox="1">
-            <a:spLocks/>
-          </p:cNvSpPr>
-          <p:nvPr/>
-        </p:nvSpPr>
-        <p:spPr>
-          <a:xfrm>
-            <a:off x="685800" y="2896152"/>
-            <a:ext cx="10360025" cy="728317"/>
-          </a:xfrm>
-          <a:prstGeom prst="rect">
-            <a:avLst/>
-          </a:prstGeom>
-        </p:spPr>
-        <p:txBody>
-          <a:bodyPr vert="horz" lIns="0" tIns="0" rIns="0" bIns="0" rtlCol="0" anchor="t" anchorCtr="0">
-            <a:noAutofit/>
-          </a:bodyPr>
-          <a:lstStyle>
-            <a:lvl1pPr algn="l" defTabSz="457200" rtl="0" eaLnBrk="1" latinLnBrk="0" hangingPunct="1">
-              <a:lnSpc>
-                <a:spcPct val="97000"/>
-              </a:lnSpc>
-              <a:spcBef>
-                <a:spcPct val="0"/>
-              </a:spcBef>
-              <a:buNone/>
-              <a:defRPr sz="2100" kern="1200" spc="30">
-                <a:solidFill>
-                  <a:schemeClr val="tx1"/>
-                </a:solidFill>
-                <a:latin typeface="MillerDisplay"/>
-                <a:ea typeface="+mj-ea"/>
-                <a:cs typeface="+mj-cs"/>
-              </a:defRPr>
-            </a:lvl1pPr>
-          </a:lstStyle>
-          <a:p>
-            <a:pPr algn="ctr"/>
-            <a:r>
-              <a:rPr lang="en-US" sz="4000" dirty="0" smtClean="0"/>
-              <a:t>FEEL FREE TO CONTRIBUTE!</a:t>
-            </a:r>
-            <a:endParaRPr lang="en-US" sz="4000" dirty="0"/>
+              <a:rPr lang="en-US" sz="6000" dirty="0" smtClean="0"/>
+              <a:t>How? </a:t>
+            </a:r>
+            <a:endParaRPr lang="en-US" sz="6000" dirty="0"/>
           </a:p>
         </p:txBody>
       </p:sp>
     </p:spTree>
     <p:extLst>
       <p:ext uri="{BB962C8B-B14F-4D97-AF65-F5344CB8AC3E}">
-        <p14:creationId xmlns:p14="http://schemas.microsoft.com/office/powerpoint/2010/main" val="770327104"/>
+        <p14:creationId xmlns:p14="http://schemas.microsoft.com/office/powerpoint/2010/main" val="1256986985"/>
       </p:ext>
     </p:extLst>
   </p:cSld>
@@ -18094,126 +17987,300 @@
       </p:grpSpPr>
       <p:sp>
         <p:nvSpPr>
-          <p:cNvPr id="8" name="Title 7"/>
+          <p:cNvPr id="9" name="Title 8"/>
           <p:cNvSpPr>
             <a:spLocks noGrp="1"/>
           </p:cNvSpPr>
           <p:nvPr>
-            <p:ph type="ctrTitle"/>
+            <p:ph type="title"/>
           </p:nvPr>
         </p:nvSpPr>
         <p:spPr>
           <a:xfrm>
-            <a:off x="685800" y="1140791"/>
-            <a:ext cx="10360025" cy="714513"/>
+            <a:off x="546652" y="585216"/>
+            <a:ext cx="4360842" cy="429802"/>
           </a:xfrm>
         </p:spPr>
         <p:txBody>
           <a:bodyPr/>
           <a:lstStyle/>
           <a:p>
-            <a:pPr algn="ctr"/>
-            <a:r>
-              <a:rPr lang="en-US" sz="4000" dirty="0" smtClean="0"/>
-              <a:t>Good-to-have features</a:t>
-            </a:r>
-            <a:endParaRPr lang="en-US" sz="4000" dirty="0"/>
+            <a:r>
+              <a:rPr lang="en-US" sz="3600" dirty="0" smtClean="0"/>
+              <a:t>What is Yeoman? </a:t>
+            </a:r>
+            <a:endParaRPr lang="en-US" sz="3600" dirty="0"/>
           </a:p>
         </p:txBody>
       </p:sp>
       <p:sp>
         <p:nvSpPr>
-          <p:cNvPr id="3" name="Rectangle 2"/>
-          <p:cNvSpPr/>
+          <p:cNvPr id="12" name="Vertical Text Placeholder 11"/>
+          <p:cNvSpPr>
+            <a:spLocks noGrp="1"/>
+          </p:cNvSpPr>
+          <p:nvPr>
+            <p:ph type="body" orient="vert" idx="1"/>
+          </p:nvPr>
+        </p:nvSpPr>
+        <p:spPr>
+          <a:xfrm>
+            <a:off x="546651" y="1381455"/>
+            <a:ext cx="4674988" cy="1693859"/>
+          </a:xfrm>
+        </p:spPr>
+        <p:txBody>
+          <a:bodyPr/>
+          <a:lstStyle/>
+          <a:p>
+            <a:pPr lvl="0"/>
+            <a:r>
+              <a:rPr lang="en-US" sz="2000" dirty="0" smtClean="0"/>
+              <a:t>A </a:t>
+            </a:r>
+            <a:r>
+              <a:rPr lang="en-US" sz="2000" dirty="0" smtClean="0"/>
+              <a:t>kind </a:t>
+            </a:r>
+            <a:r>
+              <a:rPr lang="en-US" sz="2000" dirty="0" smtClean="0"/>
+              <a:t>of a middleware which takes our code and talks to node(fs) to scaffold our application.</a:t>
+            </a:r>
+          </a:p>
+          <a:p>
+            <a:pPr lvl="0"/>
+            <a:endParaRPr lang="en-US" sz="2000" dirty="0"/>
+          </a:p>
+        </p:txBody>
+      </p:sp>
+      <p:sp>
+        <p:nvSpPr>
+          <p:cNvPr id="6" name="Vertical Text Placeholder 11"/>
+          <p:cNvSpPr txBox="1">
+            <a:spLocks/>
+          </p:cNvSpPr>
           <p:nvPr/>
         </p:nvSpPr>
         <p:spPr>
           <a:xfrm>
-            <a:off x="838200" y="2333318"/>
-            <a:ext cx="9565760" cy="923330"/>
+            <a:off x="5447321" y="529472"/>
+            <a:ext cx="6384795" cy="6025564"/>
           </a:xfrm>
           <a:prstGeom prst="rect">
             <a:avLst/>
           </a:prstGeom>
         </p:spPr>
         <p:txBody>
-          <a:bodyPr wrap="none">
-            <a:spAutoFit/>
+          <a:bodyPr vert="horz" lIns="0" tIns="0" rIns="0" bIns="0" numCol="1" spcCol="384048" rtlCol="0" anchor="t" anchorCtr="0">
+            <a:noAutofit/>
           </a:bodyPr>
-          <a:lstStyle/>
-          <a:p>
-            <a:pPr marL="285750" indent="-285750">
-              <a:buFont typeface="Arial" panose="020B0604020202020204" pitchFamily="34" charset="0"/>
+          <a:lstStyle>
+            <a:lvl1pPr marL="0" indent="0" algn="l" defTabSz="457200" rtl="0" eaLnBrk="1" latinLnBrk="0" hangingPunct="1">
+              <a:lnSpc>
+                <a:spcPct val="150000"/>
+              </a:lnSpc>
+              <a:spcBef>
+                <a:spcPts val="0"/>
+              </a:spcBef>
+              <a:spcAft>
+                <a:spcPts val="0"/>
+              </a:spcAft>
+              <a:buFontTx/>
+              <a:buNone/>
+              <a:defRPr sz="1100" b="0" i="0" kern="1200">
+                <a:solidFill>
+                  <a:schemeClr val="tx1"/>
+                </a:solidFill>
+                <a:latin typeface="Gotham Book"/>
+                <a:ea typeface="+mn-ea"/>
+                <a:cs typeface="Gotham Book"/>
+              </a:defRPr>
+            </a:lvl1pPr>
+            <a:lvl2pPr marL="177800" indent="-177800" algn="l" defTabSz="457200" rtl="0" eaLnBrk="1" latinLnBrk="0" hangingPunct="1">
+              <a:lnSpc>
+                <a:spcPct val="150000"/>
+              </a:lnSpc>
+              <a:spcBef>
+                <a:spcPts val="0"/>
+              </a:spcBef>
+              <a:spcAft>
+                <a:spcPts val="0"/>
+              </a:spcAft>
+              <a:buClr>
+                <a:schemeClr val="accent1">
+                  <a:lumMod val="50000"/>
+                </a:schemeClr>
+              </a:buClr>
+              <a:buFont typeface="Wingdings" charset="2"/>
+              <a:buChar char="§"/>
+              <a:defRPr sz="1100" b="0" i="0" kern="1200">
+                <a:solidFill>
+                  <a:schemeClr val="tx1"/>
+                </a:solidFill>
+                <a:latin typeface="Gotham Book"/>
+                <a:ea typeface="+mn-ea"/>
+                <a:cs typeface="Gotham Book"/>
+              </a:defRPr>
+            </a:lvl2pPr>
+            <a:lvl3pPr marL="342900" indent="-165100" algn="l" defTabSz="457200" rtl="0" eaLnBrk="1" latinLnBrk="0" hangingPunct="1">
+              <a:lnSpc>
+                <a:spcPct val="150000"/>
+              </a:lnSpc>
+              <a:spcBef>
+                <a:spcPts val="0"/>
+              </a:spcBef>
+              <a:spcAft>
+                <a:spcPts val="0"/>
+              </a:spcAft>
+              <a:buClr>
+                <a:schemeClr val="accent1">
+                  <a:lumMod val="50000"/>
+                </a:schemeClr>
+              </a:buClr>
+              <a:buFont typeface="Wingdings" charset="2"/>
+              <a:buChar char="§"/>
+              <a:defRPr sz="1100" b="0" i="0" kern="1200" baseline="0">
+                <a:solidFill>
+                  <a:schemeClr val="tx1"/>
+                </a:solidFill>
+                <a:latin typeface="Gotham Book"/>
+                <a:ea typeface="+mn-ea"/>
+                <a:cs typeface="Gotham Book"/>
+              </a:defRPr>
+            </a:lvl3pPr>
+            <a:lvl4pPr marL="520700" indent="-177800" algn="l" defTabSz="457200" rtl="0" eaLnBrk="1" latinLnBrk="0" hangingPunct="1">
+              <a:lnSpc>
+                <a:spcPct val="150000"/>
+              </a:lnSpc>
+              <a:spcBef>
+                <a:spcPts val="0"/>
+              </a:spcBef>
+              <a:spcAft>
+                <a:spcPts val="0"/>
+              </a:spcAft>
+              <a:buClr>
+                <a:schemeClr val="accent1">
+                  <a:lumMod val="50000"/>
+                </a:schemeClr>
+              </a:buClr>
+              <a:buFont typeface="Wingdings" charset="2"/>
+              <a:buChar char="§"/>
+              <a:defRPr sz="1100" b="0" i="0" kern="1200">
+                <a:solidFill>
+                  <a:schemeClr val="tx1"/>
+                </a:solidFill>
+                <a:latin typeface="Gotham Book"/>
+                <a:ea typeface="+mn-ea"/>
+                <a:cs typeface="Gotham Book"/>
+              </a:defRPr>
+            </a:lvl4pPr>
+            <a:lvl5pPr marL="692150" indent="-171450" algn="l" defTabSz="457200" rtl="0" eaLnBrk="1" latinLnBrk="0" hangingPunct="1">
+              <a:lnSpc>
+                <a:spcPct val="150000"/>
+              </a:lnSpc>
+              <a:spcBef>
+                <a:spcPts val="0"/>
+              </a:spcBef>
+              <a:spcAft>
+                <a:spcPts val="250"/>
+              </a:spcAft>
+              <a:buClr>
+                <a:schemeClr val="accent1">
+                  <a:lumMod val="50000"/>
+                </a:schemeClr>
+              </a:buClr>
+              <a:buFont typeface="Wingdings" charset="2"/>
+              <a:buChar char="§"/>
+              <a:defRPr sz="1100" b="0" i="0" kern="1200">
+                <a:solidFill>
+                  <a:schemeClr val="tx1"/>
+                </a:solidFill>
+                <a:latin typeface="Gotham Book"/>
+                <a:ea typeface="+mn-ea"/>
+                <a:cs typeface="Gotham Book"/>
+              </a:defRPr>
+            </a:lvl5pPr>
+            <a:lvl6pPr marL="685800" indent="-165100" algn="l" defTabSz="457200" rtl="0" eaLnBrk="1" latinLnBrk="0" hangingPunct="1">
+              <a:lnSpc>
+                <a:spcPct val="150000"/>
+              </a:lnSpc>
+              <a:spcBef>
+                <a:spcPts val="0"/>
+              </a:spcBef>
+              <a:spcAft>
+                <a:spcPts val="0"/>
+              </a:spcAft>
+              <a:buClr>
+                <a:schemeClr val="accent1">
+                  <a:lumMod val="50000"/>
+                </a:schemeClr>
+              </a:buClr>
+              <a:buFont typeface="Wingdings" charset="2"/>
+              <a:buChar char="§"/>
+              <a:defRPr sz="1100" b="0" i="0" kern="1200">
+                <a:solidFill>
+                  <a:schemeClr val="tx1"/>
+                </a:solidFill>
+                <a:latin typeface="Gotham Book"/>
+                <a:ea typeface="+mn-ea"/>
+                <a:cs typeface="Gotham Book"/>
+              </a:defRPr>
+            </a:lvl6pPr>
+            <a:lvl7pPr marL="2971800" indent="-228600" algn="l" defTabSz="457200" rtl="0" eaLnBrk="1" latinLnBrk="0" hangingPunct="1">
+              <a:spcBef>
+                <a:spcPct val="20000"/>
+              </a:spcBef>
+              <a:buFont typeface="Arial"/>
               <a:buChar char="•"/>
-            </a:pPr>
-            <a:r>
-              <a:rPr lang="en-US" dirty="0" smtClean="0"/>
-              <a:t>Create sub-generators to generate </a:t>
-            </a:r>
-            <a:r>
-              <a:rPr lang="en-US" b="1" dirty="0" smtClean="0"/>
-              <a:t>components</a:t>
-            </a:r>
-            <a:r>
-              <a:rPr lang="en-US" dirty="0" smtClean="0"/>
-              <a:t>, or change </a:t>
-            </a:r>
-            <a:r>
-              <a:rPr lang="en-US" b="1" dirty="0" smtClean="0"/>
-              <a:t>file configurations</a:t>
-            </a:r>
-            <a:r>
-              <a:rPr lang="en-US" dirty="0" smtClean="0"/>
-              <a:t>.</a:t>
-            </a:r>
-          </a:p>
-          <a:p>
-            <a:pPr marL="285750" indent="-285750">
-              <a:buFont typeface="Arial" panose="020B0604020202020204" pitchFamily="34" charset="0"/>
+              <a:defRPr sz="2000" kern="1200">
+                <a:solidFill>
+                  <a:schemeClr val="tx1"/>
+                </a:solidFill>
+                <a:latin typeface="+mn-lt"/>
+                <a:ea typeface="+mn-ea"/>
+                <a:cs typeface="+mn-cs"/>
+              </a:defRPr>
+            </a:lvl7pPr>
+            <a:lvl8pPr marL="3429000" indent="-228600" algn="l" defTabSz="457200" rtl="0" eaLnBrk="1" latinLnBrk="0" hangingPunct="1">
+              <a:spcBef>
+                <a:spcPct val="20000"/>
+              </a:spcBef>
+              <a:buFont typeface="Arial"/>
               <a:buChar char="•"/>
-            </a:pPr>
-            <a:r>
-              <a:rPr lang="en-US" dirty="0" smtClean="0"/>
-              <a:t>Add trending frameworks like </a:t>
-            </a:r>
-            <a:r>
-              <a:rPr lang="en-US" b="1" dirty="0" smtClean="0"/>
-              <a:t>Angular2, </a:t>
-            </a:r>
-            <a:r>
-              <a:rPr lang="en-US" b="1" dirty="0" err="1" smtClean="0"/>
-              <a:t>Preact</a:t>
-            </a:r>
-            <a:r>
-              <a:rPr lang="en-US" dirty="0" smtClean="0"/>
-              <a:t>.</a:t>
-            </a:r>
-          </a:p>
-          <a:p>
-            <a:pPr marL="285750" indent="-285750">
-              <a:buFont typeface="Arial" panose="020B0604020202020204" pitchFamily="34" charset="0"/>
+              <a:defRPr sz="2000" kern="1200">
+                <a:solidFill>
+                  <a:schemeClr val="tx1"/>
+                </a:solidFill>
+                <a:latin typeface="+mn-lt"/>
+                <a:ea typeface="+mn-ea"/>
+                <a:cs typeface="+mn-cs"/>
+              </a:defRPr>
+            </a:lvl8pPr>
+            <a:lvl9pPr marL="3886200" indent="-228600" algn="l" defTabSz="457200" rtl="0" eaLnBrk="1" latinLnBrk="0" hangingPunct="1">
+              <a:spcBef>
+                <a:spcPct val="20000"/>
+              </a:spcBef>
+              <a:buFont typeface="Arial"/>
               <a:buChar char="•"/>
-            </a:pPr>
-            <a:r>
-              <a:rPr lang="en-US" dirty="0" smtClean="0"/>
-              <a:t>Provide basic test cases with required testing frameworks(</a:t>
-            </a:r>
-            <a:r>
-              <a:rPr lang="en-US" b="1" dirty="0" err="1" smtClean="0"/>
-              <a:t>chai,mocha</a:t>
-            </a:r>
-            <a:r>
-              <a:rPr lang="en-US" dirty="0" smtClean="0"/>
-              <a:t>).</a:t>
-            </a:r>
-            <a:endParaRPr lang="en-US" dirty="0"/>
+              <a:defRPr sz="2000" kern="1200">
+                <a:solidFill>
+                  <a:schemeClr val="tx1"/>
+                </a:solidFill>
+                <a:latin typeface="+mn-lt"/>
+                <a:ea typeface="+mn-ea"/>
+                <a:cs typeface="+mn-cs"/>
+              </a:defRPr>
+            </a:lvl9pPr>
+          </a:lstStyle>
+          <a:p>
+            <a:endParaRPr lang="en-US" sz="1400" dirty="0"/>
           </a:p>
         </p:txBody>
       </p:sp>
     </p:spTree>
     <p:extLst>
       <p:ext uri="{BB962C8B-B14F-4D97-AF65-F5344CB8AC3E}">
-        <p14:creationId xmlns:p14="http://schemas.microsoft.com/office/powerpoint/2010/main" val="681104022"/>
+        <p14:creationId xmlns:p14="http://schemas.microsoft.com/office/powerpoint/2010/main" val="207063030"/>
       </p:ext>
     </p:extLst>
   </p:cSld>
@@ -18249,58 +18316,591 @@
       </p:grpSpPr>
       <p:sp>
         <p:nvSpPr>
-          <p:cNvPr id="8" name="Title 7"/>
+          <p:cNvPr id="9" name="Title 8"/>
           <p:cNvSpPr>
             <a:spLocks noGrp="1"/>
           </p:cNvSpPr>
           <p:nvPr>
-            <p:ph type="ctrTitle"/>
+            <p:ph type="title"/>
           </p:nvPr>
         </p:nvSpPr>
         <p:spPr>
           <a:xfrm>
-            <a:off x="566530" y="1921323"/>
-            <a:ext cx="10360025" cy="1231106"/>
+            <a:off x="546652" y="585216"/>
+            <a:ext cx="4360842" cy="429802"/>
           </a:xfrm>
         </p:spPr>
         <p:txBody>
           <a:bodyPr/>
           <a:lstStyle/>
           <a:p>
-            <a:pPr algn="ctr"/>
-            <a:r>
-              <a:rPr lang="en-US" sz="4000" dirty="0" smtClean="0"/>
-              <a:t>Questions?</a:t>
-            </a:r>
-            <a:br>
-              <a:rPr lang="en-US" sz="4000" dirty="0" smtClean="0"/>
-            </a:br>
-            <a:r>
-              <a:rPr lang="en-US" sz="4000" dirty="0"/>
-              <a:t/>
-            </a:r>
-            <a:br>
-              <a:rPr lang="en-US" sz="4000" dirty="0"/>
-            </a:br>
-            <a:r>
-              <a:rPr lang="en-US" sz="4000" dirty="0" smtClean="0"/>
-              <a:t/>
-            </a:r>
-            <a:br>
-              <a:rPr lang="en-US" sz="4000" dirty="0" smtClean="0"/>
-            </a:br>
-            <a:r>
-              <a:rPr lang="en-US" sz="4000" dirty="0" smtClean="0"/>
-              <a:t>Feedback?</a:t>
-            </a:r>
-            <a:endParaRPr lang="en-US" sz="4000" dirty="0"/>
+            <a:r>
+              <a:rPr lang="en-US" sz="3600" dirty="0" smtClean="0"/>
+              <a:t>What is Yeoman? </a:t>
+            </a:r>
+            <a:endParaRPr lang="en-US" sz="3600" dirty="0"/>
+          </a:p>
+        </p:txBody>
+      </p:sp>
+      <p:sp>
+        <p:nvSpPr>
+          <p:cNvPr id="12" name="Vertical Text Placeholder 11"/>
+          <p:cNvSpPr>
+            <a:spLocks noGrp="1"/>
+          </p:cNvSpPr>
+          <p:nvPr>
+            <p:ph type="body" orient="vert" idx="1"/>
+          </p:nvPr>
+        </p:nvSpPr>
+        <p:spPr>
+          <a:xfrm>
+            <a:off x="546651" y="1381455"/>
+            <a:ext cx="4674988" cy="1693859"/>
+          </a:xfrm>
+        </p:spPr>
+        <p:txBody>
+          <a:bodyPr/>
+          <a:lstStyle/>
+          <a:p>
+            <a:pPr lvl="0"/>
+            <a:r>
+              <a:rPr lang="en-US" sz="2000" dirty="0" smtClean="0"/>
+              <a:t>A </a:t>
+            </a:r>
+            <a:r>
+              <a:rPr lang="en-US" sz="2000" dirty="0" smtClean="0"/>
+              <a:t>kind </a:t>
+            </a:r>
+            <a:r>
+              <a:rPr lang="en-US" sz="2000" dirty="0" smtClean="0"/>
+              <a:t>of a middleware which takes our code and talks to node(fs) to scaffold our application.</a:t>
+            </a:r>
+          </a:p>
+          <a:p>
+            <a:pPr lvl="0"/>
+            <a:endParaRPr lang="en-US" sz="2000" dirty="0"/>
+          </a:p>
+        </p:txBody>
+      </p:sp>
+      <p:sp>
+        <p:nvSpPr>
+          <p:cNvPr id="7" name="Title 8"/>
+          <p:cNvSpPr txBox="1">
+            <a:spLocks/>
+          </p:cNvSpPr>
+          <p:nvPr/>
+        </p:nvSpPr>
+        <p:spPr>
+          <a:xfrm>
+            <a:off x="546651" y="3566162"/>
+            <a:ext cx="4074240" cy="375667"/>
+          </a:xfrm>
+          <a:prstGeom prst="rect">
+            <a:avLst/>
+          </a:prstGeom>
+        </p:spPr>
+        <p:txBody>
+          <a:bodyPr vert="horz" lIns="0" tIns="0" rIns="0" bIns="0" rtlCol="0" anchor="t" anchorCtr="0">
+            <a:noAutofit/>
+          </a:bodyPr>
+          <a:lstStyle>
+            <a:lvl1pPr algn="l" defTabSz="457200" rtl="0" eaLnBrk="1" latinLnBrk="0" hangingPunct="1">
+              <a:lnSpc>
+                <a:spcPct val="110000"/>
+              </a:lnSpc>
+              <a:spcBef>
+                <a:spcPct val="0"/>
+              </a:spcBef>
+              <a:buNone/>
+              <a:defRPr sz="2100" kern="1200" spc="30" baseline="0">
+                <a:solidFill>
+                  <a:schemeClr val="tx1"/>
+                </a:solidFill>
+                <a:latin typeface="MillerDisplay"/>
+                <a:ea typeface="+mj-ea"/>
+                <a:cs typeface="+mj-cs"/>
+              </a:defRPr>
+            </a:lvl1pPr>
+          </a:lstStyle>
+          <a:p>
+            <a:r>
+              <a:rPr lang="en-US" sz="3600" dirty="0" smtClean="0"/>
+              <a:t>Why not Yeoman?</a:t>
+            </a:r>
+            <a:endParaRPr lang="en-US" sz="3600" dirty="0"/>
+          </a:p>
+        </p:txBody>
+      </p:sp>
+      <p:sp>
+        <p:nvSpPr>
+          <p:cNvPr id="8" name="Vertical Text Placeholder 11"/>
+          <p:cNvSpPr txBox="1">
+            <a:spLocks/>
+          </p:cNvSpPr>
+          <p:nvPr/>
+        </p:nvSpPr>
+        <p:spPr>
+          <a:xfrm>
+            <a:off x="662287" y="4270796"/>
+            <a:ext cx="4330150" cy="1284168"/>
+          </a:xfrm>
+          <a:prstGeom prst="rect">
+            <a:avLst/>
+          </a:prstGeom>
+        </p:spPr>
+        <p:txBody>
+          <a:bodyPr vert="horz" lIns="0" tIns="0" rIns="0" bIns="0" numCol="1" spcCol="384048" rtlCol="0" anchor="t" anchorCtr="0">
+            <a:noAutofit/>
+          </a:bodyPr>
+          <a:lstStyle>
+            <a:lvl1pPr marL="0" indent="0" algn="l" defTabSz="457200" rtl="0" eaLnBrk="1" latinLnBrk="0" hangingPunct="1">
+              <a:lnSpc>
+                <a:spcPct val="150000"/>
+              </a:lnSpc>
+              <a:spcBef>
+                <a:spcPts val="0"/>
+              </a:spcBef>
+              <a:spcAft>
+                <a:spcPts val="0"/>
+              </a:spcAft>
+              <a:buFontTx/>
+              <a:buNone/>
+              <a:defRPr sz="1100" b="0" i="0" kern="1200">
+                <a:solidFill>
+                  <a:schemeClr val="tx1"/>
+                </a:solidFill>
+                <a:latin typeface="Gotham Book"/>
+                <a:ea typeface="+mn-ea"/>
+                <a:cs typeface="Gotham Book"/>
+              </a:defRPr>
+            </a:lvl1pPr>
+            <a:lvl2pPr marL="177800" indent="-177800" algn="l" defTabSz="457200" rtl="0" eaLnBrk="1" latinLnBrk="0" hangingPunct="1">
+              <a:lnSpc>
+                <a:spcPct val="150000"/>
+              </a:lnSpc>
+              <a:spcBef>
+                <a:spcPts val="0"/>
+              </a:spcBef>
+              <a:spcAft>
+                <a:spcPts val="0"/>
+              </a:spcAft>
+              <a:buClr>
+                <a:schemeClr val="accent1">
+                  <a:lumMod val="50000"/>
+                </a:schemeClr>
+              </a:buClr>
+              <a:buFont typeface="Wingdings" charset="2"/>
+              <a:buChar char="§"/>
+              <a:defRPr sz="1100" b="0" i="0" kern="1200">
+                <a:solidFill>
+                  <a:schemeClr val="tx1"/>
+                </a:solidFill>
+                <a:latin typeface="Gotham Book"/>
+                <a:ea typeface="+mn-ea"/>
+                <a:cs typeface="Gotham Book"/>
+              </a:defRPr>
+            </a:lvl2pPr>
+            <a:lvl3pPr marL="342900" indent="-165100" algn="l" defTabSz="457200" rtl="0" eaLnBrk="1" latinLnBrk="0" hangingPunct="1">
+              <a:lnSpc>
+                <a:spcPct val="150000"/>
+              </a:lnSpc>
+              <a:spcBef>
+                <a:spcPts val="0"/>
+              </a:spcBef>
+              <a:spcAft>
+                <a:spcPts val="0"/>
+              </a:spcAft>
+              <a:buClr>
+                <a:schemeClr val="accent1">
+                  <a:lumMod val="50000"/>
+                </a:schemeClr>
+              </a:buClr>
+              <a:buFont typeface="Wingdings" charset="2"/>
+              <a:buChar char="§"/>
+              <a:defRPr sz="1100" b="0" i="0" kern="1200" baseline="0">
+                <a:solidFill>
+                  <a:schemeClr val="tx1"/>
+                </a:solidFill>
+                <a:latin typeface="Gotham Book"/>
+                <a:ea typeface="+mn-ea"/>
+                <a:cs typeface="Gotham Book"/>
+              </a:defRPr>
+            </a:lvl3pPr>
+            <a:lvl4pPr marL="520700" indent="-177800" algn="l" defTabSz="457200" rtl="0" eaLnBrk="1" latinLnBrk="0" hangingPunct="1">
+              <a:lnSpc>
+                <a:spcPct val="150000"/>
+              </a:lnSpc>
+              <a:spcBef>
+                <a:spcPts val="0"/>
+              </a:spcBef>
+              <a:spcAft>
+                <a:spcPts val="0"/>
+              </a:spcAft>
+              <a:buClr>
+                <a:schemeClr val="accent1">
+                  <a:lumMod val="50000"/>
+                </a:schemeClr>
+              </a:buClr>
+              <a:buFont typeface="Wingdings" charset="2"/>
+              <a:buChar char="§"/>
+              <a:defRPr sz="1100" b="0" i="0" kern="1200">
+                <a:solidFill>
+                  <a:schemeClr val="tx1"/>
+                </a:solidFill>
+                <a:latin typeface="Gotham Book"/>
+                <a:ea typeface="+mn-ea"/>
+                <a:cs typeface="Gotham Book"/>
+              </a:defRPr>
+            </a:lvl4pPr>
+            <a:lvl5pPr marL="692150" indent="-171450" algn="l" defTabSz="457200" rtl="0" eaLnBrk="1" latinLnBrk="0" hangingPunct="1">
+              <a:lnSpc>
+                <a:spcPct val="150000"/>
+              </a:lnSpc>
+              <a:spcBef>
+                <a:spcPts val="0"/>
+              </a:spcBef>
+              <a:spcAft>
+                <a:spcPts val="250"/>
+              </a:spcAft>
+              <a:buClr>
+                <a:schemeClr val="accent1">
+                  <a:lumMod val="50000"/>
+                </a:schemeClr>
+              </a:buClr>
+              <a:buFont typeface="Wingdings" charset="2"/>
+              <a:buChar char="§"/>
+              <a:defRPr sz="1100" b="0" i="0" kern="1200">
+                <a:solidFill>
+                  <a:schemeClr val="tx1"/>
+                </a:solidFill>
+                <a:latin typeface="Gotham Book"/>
+                <a:ea typeface="+mn-ea"/>
+                <a:cs typeface="Gotham Book"/>
+              </a:defRPr>
+            </a:lvl5pPr>
+            <a:lvl6pPr marL="685800" indent="-165100" algn="l" defTabSz="457200" rtl="0" eaLnBrk="1" latinLnBrk="0" hangingPunct="1">
+              <a:lnSpc>
+                <a:spcPct val="150000"/>
+              </a:lnSpc>
+              <a:spcBef>
+                <a:spcPts val="0"/>
+              </a:spcBef>
+              <a:spcAft>
+                <a:spcPts val="0"/>
+              </a:spcAft>
+              <a:buClr>
+                <a:schemeClr val="accent1">
+                  <a:lumMod val="50000"/>
+                </a:schemeClr>
+              </a:buClr>
+              <a:buFont typeface="Wingdings" charset="2"/>
+              <a:buChar char="§"/>
+              <a:defRPr sz="1100" b="0" i="0" kern="1200">
+                <a:solidFill>
+                  <a:schemeClr val="tx1"/>
+                </a:solidFill>
+                <a:latin typeface="Gotham Book"/>
+                <a:ea typeface="+mn-ea"/>
+                <a:cs typeface="Gotham Book"/>
+              </a:defRPr>
+            </a:lvl6pPr>
+            <a:lvl7pPr marL="2971800" indent="-228600" algn="l" defTabSz="457200" rtl="0" eaLnBrk="1" latinLnBrk="0" hangingPunct="1">
+              <a:spcBef>
+                <a:spcPct val="20000"/>
+              </a:spcBef>
+              <a:buFont typeface="Arial"/>
+              <a:buChar char="•"/>
+              <a:defRPr sz="2000" kern="1200">
+                <a:solidFill>
+                  <a:schemeClr val="tx1"/>
+                </a:solidFill>
+                <a:latin typeface="+mn-lt"/>
+                <a:ea typeface="+mn-ea"/>
+                <a:cs typeface="+mn-cs"/>
+              </a:defRPr>
+            </a:lvl7pPr>
+            <a:lvl8pPr marL="3429000" indent="-228600" algn="l" defTabSz="457200" rtl="0" eaLnBrk="1" latinLnBrk="0" hangingPunct="1">
+              <a:spcBef>
+                <a:spcPct val="20000"/>
+              </a:spcBef>
+              <a:buFont typeface="Arial"/>
+              <a:buChar char="•"/>
+              <a:defRPr sz="2000" kern="1200">
+                <a:solidFill>
+                  <a:schemeClr val="tx1"/>
+                </a:solidFill>
+                <a:latin typeface="+mn-lt"/>
+                <a:ea typeface="+mn-ea"/>
+                <a:cs typeface="+mn-cs"/>
+              </a:defRPr>
+            </a:lvl8pPr>
+            <a:lvl9pPr marL="3886200" indent="-228600" algn="l" defTabSz="457200" rtl="0" eaLnBrk="1" latinLnBrk="0" hangingPunct="1">
+              <a:spcBef>
+                <a:spcPct val="20000"/>
+              </a:spcBef>
+              <a:buFont typeface="Arial"/>
+              <a:buChar char="•"/>
+              <a:defRPr sz="2000" kern="1200">
+                <a:solidFill>
+                  <a:schemeClr val="tx1"/>
+                </a:solidFill>
+                <a:latin typeface="+mn-lt"/>
+                <a:ea typeface="+mn-ea"/>
+                <a:cs typeface="+mn-cs"/>
+              </a:defRPr>
+            </a:lvl9pPr>
+          </a:lstStyle>
+          <a:p>
+            <a:pPr marL="285750" indent="-285750">
+              <a:buFont typeface="Arial" panose="020B0604020202020204" pitchFamily="34" charset="0"/>
+              <a:buChar char="•"/>
+            </a:pPr>
+            <a:r>
+              <a:rPr lang="en-US" sz="2000" dirty="0" smtClean="0"/>
+              <a:t>Heavy</a:t>
+            </a:r>
+          </a:p>
+          <a:p>
+            <a:pPr marL="285750" indent="-285750">
+              <a:buFont typeface="Arial" panose="020B0604020202020204" pitchFamily="34" charset="0"/>
+              <a:buChar char="•"/>
+            </a:pPr>
+            <a:r>
+              <a:rPr lang="en-US" sz="2000" dirty="0" smtClean="0"/>
+              <a:t>Not server-side compatible</a:t>
+            </a:r>
+            <a:endParaRPr lang="en-US" sz="2000" dirty="0"/>
+          </a:p>
+        </p:txBody>
+      </p:sp>
+      <p:sp>
+        <p:nvSpPr>
+          <p:cNvPr id="6" name="Vertical Text Placeholder 11"/>
+          <p:cNvSpPr txBox="1">
+            <a:spLocks/>
+          </p:cNvSpPr>
+          <p:nvPr/>
+        </p:nvSpPr>
+        <p:spPr>
+          <a:xfrm>
+            <a:off x="5447321" y="529472"/>
+            <a:ext cx="6384795" cy="6025564"/>
+          </a:xfrm>
+          <a:prstGeom prst="rect">
+            <a:avLst/>
+          </a:prstGeom>
+        </p:spPr>
+        <p:txBody>
+          <a:bodyPr vert="horz" lIns="0" tIns="0" rIns="0" bIns="0" numCol="1" spcCol="384048" rtlCol="0" anchor="t" anchorCtr="0">
+            <a:noAutofit/>
+          </a:bodyPr>
+          <a:lstStyle>
+            <a:lvl1pPr marL="0" indent="0" algn="l" defTabSz="457200" rtl="0" eaLnBrk="1" latinLnBrk="0" hangingPunct="1">
+              <a:lnSpc>
+                <a:spcPct val="150000"/>
+              </a:lnSpc>
+              <a:spcBef>
+                <a:spcPts val="0"/>
+              </a:spcBef>
+              <a:spcAft>
+                <a:spcPts val="0"/>
+              </a:spcAft>
+              <a:buFontTx/>
+              <a:buNone/>
+              <a:defRPr sz="1100" b="0" i="0" kern="1200">
+                <a:solidFill>
+                  <a:schemeClr val="tx1"/>
+                </a:solidFill>
+                <a:latin typeface="Gotham Book"/>
+                <a:ea typeface="+mn-ea"/>
+                <a:cs typeface="Gotham Book"/>
+              </a:defRPr>
+            </a:lvl1pPr>
+            <a:lvl2pPr marL="177800" indent="-177800" algn="l" defTabSz="457200" rtl="0" eaLnBrk="1" latinLnBrk="0" hangingPunct="1">
+              <a:lnSpc>
+                <a:spcPct val="150000"/>
+              </a:lnSpc>
+              <a:spcBef>
+                <a:spcPts val="0"/>
+              </a:spcBef>
+              <a:spcAft>
+                <a:spcPts val="0"/>
+              </a:spcAft>
+              <a:buClr>
+                <a:schemeClr val="accent1">
+                  <a:lumMod val="50000"/>
+                </a:schemeClr>
+              </a:buClr>
+              <a:buFont typeface="Wingdings" charset="2"/>
+              <a:buChar char="§"/>
+              <a:defRPr sz="1100" b="0" i="0" kern="1200">
+                <a:solidFill>
+                  <a:schemeClr val="tx1"/>
+                </a:solidFill>
+                <a:latin typeface="Gotham Book"/>
+                <a:ea typeface="+mn-ea"/>
+                <a:cs typeface="Gotham Book"/>
+              </a:defRPr>
+            </a:lvl2pPr>
+            <a:lvl3pPr marL="342900" indent="-165100" algn="l" defTabSz="457200" rtl="0" eaLnBrk="1" latinLnBrk="0" hangingPunct="1">
+              <a:lnSpc>
+                <a:spcPct val="150000"/>
+              </a:lnSpc>
+              <a:spcBef>
+                <a:spcPts val="0"/>
+              </a:spcBef>
+              <a:spcAft>
+                <a:spcPts val="0"/>
+              </a:spcAft>
+              <a:buClr>
+                <a:schemeClr val="accent1">
+                  <a:lumMod val="50000"/>
+                </a:schemeClr>
+              </a:buClr>
+              <a:buFont typeface="Wingdings" charset="2"/>
+              <a:buChar char="§"/>
+              <a:defRPr sz="1100" b="0" i="0" kern="1200" baseline="0">
+                <a:solidFill>
+                  <a:schemeClr val="tx1"/>
+                </a:solidFill>
+                <a:latin typeface="Gotham Book"/>
+                <a:ea typeface="+mn-ea"/>
+                <a:cs typeface="Gotham Book"/>
+              </a:defRPr>
+            </a:lvl3pPr>
+            <a:lvl4pPr marL="520700" indent="-177800" algn="l" defTabSz="457200" rtl="0" eaLnBrk="1" latinLnBrk="0" hangingPunct="1">
+              <a:lnSpc>
+                <a:spcPct val="150000"/>
+              </a:lnSpc>
+              <a:spcBef>
+                <a:spcPts val="0"/>
+              </a:spcBef>
+              <a:spcAft>
+                <a:spcPts val="0"/>
+              </a:spcAft>
+              <a:buClr>
+                <a:schemeClr val="accent1">
+                  <a:lumMod val="50000"/>
+                </a:schemeClr>
+              </a:buClr>
+              <a:buFont typeface="Wingdings" charset="2"/>
+              <a:buChar char="§"/>
+              <a:defRPr sz="1100" b="0" i="0" kern="1200">
+                <a:solidFill>
+                  <a:schemeClr val="tx1"/>
+                </a:solidFill>
+                <a:latin typeface="Gotham Book"/>
+                <a:ea typeface="+mn-ea"/>
+                <a:cs typeface="Gotham Book"/>
+              </a:defRPr>
+            </a:lvl4pPr>
+            <a:lvl5pPr marL="692150" indent="-171450" algn="l" defTabSz="457200" rtl="0" eaLnBrk="1" latinLnBrk="0" hangingPunct="1">
+              <a:lnSpc>
+                <a:spcPct val="150000"/>
+              </a:lnSpc>
+              <a:spcBef>
+                <a:spcPts val="0"/>
+              </a:spcBef>
+              <a:spcAft>
+                <a:spcPts val="250"/>
+              </a:spcAft>
+              <a:buClr>
+                <a:schemeClr val="accent1">
+                  <a:lumMod val="50000"/>
+                </a:schemeClr>
+              </a:buClr>
+              <a:buFont typeface="Wingdings" charset="2"/>
+              <a:buChar char="§"/>
+              <a:defRPr sz="1100" b="0" i="0" kern="1200">
+                <a:solidFill>
+                  <a:schemeClr val="tx1"/>
+                </a:solidFill>
+                <a:latin typeface="Gotham Book"/>
+                <a:ea typeface="+mn-ea"/>
+                <a:cs typeface="Gotham Book"/>
+              </a:defRPr>
+            </a:lvl5pPr>
+            <a:lvl6pPr marL="685800" indent="-165100" algn="l" defTabSz="457200" rtl="0" eaLnBrk="1" latinLnBrk="0" hangingPunct="1">
+              <a:lnSpc>
+                <a:spcPct val="150000"/>
+              </a:lnSpc>
+              <a:spcBef>
+                <a:spcPts val="0"/>
+              </a:spcBef>
+              <a:spcAft>
+                <a:spcPts val="0"/>
+              </a:spcAft>
+              <a:buClr>
+                <a:schemeClr val="accent1">
+                  <a:lumMod val="50000"/>
+                </a:schemeClr>
+              </a:buClr>
+              <a:buFont typeface="Wingdings" charset="2"/>
+              <a:buChar char="§"/>
+              <a:defRPr sz="1100" b="0" i="0" kern="1200">
+                <a:solidFill>
+                  <a:schemeClr val="tx1"/>
+                </a:solidFill>
+                <a:latin typeface="Gotham Book"/>
+                <a:ea typeface="+mn-ea"/>
+                <a:cs typeface="Gotham Book"/>
+              </a:defRPr>
+            </a:lvl6pPr>
+            <a:lvl7pPr marL="2971800" indent="-228600" algn="l" defTabSz="457200" rtl="0" eaLnBrk="1" latinLnBrk="0" hangingPunct="1">
+              <a:spcBef>
+                <a:spcPct val="20000"/>
+              </a:spcBef>
+              <a:buFont typeface="Arial"/>
+              <a:buChar char="•"/>
+              <a:defRPr sz="2000" kern="1200">
+                <a:solidFill>
+                  <a:schemeClr val="tx1"/>
+                </a:solidFill>
+                <a:latin typeface="+mn-lt"/>
+                <a:ea typeface="+mn-ea"/>
+                <a:cs typeface="+mn-cs"/>
+              </a:defRPr>
+            </a:lvl7pPr>
+            <a:lvl8pPr marL="3429000" indent="-228600" algn="l" defTabSz="457200" rtl="0" eaLnBrk="1" latinLnBrk="0" hangingPunct="1">
+              <a:spcBef>
+                <a:spcPct val="20000"/>
+              </a:spcBef>
+              <a:buFont typeface="Arial"/>
+              <a:buChar char="•"/>
+              <a:defRPr sz="2000" kern="1200">
+                <a:solidFill>
+                  <a:schemeClr val="tx1"/>
+                </a:solidFill>
+                <a:latin typeface="+mn-lt"/>
+                <a:ea typeface="+mn-ea"/>
+                <a:cs typeface="+mn-cs"/>
+              </a:defRPr>
+            </a:lvl8pPr>
+            <a:lvl9pPr marL="3886200" indent="-228600" algn="l" defTabSz="457200" rtl="0" eaLnBrk="1" latinLnBrk="0" hangingPunct="1">
+              <a:spcBef>
+                <a:spcPct val="20000"/>
+              </a:spcBef>
+              <a:buFont typeface="Arial"/>
+              <a:buChar char="•"/>
+              <a:defRPr sz="2000" kern="1200">
+                <a:solidFill>
+                  <a:schemeClr val="tx1"/>
+                </a:solidFill>
+                <a:latin typeface="+mn-lt"/>
+                <a:ea typeface="+mn-ea"/>
+                <a:cs typeface="+mn-cs"/>
+              </a:defRPr>
+            </a:lvl9pPr>
+          </a:lstStyle>
+          <a:p>
+            <a:endParaRPr lang="en-US" sz="1400" dirty="0"/>
           </a:p>
         </p:txBody>
       </p:sp>
     </p:spTree>
     <p:extLst>
       <p:ext uri="{BB962C8B-B14F-4D97-AF65-F5344CB8AC3E}">
-        <p14:creationId xmlns:p14="http://schemas.microsoft.com/office/powerpoint/2010/main" val="923078205"/>
+        <p14:creationId xmlns:p14="http://schemas.microsoft.com/office/powerpoint/2010/main" val="1345998958"/>
       </p:ext>
     </p:extLst>
   </p:cSld>
@@ -18336,64 +18936,1200 @@
       </p:grpSpPr>
       <p:sp>
         <p:nvSpPr>
-          <p:cNvPr id="8" name="Title 7"/>
+          <p:cNvPr id="9" name="Title 8"/>
           <p:cNvSpPr>
             <a:spLocks noGrp="1"/>
           </p:cNvSpPr>
           <p:nvPr>
-            <p:ph type="ctrTitle"/>
+            <p:ph type="title"/>
           </p:nvPr>
         </p:nvSpPr>
         <p:spPr>
           <a:xfrm>
-            <a:off x="570416" y="2158313"/>
-            <a:ext cx="10360025" cy="807278"/>
+            <a:off x="546652" y="585216"/>
+            <a:ext cx="4360842" cy="429802"/>
           </a:xfrm>
         </p:spPr>
         <p:txBody>
           <a:bodyPr/>
           <a:lstStyle/>
           <a:p>
-            <a:pPr algn="ctr"/>
-            <a:r>
-              <a:rPr lang="en-US" sz="4000" dirty="0" smtClean="0"/>
-              <a:t>Thank You</a:t>
-            </a:r>
-            <a:endParaRPr lang="en-US" sz="4000" dirty="0"/>
+            <a:r>
+              <a:rPr lang="en-US" sz="3600" dirty="0" smtClean="0"/>
+              <a:t>What is Yeoman? </a:t>
+            </a:r>
+            <a:endParaRPr lang="en-US" sz="3600" dirty="0"/>
           </a:p>
         </p:txBody>
       </p:sp>
       <p:sp>
         <p:nvSpPr>
-          <p:cNvPr id="3" name="Rectangle 2"/>
-          <p:cNvSpPr/>
+          <p:cNvPr id="12" name="Vertical Text Placeholder 11"/>
+          <p:cNvSpPr>
+            <a:spLocks noGrp="1"/>
+          </p:cNvSpPr>
+          <p:nvPr>
+            <p:ph type="body" orient="vert" idx="1"/>
+          </p:nvPr>
+        </p:nvSpPr>
+        <p:spPr>
+          <a:xfrm>
+            <a:off x="546651" y="1381455"/>
+            <a:ext cx="4674988" cy="1693859"/>
+          </a:xfrm>
+        </p:spPr>
+        <p:txBody>
+          <a:bodyPr/>
+          <a:lstStyle/>
+          <a:p>
+            <a:pPr lvl="0"/>
+            <a:r>
+              <a:rPr lang="en-US" sz="2000" dirty="0" smtClean="0"/>
+              <a:t>A </a:t>
+            </a:r>
+            <a:r>
+              <a:rPr lang="en-US" sz="2000" dirty="0" smtClean="0"/>
+              <a:t>kind </a:t>
+            </a:r>
+            <a:r>
+              <a:rPr lang="en-US" sz="2000" dirty="0" smtClean="0"/>
+              <a:t>of a middleware which takes our code and talks to node(fs) to scaffold our application.</a:t>
+            </a:r>
+          </a:p>
+          <a:p>
+            <a:pPr lvl="0"/>
+            <a:endParaRPr lang="en-US" sz="2000" dirty="0"/>
+          </a:p>
+        </p:txBody>
+      </p:sp>
+      <p:sp>
+        <p:nvSpPr>
+          <p:cNvPr id="7" name="Title 8"/>
+          <p:cNvSpPr txBox="1">
+            <a:spLocks/>
+          </p:cNvSpPr>
           <p:nvPr/>
         </p:nvSpPr>
         <p:spPr>
           <a:xfrm>
-            <a:off x="4747589" y="3334923"/>
-            <a:ext cx="2005677" cy="369332"/>
+            <a:off x="546651" y="3566162"/>
+            <a:ext cx="4074240" cy="375667"/>
           </a:xfrm>
           <a:prstGeom prst="rect">
             <a:avLst/>
           </a:prstGeom>
         </p:spPr>
         <p:txBody>
-          <a:bodyPr wrap="none">
+          <a:bodyPr vert="horz" lIns="0" tIns="0" rIns="0" bIns="0" rtlCol="0" anchor="t" anchorCtr="0">
+            <a:noAutofit/>
+          </a:bodyPr>
+          <a:lstStyle>
+            <a:lvl1pPr algn="l" defTabSz="457200" rtl="0" eaLnBrk="1" latinLnBrk="0" hangingPunct="1">
+              <a:lnSpc>
+                <a:spcPct val="110000"/>
+              </a:lnSpc>
+              <a:spcBef>
+                <a:spcPct val="0"/>
+              </a:spcBef>
+              <a:buNone/>
+              <a:defRPr sz="2100" kern="1200" spc="30" baseline="0">
+                <a:solidFill>
+                  <a:schemeClr val="tx1"/>
+                </a:solidFill>
+                <a:latin typeface="MillerDisplay"/>
+                <a:ea typeface="+mj-ea"/>
+                <a:cs typeface="+mj-cs"/>
+              </a:defRPr>
+            </a:lvl1pPr>
+          </a:lstStyle>
+          <a:p>
+            <a:r>
+              <a:rPr lang="en-US" sz="3600" dirty="0" smtClean="0"/>
+              <a:t>Why not Yeoman?</a:t>
+            </a:r>
+            <a:endParaRPr lang="en-US" sz="3600" dirty="0"/>
+          </a:p>
+        </p:txBody>
+      </p:sp>
+      <p:sp>
+        <p:nvSpPr>
+          <p:cNvPr id="8" name="Vertical Text Placeholder 11"/>
+          <p:cNvSpPr txBox="1">
+            <a:spLocks/>
+          </p:cNvSpPr>
+          <p:nvPr/>
+        </p:nvSpPr>
+        <p:spPr>
+          <a:xfrm>
+            <a:off x="662287" y="4270796"/>
+            <a:ext cx="4330150" cy="1284168"/>
+          </a:xfrm>
+          <a:prstGeom prst="rect">
+            <a:avLst/>
+          </a:prstGeom>
+        </p:spPr>
+        <p:txBody>
+          <a:bodyPr vert="horz" lIns="0" tIns="0" rIns="0" bIns="0" numCol="1" spcCol="384048" rtlCol="0" anchor="t" anchorCtr="0">
+            <a:noAutofit/>
+          </a:bodyPr>
+          <a:lstStyle>
+            <a:lvl1pPr marL="0" indent="0" algn="l" defTabSz="457200" rtl="0" eaLnBrk="1" latinLnBrk="0" hangingPunct="1">
+              <a:lnSpc>
+                <a:spcPct val="150000"/>
+              </a:lnSpc>
+              <a:spcBef>
+                <a:spcPts val="0"/>
+              </a:spcBef>
+              <a:spcAft>
+                <a:spcPts val="0"/>
+              </a:spcAft>
+              <a:buFontTx/>
+              <a:buNone/>
+              <a:defRPr sz="1100" b="0" i="0" kern="1200">
+                <a:solidFill>
+                  <a:schemeClr val="tx1"/>
+                </a:solidFill>
+                <a:latin typeface="Gotham Book"/>
+                <a:ea typeface="+mn-ea"/>
+                <a:cs typeface="Gotham Book"/>
+              </a:defRPr>
+            </a:lvl1pPr>
+            <a:lvl2pPr marL="177800" indent="-177800" algn="l" defTabSz="457200" rtl="0" eaLnBrk="1" latinLnBrk="0" hangingPunct="1">
+              <a:lnSpc>
+                <a:spcPct val="150000"/>
+              </a:lnSpc>
+              <a:spcBef>
+                <a:spcPts val="0"/>
+              </a:spcBef>
+              <a:spcAft>
+                <a:spcPts val="0"/>
+              </a:spcAft>
+              <a:buClr>
+                <a:schemeClr val="accent1">
+                  <a:lumMod val="50000"/>
+                </a:schemeClr>
+              </a:buClr>
+              <a:buFont typeface="Wingdings" charset="2"/>
+              <a:buChar char="§"/>
+              <a:defRPr sz="1100" b="0" i="0" kern="1200">
+                <a:solidFill>
+                  <a:schemeClr val="tx1"/>
+                </a:solidFill>
+                <a:latin typeface="Gotham Book"/>
+                <a:ea typeface="+mn-ea"/>
+                <a:cs typeface="Gotham Book"/>
+              </a:defRPr>
+            </a:lvl2pPr>
+            <a:lvl3pPr marL="342900" indent="-165100" algn="l" defTabSz="457200" rtl="0" eaLnBrk="1" latinLnBrk="0" hangingPunct="1">
+              <a:lnSpc>
+                <a:spcPct val="150000"/>
+              </a:lnSpc>
+              <a:spcBef>
+                <a:spcPts val="0"/>
+              </a:spcBef>
+              <a:spcAft>
+                <a:spcPts val="0"/>
+              </a:spcAft>
+              <a:buClr>
+                <a:schemeClr val="accent1">
+                  <a:lumMod val="50000"/>
+                </a:schemeClr>
+              </a:buClr>
+              <a:buFont typeface="Wingdings" charset="2"/>
+              <a:buChar char="§"/>
+              <a:defRPr sz="1100" b="0" i="0" kern="1200" baseline="0">
+                <a:solidFill>
+                  <a:schemeClr val="tx1"/>
+                </a:solidFill>
+                <a:latin typeface="Gotham Book"/>
+                <a:ea typeface="+mn-ea"/>
+                <a:cs typeface="Gotham Book"/>
+              </a:defRPr>
+            </a:lvl3pPr>
+            <a:lvl4pPr marL="520700" indent="-177800" algn="l" defTabSz="457200" rtl="0" eaLnBrk="1" latinLnBrk="0" hangingPunct="1">
+              <a:lnSpc>
+                <a:spcPct val="150000"/>
+              </a:lnSpc>
+              <a:spcBef>
+                <a:spcPts val="0"/>
+              </a:spcBef>
+              <a:spcAft>
+                <a:spcPts val="0"/>
+              </a:spcAft>
+              <a:buClr>
+                <a:schemeClr val="accent1">
+                  <a:lumMod val="50000"/>
+                </a:schemeClr>
+              </a:buClr>
+              <a:buFont typeface="Wingdings" charset="2"/>
+              <a:buChar char="§"/>
+              <a:defRPr sz="1100" b="0" i="0" kern="1200">
+                <a:solidFill>
+                  <a:schemeClr val="tx1"/>
+                </a:solidFill>
+                <a:latin typeface="Gotham Book"/>
+                <a:ea typeface="+mn-ea"/>
+                <a:cs typeface="Gotham Book"/>
+              </a:defRPr>
+            </a:lvl4pPr>
+            <a:lvl5pPr marL="692150" indent="-171450" algn="l" defTabSz="457200" rtl="0" eaLnBrk="1" latinLnBrk="0" hangingPunct="1">
+              <a:lnSpc>
+                <a:spcPct val="150000"/>
+              </a:lnSpc>
+              <a:spcBef>
+                <a:spcPts val="0"/>
+              </a:spcBef>
+              <a:spcAft>
+                <a:spcPts val="250"/>
+              </a:spcAft>
+              <a:buClr>
+                <a:schemeClr val="accent1">
+                  <a:lumMod val="50000"/>
+                </a:schemeClr>
+              </a:buClr>
+              <a:buFont typeface="Wingdings" charset="2"/>
+              <a:buChar char="§"/>
+              <a:defRPr sz="1100" b="0" i="0" kern="1200">
+                <a:solidFill>
+                  <a:schemeClr val="tx1"/>
+                </a:solidFill>
+                <a:latin typeface="Gotham Book"/>
+                <a:ea typeface="+mn-ea"/>
+                <a:cs typeface="Gotham Book"/>
+              </a:defRPr>
+            </a:lvl5pPr>
+            <a:lvl6pPr marL="685800" indent="-165100" algn="l" defTabSz="457200" rtl="0" eaLnBrk="1" latinLnBrk="0" hangingPunct="1">
+              <a:lnSpc>
+                <a:spcPct val="150000"/>
+              </a:lnSpc>
+              <a:spcBef>
+                <a:spcPts val="0"/>
+              </a:spcBef>
+              <a:spcAft>
+                <a:spcPts val="0"/>
+              </a:spcAft>
+              <a:buClr>
+                <a:schemeClr val="accent1">
+                  <a:lumMod val="50000"/>
+                </a:schemeClr>
+              </a:buClr>
+              <a:buFont typeface="Wingdings" charset="2"/>
+              <a:buChar char="§"/>
+              <a:defRPr sz="1100" b="0" i="0" kern="1200">
+                <a:solidFill>
+                  <a:schemeClr val="tx1"/>
+                </a:solidFill>
+                <a:latin typeface="Gotham Book"/>
+                <a:ea typeface="+mn-ea"/>
+                <a:cs typeface="Gotham Book"/>
+              </a:defRPr>
+            </a:lvl6pPr>
+            <a:lvl7pPr marL="2971800" indent="-228600" algn="l" defTabSz="457200" rtl="0" eaLnBrk="1" latinLnBrk="0" hangingPunct="1">
+              <a:spcBef>
+                <a:spcPct val="20000"/>
+              </a:spcBef>
+              <a:buFont typeface="Arial"/>
+              <a:buChar char="•"/>
+              <a:defRPr sz="2000" kern="1200">
+                <a:solidFill>
+                  <a:schemeClr val="tx1"/>
+                </a:solidFill>
+                <a:latin typeface="+mn-lt"/>
+                <a:ea typeface="+mn-ea"/>
+                <a:cs typeface="+mn-cs"/>
+              </a:defRPr>
+            </a:lvl7pPr>
+            <a:lvl8pPr marL="3429000" indent="-228600" algn="l" defTabSz="457200" rtl="0" eaLnBrk="1" latinLnBrk="0" hangingPunct="1">
+              <a:spcBef>
+                <a:spcPct val="20000"/>
+              </a:spcBef>
+              <a:buFont typeface="Arial"/>
+              <a:buChar char="•"/>
+              <a:defRPr sz="2000" kern="1200">
+                <a:solidFill>
+                  <a:schemeClr val="tx1"/>
+                </a:solidFill>
+                <a:latin typeface="+mn-lt"/>
+                <a:ea typeface="+mn-ea"/>
+                <a:cs typeface="+mn-cs"/>
+              </a:defRPr>
+            </a:lvl8pPr>
+            <a:lvl9pPr marL="3886200" indent="-228600" algn="l" defTabSz="457200" rtl="0" eaLnBrk="1" latinLnBrk="0" hangingPunct="1">
+              <a:spcBef>
+                <a:spcPct val="20000"/>
+              </a:spcBef>
+              <a:buFont typeface="Arial"/>
+              <a:buChar char="•"/>
+              <a:defRPr sz="2000" kern="1200">
+                <a:solidFill>
+                  <a:schemeClr val="tx1"/>
+                </a:solidFill>
+                <a:latin typeface="+mn-lt"/>
+                <a:ea typeface="+mn-ea"/>
+                <a:cs typeface="+mn-cs"/>
+              </a:defRPr>
+            </a:lvl9pPr>
+          </a:lstStyle>
+          <a:p>
+            <a:pPr marL="285750" indent="-285750">
+              <a:buFont typeface="Arial" panose="020B0604020202020204" pitchFamily="34" charset="0"/>
+              <a:buChar char="•"/>
+            </a:pPr>
+            <a:r>
+              <a:rPr lang="en-US" sz="2000" dirty="0" smtClean="0"/>
+              <a:t>Heavy</a:t>
+            </a:r>
+          </a:p>
+          <a:p>
+            <a:pPr marL="285750" indent="-285750">
+              <a:buFont typeface="Arial" panose="020B0604020202020204" pitchFamily="34" charset="0"/>
+              <a:buChar char="•"/>
+            </a:pPr>
+            <a:r>
+              <a:rPr lang="en-US" sz="2000" dirty="0" smtClean="0"/>
+              <a:t>Not server-side compatible</a:t>
+            </a:r>
+            <a:endParaRPr lang="en-US" sz="2000" dirty="0"/>
+          </a:p>
+        </p:txBody>
+      </p:sp>
+      <p:sp>
+        <p:nvSpPr>
+          <p:cNvPr id="6" name="Vertical Text Placeholder 11"/>
+          <p:cNvSpPr txBox="1">
+            <a:spLocks/>
+          </p:cNvSpPr>
+          <p:nvPr/>
+        </p:nvSpPr>
+        <p:spPr>
+          <a:xfrm>
+            <a:off x="5447321" y="529472"/>
+            <a:ext cx="6384795" cy="6025564"/>
+          </a:xfrm>
+          <a:prstGeom prst="rect">
+            <a:avLst/>
+          </a:prstGeom>
+        </p:spPr>
+        <p:txBody>
+          <a:bodyPr vert="horz" lIns="0" tIns="0" rIns="0" bIns="0" numCol="1" spcCol="384048" rtlCol="0" anchor="t" anchorCtr="0">
+            <a:noAutofit/>
+          </a:bodyPr>
+          <a:lstStyle>
+            <a:lvl1pPr marL="0" indent="0" algn="l" defTabSz="457200" rtl="0" eaLnBrk="1" latinLnBrk="0" hangingPunct="1">
+              <a:lnSpc>
+                <a:spcPct val="150000"/>
+              </a:lnSpc>
+              <a:spcBef>
+                <a:spcPts val="0"/>
+              </a:spcBef>
+              <a:spcAft>
+                <a:spcPts val="0"/>
+              </a:spcAft>
+              <a:buFontTx/>
+              <a:buNone/>
+              <a:defRPr sz="1100" b="0" i="0" kern="1200">
+                <a:solidFill>
+                  <a:schemeClr val="tx1"/>
+                </a:solidFill>
+                <a:latin typeface="Gotham Book"/>
+                <a:ea typeface="+mn-ea"/>
+                <a:cs typeface="Gotham Book"/>
+              </a:defRPr>
+            </a:lvl1pPr>
+            <a:lvl2pPr marL="177800" indent="-177800" algn="l" defTabSz="457200" rtl="0" eaLnBrk="1" latinLnBrk="0" hangingPunct="1">
+              <a:lnSpc>
+                <a:spcPct val="150000"/>
+              </a:lnSpc>
+              <a:spcBef>
+                <a:spcPts val="0"/>
+              </a:spcBef>
+              <a:spcAft>
+                <a:spcPts val="0"/>
+              </a:spcAft>
+              <a:buClr>
+                <a:schemeClr val="accent1">
+                  <a:lumMod val="50000"/>
+                </a:schemeClr>
+              </a:buClr>
+              <a:buFont typeface="Wingdings" charset="2"/>
+              <a:buChar char="§"/>
+              <a:defRPr sz="1100" b="0" i="0" kern="1200">
+                <a:solidFill>
+                  <a:schemeClr val="tx1"/>
+                </a:solidFill>
+                <a:latin typeface="Gotham Book"/>
+                <a:ea typeface="+mn-ea"/>
+                <a:cs typeface="Gotham Book"/>
+              </a:defRPr>
+            </a:lvl2pPr>
+            <a:lvl3pPr marL="342900" indent="-165100" algn="l" defTabSz="457200" rtl="0" eaLnBrk="1" latinLnBrk="0" hangingPunct="1">
+              <a:lnSpc>
+                <a:spcPct val="150000"/>
+              </a:lnSpc>
+              <a:spcBef>
+                <a:spcPts val="0"/>
+              </a:spcBef>
+              <a:spcAft>
+                <a:spcPts val="0"/>
+              </a:spcAft>
+              <a:buClr>
+                <a:schemeClr val="accent1">
+                  <a:lumMod val="50000"/>
+                </a:schemeClr>
+              </a:buClr>
+              <a:buFont typeface="Wingdings" charset="2"/>
+              <a:buChar char="§"/>
+              <a:defRPr sz="1100" b="0" i="0" kern="1200" baseline="0">
+                <a:solidFill>
+                  <a:schemeClr val="tx1"/>
+                </a:solidFill>
+                <a:latin typeface="Gotham Book"/>
+                <a:ea typeface="+mn-ea"/>
+                <a:cs typeface="Gotham Book"/>
+              </a:defRPr>
+            </a:lvl3pPr>
+            <a:lvl4pPr marL="520700" indent="-177800" algn="l" defTabSz="457200" rtl="0" eaLnBrk="1" latinLnBrk="0" hangingPunct="1">
+              <a:lnSpc>
+                <a:spcPct val="150000"/>
+              </a:lnSpc>
+              <a:spcBef>
+                <a:spcPts val="0"/>
+              </a:spcBef>
+              <a:spcAft>
+                <a:spcPts val="0"/>
+              </a:spcAft>
+              <a:buClr>
+                <a:schemeClr val="accent1">
+                  <a:lumMod val="50000"/>
+                </a:schemeClr>
+              </a:buClr>
+              <a:buFont typeface="Wingdings" charset="2"/>
+              <a:buChar char="§"/>
+              <a:defRPr sz="1100" b="0" i="0" kern="1200">
+                <a:solidFill>
+                  <a:schemeClr val="tx1"/>
+                </a:solidFill>
+                <a:latin typeface="Gotham Book"/>
+                <a:ea typeface="+mn-ea"/>
+                <a:cs typeface="Gotham Book"/>
+              </a:defRPr>
+            </a:lvl4pPr>
+            <a:lvl5pPr marL="692150" indent="-171450" algn="l" defTabSz="457200" rtl="0" eaLnBrk="1" latinLnBrk="0" hangingPunct="1">
+              <a:lnSpc>
+                <a:spcPct val="150000"/>
+              </a:lnSpc>
+              <a:spcBef>
+                <a:spcPts val="0"/>
+              </a:spcBef>
+              <a:spcAft>
+                <a:spcPts val="250"/>
+              </a:spcAft>
+              <a:buClr>
+                <a:schemeClr val="accent1">
+                  <a:lumMod val="50000"/>
+                </a:schemeClr>
+              </a:buClr>
+              <a:buFont typeface="Wingdings" charset="2"/>
+              <a:buChar char="§"/>
+              <a:defRPr sz="1100" b="0" i="0" kern="1200">
+                <a:solidFill>
+                  <a:schemeClr val="tx1"/>
+                </a:solidFill>
+                <a:latin typeface="Gotham Book"/>
+                <a:ea typeface="+mn-ea"/>
+                <a:cs typeface="Gotham Book"/>
+              </a:defRPr>
+            </a:lvl5pPr>
+            <a:lvl6pPr marL="685800" indent="-165100" algn="l" defTabSz="457200" rtl="0" eaLnBrk="1" latinLnBrk="0" hangingPunct="1">
+              <a:lnSpc>
+                <a:spcPct val="150000"/>
+              </a:lnSpc>
+              <a:spcBef>
+                <a:spcPts val="0"/>
+              </a:spcBef>
+              <a:spcAft>
+                <a:spcPts val="0"/>
+              </a:spcAft>
+              <a:buClr>
+                <a:schemeClr val="accent1">
+                  <a:lumMod val="50000"/>
+                </a:schemeClr>
+              </a:buClr>
+              <a:buFont typeface="Wingdings" charset="2"/>
+              <a:buChar char="§"/>
+              <a:defRPr sz="1100" b="0" i="0" kern="1200">
+                <a:solidFill>
+                  <a:schemeClr val="tx1"/>
+                </a:solidFill>
+                <a:latin typeface="Gotham Book"/>
+                <a:ea typeface="+mn-ea"/>
+                <a:cs typeface="Gotham Book"/>
+              </a:defRPr>
+            </a:lvl6pPr>
+            <a:lvl7pPr marL="2971800" indent="-228600" algn="l" defTabSz="457200" rtl="0" eaLnBrk="1" latinLnBrk="0" hangingPunct="1">
+              <a:spcBef>
+                <a:spcPct val="20000"/>
+              </a:spcBef>
+              <a:buFont typeface="Arial"/>
+              <a:buChar char="•"/>
+              <a:defRPr sz="2000" kern="1200">
+                <a:solidFill>
+                  <a:schemeClr val="tx1"/>
+                </a:solidFill>
+                <a:latin typeface="+mn-lt"/>
+                <a:ea typeface="+mn-ea"/>
+                <a:cs typeface="+mn-cs"/>
+              </a:defRPr>
+            </a:lvl7pPr>
+            <a:lvl8pPr marL="3429000" indent="-228600" algn="l" defTabSz="457200" rtl="0" eaLnBrk="1" latinLnBrk="0" hangingPunct="1">
+              <a:spcBef>
+                <a:spcPct val="20000"/>
+              </a:spcBef>
+              <a:buFont typeface="Arial"/>
+              <a:buChar char="•"/>
+              <a:defRPr sz="2000" kern="1200">
+                <a:solidFill>
+                  <a:schemeClr val="tx1"/>
+                </a:solidFill>
+                <a:latin typeface="+mn-lt"/>
+                <a:ea typeface="+mn-ea"/>
+                <a:cs typeface="+mn-cs"/>
+              </a:defRPr>
+            </a:lvl8pPr>
+            <a:lvl9pPr marL="3886200" indent="-228600" algn="l" defTabSz="457200" rtl="0" eaLnBrk="1" latinLnBrk="0" hangingPunct="1">
+              <a:spcBef>
+                <a:spcPct val="20000"/>
+              </a:spcBef>
+              <a:buFont typeface="Arial"/>
+              <a:buChar char="•"/>
+              <a:defRPr sz="2000" kern="1200">
+                <a:solidFill>
+                  <a:schemeClr val="tx1"/>
+                </a:solidFill>
+                <a:latin typeface="+mn-lt"/>
+                <a:ea typeface="+mn-ea"/>
+                <a:cs typeface="+mn-cs"/>
+              </a:defRPr>
+            </a:lvl9pPr>
+          </a:lstStyle>
+          <a:p>
+            <a:endParaRPr lang="en-US" sz="1400" dirty="0"/>
+          </a:p>
+        </p:txBody>
+      </p:sp>
+      <p:sp>
+        <p:nvSpPr>
+          <p:cNvPr id="2" name="Rectangle 1"/>
+          <p:cNvSpPr/>
+          <p:nvPr/>
+        </p:nvSpPr>
+        <p:spPr>
+          <a:xfrm>
+            <a:off x="5435316" y="1203761"/>
+            <a:ext cx="2804313" cy="5509200"/>
+          </a:xfrm>
+          <a:prstGeom prst="rect">
+            <a:avLst/>
+          </a:prstGeom>
+        </p:spPr>
+        <p:txBody>
+          <a:bodyPr wrap="square">
             <a:spAutoFit/>
           </a:bodyPr>
           <a:lstStyle/>
           <a:p>
             <a:r>
+              <a:rPr lang="en-US" sz="1100" b="1" dirty="0"/>
+              <a:t>"dependencies": {</a:t>
+            </a:r>
+          </a:p>
+          <a:p>
+            <a:r>
+              <a:rPr lang="en-US" sz="1100" b="1" dirty="0"/>
+              <a:t>    "</a:t>
+            </a:r>
+            <a:r>
+              <a:rPr lang="en-US" sz="1100" b="1" dirty="0" err="1"/>
+              <a:t>async</a:t>
+            </a:r>
+            <a:r>
+              <a:rPr lang="en-US" sz="1100" b="1" dirty="0"/>
+              <a:t>": "^1.0.0",</a:t>
+            </a:r>
+          </a:p>
+          <a:p>
+            <a:r>
+              <a:rPr lang="en-US" sz="1100" b="1" dirty="0"/>
+              <a:t>    "chalk": "^1.0.0",</a:t>
+            </a:r>
+          </a:p>
+          <a:p>
+            <a:r>
+              <a:rPr lang="en-US" sz="1100" b="1" dirty="0"/>
+              <a:t>    "cli-list": "^0.1.1",</a:t>
+            </a:r>
+          </a:p>
+          <a:p>
+            <a:r>
+              <a:rPr lang="en-US" sz="1100" b="1" dirty="0"/>
+              <a:t>    "</a:t>
+            </a:r>
+            <a:r>
+              <a:rPr lang="en-US" sz="1100" b="1" dirty="0" err="1"/>
+              <a:t>configstore</a:t>
+            </a:r>
+            <a:r>
+              <a:rPr lang="en-US" sz="1100" b="1" dirty="0"/>
+              <a:t>": "^1.0.0",</a:t>
+            </a:r>
+          </a:p>
+          <a:p>
+            <a:r>
+              <a:rPr lang="en-US" sz="1100" b="1" dirty="0"/>
+              <a:t>    "cross-spawn": "^3.0.1",</a:t>
+            </a:r>
+          </a:p>
+          <a:p>
+            <a:r>
+              <a:rPr lang="en-US" sz="1100" b="1" dirty="0"/>
+              <a:t>    "figures": "^1.3.5",</a:t>
+            </a:r>
+          </a:p>
+          <a:p>
+            <a:r>
+              <a:rPr lang="en-US" sz="1100" b="1" dirty="0"/>
+              <a:t>    "</a:t>
+            </a:r>
+            <a:r>
+              <a:rPr lang="en-US" sz="1100" b="1" dirty="0" err="1"/>
+              <a:t>fullname</a:t>
+            </a:r>
+            <a:r>
+              <a:rPr lang="en-US" sz="1100" b="1" dirty="0"/>
+              <a:t>": "^2.0.0",</a:t>
+            </a:r>
+          </a:p>
+          <a:p>
+            <a:r>
+              <a:rPr lang="en-US" sz="1100" b="1" dirty="0"/>
+              <a:t>    "got": "^5.0.0",</a:t>
+            </a:r>
+          </a:p>
+          <a:p>
+            <a:r>
+              <a:rPr lang="en-US" sz="1100" b="1" dirty="0"/>
+              <a:t>    "humanize-string": "^1.0.0",</a:t>
+            </a:r>
+          </a:p>
+          <a:p>
+            <a:r>
+              <a:rPr lang="en-US" sz="1100" b="1" dirty="0"/>
+              <a:t>    "inquirer": "^0.11.0",</a:t>
+            </a:r>
+          </a:p>
+          <a:p>
+            <a:r>
+              <a:rPr lang="en-US" sz="1100" b="1" dirty="0"/>
+              <a:t>    "insight": "^0.7.0",</a:t>
+            </a:r>
+          </a:p>
+          <a:p>
+            <a:r>
+              <a:rPr lang="en-US" sz="1100" b="1" dirty="0"/>
+              <a:t>    "</a:t>
+            </a:r>
+            <a:r>
+              <a:rPr lang="en-US" sz="1100" b="1" dirty="0" err="1"/>
+              <a:t>lodash</a:t>
+            </a:r>
+            <a:r>
+              <a:rPr lang="en-US" sz="1100" b="1" dirty="0"/>
+              <a:t>": "^3.2.0",</a:t>
+            </a:r>
+          </a:p>
+          <a:p>
+            <a:r>
+              <a:rPr lang="en-US" sz="1100" b="1" dirty="0"/>
+              <a:t>    "meow": "^3.0.0",</a:t>
+            </a:r>
+          </a:p>
+          <a:p>
+            <a:r>
+              <a:rPr lang="en-US" sz="1100" b="1" dirty="0"/>
+              <a:t>    "</a:t>
+            </a:r>
+            <a:r>
+              <a:rPr lang="en-US" sz="1100" b="1" dirty="0" err="1"/>
+              <a:t>npm</a:t>
+            </a:r>
+            <a:r>
+              <a:rPr lang="en-US" sz="1100" b="1" dirty="0"/>
+              <a:t>-keyword": "^4.1.0",</a:t>
+            </a:r>
+          </a:p>
+          <a:p>
+            <a:r>
+              <a:rPr lang="en-US" sz="1100" b="1" dirty="0"/>
+              <a:t>    "</a:t>
+            </a:r>
+            <a:r>
+              <a:rPr lang="en-US" sz="1100" b="1" dirty="0" err="1"/>
+              <a:t>opn</a:t>
+            </a:r>
+            <a:r>
+              <a:rPr lang="en-US" sz="1100" b="1" dirty="0"/>
+              <a:t>": "^3.0.2",</a:t>
+            </a:r>
+          </a:p>
+          <a:p>
+            <a:r>
+              <a:rPr lang="en-US" sz="1100" b="1" dirty="0"/>
+              <a:t>    "package-</a:t>
+            </a:r>
+            <a:r>
+              <a:rPr lang="en-US" sz="1100" b="1" dirty="0" err="1"/>
+              <a:t>json</a:t>
+            </a:r>
+            <a:r>
+              <a:rPr lang="en-US" sz="1100" b="1" dirty="0"/>
+              <a:t>": "^2.1.0",</a:t>
+            </a:r>
+          </a:p>
+          <a:p>
+            <a:r>
+              <a:rPr lang="en-US" sz="1100" b="1" dirty="0"/>
+              <a:t>    "parse-help": "^0.1.1",</a:t>
+            </a:r>
+          </a:p>
+          <a:p>
+            <a:r>
+              <a:rPr lang="en-US" sz="1100" b="1" dirty="0"/>
+              <a:t>    "read-</a:t>
+            </a:r>
+            <a:r>
+              <a:rPr lang="en-US" sz="1100" b="1" dirty="0" err="1"/>
+              <a:t>pkg</a:t>
+            </a:r>
+            <a:r>
+              <a:rPr lang="en-US" sz="1100" b="1" dirty="0"/>
+              <a:t>-up": "^1.0.1",</a:t>
+            </a:r>
+          </a:p>
+          <a:p>
+            <a:r>
+              <a:rPr lang="en-US" sz="1100" b="1" dirty="0"/>
+              <a:t>    "repeating": "^2.0.0",</a:t>
+            </a:r>
+          </a:p>
+          <a:p>
+            <a:r>
+              <a:rPr lang="en-US" sz="1100" b="1" dirty="0"/>
+              <a:t>    "root-check": "^1.0.0",</a:t>
+            </a:r>
+          </a:p>
+          <a:p>
+            <a:r>
+              <a:rPr lang="en-US" sz="1100" b="1" dirty="0"/>
+              <a:t>    "sort-on": "^1.0.0",</a:t>
+            </a:r>
+          </a:p>
+          <a:p>
+            <a:r>
+              <a:rPr lang="en-US" sz="1100" b="1" dirty="0"/>
+              <a:t>    "string-length": "^1.0.0",</a:t>
+            </a:r>
+          </a:p>
+          <a:p>
+            <a:r>
+              <a:rPr lang="en-US" sz="1100" b="1" dirty="0"/>
+              <a:t>    "</a:t>
+            </a:r>
+            <a:r>
+              <a:rPr lang="en-US" sz="1100" b="1" dirty="0" err="1"/>
+              <a:t>tabtab</a:t>
+            </a:r>
+            <a:r>
+              <a:rPr lang="en-US" sz="1100" b="1" dirty="0"/>
+              <a:t>": "^1.3.0",</a:t>
+            </a:r>
+          </a:p>
+          <a:p>
+            <a:r>
+              <a:rPr lang="en-US" sz="1100" b="1" dirty="0"/>
+              <a:t>    "</a:t>
+            </a:r>
+            <a:r>
+              <a:rPr lang="en-US" sz="1100" b="1" dirty="0" err="1"/>
+              <a:t>titleize</a:t>
+            </a:r>
+            <a:r>
+              <a:rPr lang="en-US" sz="1100" b="1" dirty="0"/>
+              <a:t>": "^1.0.0",</a:t>
+            </a:r>
+          </a:p>
+          <a:p>
+            <a:r>
+              <a:rPr lang="en-US" sz="1100" b="1" dirty="0"/>
+              <a:t>    "update-</a:t>
+            </a:r>
+            <a:r>
+              <a:rPr lang="en-US" sz="1100" b="1" dirty="0" err="1"/>
+              <a:t>notifier</a:t>
+            </a:r>
+            <a:r>
+              <a:rPr lang="en-US" sz="1100" b="1" dirty="0"/>
+              <a:t>": "^0.6.0",</a:t>
+            </a:r>
+          </a:p>
+          <a:p>
+            <a:r>
+              <a:rPr lang="en-US" sz="1100" b="1" dirty="0"/>
+              <a:t>    "user-home": "^2.0.0",</a:t>
+            </a:r>
+          </a:p>
+          <a:p>
+            <a:r>
+              <a:rPr lang="en-US" sz="1100" b="1" dirty="0"/>
+              <a:t>    "yeoman-character": "^1.0.0",</a:t>
+            </a:r>
+          </a:p>
+          <a:p>
+            <a:r>
+              <a:rPr lang="en-US" sz="1100" b="1" dirty="0"/>
+              <a:t>    "yeoman-doctor": "^2.0.0",</a:t>
+            </a:r>
+          </a:p>
+          <a:p>
+            <a:r>
+              <a:rPr lang="en-US" sz="1100" b="1" dirty="0"/>
+              <a:t>    "yeoman-environment": "^1.6.1",</a:t>
+            </a:r>
+          </a:p>
+          <a:p>
+            <a:r>
+              <a:rPr lang="en-US" sz="1100" b="1" dirty="0"/>
+              <a:t>    "</a:t>
+            </a:r>
+            <a:r>
+              <a:rPr lang="en-US" sz="1100" b="1" dirty="0" err="1"/>
+              <a:t>yosay</a:t>
+            </a:r>
+            <a:r>
+              <a:rPr lang="en-US" sz="1100" b="1" dirty="0"/>
+              <a:t>": "^1.0.0"</a:t>
+            </a:r>
+          </a:p>
+          <a:p>
+            <a:r>
+              <a:rPr lang="en-US" sz="1100" b="1" dirty="0"/>
+              <a:t>  }</a:t>
+            </a:r>
+          </a:p>
+        </p:txBody>
+      </p:sp>
+      <p:sp>
+        <p:nvSpPr>
+          <p:cNvPr id="10" name="Rectangle 9"/>
+          <p:cNvSpPr/>
+          <p:nvPr/>
+        </p:nvSpPr>
+        <p:spPr>
+          <a:xfrm>
+            <a:off x="8465310" y="1200732"/>
+            <a:ext cx="3141124" cy="2970044"/>
+          </a:xfrm>
+          <a:prstGeom prst="rect">
+            <a:avLst/>
+          </a:prstGeom>
+        </p:spPr>
+        <p:txBody>
+          <a:bodyPr wrap="square">
+            <a:spAutoFit/>
+          </a:bodyPr>
+          <a:lstStyle/>
+          <a:p>
+            <a:r>
+              <a:rPr lang="en-US" sz="1100" b="1" dirty="0"/>
+              <a:t>"</a:t>
+            </a:r>
+            <a:r>
+              <a:rPr lang="en-US" sz="1100" b="1" dirty="0" err="1"/>
+              <a:t>devDependencies</a:t>
+            </a:r>
+            <a:r>
+              <a:rPr lang="en-US" sz="1100" b="1" dirty="0"/>
+              <a:t>": {</a:t>
+            </a:r>
+          </a:p>
+          <a:p>
+            <a:r>
+              <a:rPr lang="en-US" sz="1100" b="1" dirty="0"/>
+              <a:t>    "gulp": "^3.6.0",</a:t>
+            </a:r>
+          </a:p>
+          <a:p>
+            <a:r>
+              <a:rPr lang="en-US" sz="1100" b="1" dirty="0"/>
+              <a:t>    "gulp-coveralls": "^0.1.0",</a:t>
+            </a:r>
+          </a:p>
+          <a:p>
+            <a:r>
+              <a:rPr lang="en-US" sz="1100" b="1" dirty="0"/>
+              <a:t>    "gulp-</a:t>
+            </a:r>
+            <a:r>
+              <a:rPr lang="en-US" sz="1100" b="1" dirty="0" err="1"/>
+              <a:t>eslint</a:t>
+            </a:r>
+            <a:r>
+              <a:rPr lang="en-US" sz="1100" b="1" dirty="0"/>
+              <a:t>": "^2.0.0",</a:t>
+            </a:r>
+          </a:p>
+          <a:p>
+            <a:r>
+              <a:rPr lang="en-US" sz="1100" b="1" dirty="0"/>
+              <a:t>    "gulp-exclude-</a:t>
+            </a:r>
+            <a:r>
+              <a:rPr lang="en-US" sz="1100" b="1" dirty="0" err="1"/>
+              <a:t>gitignore</a:t>
+            </a:r>
+            <a:r>
+              <a:rPr lang="en-US" sz="1100" b="1" dirty="0"/>
+              <a:t>": "^1.0.0",</a:t>
+            </a:r>
+          </a:p>
+          <a:p>
+            <a:r>
+              <a:rPr lang="en-US" sz="1100" b="1" dirty="0"/>
+              <a:t>    "gulp-</a:t>
+            </a:r>
+            <a:r>
+              <a:rPr lang="en-US" sz="1100" b="1" dirty="0" err="1"/>
+              <a:t>istanbul</a:t>
+            </a:r>
+            <a:r>
+              <a:rPr lang="en-US" sz="1100" b="1" dirty="0"/>
+              <a:t>": "^0.10.4",</a:t>
+            </a:r>
+          </a:p>
+          <a:p>
+            <a:r>
+              <a:rPr lang="en-US" sz="1100" b="1" dirty="0"/>
+              <a:t>    "gulp-mocha": "^2.0.0",</a:t>
+            </a:r>
+          </a:p>
+          <a:p>
+            <a:r>
+              <a:rPr lang="en-US" sz="1100" b="1" dirty="0"/>
+              <a:t>    "gulp-</a:t>
+            </a:r>
+            <a:r>
+              <a:rPr lang="en-US" sz="1100" b="1" dirty="0" err="1"/>
+              <a:t>nsp</a:t>
+            </a:r>
+            <a:r>
+              <a:rPr lang="en-US" sz="1100" b="1" dirty="0"/>
+              <a:t>": "^2.1.0",</a:t>
+            </a:r>
+          </a:p>
+          <a:p>
+            <a:r>
+              <a:rPr lang="en-US" sz="1100" b="1" dirty="0"/>
+              <a:t>    "gulp-plumber": "^1.0.0",</a:t>
+            </a:r>
+          </a:p>
+          <a:p>
+            <a:r>
+              <a:rPr lang="en-US" sz="1100" b="1" dirty="0"/>
+              <a:t>    "mocha": "^2.1.0",</a:t>
+            </a:r>
+          </a:p>
+          <a:p>
+            <a:r>
+              <a:rPr lang="en-US" sz="1100" b="1" dirty="0"/>
+              <a:t>    "mockery": "^1.4.0",</a:t>
+            </a:r>
+          </a:p>
+          <a:p>
+            <a:r>
+              <a:rPr lang="en-US" sz="1100" b="1" dirty="0"/>
+              <a:t>    "nock": "^8.0.0",</a:t>
+            </a:r>
+          </a:p>
+          <a:p>
+            <a:r>
+              <a:rPr lang="en-US" sz="1100" b="1" dirty="0"/>
+              <a:t>    "</a:t>
+            </a:r>
+            <a:r>
+              <a:rPr lang="en-US" sz="1100" b="1" dirty="0" err="1"/>
+              <a:t>nsp</a:t>
+            </a:r>
+            <a:r>
+              <a:rPr lang="en-US" sz="1100" b="1" dirty="0"/>
+              <a:t>": "^2.2.0",</a:t>
+            </a:r>
+          </a:p>
+          <a:p>
+            <a:r>
+              <a:rPr lang="en-US" sz="1100" b="1" dirty="0"/>
+              <a:t>    "</a:t>
+            </a:r>
+            <a:r>
+              <a:rPr lang="en-US" sz="1100" b="1" dirty="0" err="1"/>
+              <a:t>proxyquire</a:t>
+            </a:r>
+            <a:r>
+              <a:rPr lang="en-US" sz="1100" b="1" dirty="0"/>
+              <a:t>": "^1.0.1",</a:t>
+            </a:r>
+          </a:p>
+          <a:p>
+            <a:r>
+              <a:rPr lang="en-US" sz="1100" b="1" dirty="0"/>
+              <a:t>    "registry-</a:t>
+            </a:r>
+            <a:r>
+              <a:rPr lang="en-US" sz="1100" b="1" dirty="0" err="1"/>
+              <a:t>url</a:t>
+            </a:r>
+            <a:r>
+              <a:rPr lang="en-US" sz="1100" b="1" dirty="0"/>
+              <a:t>": "^3.0.0",</a:t>
+            </a:r>
+          </a:p>
+          <a:p>
+            <a:r>
+              <a:rPr lang="en-US" sz="1100" b="1" dirty="0"/>
+              <a:t>    "</a:t>
+            </a:r>
+            <a:r>
+              <a:rPr lang="en-US" sz="1100" b="1" dirty="0" err="1"/>
+              <a:t>sinon</a:t>
+            </a:r>
+            <a:r>
+              <a:rPr lang="en-US" sz="1100" b="1" dirty="0"/>
+              <a:t>": "^1.12.1"</a:t>
+            </a:r>
+          </a:p>
+          <a:p>
+            <a:r>
+              <a:rPr lang="en-US" sz="1100" b="1" dirty="0"/>
+              <a:t>  }</a:t>
+            </a:r>
+          </a:p>
+        </p:txBody>
+      </p:sp>
+      <p:sp>
+        <p:nvSpPr>
+          <p:cNvPr id="11" name="Title 8"/>
+          <p:cNvSpPr txBox="1">
+            <a:spLocks/>
+          </p:cNvSpPr>
+          <p:nvPr/>
+        </p:nvSpPr>
+        <p:spPr>
+          <a:xfrm>
+            <a:off x="5733761" y="307814"/>
+            <a:ext cx="5558528" cy="429802"/>
+          </a:xfrm>
+          <a:prstGeom prst="rect">
+            <a:avLst/>
+          </a:prstGeom>
+        </p:spPr>
+        <p:txBody>
+          <a:bodyPr vert="horz" lIns="0" tIns="0" rIns="0" bIns="0" rtlCol="0" anchor="t" anchorCtr="0">
+            <a:noAutofit/>
+          </a:bodyPr>
+          <a:lstStyle>
+            <a:lvl1pPr algn="l" defTabSz="457200" rtl="0" eaLnBrk="1" latinLnBrk="0" hangingPunct="1">
+              <a:lnSpc>
+                <a:spcPct val="110000"/>
+              </a:lnSpc>
+              <a:spcBef>
+                <a:spcPct val="0"/>
+              </a:spcBef>
+              <a:buNone/>
+              <a:defRPr sz="2100" kern="1200" spc="30" baseline="0">
+                <a:solidFill>
+                  <a:schemeClr val="tx1"/>
+                </a:solidFill>
+                <a:latin typeface="MillerDisplay"/>
+                <a:ea typeface="+mj-ea"/>
+                <a:cs typeface="+mj-cs"/>
+              </a:defRPr>
+            </a:lvl1pPr>
+          </a:lstStyle>
+          <a:p>
+            <a:r>
+              <a:rPr lang="en-US" sz="3600" dirty="0" smtClean="0"/>
+              <a:t>Snapshot of </a:t>
+            </a:r>
+            <a:r>
+              <a:rPr lang="en-US" sz="3600" dirty="0" err="1" smtClean="0"/>
+              <a:t>package.json</a:t>
+            </a:r>
+            <a:endParaRPr lang="en-US" sz="3600" dirty="0"/>
+          </a:p>
+        </p:txBody>
+      </p:sp>
+      <p:sp>
+        <p:nvSpPr>
+          <p:cNvPr id="13" name="Title 8"/>
+          <p:cNvSpPr txBox="1">
+            <a:spLocks/>
+          </p:cNvSpPr>
+          <p:nvPr/>
+        </p:nvSpPr>
+        <p:spPr>
+          <a:xfrm>
+            <a:off x="8404553" y="4537213"/>
+            <a:ext cx="2423160" cy="375667"/>
+          </a:xfrm>
+          <a:prstGeom prst="rect">
+            <a:avLst/>
+          </a:prstGeom>
+        </p:spPr>
+        <p:txBody>
+          <a:bodyPr vert="horz" lIns="0" tIns="0" rIns="0" bIns="0" rtlCol="0" anchor="t" anchorCtr="0">
+            <a:noAutofit/>
+          </a:bodyPr>
+          <a:lstStyle>
+            <a:lvl1pPr algn="l" defTabSz="457200" rtl="0" eaLnBrk="1" latinLnBrk="0" hangingPunct="1">
+              <a:lnSpc>
+                <a:spcPct val="110000"/>
+              </a:lnSpc>
+              <a:spcBef>
+                <a:spcPct val="0"/>
+              </a:spcBef>
+              <a:buNone/>
+              <a:defRPr sz="2100" kern="1200" spc="30" baseline="0">
+                <a:solidFill>
+                  <a:schemeClr val="tx1"/>
+                </a:solidFill>
+                <a:latin typeface="MillerDisplay"/>
+                <a:ea typeface="+mj-ea"/>
+                <a:cs typeface="+mj-cs"/>
+              </a:defRPr>
+            </a:lvl1pPr>
+          </a:lstStyle>
+          <a:p>
+            <a:r>
               <a:rPr lang="en-US" dirty="0" smtClean="0">
                 <a:solidFill>
-                  <a:srgbClr val="333333"/>
-                </a:solidFill>
-                <a:latin typeface="proxima-regular1"/>
+                  <a:srgbClr val="FF0000"/>
+                </a:solidFill>
               </a:rPr>
-              <a:t>Reach out to us - </a:t>
-            </a:r>
-            <a:endParaRPr lang="en-US" dirty="0"/>
+              <a:t>30 + 15 = 45!!!!!! </a:t>
+            </a:r>
+            <a:endParaRPr lang="en-US" dirty="0">
+              <a:solidFill>
+                <a:srgbClr val="FF0000"/>
+              </a:solidFill>
+            </a:endParaRPr>
           </a:p>
         </p:txBody>
       </p:sp>
@@ -18405,121 +20141,46 @@
         </p:nvSpPr>
         <p:spPr>
           <a:xfrm>
-            <a:off x="7949428" y="3919157"/>
-            <a:ext cx="2470548" cy="646331"/>
+            <a:off x="5595417" y="2906660"/>
+            <a:ext cx="1817783" cy="198304"/>
           </a:xfrm>
           <a:prstGeom prst="rect">
             <a:avLst/>
           </a:prstGeom>
+          <a:noFill/>
+          <a:ln>
+            <a:solidFill>
+              <a:schemeClr val="accent2"/>
+            </a:solidFill>
+          </a:ln>
         </p:spPr>
+        <p:style>
+          <a:lnRef idx="1">
+            <a:schemeClr val="accent1"/>
+          </a:lnRef>
+          <a:fillRef idx="3">
+            <a:schemeClr val="accent1"/>
+          </a:fillRef>
+          <a:effectRef idx="2">
+            <a:schemeClr val="accent1"/>
+          </a:effectRef>
+          <a:fontRef idx="minor">
+            <a:schemeClr val="lt1"/>
+          </a:fontRef>
+        </p:style>
         <p:txBody>
-          <a:bodyPr wrap="none">
-            <a:spAutoFit/>
-          </a:bodyPr>
+          <a:bodyPr rtlCol="0" anchor="ctr"/>
           <a:lstStyle/>
           <a:p>
-            <a:r>
-              <a:rPr lang="en-US" dirty="0" smtClean="0">
-                <a:solidFill>
-                  <a:srgbClr val="333333"/>
-                </a:solidFill>
-                <a:latin typeface="proxima-regular1"/>
-              </a:rPr>
-              <a:t>Ayan Dalal</a:t>
-            </a:r>
-          </a:p>
-          <a:p>
-            <a:r>
-              <a:rPr lang="en-US" dirty="0" smtClean="0">
-                <a:solidFill>
-                  <a:srgbClr val="333333"/>
-                </a:solidFill>
-                <a:latin typeface="proxima-regular1"/>
-                <a:hlinkClick r:id="rId2"/>
-              </a:rPr>
-              <a:t>adalal4@sapient.com</a:t>
-            </a:r>
-            <a:r>
-              <a:rPr lang="en-US" dirty="0" smtClean="0">
-                <a:solidFill>
-                  <a:srgbClr val="333333"/>
-                </a:solidFill>
-                <a:latin typeface="proxima-regular1"/>
-              </a:rPr>
-              <a:t> </a:t>
-            </a:r>
-            <a:endParaRPr lang="en-US" dirty="0"/>
-          </a:p>
-        </p:txBody>
-      </p:sp>
-      <p:sp>
-        <p:nvSpPr>
-          <p:cNvPr id="5" name="Rectangle 4"/>
-          <p:cNvSpPr/>
-          <p:nvPr/>
-        </p:nvSpPr>
-        <p:spPr>
-          <a:xfrm>
-            <a:off x="1176913" y="3922168"/>
-            <a:ext cx="2624436" cy="646331"/>
-          </a:xfrm>
-          <a:prstGeom prst="rect">
-            <a:avLst/>
-          </a:prstGeom>
-        </p:spPr>
-        <p:txBody>
-          <a:bodyPr wrap="none">
-            <a:spAutoFit/>
-          </a:bodyPr>
-          <a:lstStyle/>
-          <a:p>
-            <a:r>
-              <a:rPr lang="en-US" dirty="0" err="1" smtClean="0">
-                <a:solidFill>
-                  <a:srgbClr val="333333"/>
-                </a:solidFill>
-                <a:latin typeface="proxima-regular1"/>
-              </a:rPr>
-              <a:t>Arkadyuti</a:t>
-            </a:r>
-            <a:r>
-              <a:rPr lang="en-US" dirty="0" smtClean="0">
-                <a:solidFill>
-                  <a:srgbClr val="333333"/>
-                </a:solidFill>
-                <a:latin typeface="proxima-regular1"/>
-              </a:rPr>
-              <a:t> Sarkar</a:t>
-            </a:r>
-          </a:p>
-          <a:p>
-            <a:r>
-              <a:rPr lang="en-US" dirty="0" smtClean="0">
-                <a:solidFill>
-                  <a:srgbClr val="333333"/>
-                </a:solidFill>
-                <a:latin typeface="proxima-regular1"/>
-                <a:hlinkClick r:id="rId3"/>
-              </a:rPr>
-              <a:t>asarkar2@sapient.com</a:t>
-            </a:r>
-            <a:r>
-              <a:rPr lang="en-US" dirty="0" smtClean="0">
-                <a:solidFill>
-                  <a:srgbClr val="333333"/>
-                </a:solidFill>
-                <a:latin typeface="proxima-regular1"/>
-              </a:rPr>
-              <a:t> </a:t>
-            </a:r>
-            <a:endParaRPr lang="en-US" dirty="0"/>
+            <a:pPr algn="ctr"/>
+            <a:endParaRPr lang="en-US"/>
           </a:p>
         </p:txBody>
       </p:sp>
     </p:spTree>
     <p:extLst>
       <p:ext uri="{BB962C8B-B14F-4D97-AF65-F5344CB8AC3E}">
-        <p14:creationId xmlns:p14="http://schemas.microsoft.com/office/powerpoint/2010/main" val="3048438000"/>
+        <p14:creationId xmlns:p14="http://schemas.microsoft.com/office/powerpoint/2010/main" val="686776592"/>
       </p:ext>
     </p:extLst>
   </p:cSld>
@@ -18553,10 +20214,799 @@
           <a:chExt cx="0" cy="0"/>
         </a:xfrm>
       </p:grpSpPr>
+      <p:sp>
+        <p:nvSpPr>
+          <p:cNvPr id="8" name="Title 7"/>
+          <p:cNvSpPr>
+            <a:spLocks noGrp="1"/>
+          </p:cNvSpPr>
+          <p:nvPr>
+            <p:ph type="ctrTitle"/>
+          </p:nvPr>
+        </p:nvSpPr>
+        <p:spPr>
+          <a:xfrm>
+            <a:off x="685800" y="2849769"/>
+            <a:ext cx="10360025" cy="1231106"/>
+          </a:xfrm>
+        </p:spPr>
+        <p:txBody>
+          <a:bodyPr/>
+          <a:lstStyle/>
+          <a:p>
+            <a:pPr algn="ctr"/>
+            <a:r>
+              <a:rPr lang="en-US" sz="4000" dirty="0" smtClean="0"/>
+              <a:t>DEMO</a:t>
+            </a:r>
+            <a:endParaRPr lang="en-US" sz="4000" dirty="0"/>
+          </a:p>
+        </p:txBody>
+      </p:sp>
     </p:spTree>
     <p:extLst>
       <p:ext uri="{BB962C8B-B14F-4D97-AF65-F5344CB8AC3E}">
-        <p14:creationId xmlns:p14="http://schemas.microsoft.com/office/powerpoint/2010/main" val="1803116615"/>
+        <p14:creationId xmlns:p14="http://schemas.microsoft.com/office/powerpoint/2010/main" val="1140761246"/>
+      </p:ext>
+    </p:extLst>
+  </p:cSld>
+  <p:clrMapOvr>
+    <a:masterClrMapping/>
+  </p:clrMapOvr>
+  <p:timing>
+    <p:tnLst>
+      <p:par>
+        <p:cTn id="1" dur="indefinite" restart="never" nodeType="tmRoot"/>
+      </p:par>
+    </p:tnLst>
+  </p:timing>
+</p:sld>
+</file>
+
+<file path=ppt/slides/slide15.xml><?xml version="1.0" encoding="utf-8"?>
+<p:sld xmlns:a="http://schemas.openxmlformats.org/drawingml/2006/main" xmlns:r="http://schemas.openxmlformats.org/officeDocument/2006/relationships" xmlns:p="http://schemas.openxmlformats.org/presentationml/2006/main">
+  <p:cSld>
+    <p:spTree>
+      <p:nvGrpSpPr>
+        <p:cNvPr id="1" name=""/>
+        <p:cNvGrpSpPr/>
+        <p:nvPr/>
+      </p:nvGrpSpPr>
+      <p:grpSpPr>
+        <a:xfrm>
+          <a:off x="0" y="0"/>
+          <a:ext cx="0" cy="0"/>
+          <a:chOff x="0" y="0"/>
+          <a:chExt cx="0" cy="0"/>
+        </a:xfrm>
+      </p:grpSpPr>
+      <p:sp>
+        <p:nvSpPr>
+          <p:cNvPr id="8" name="Title 7"/>
+          <p:cNvSpPr>
+            <a:spLocks noGrp="1"/>
+          </p:cNvSpPr>
+          <p:nvPr>
+            <p:ph type="ctrTitle"/>
+          </p:nvPr>
+        </p:nvSpPr>
+        <p:spPr>
+          <a:xfrm>
+            <a:off x="685800" y="3041253"/>
+            <a:ext cx="10360025" cy="1231106"/>
+          </a:xfrm>
+        </p:spPr>
+        <p:txBody>
+          <a:bodyPr/>
+          <a:lstStyle/>
+          <a:p>
+            <a:pPr algn="ctr"/>
+            <a:r>
+              <a:rPr lang="en-US" sz="4000" dirty="0" smtClean="0"/>
+              <a:t>CODE-WALK</a:t>
+            </a:r>
+            <a:endParaRPr lang="en-US" sz="4000" dirty="0"/>
+          </a:p>
+        </p:txBody>
+      </p:sp>
+    </p:spTree>
+    <p:extLst>
+      <p:ext uri="{BB962C8B-B14F-4D97-AF65-F5344CB8AC3E}">
+        <p14:creationId xmlns:p14="http://schemas.microsoft.com/office/powerpoint/2010/main" val="1142964917"/>
+      </p:ext>
+    </p:extLst>
+  </p:cSld>
+  <p:clrMapOvr>
+    <a:masterClrMapping/>
+  </p:clrMapOvr>
+  <p:timing>
+    <p:tnLst>
+      <p:par>
+        <p:cTn id="1" dur="indefinite" restart="never" nodeType="tmRoot"/>
+      </p:par>
+    </p:tnLst>
+  </p:timing>
+</p:sld>
+</file>
+
+<file path=ppt/slides/slide16.xml><?xml version="1.0" encoding="utf-8"?>
+<p:sld xmlns:a="http://schemas.openxmlformats.org/drawingml/2006/main" xmlns:r="http://schemas.openxmlformats.org/officeDocument/2006/relationships" xmlns:p="http://schemas.openxmlformats.org/presentationml/2006/main">
+  <p:cSld>
+    <p:spTree>
+      <p:nvGrpSpPr>
+        <p:cNvPr id="1" name=""/>
+        <p:cNvGrpSpPr/>
+        <p:nvPr/>
+      </p:nvGrpSpPr>
+      <p:grpSpPr>
+        <a:xfrm>
+          <a:off x="0" y="0"/>
+          <a:ext cx="0" cy="0"/>
+          <a:chOff x="0" y="0"/>
+          <a:chExt cx="0" cy="0"/>
+        </a:xfrm>
+      </p:grpSpPr>
+      <p:sp>
+        <p:nvSpPr>
+          <p:cNvPr id="8" name="Title 7"/>
+          <p:cNvSpPr>
+            <a:spLocks noGrp="1"/>
+          </p:cNvSpPr>
+          <p:nvPr>
+            <p:ph type="ctrTitle"/>
+          </p:nvPr>
+        </p:nvSpPr>
+        <p:spPr>
+          <a:xfrm>
+            <a:off x="685800" y="994465"/>
+            <a:ext cx="10360025" cy="728317"/>
+          </a:xfrm>
+        </p:spPr>
+        <p:txBody>
+          <a:bodyPr/>
+          <a:lstStyle/>
+          <a:p>
+            <a:pPr algn="ctr"/>
+            <a:r>
+              <a:rPr lang="en-US" sz="4000" dirty="0" smtClean="0"/>
+              <a:t>Repo Details</a:t>
+            </a:r>
+            <a:endParaRPr lang="en-US" sz="4000" dirty="0"/>
+          </a:p>
+        </p:txBody>
+      </p:sp>
+      <p:sp>
+        <p:nvSpPr>
+          <p:cNvPr id="2" name="Rectangle 1"/>
+          <p:cNvSpPr/>
+          <p:nvPr/>
+        </p:nvSpPr>
+        <p:spPr>
+          <a:xfrm>
+            <a:off x="2322444" y="2432853"/>
+            <a:ext cx="7889339" cy="461665"/>
+          </a:xfrm>
+          <a:prstGeom prst="rect">
+            <a:avLst/>
+          </a:prstGeom>
+        </p:spPr>
+        <p:txBody>
+          <a:bodyPr wrap="none">
+            <a:spAutoFit/>
+          </a:bodyPr>
+          <a:lstStyle/>
+          <a:p>
+            <a:pPr algn="ctr"/>
+            <a:r>
+              <a:rPr lang="en-US" sz="2400" dirty="0">
+                <a:solidFill>
+                  <a:srgbClr val="333333"/>
+                </a:solidFill>
+                <a:latin typeface="proxima-regular1"/>
+              </a:rPr>
+              <a:t>Clone - </a:t>
+            </a:r>
+            <a:r>
+              <a:rPr lang="en-US" sz="2400" dirty="0">
+                <a:solidFill>
+                  <a:srgbClr val="333333"/>
+                </a:solidFill>
+                <a:latin typeface="proxima-regular1"/>
+                <a:hlinkClick r:id="rId2"/>
+              </a:rPr>
+              <a:t>https://</a:t>
+            </a:r>
+            <a:r>
+              <a:rPr lang="en-US" sz="2400" dirty="0" smtClean="0">
+                <a:solidFill>
+                  <a:srgbClr val="333333"/>
+                </a:solidFill>
+                <a:latin typeface="proxima-regular1"/>
+                <a:hlinkClick r:id="rId2"/>
+              </a:rPr>
+              <a:t>github.com/dalalayan1/shell-generator.git</a:t>
+            </a:r>
+            <a:r>
+              <a:rPr lang="en-US" sz="2400" dirty="0" smtClean="0">
+                <a:solidFill>
+                  <a:srgbClr val="333333"/>
+                </a:solidFill>
+                <a:latin typeface="proxima-regular1"/>
+              </a:rPr>
+              <a:t> </a:t>
+            </a:r>
+            <a:endParaRPr lang="en-US" sz="2400" dirty="0"/>
+          </a:p>
+        </p:txBody>
+      </p:sp>
+      <p:sp>
+        <p:nvSpPr>
+          <p:cNvPr id="4" name="Title 7"/>
+          <p:cNvSpPr txBox="1">
+            <a:spLocks/>
+          </p:cNvSpPr>
+          <p:nvPr/>
+        </p:nvSpPr>
+        <p:spPr>
+          <a:xfrm>
+            <a:off x="1021349" y="3604590"/>
+            <a:ext cx="10360025" cy="728317"/>
+          </a:xfrm>
+          <a:prstGeom prst="rect">
+            <a:avLst/>
+          </a:prstGeom>
+        </p:spPr>
+        <p:txBody>
+          <a:bodyPr vert="horz" lIns="0" tIns="0" rIns="0" bIns="0" rtlCol="0" anchor="t" anchorCtr="0">
+            <a:noAutofit/>
+          </a:bodyPr>
+          <a:lstStyle>
+            <a:lvl1pPr algn="l" defTabSz="457200" rtl="0" eaLnBrk="1" latinLnBrk="0" hangingPunct="1">
+              <a:lnSpc>
+                <a:spcPct val="97000"/>
+              </a:lnSpc>
+              <a:spcBef>
+                <a:spcPct val="0"/>
+              </a:spcBef>
+              <a:buNone/>
+              <a:defRPr sz="2100" kern="1200" spc="30">
+                <a:solidFill>
+                  <a:schemeClr val="tx1"/>
+                </a:solidFill>
+                <a:latin typeface="MillerDisplay"/>
+                <a:ea typeface="+mj-ea"/>
+                <a:cs typeface="+mj-cs"/>
+              </a:defRPr>
+            </a:lvl1pPr>
+          </a:lstStyle>
+          <a:p>
+            <a:pPr algn="ctr"/>
+            <a:r>
+              <a:rPr lang="en-US" sz="4000" i="1" dirty="0" smtClean="0"/>
+              <a:t>FEEL FREE TO CONTRIBUTE!</a:t>
+            </a:r>
+            <a:endParaRPr lang="en-US" sz="4000" i="1" dirty="0"/>
+          </a:p>
+        </p:txBody>
+      </p:sp>
+    </p:spTree>
+    <p:extLst>
+      <p:ext uri="{BB962C8B-B14F-4D97-AF65-F5344CB8AC3E}">
+        <p14:creationId xmlns:p14="http://schemas.microsoft.com/office/powerpoint/2010/main" val="770327104"/>
+      </p:ext>
+    </p:extLst>
+  </p:cSld>
+  <p:clrMapOvr>
+    <a:masterClrMapping/>
+  </p:clrMapOvr>
+  <p:timing>
+    <p:tnLst>
+      <p:par>
+        <p:cTn id="1" dur="indefinite" restart="never" nodeType="tmRoot"/>
+      </p:par>
+    </p:tnLst>
+  </p:timing>
+</p:sld>
+</file>
+
+<file path=ppt/slides/slide17.xml><?xml version="1.0" encoding="utf-8"?>
+<p:sld xmlns:a="http://schemas.openxmlformats.org/drawingml/2006/main" xmlns:r="http://schemas.openxmlformats.org/officeDocument/2006/relationships" xmlns:p="http://schemas.openxmlformats.org/presentationml/2006/main">
+  <p:cSld>
+    <p:spTree>
+      <p:nvGrpSpPr>
+        <p:cNvPr id="1" name=""/>
+        <p:cNvGrpSpPr/>
+        <p:nvPr/>
+      </p:nvGrpSpPr>
+      <p:grpSpPr>
+        <a:xfrm>
+          <a:off x="0" y="0"/>
+          <a:ext cx="0" cy="0"/>
+          <a:chOff x="0" y="0"/>
+          <a:chExt cx="0" cy="0"/>
+        </a:xfrm>
+      </p:grpSpPr>
+      <p:sp>
+        <p:nvSpPr>
+          <p:cNvPr id="8" name="Title 7"/>
+          <p:cNvSpPr>
+            <a:spLocks noGrp="1"/>
+          </p:cNvSpPr>
+          <p:nvPr>
+            <p:ph type="ctrTitle"/>
+          </p:nvPr>
+        </p:nvSpPr>
+        <p:spPr>
+          <a:xfrm>
+            <a:off x="685800" y="3979827"/>
+            <a:ext cx="10360025" cy="714513"/>
+          </a:xfrm>
+        </p:spPr>
+        <p:txBody>
+          <a:bodyPr/>
+          <a:lstStyle/>
+          <a:p>
+            <a:pPr algn="ctr"/>
+            <a:r>
+              <a:rPr lang="en-US" sz="3600" dirty="0" smtClean="0"/>
+              <a:t>Please waste 5-10mins and visit –</a:t>
+            </a:r>
+            <a:br>
+              <a:rPr lang="en-US" sz="3600" dirty="0" smtClean="0"/>
+            </a:br>
+            <a:endParaRPr lang="en-US" sz="3600" dirty="0"/>
+          </a:p>
+        </p:txBody>
+      </p:sp>
+      <p:sp>
+        <p:nvSpPr>
+          <p:cNvPr id="3" name="Rectangle 2"/>
+          <p:cNvSpPr/>
+          <p:nvPr/>
+        </p:nvSpPr>
+        <p:spPr>
+          <a:xfrm>
+            <a:off x="838200" y="2333318"/>
+            <a:ext cx="9565760" cy="923330"/>
+          </a:xfrm>
+          <a:prstGeom prst="rect">
+            <a:avLst/>
+          </a:prstGeom>
+        </p:spPr>
+        <p:txBody>
+          <a:bodyPr wrap="none">
+            <a:spAutoFit/>
+          </a:bodyPr>
+          <a:lstStyle/>
+          <a:p>
+            <a:pPr marL="285750" indent="-285750">
+              <a:buFont typeface="Arial" panose="020B0604020202020204" pitchFamily="34" charset="0"/>
+              <a:buChar char="•"/>
+            </a:pPr>
+            <a:r>
+              <a:rPr lang="en-US" dirty="0" smtClean="0"/>
+              <a:t>Create sub-generators to generate </a:t>
+            </a:r>
+            <a:r>
+              <a:rPr lang="en-US" b="1" dirty="0" smtClean="0"/>
+              <a:t>components</a:t>
+            </a:r>
+            <a:r>
+              <a:rPr lang="en-US" dirty="0" smtClean="0"/>
+              <a:t>, or change </a:t>
+            </a:r>
+            <a:r>
+              <a:rPr lang="en-US" b="1" dirty="0" smtClean="0"/>
+              <a:t>file configurations</a:t>
+            </a:r>
+            <a:r>
+              <a:rPr lang="en-US" dirty="0" smtClean="0"/>
+              <a:t>.</a:t>
+            </a:r>
+          </a:p>
+          <a:p>
+            <a:pPr marL="285750" indent="-285750">
+              <a:buFont typeface="Arial" panose="020B0604020202020204" pitchFamily="34" charset="0"/>
+              <a:buChar char="•"/>
+            </a:pPr>
+            <a:r>
+              <a:rPr lang="en-US" dirty="0" smtClean="0"/>
+              <a:t>Add trending frameworks like </a:t>
+            </a:r>
+            <a:r>
+              <a:rPr lang="en-US" b="1" dirty="0" smtClean="0"/>
+              <a:t>Angular2, </a:t>
+            </a:r>
+            <a:r>
+              <a:rPr lang="en-US" b="1" dirty="0" err="1" smtClean="0"/>
+              <a:t>Preact</a:t>
+            </a:r>
+            <a:r>
+              <a:rPr lang="en-US" dirty="0" smtClean="0"/>
+              <a:t>.</a:t>
+            </a:r>
+          </a:p>
+          <a:p>
+            <a:pPr marL="285750" indent="-285750">
+              <a:buFont typeface="Arial" panose="020B0604020202020204" pitchFamily="34" charset="0"/>
+              <a:buChar char="•"/>
+            </a:pPr>
+            <a:r>
+              <a:rPr lang="en-US" dirty="0" smtClean="0"/>
+              <a:t>Provide basic test cases with required testing frameworks(</a:t>
+            </a:r>
+            <a:r>
+              <a:rPr lang="en-US" b="1" dirty="0" err="1" smtClean="0"/>
+              <a:t>chai,mocha</a:t>
+            </a:r>
+            <a:r>
+              <a:rPr lang="en-US" dirty="0" smtClean="0"/>
+              <a:t>).</a:t>
+            </a:r>
+            <a:endParaRPr lang="en-US" dirty="0"/>
+          </a:p>
+        </p:txBody>
+      </p:sp>
+      <p:sp>
+        <p:nvSpPr>
+          <p:cNvPr id="4" name="Title 7"/>
+          <p:cNvSpPr txBox="1">
+            <a:spLocks/>
+          </p:cNvSpPr>
+          <p:nvPr/>
+        </p:nvSpPr>
+        <p:spPr>
+          <a:xfrm>
+            <a:off x="838200" y="1293191"/>
+            <a:ext cx="10360025" cy="714513"/>
+          </a:xfrm>
+          <a:prstGeom prst="rect">
+            <a:avLst/>
+          </a:prstGeom>
+        </p:spPr>
+        <p:txBody>
+          <a:bodyPr vert="horz" lIns="0" tIns="0" rIns="0" bIns="0" rtlCol="0" anchor="t" anchorCtr="0">
+            <a:noAutofit/>
+          </a:bodyPr>
+          <a:lstStyle>
+            <a:lvl1pPr algn="l" defTabSz="457200" rtl="0" eaLnBrk="1" latinLnBrk="0" hangingPunct="1">
+              <a:lnSpc>
+                <a:spcPct val="97000"/>
+              </a:lnSpc>
+              <a:spcBef>
+                <a:spcPct val="0"/>
+              </a:spcBef>
+              <a:buNone/>
+              <a:defRPr sz="2100" kern="1200" spc="30">
+                <a:solidFill>
+                  <a:schemeClr val="tx1"/>
+                </a:solidFill>
+                <a:latin typeface="MillerDisplay"/>
+                <a:ea typeface="+mj-ea"/>
+                <a:cs typeface="+mj-cs"/>
+              </a:defRPr>
+            </a:lvl1pPr>
+          </a:lstStyle>
+          <a:p>
+            <a:pPr algn="ctr"/>
+            <a:r>
+              <a:rPr lang="en-US" sz="4000" smtClean="0"/>
+              <a:t>Good-to-have features</a:t>
+            </a:r>
+            <a:endParaRPr lang="en-US" sz="4000" dirty="0"/>
+          </a:p>
+        </p:txBody>
+      </p:sp>
+    </p:spTree>
+    <p:extLst>
+      <p:ext uri="{BB962C8B-B14F-4D97-AF65-F5344CB8AC3E}">
+        <p14:creationId xmlns:p14="http://schemas.microsoft.com/office/powerpoint/2010/main" val="681104022"/>
+      </p:ext>
+    </p:extLst>
+  </p:cSld>
+  <p:clrMapOvr>
+    <a:masterClrMapping/>
+  </p:clrMapOvr>
+  <p:timing>
+    <p:tnLst>
+      <p:par>
+        <p:cTn id="1" dur="indefinite" restart="never" nodeType="tmRoot"/>
+      </p:par>
+    </p:tnLst>
+  </p:timing>
+</p:sld>
+</file>
+
+<file path=ppt/slides/slide18.xml><?xml version="1.0" encoding="utf-8"?>
+<p:sld xmlns:a="http://schemas.openxmlformats.org/drawingml/2006/main" xmlns:r="http://schemas.openxmlformats.org/officeDocument/2006/relationships" xmlns:p="http://schemas.openxmlformats.org/presentationml/2006/main">
+  <p:cSld>
+    <p:spTree>
+      <p:nvGrpSpPr>
+        <p:cNvPr id="1" name=""/>
+        <p:cNvGrpSpPr/>
+        <p:nvPr/>
+      </p:nvGrpSpPr>
+      <p:grpSpPr>
+        <a:xfrm>
+          <a:off x="0" y="0"/>
+          <a:ext cx="0" cy="0"/>
+          <a:chOff x="0" y="0"/>
+          <a:chExt cx="0" cy="0"/>
+        </a:xfrm>
+      </p:grpSpPr>
+      <p:sp>
+        <p:nvSpPr>
+          <p:cNvPr id="8" name="Title 7"/>
+          <p:cNvSpPr>
+            <a:spLocks noGrp="1"/>
+          </p:cNvSpPr>
+          <p:nvPr>
+            <p:ph type="ctrTitle"/>
+          </p:nvPr>
+        </p:nvSpPr>
+        <p:spPr>
+          <a:xfrm>
+            <a:off x="566530" y="1921323"/>
+            <a:ext cx="10360025" cy="1231106"/>
+          </a:xfrm>
+        </p:spPr>
+        <p:txBody>
+          <a:bodyPr/>
+          <a:lstStyle/>
+          <a:p>
+            <a:pPr algn="ctr"/>
+            <a:r>
+              <a:rPr lang="en-US" sz="4000" dirty="0" smtClean="0"/>
+              <a:t>Questions?</a:t>
+            </a:r>
+            <a:br>
+              <a:rPr lang="en-US" sz="4000" dirty="0" smtClean="0"/>
+            </a:br>
+            <a:r>
+              <a:rPr lang="en-US" sz="4000" dirty="0"/>
+              <a:t/>
+            </a:r>
+            <a:br>
+              <a:rPr lang="en-US" sz="4000" dirty="0"/>
+            </a:br>
+            <a:r>
+              <a:rPr lang="en-US" sz="4000" dirty="0" smtClean="0"/>
+              <a:t/>
+            </a:r>
+            <a:br>
+              <a:rPr lang="en-US" sz="4000" dirty="0" smtClean="0"/>
+            </a:br>
+            <a:r>
+              <a:rPr lang="en-US" sz="4000" dirty="0" smtClean="0"/>
+              <a:t>Feedback?</a:t>
+            </a:r>
+            <a:endParaRPr lang="en-US" sz="4000" dirty="0"/>
+          </a:p>
+        </p:txBody>
+      </p:sp>
+    </p:spTree>
+    <p:extLst>
+      <p:ext uri="{BB962C8B-B14F-4D97-AF65-F5344CB8AC3E}">
+        <p14:creationId xmlns:p14="http://schemas.microsoft.com/office/powerpoint/2010/main" val="923078205"/>
+      </p:ext>
+    </p:extLst>
+  </p:cSld>
+  <p:clrMapOvr>
+    <a:masterClrMapping/>
+  </p:clrMapOvr>
+  <p:timing>
+    <p:tnLst>
+      <p:par>
+        <p:cTn id="1" dur="indefinite" restart="never" nodeType="tmRoot"/>
+      </p:par>
+    </p:tnLst>
+  </p:timing>
+</p:sld>
+</file>
+
+<file path=ppt/slides/slide19.xml><?xml version="1.0" encoding="utf-8"?>
+<p:sld xmlns:a="http://schemas.openxmlformats.org/drawingml/2006/main" xmlns:r="http://schemas.openxmlformats.org/officeDocument/2006/relationships" xmlns:p="http://schemas.openxmlformats.org/presentationml/2006/main">
+  <p:cSld>
+    <p:spTree>
+      <p:nvGrpSpPr>
+        <p:cNvPr id="1" name=""/>
+        <p:cNvGrpSpPr/>
+        <p:nvPr/>
+      </p:nvGrpSpPr>
+      <p:grpSpPr>
+        <a:xfrm>
+          <a:off x="0" y="0"/>
+          <a:ext cx="0" cy="0"/>
+          <a:chOff x="0" y="0"/>
+          <a:chExt cx="0" cy="0"/>
+        </a:xfrm>
+      </p:grpSpPr>
+      <p:sp>
+        <p:nvSpPr>
+          <p:cNvPr id="8" name="Title 7"/>
+          <p:cNvSpPr>
+            <a:spLocks noGrp="1"/>
+          </p:cNvSpPr>
+          <p:nvPr>
+            <p:ph type="ctrTitle"/>
+          </p:nvPr>
+        </p:nvSpPr>
+        <p:spPr>
+          <a:xfrm>
+            <a:off x="570416" y="2158313"/>
+            <a:ext cx="10360025" cy="807278"/>
+          </a:xfrm>
+        </p:spPr>
+        <p:txBody>
+          <a:bodyPr/>
+          <a:lstStyle/>
+          <a:p>
+            <a:pPr algn="ctr"/>
+            <a:r>
+              <a:rPr lang="en-US" sz="4000" dirty="0" smtClean="0"/>
+              <a:t>Thank You</a:t>
+            </a:r>
+            <a:endParaRPr lang="en-US" sz="4000" dirty="0"/>
+          </a:p>
+        </p:txBody>
+      </p:sp>
+      <p:sp>
+        <p:nvSpPr>
+          <p:cNvPr id="3" name="Rectangle 2"/>
+          <p:cNvSpPr/>
+          <p:nvPr/>
+        </p:nvSpPr>
+        <p:spPr>
+          <a:xfrm>
+            <a:off x="4747589" y="3334923"/>
+            <a:ext cx="2005677" cy="369332"/>
+          </a:xfrm>
+          <a:prstGeom prst="rect">
+            <a:avLst/>
+          </a:prstGeom>
+        </p:spPr>
+        <p:txBody>
+          <a:bodyPr wrap="none">
+            <a:spAutoFit/>
+          </a:bodyPr>
+          <a:lstStyle/>
+          <a:p>
+            <a:r>
+              <a:rPr lang="en-US" dirty="0" smtClean="0">
+                <a:solidFill>
+                  <a:srgbClr val="333333"/>
+                </a:solidFill>
+                <a:latin typeface="proxima-regular1"/>
+              </a:rPr>
+              <a:t>Reach out to us - </a:t>
+            </a:r>
+            <a:endParaRPr lang="en-US" dirty="0"/>
+          </a:p>
+        </p:txBody>
+      </p:sp>
+      <p:sp>
+        <p:nvSpPr>
+          <p:cNvPr id="4" name="Rectangle 3"/>
+          <p:cNvSpPr/>
+          <p:nvPr/>
+        </p:nvSpPr>
+        <p:spPr>
+          <a:xfrm>
+            <a:off x="7949428" y="3919157"/>
+            <a:ext cx="2470548" cy="646331"/>
+          </a:xfrm>
+          <a:prstGeom prst="rect">
+            <a:avLst/>
+          </a:prstGeom>
+        </p:spPr>
+        <p:txBody>
+          <a:bodyPr wrap="none">
+            <a:spAutoFit/>
+          </a:bodyPr>
+          <a:lstStyle/>
+          <a:p>
+            <a:r>
+              <a:rPr lang="en-US" dirty="0" smtClean="0">
+                <a:solidFill>
+                  <a:srgbClr val="333333"/>
+                </a:solidFill>
+                <a:latin typeface="proxima-regular1"/>
+              </a:rPr>
+              <a:t>Ayan Dalal</a:t>
+            </a:r>
+          </a:p>
+          <a:p>
+            <a:r>
+              <a:rPr lang="en-US" dirty="0" smtClean="0">
+                <a:solidFill>
+                  <a:srgbClr val="333333"/>
+                </a:solidFill>
+                <a:latin typeface="proxima-regular1"/>
+                <a:hlinkClick r:id="rId2"/>
+              </a:rPr>
+              <a:t>adalal4@sapient.com</a:t>
+            </a:r>
+            <a:r>
+              <a:rPr lang="en-US" dirty="0" smtClean="0">
+                <a:solidFill>
+                  <a:srgbClr val="333333"/>
+                </a:solidFill>
+                <a:latin typeface="proxima-regular1"/>
+              </a:rPr>
+              <a:t> </a:t>
+            </a:r>
+            <a:endParaRPr lang="en-US" dirty="0"/>
+          </a:p>
+        </p:txBody>
+      </p:sp>
+      <p:sp>
+        <p:nvSpPr>
+          <p:cNvPr id="5" name="Rectangle 4"/>
+          <p:cNvSpPr/>
+          <p:nvPr/>
+        </p:nvSpPr>
+        <p:spPr>
+          <a:xfrm>
+            <a:off x="1176913" y="3922168"/>
+            <a:ext cx="2624436" cy="646331"/>
+          </a:xfrm>
+          <a:prstGeom prst="rect">
+            <a:avLst/>
+          </a:prstGeom>
+        </p:spPr>
+        <p:txBody>
+          <a:bodyPr wrap="none">
+            <a:spAutoFit/>
+          </a:bodyPr>
+          <a:lstStyle/>
+          <a:p>
+            <a:r>
+              <a:rPr lang="en-US" dirty="0" err="1" smtClean="0">
+                <a:solidFill>
+                  <a:srgbClr val="333333"/>
+                </a:solidFill>
+                <a:latin typeface="proxima-regular1"/>
+              </a:rPr>
+              <a:t>Arkadyuti</a:t>
+            </a:r>
+            <a:r>
+              <a:rPr lang="en-US" dirty="0" smtClean="0">
+                <a:solidFill>
+                  <a:srgbClr val="333333"/>
+                </a:solidFill>
+                <a:latin typeface="proxima-regular1"/>
+              </a:rPr>
+              <a:t> Sarkar</a:t>
+            </a:r>
+          </a:p>
+          <a:p>
+            <a:r>
+              <a:rPr lang="en-US" dirty="0" smtClean="0">
+                <a:solidFill>
+                  <a:srgbClr val="333333"/>
+                </a:solidFill>
+                <a:latin typeface="proxima-regular1"/>
+                <a:hlinkClick r:id="rId3"/>
+              </a:rPr>
+              <a:t>asarkar2@sapient.com</a:t>
+            </a:r>
+            <a:r>
+              <a:rPr lang="en-US" dirty="0" smtClean="0">
+                <a:solidFill>
+                  <a:srgbClr val="333333"/>
+                </a:solidFill>
+                <a:latin typeface="proxima-regular1"/>
+              </a:rPr>
+              <a:t> </a:t>
+            </a:r>
+            <a:endParaRPr lang="en-US" dirty="0"/>
+          </a:p>
+        </p:txBody>
+      </p:sp>
+    </p:spTree>
+    <p:extLst>
+      <p:ext uri="{BB962C8B-B14F-4D97-AF65-F5344CB8AC3E}">
+        <p14:creationId xmlns:p14="http://schemas.microsoft.com/office/powerpoint/2010/main" val="3048438000"/>
       </p:ext>
     </p:extLst>
   </p:cSld>
@@ -18718,6 +21168,43 @@
     <p:extLst>
       <p:ext uri="{BB962C8B-B14F-4D97-AF65-F5344CB8AC3E}">
         <p14:creationId xmlns:p14="http://schemas.microsoft.com/office/powerpoint/2010/main" val="3867318026"/>
+      </p:ext>
+    </p:extLst>
+  </p:cSld>
+  <p:clrMapOvr>
+    <a:masterClrMapping/>
+  </p:clrMapOvr>
+  <p:timing>
+    <p:tnLst>
+      <p:par>
+        <p:cTn id="1" dur="indefinite" restart="never" nodeType="tmRoot"/>
+      </p:par>
+    </p:tnLst>
+  </p:timing>
+</p:sld>
+</file>
+
+<file path=ppt/slides/slide20.xml><?xml version="1.0" encoding="utf-8"?>
+<p:sld xmlns:a="http://schemas.openxmlformats.org/drawingml/2006/main" xmlns:r="http://schemas.openxmlformats.org/officeDocument/2006/relationships" xmlns:p="http://schemas.openxmlformats.org/presentationml/2006/main">
+  <p:cSld>
+    <p:spTree>
+      <p:nvGrpSpPr>
+        <p:cNvPr id="1" name=""/>
+        <p:cNvGrpSpPr/>
+        <p:nvPr/>
+      </p:nvGrpSpPr>
+      <p:grpSpPr>
+        <a:xfrm>
+          <a:off x="0" y="0"/>
+          <a:ext cx="0" cy="0"/>
+          <a:chOff x="0" y="0"/>
+          <a:chExt cx="0" cy="0"/>
+        </a:xfrm>
+      </p:grpSpPr>
+    </p:spTree>
+    <p:extLst>
+      <p:ext uri="{BB962C8B-B14F-4D97-AF65-F5344CB8AC3E}">
+        <p14:creationId xmlns:p14="http://schemas.microsoft.com/office/powerpoint/2010/main" val="1803116615"/>
       </p:ext>
     </p:extLst>
   </p:cSld>
@@ -20043,16 +22530,21 @@
             <p:ph type="title"/>
           </p:nvPr>
         </p:nvSpPr>
-        <p:spPr/>
+        <p:spPr>
+          <a:xfrm>
+            <a:off x="288234" y="585216"/>
+            <a:ext cx="5821018" cy="705578"/>
+          </a:xfrm>
+        </p:spPr>
         <p:txBody>
           <a:bodyPr/>
           <a:lstStyle/>
           <a:p>
             <a:r>
-              <a:rPr lang="en-US" dirty="0" smtClean="0"/>
+              <a:rPr lang="en-US" sz="5400" dirty="0" smtClean="0"/>
               <a:t>Why Generators?</a:t>
             </a:r>
-            <a:endParaRPr lang="en-US" dirty="0"/>
+            <a:endParaRPr lang="en-US" sz="5400" dirty="0"/>
           </a:p>
         </p:txBody>
       </p:sp>
@@ -20066,81 +22558,42 @@
             <p:ph type="body" orient="vert" idx="1"/>
           </p:nvPr>
         </p:nvSpPr>
-        <p:spPr/>
+        <p:spPr>
+          <a:xfrm>
+            <a:off x="288234" y="1720596"/>
+            <a:ext cx="5821018" cy="4279392"/>
+          </a:xfrm>
+        </p:spPr>
         <p:txBody>
           <a:bodyPr/>
           <a:lstStyle/>
           <a:p>
             <a:pPr lvl="0"/>
             <a:r>
-              <a:rPr lang="en-US" sz="1400" dirty="0" smtClean="0"/>
+              <a:rPr lang="en-US" sz="2400" i="1" dirty="0" smtClean="0"/>
               <a:t>Setting up a new project from scratch! </a:t>
             </a:r>
           </a:p>
           <a:p>
             <a:pPr lvl="0"/>
             <a:r>
-              <a:rPr lang="en-US" sz="1400" dirty="0" smtClean="0"/>
-              <a:t>Might be a hectic job! </a:t>
-            </a:r>
-            <a:endParaRPr lang="en-US" sz="1400" dirty="0" smtClean="0"/>
+              <a:rPr lang="en-US" sz="2400" i="1" dirty="0" smtClean="0"/>
+              <a:t>A hectic </a:t>
+            </a:r>
+            <a:r>
+              <a:rPr lang="en-US" sz="2400" i="1" dirty="0" smtClean="0"/>
+              <a:t>job! </a:t>
+            </a:r>
           </a:p>
           <a:p>
             <a:pPr lvl="0"/>
-            <a:endParaRPr lang="en-US" sz="1400" dirty="0"/>
-          </a:p>
-          <a:p>
-            <a:pPr marL="342900" lvl="0" indent="-342900">
-              <a:buFont typeface="+mj-lt"/>
-              <a:buAutoNum type="arabicPeriod"/>
-            </a:pPr>
-            <a:r>
-              <a:rPr lang="en-US" sz="1400" dirty="0" smtClean="0"/>
-              <a:t>Time </a:t>
-            </a:r>
-            <a:r>
-              <a:rPr lang="en-US" sz="1400" dirty="0" smtClean="0"/>
-              <a:t>consuming</a:t>
-            </a:r>
-            <a:endParaRPr lang="en-US" sz="1400" dirty="0"/>
-          </a:p>
-          <a:p>
-            <a:pPr marL="228600" lvl="0" indent="-228600">
-              <a:buFont typeface="+mj-lt"/>
-              <a:buAutoNum type="arabicPeriod"/>
-            </a:pPr>
-            <a:r>
-              <a:rPr lang="en-US" sz="1400" dirty="0" smtClean="0"/>
-              <a:t>Complex folder structure </a:t>
-            </a:r>
-            <a:endParaRPr lang="en-US" sz="1400" dirty="0"/>
-          </a:p>
-          <a:p>
-            <a:pPr marL="228600" lvl="0" indent="-228600">
-              <a:buFont typeface="+mj-lt"/>
-              <a:buAutoNum type="arabicPeriod"/>
-            </a:pPr>
-            <a:r>
-              <a:rPr lang="en-US" sz="1400" dirty="0" smtClean="0"/>
-              <a:t>Configuration of files </a:t>
-            </a:r>
-          </a:p>
-          <a:p>
-            <a:pPr marL="228600" lvl="0" indent="-228600">
-              <a:buFont typeface="+mj-lt"/>
-              <a:buAutoNum type="arabicPeriod"/>
-            </a:pPr>
-            <a:r>
-              <a:rPr lang="en-US" sz="1400" dirty="0" smtClean="0"/>
-              <a:t>Innumerous trial-n-errors!</a:t>
-            </a:r>
-            <a:endParaRPr lang="en-US" sz="1400" dirty="0"/>
+            <a:endParaRPr lang="en-US" sz="2400" dirty="0"/>
           </a:p>
         </p:txBody>
       </p:sp>
       <p:pic>
         <p:nvPicPr>
-          <p:cNvPr id="11" name="Picture Placeholder 10"/>
+          <p:cNvPr id="20" name="Picture Placeholder 19"/>
           <p:cNvPicPr>
             <a:picLocks noGrp="1" noChangeAspect="1"/>
           </p:cNvPicPr>
@@ -20156,12 +22609,17 @@
               </a:ext>
             </a:extLst>
           </a:blip>
-          <a:srcRect l="1350" r="1350"/>
+          <a:srcRect l="2196" r="2196"/>
           <a:stretch>
             <a:fillRect/>
           </a:stretch>
         </p:blipFill>
-        <p:spPr/>
+        <p:spPr>
+          <a:xfrm>
+            <a:off x="6281530" y="0"/>
+            <a:ext cx="5907295" cy="6858000"/>
+          </a:xfrm>
+        </p:spPr>
       </p:pic>
     </p:spTree>
     <p:extLst>
@@ -20202,7 +22660,7 @@
       </p:grpSpPr>
       <p:sp>
         <p:nvSpPr>
-          <p:cNvPr id="9" name="Title 8"/>
+          <p:cNvPr id="5" name="Title 4"/>
           <p:cNvSpPr>
             <a:spLocks noGrp="1"/>
           </p:cNvSpPr>
@@ -20212,8 +22670,8 @@
         </p:nvSpPr>
         <p:spPr>
           <a:xfrm>
-            <a:off x="546652" y="585216"/>
-            <a:ext cx="2423160" cy="429802"/>
+            <a:off x="288234" y="585216"/>
+            <a:ext cx="5821018" cy="705578"/>
           </a:xfrm>
         </p:spPr>
         <p:txBody>
@@ -20221,16 +22679,16 @@
           <a:lstStyle/>
           <a:p>
             <a:r>
-              <a:rPr lang="en-US" dirty="0" smtClean="0"/>
-              <a:t>How? </a:t>
-            </a:r>
-            <a:endParaRPr lang="en-US" dirty="0"/>
+              <a:rPr lang="en-US" sz="5400" dirty="0" smtClean="0"/>
+              <a:t>Why Generators?</a:t>
+            </a:r>
+            <a:endParaRPr lang="en-US" sz="5400" dirty="0"/>
           </a:p>
         </p:txBody>
       </p:sp>
       <p:sp>
         <p:nvSpPr>
-          <p:cNvPr id="12" name="Vertical Text Placeholder 11"/>
+          <p:cNvPr id="9" name="Vertical Text Placeholder 8"/>
           <p:cNvSpPr>
             <a:spLocks noGrp="1"/>
           </p:cNvSpPr>
@@ -20240,838 +22698,86 @@
         </p:nvSpPr>
         <p:spPr>
           <a:xfrm>
-            <a:off x="546651" y="1203761"/>
-            <a:ext cx="3813313" cy="3116448"/>
+            <a:off x="288234" y="1720596"/>
+            <a:ext cx="5821018" cy="4279392"/>
           </a:xfrm>
         </p:spPr>
         <p:txBody>
           <a:bodyPr/>
           <a:lstStyle/>
           <a:p>
-            <a:pPr marL="285750" indent="-285750">
-              <a:buFont typeface="Arial" panose="020B0604020202020204" pitchFamily="34" charset="0"/>
-              <a:buChar char="•"/>
+            <a:pPr lvl="0"/>
+            <a:r>
+              <a:rPr lang="en-US" sz="2400" i="1" dirty="0" smtClean="0"/>
+              <a:t>Setting up a new project from scratch! </a:t>
+            </a:r>
+          </a:p>
+          <a:p>
+            <a:pPr lvl="0"/>
+            <a:r>
+              <a:rPr lang="en-US" sz="2400" i="1" dirty="0" smtClean="0"/>
+              <a:t>A hectic </a:t>
+            </a:r>
+            <a:r>
+              <a:rPr lang="en-US" sz="2400" i="1" dirty="0" smtClean="0"/>
+              <a:t>job! </a:t>
+            </a:r>
+          </a:p>
+          <a:p>
+            <a:pPr lvl="0"/>
+            <a:endParaRPr lang="en-US" sz="2400" dirty="0"/>
+          </a:p>
+          <a:p>
+            <a:pPr marL="342900" lvl="0" indent="-342900">
+              <a:buFont typeface="+mj-lt"/>
+              <a:buAutoNum type="arabicPeriod"/>
             </a:pPr>
             <a:r>
-              <a:rPr lang="en-US" sz="1400" dirty="0"/>
-              <a:t>Write your own script.</a:t>
-            </a:r>
-          </a:p>
-          <a:p>
-            <a:pPr marL="285750" lvl="0" indent="-285750">
-              <a:buFont typeface="Arial" panose="020B0604020202020204" pitchFamily="34" charset="0"/>
-              <a:buChar char="•"/>
-            </a:pPr>
-            <a:r>
-              <a:rPr lang="en-US" sz="1400" dirty="0" smtClean="0"/>
-              <a:t>Create </a:t>
-            </a:r>
-            <a:r>
-              <a:rPr lang="en-US" sz="1400" dirty="0"/>
-              <a:t>folder </a:t>
-            </a:r>
-            <a:r>
-              <a:rPr lang="en-US" sz="1400" dirty="0" smtClean="0"/>
-              <a:t>skeleton(s).</a:t>
-            </a:r>
-            <a:endParaRPr lang="en-US" sz="1400" dirty="0"/>
-          </a:p>
-          <a:p>
-            <a:pPr marL="285750" lvl="0" indent="-285750">
-              <a:buFont typeface="Arial" panose="020B0604020202020204" pitchFamily="34" charset="0"/>
-              <a:buChar char="•"/>
-            </a:pPr>
-            <a:r>
-              <a:rPr lang="en-US" sz="1400" dirty="0" smtClean="0"/>
-              <a:t>Create/edit </a:t>
-            </a:r>
-            <a:r>
-              <a:rPr lang="en-US" sz="1400" dirty="0" smtClean="0"/>
-              <a:t>files and their contents on the fly.</a:t>
-            </a:r>
-          </a:p>
-          <a:p>
-            <a:pPr lvl="0"/>
-            <a:endParaRPr lang="en-US" sz="1400" dirty="0" smtClean="0"/>
+              <a:rPr lang="en-US" sz="2400" dirty="0" smtClean="0"/>
+              <a:t>Time </a:t>
+            </a:r>
+            <a:r>
+              <a:rPr lang="en-US" sz="2400" dirty="0" smtClean="0"/>
+              <a:t>consuming</a:t>
+            </a:r>
+            <a:endParaRPr lang="en-US" sz="2400" dirty="0"/>
           </a:p>
         </p:txBody>
       </p:sp>
-      <p:grpSp>
-        <p:nvGrpSpPr>
-          <p:cNvPr id="5" name="Group 4"/>
-          <p:cNvGrpSpPr/>
-          <p:nvPr/>
-        </p:nvGrpSpPr>
-        <p:grpSpPr>
-          <a:xfrm>
-            <a:off x="5648785" y="2203036"/>
-            <a:ext cx="1820115" cy="453337"/>
-            <a:chOff x="0" y="1768387"/>
-            <a:chExt cx="1417884" cy="810002"/>
-          </a:xfrm>
-        </p:grpSpPr>
-        <p:sp>
-          <p:nvSpPr>
-            <p:cNvPr id="6" name="Rounded Rectangle 5"/>
-            <p:cNvSpPr/>
-            <p:nvPr/>
-          </p:nvSpPr>
-          <p:spPr>
-            <a:xfrm>
-              <a:off x="0" y="1768387"/>
-              <a:ext cx="1417884" cy="810002"/>
-            </a:xfrm>
-            <a:prstGeom prst="roundRect">
-              <a:avLst>
-                <a:gd name="adj" fmla="val 10000"/>
-              </a:avLst>
-            </a:prstGeom>
-          </p:spPr>
-          <p:style>
-            <a:lnRef idx="2">
-              <a:schemeClr val="accent2"/>
-            </a:lnRef>
-            <a:fillRef idx="1">
-              <a:schemeClr val="lt1"/>
-            </a:fillRef>
-            <a:effectRef idx="0">
-              <a:schemeClr val="accent2"/>
-            </a:effectRef>
-            <a:fontRef idx="minor">
-              <a:schemeClr val="dk1"/>
-            </a:fontRef>
-          </p:style>
-          <p:txBody>
-            <a:bodyPr/>
-            <a:lstStyle/>
-            <a:p>
-              <a:pPr algn="ctr"/>
-              <a:r>
-                <a:rPr lang="en-US" dirty="0" err="1" smtClean="0"/>
-                <a:t>Config</a:t>
-              </a:r>
-              <a:r>
-                <a:rPr lang="en-US" dirty="0" smtClean="0"/>
-                <a:t> files</a:t>
-              </a:r>
-              <a:endParaRPr lang="en-US" dirty="0"/>
-            </a:p>
-          </p:txBody>
-        </p:sp>
-        <p:sp>
-          <p:nvSpPr>
-            <p:cNvPr id="7" name="Rounded Rectangle 4"/>
-            <p:cNvSpPr/>
-            <p:nvPr/>
-          </p:nvSpPr>
-          <p:spPr>
-            <a:xfrm>
-              <a:off x="23724" y="1792111"/>
-              <a:ext cx="1370436" cy="762554"/>
-            </a:xfrm>
-            <a:prstGeom prst="rect">
-              <a:avLst/>
-            </a:prstGeom>
-          </p:spPr>
-          <p:style>
-            <a:lnRef idx="0">
-              <a:scrgbClr r="0" g="0" b="0"/>
-            </a:lnRef>
-            <a:fillRef idx="0">
-              <a:scrgbClr r="0" g="0" b="0"/>
-            </a:fillRef>
-            <a:effectRef idx="0">
-              <a:scrgbClr r="0" g="0" b="0"/>
-            </a:effectRef>
-            <a:fontRef idx="minor">
-              <a:schemeClr val="lt1"/>
-            </a:fontRef>
-          </p:style>
-          <p:txBody>
-            <a:bodyPr spcFirstLastPara="0" vert="horz" wrap="square" lIns="6985" tIns="6985" rIns="6985" bIns="6985" numCol="1" spcCol="1270" anchor="ctr" anchorCtr="0">
-              <a:noAutofit/>
-            </a:bodyPr>
-            <a:lstStyle/>
-            <a:p>
-              <a:pPr algn="ctr"/>
-              <a:endParaRPr lang="en-US" sz="1100" dirty="0" smtClean="0">
-                <a:solidFill>
-                  <a:schemeClr val="tx1"/>
-                </a:solidFill>
-              </a:endParaRPr>
-            </a:p>
-          </p:txBody>
-        </p:sp>
-      </p:grpSp>
-      <p:grpSp>
-        <p:nvGrpSpPr>
-          <p:cNvPr id="8" name="Group 7"/>
-          <p:cNvGrpSpPr/>
-          <p:nvPr/>
-        </p:nvGrpSpPr>
-        <p:grpSpPr>
-          <a:xfrm>
-            <a:off x="5100811" y="3738360"/>
-            <a:ext cx="3183874" cy="2398035"/>
-            <a:chOff x="0" y="1768387"/>
-            <a:chExt cx="1417884" cy="810002"/>
-          </a:xfrm>
-        </p:grpSpPr>
-        <p:sp>
-          <p:nvSpPr>
-            <p:cNvPr id="10" name="Rounded Rectangle 9"/>
-            <p:cNvSpPr/>
-            <p:nvPr/>
-          </p:nvSpPr>
-          <p:spPr>
-            <a:xfrm>
-              <a:off x="0" y="1768387"/>
-              <a:ext cx="1417884" cy="810002"/>
-            </a:xfrm>
-            <a:prstGeom prst="roundRect">
-              <a:avLst>
-                <a:gd name="adj" fmla="val 10000"/>
-              </a:avLst>
-            </a:prstGeom>
-          </p:spPr>
-          <p:style>
-            <a:lnRef idx="2">
-              <a:schemeClr val="accent2"/>
-            </a:lnRef>
-            <a:fillRef idx="1">
-              <a:schemeClr val="lt1"/>
-            </a:fillRef>
-            <a:effectRef idx="0">
-              <a:schemeClr val="accent2"/>
-            </a:effectRef>
-            <a:fontRef idx="minor">
-              <a:schemeClr val="dk1"/>
-            </a:fontRef>
-          </p:style>
-          <p:txBody>
-            <a:bodyPr/>
-            <a:lstStyle/>
-            <a:p>
-              <a:r>
-                <a:rPr lang="en-US" dirty="0" smtClean="0"/>
-                <a:t>	Folder1</a:t>
-              </a:r>
-            </a:p>
-            <a:p>
-              <a:r>
-                <a:rPr lang="en-US" dirty="0"/>
-                <a:t>	</a:t>
-              </a:r>
-              <a:r>
-                <a:rPr lang="en-US" dirty="0" smtClean="0"/>
-                <a:t>	 sub-folder1</a:t>
-              </a:r>
-            </a:p>
-            <a:p>
-              <a:r>
-                <a:rPr lang="en-US" dirty="0"/>
-                <a:t>	</a:t>
-              </a:r>
-              <a:r>
-                <a:rPr lang="en-US" dirty="0" smtClean="0"/>
-                <a:t>	 sub-folder2</a:t>
-              </a:r>
-            </a:p>
-            <a:p>
-              <a:r>
-                <a:rPr lang="en-US" dirty="0"/>
-                <a:t>	</a:t>
-              </a:r>
-              <a:r>
-                <a:rPr lang="en-US" dirty="0" smtClean="0"/>
-                <a:t>		file1</a:t>
-              </a:r>
-            </a:p>
-            <a:p>
-              <a:r>
-                <a:rPr lang="en-US" dirty="0"/>
-                <a:t>	</a:t>
-              </a:r>
-              <a:r>
-                <a:rPr lang="en-US" dirty="0" smtClean="0"/>
-                <a:t>Folder2</a:t>
-              </a:r>
-            </a:p>
-            <a:p>
-              <a:r>
-                <a:rPr lang="en-US" dirty="0"/>
-                <a:t>	</a:t>
-              </a:r>
-              <a:r>
-                <a:rPr lang="en-US" dirty="0" smtClean="0"/>
-                <a:t>	  sub-folder1</a:t>
-              </a:r>
-            </a:p>
-            <a:p>
-              <a:r>
-                <a:rPr lang="en-US" dirty="0"/>
-                <a:t>	</a:t>
-              </a:r>
-              <a:r>
-                <a:rPr lang="en-US" dirty="0" smtClean="0"/>
-                <a:t>Folder3</a:t>
-              </a:r>
-            </a:p>
-            <a:p>
-              <a:r>
-                <a:rPr lang="en-US" dirty="0"/>
-                <a:t>	</a:t>
-              </a:r>
-              <a:r>
-                <a:rPr lang="en-US" dirty="0" smtClean="0"/>
-                <a:t>	  file1</a:t>
-              </a:r>
-              <a:endParaRPr lang="en-US" dirty="0"/>
-            </a:p>
-          </p:txBody>
-        </p:sp>
-        <p:sp>
-          <p:nvSpPr>
-            <p:cNvPr id="11" name="Rounded Rectangle 4"/>
-            <p:cNvSpPr/>
-            <p:nvPr/>
-          </p:nvSpPr>
-          <p:spPr>
-            <a:xfrm>
-              <a:off x="23724" y="1792111"/>
-              <a:ext cx="1370436" cy="762554"/>
-            </a:xfrm>
-            <a:prstGeom prst="rect">
-              <a:avLst/>
-            </a:prstGeom>
-          </p:spPr>
-          <p:style>
-            <a:lnRef idx="0">
-              <a:scrgbClr r="0" g="0" b="0"/>
-            </a:lnRef>
-            <a:fillRef idx="0">
-              <a:scrgbClr r="0" g="0" b="0"/>
-            </a:fillRef>
-            <a:effectRef idx="0">
-              <a:scrgbClr r="0" g="0" b="0"/>
-            </a:effectRef>
-            <a:fontRef idx="minor">
-              <a:schemeClr val="lt1"/>
-            </a:fontRef>
-          </p:style>
-          <p:txBody>
-            <a:bodyPr spcFirstLastPara="0" vert="horz" wrap="square" lIns="6985" tIns="6985" rIns="6985" bIns="6985" numCol="1" spcCol="1270" anchor="ctr" anchorCtr="0">
-              <a:noAutofit/>
-            </a:bodyPr>
-            <a:lstStyle/>
-            <a:p>
-              <a:pPr algn="ctr"/>
-              <a:endParaRPr lang="en-US" sz="1100" dirty="0" smtClean="0">
-                <a:solidFill>
-                  <a:schemeClr val="tx1"/>
-                </a:solidFill>
-              </a:endParaRPr>
-            </a:p>
-          </p:txBody>
-        </p:sp>
-      </p:grpSp>
-      <p:cxnSp>
-        <p:nvCxnSpPr>
-          <p:cNvPr id="14" name="Straight Connector 13"/>
-          <p:cNvCxnSpPr/>
-          <p:nvPr/>
-        </p:nvCxnSpPr>
+      <p:pic>
+        <p:nvPicPr>
+          <p:cNvPr id="20" name="Picture Placeholder 19"/>
+          <p:cNvPicPr>
+            <a:picLocks noGrp="1" noChangeAspect="1"/>
+          </p:cNvPicPr>
+          <p:nvPr>
+            <p:ph type="pic" sz="quarter" idx="11"/>
+          </p:nvPr>
+        </p:nvPicPr>
+        <p:blipFill>
+          <a:blip r:embed="rId2">
+            <a:extLst>
+              <a:ext uri="{28A0092B-C50C-407E-A947-70E740481C1C}">
+                <a14:useLocalDpi xmlns:a14="http://schemas.microsoft.com/office/drawing/2010/main" val="0"/>
+              </a:ext>
+            </a:extLst>
+          </a:blip>
+          <a:srcRect l="2196" r="2196"/>
+          <a:stretch>
+            <a:fillRect/>
+          </a:stretch>
+        </p:blipFill>
         <p:spPr>
           <a:xfrm>
-            <a:off x="5406750" y="3988106"/>
-            <a:ext cx="0" cy="1850834"/>
+            <a:off x="6281530" y="0"/>
+            <a:ext cx="5907295" cy="6858000"/>
           </a:xfrm>
-          <a:prstGeom prst="line">
-            <a:avLst/>
-          </a:prstGeom>
         </p:spPr>
-        <p:style>
-          <a:lnRef idx="2">
-            <a:schemeClr val="dk1"/>
-          </a:lnRef>
-          <a:fillRef idx="0">
-            <a:schemeClr val="dk1"/>
-          </a:fillRef>
-          <a:effectRef idx="1">
-            <a:schemeClr val="dk1"/>
-          </a:effectRef>
-          <a:fontRef idx="minor">
-            <a:schemeClr val="tx1"/>
-          </a:fontRef>
-        </p:style>
-      </p:cxnSp>
-      <p:cxnSp>
-        <p:nvCxnSpPr>
-          <p:cNvPr id="19" name="Straight Connector 18"/>
-          <p:cNvCxnSpPr/>
-          <p:nvPr/>
-        </p:nvCxnSpPr>
-        <p:spPr>
-          <a:xfrm>
-            <a:off x="5406750" y="3988106"/>
-            <a:ext cx="322021" cy="0"/>
-          </a:xfrm>
-          <a:prstGeom prst="line">
-            <a:avLst/>
-          </a:prstGeom>
-        </p:spPr>
-        <p:style>
-          <a:lnRef idx="2">
-            <a:schemeClr val="dk1"/>
-          </a:lnRef>
-          <a:fillRef idx="0">
-            <a:schemeClr val="dk1"/>
-          </a:fillRef>
-          <a:effectRef idx="1">
-            <a:schemeClr val="dk1"/>
-          </a:effectRef>
-          <a:fontRef idx="minor">
-            <a:schemeClr val="tx1"/>
-          </a:fontRef>
-        </p:style>
-      </p:cxnSp>
-      <p:grpSp>
-        <p:nvGrpSpPr>
-          <p:cNvPr id="20" name="Group 19"/>
-          <p:cNvGrpSpPr/>
-          <p:nvPr/>
-        </p:nvGrpSpPr>
-        <p:grpSpPr>
-          <a:xfrm>
-            <a:off x="5618331" y="561681"/>
-            <a:ext cx="1820115" cy="453337"/>
-            <a:chOff x="0" y="1768387"/>
-            <a:chExt cx="1417884" cy="810002"/>
-          </a:xfrm>
-        </p:grpSpPr>
-        <p:sp>
-          <p:nvSpPr>
-            <p:cNvPr id="21" name="Rounded Rectangle 20"/>
-            <p:cNvSpPr/>
-            <p:nvPr/>
-          </p:nvSpPr>
-          <p:spPr>
-            <a:xfrm>
-              <a:off x="0" y="1768387"/>
-              <a:ext cx="1417884" cy="810002"/>
-            </a:xfrm>
-            <a:prstGeom prst="roundRect">
-              <a:avLst>
-                <a:gd name="adj" fmla="val 10000"/>
-              </a:avLst>
-            </a:prstGeom>
-          </p:spPr>
-          <p:style>
-            <a:lnRef idx="2">
-              <a:schemeClr val="accent2"/>
-            </a:lnRef>
-            <a:fillRef idx="1">
-              <a:schemeClr val="lt1"/>
-            </a:fillRef>
-            <a:effectRef idx="0">
-              <a:schemeClr val="accent2"/>
-            </a:effectRef>
-            <a:fontRef idx="minor">
-              <a:schemeClr val="dk1"/>
-            </a:fontRef>
-          </p:style>
-          <p:txBody>
-            <a:bodyPr/>
-            <a:lstStyle/>
-            <a:p>
-              <a:pPr algn="ctr"/>
-              <a:r>
-                <a:rPr lang="en-US" dirty="0" smtClean="0"/>
-                <a:t>Scripts</a:t>
-              </a:r>
-              <a:endParaRPr lang="en-US" dirty="0"/>
-            </a:p>
-          </p:txBody>
-        </p:sp>
-        <p:sp>
-          <p:nvSpPr>
-            <p:cNvPr id="22" name="Rounded Rectangle 4"/>
-            <p:cNvSpPr/>
-            <p:nvPr/>
-          </p:nvSpPr>
-          <p:spPr>
-            <a:xfrm>
-              <a:off x="23724" y="1792111"/>
-              <a:ext cx="1370436" cy="762554"/>
-            </a:xfrm>
-            <a:prstGeom prst="rect">
-              <a:avLst/>
-            </a:prstGeom>
-          </p:spPr>
-          <p:style>
-            <a:lnRef idx="0">
-              <a:scrgbClr r="0" g="0" b="0"/>
-            </a:lnRef>
-            <a:fillRef idx="0">
-              <a:scrgbClr r="0" g="0" b="0"/>
-            </a:fillRef>
-            <a:effectRef idx="0">
-              <a:scrgbClr r="0" g="0" b="0"/>
-            </a:effectRef>
-            <a:fontRef idx="minor">
-              <a:schemeClr val="lt1"/>
-            </a:fontRef>
-          </p:style>
-          <p:txBody>
-            <a:bodyPr spcFirstLastPara="0" vert="horz" wrap="square" lIns="6985" tIns="6985" rIns="6985" bIns="6985" numCol="1" spcCol="1270" anchor="ctr" anchorCtr="0">
-              <a:noAutofit/>
-            </a:bodyPr>
-            <a:lstStyle/>
-            <a:p>
-              <a:pPr algn="ctr"/>
-              <a:endParaRPr lang="en-US" sz="1100" dirty="0" smtClean="0">
-                <a:solidFill>
-                  <a:schemeClr val="tx1"/>
-                </a:solidFill>
-              </a:endParaRPr>
-            </a:p>
-          </p:txBody>
-        </p:sp>
-      </p:grpSp>
-      <p:cxnSp>
-        <p:nvCxnSpPr>
-          <p:cNvPr id="26" name="Straight Connector 25"/>
-          <p:cNvCxnSpPr/>
-          <p:nvPr/>
-        </p:nvCxnSpPr>
-        <p:spPr>
-          <a:xfrm>
-            <a:off x="5406750" y="5121008"/>
-            <a:ext cx="322021" cy="0"/>
-          </a:xfrm>
-          <a:prstGeom prst="line">
-            <a:avLst/>
-          </a:prstGeom>
-        </p:spPr>
-        <p:style>
-          <a:lnRef idx="2">
-            <a:schemeClr val="dk1"/>
-          </a:lnRef>
-          <a:fillRef idx="0">
-            <a:schemeClr val="dk1"/>
-          </a:fillRef>
-          <a:effectRef idx="1">
-            <a:schemeClr val="dk1"/>
-          </a:effectRef>
-          <a:fontRef idx="minor">
-            <a:schemeClr val="tx1"/>
-          </a:fontRef>
-        </p:style>
-      </p:cxnSp>
-      <p:cxnSp>
-        <p:nvCxnSpPr>
-          <p:cNvPr id="27" name="Straight Connector 26"/>
-          <p:cNvCxnSpPr/>
-          <p:nvPr/>
-        </p:nvCxnSpPr>
-        <p:spPr>
-          <a:xfrm>
-            <a:off x="5420173" y="5636964"/>
-            <a:ext cx="322021" cy="0"/>
-          </a:xfrm>
-          <a:prstGeom prst="line">
-            <a:avLst/>
-          </a:prstGeom>
-        </p:spPr>
-        <p:style>
-          <a:lnRef idx="2">
-            <a:schemeClr val="dk1"/>
-          </a:lnRef>
-          <a:fillRef idx="0">
-            <a:schemeClr val="dk1"/>
-          </a:fillRef>
-          <a:effectRef idx="1">
-            <a:schemeClr val="dk1"/>
-          </a:effectRef>
-          <a:fontRef idx="minor">
-            <a:schemeClr val="tx1"/>
-          </a:fontRef>
-        </p:style>
-      </p:cxnSp>
-      <p:cxnSp>
-        <p:nvCxnSpPr>
-          <p:cNvPr id="28" name="Straight Connector 27"/>
-          <p:cNvCxnSpPr/>
-          <p:nvPr/>
-        </p:nvCxnSpPr>
-        <p:spPr>
-          <a:xfrm>
-            <a:off x="5911690" y="4109971"/>
-            <a:ext cx="8610" cy="561181"/>
-          </a:xfrm>
-          <a:prstGeom prst="line">
-            <a:avLst/>
-          </a:prstGeom>
-        </p:spPr>
-        <p:style>
-          <a:lnRef idx="2">
-            <a:schemeClr val="dk1"/>
-          </a:lnRef>
-          <a:fillRef idx="0">
-            <a:schemeClr val="dk1"/>
-          </a:fillRef>
-          <a:effectRef idx="1">
-            <a:schemeClr val="dk1"/>
-          </a:effectRef>
-          <a:fontRef idx="minor">
-            <a:schemeClr val="tx1"/>
-          </a:fontRef>
-        </p:style>
-      </p:cxnSp>
-      <p:cxnSp>
-        <p:nvCxnSpPr>
-          <p:cNvPr id="31" name="Straight Connector 30"/>
-          <p:cNvCxnSpPr/>
-          <p:nvPr/>
-        </p:nvCxnSpPr>
-        <p:spPr>
-          <a:xfrm>
-            <a:off x="5920300" y="4316537"/>
-            <a:ext cx="347535" cy="3672"/>
-          </a:xfrm>
-          <a:prstGeom prst="line">
-            <a:avLst/>
-          </a:prstGeom>
-        </p:spPr>
-        <p:style>
-          <a:lnRef idx="2">
-            <a:schemeClr val="dk1"/>
-          </a:lnRef>
-          <a:fillRef idx="0">
-            <a:schemeClr val="dk1"/>
-          </a:fillRef>
-          <a:effectRef idx="1">
-            <a:schemeClr val="dk1"/>
-          </a:effectRef>
-          <a:fontRef idx="minor">
-            <a:schemeClr val="tx1"/>
-          </a:fontRef>
-        </p:style>
-      </p:cxnSp>
-      <p:cxnSp>
-        <p:nvCxnSpPr>
-          <p:cNvPr id="36" name="Straight Connector 35"/>
-          <p:cNvCxnSpPr/>
-          <p:nvPr/>
-        </p:nvCxnSpPr>
-        <p:spPr>
-          <a:xfrm>
-            <a:off x="5920300" y="4568089"/>
-            <a:ext cx="347535" cy="3672"/>
-          </a:xfrm>
-          <a:prstGeom prst="line">
-            <a:avLst/>
-          </a:prstGeom>
-        </p:spPr>
-        <p:style>
-          <a:lnRef idx="2">
-            <a:schemeClr val="dk1"/>
-          </a:lnRef>
-          <a:fillRef idx="0">
-            <a:schemeClr val="dk1"/>
-          </a:fillRef>
-          <a:effectRef idx="1">
-            <a:schemeClr val="dk1"/>
-          </a:effectRef>
-          <a:fontRef idx="minor">
-            <a:schemeClr val="tx1"/>
-          </a:fontRef>
-        </p:style>
-      </p:cxnSp>
-      <p:cxnSp>
-        <p:nvCxnSpPr>
-          <p:cNvPr id="37" name="Straight Connector 36"/>
-          <p:cNvCxnSpPr/>
-          <p:nvPr/>
-        </p:nvCxnSpPr>
-        <p:spPr>
-          <a:xfrm>
-            <a:off x="6471959" y="4825149"/>
-            <a:ext cx="173768" cy="0"/>
-          </a:xfrm>
-          <a:prstGeom prst="line">
-            <a:avLst/>
-          </a:prstGeom>
-        </p:spPr>
-        <p:style>
-          <a:lnRef idx="2">
-            <a:schemeClr val="dk1"/>
-          </a:lnRef>
-          <a:fillRef idx="0">
-            <a:schemeClr val="dk1"/>
-          </a:fillRef>
-          <a:effectRef idx="1">
-            <a:schemeClr val="dk1"/>
-          </a:effectRef>
-          <a:fontRef idx="minor">
-            <a:schemeClr val="tx1"/>
-          </a:fontRef>
-        </p:style>
-      </p:cxnSp>
-      <p:cxnSp>
-        <p:nvCxnSpPr>
-          <p:cNvPr id="39" name="Straight Connector 38"/>
-          <p:cNvCxnSpPr/>
-          <p:nvPr/>
-        </p:nvCxnSpPr>
-        <p:spPr>
-          <a:xfrm>
-            <a:off x="6471959" y="4632933"/>
-            <a:ext cx="0" cy="280590"/>
-          </a:xfrm>
-          <a:prstGeom prst="line">
-            <a:avLst/>
-          </a:prstGeom>
-        </p:spPr>
-        <p:style>
-          <a:lnRef idx="2">
-            <a:schemeClr val="dk1"/>
-          </a:lnRef>
-          <a:fillRef idx="0">
-            <a:schemeClr val="dk1"/>
-          </a:fillRef>
-          <a:effectRef idx="1">
-            <a:schemeClr val="dk1"/>
-          </a:effectRef>
-          <a:fontRef idx="minor">
-            <a:schemeClr val="tx1"/>
-          </a:fontRef>
-        </p:style>
-      </p:cxnSp>
-      <p:cxnSp>
-        <p:nvCxnSpPr>
-          <p:cNvPr id="41" name="Straight Connector 40"/>
-          <p:cNvCxnSpPr/>
-          <p:nvPr/>
-        </p:nvCxnSpPr>
-        <p:spPr>
-          <a:xfrm>
-            <a:off x="6094067" y="5374156"/>
-            <a:ext cx="173768" cy="0"/>
-          </a:xfrm>
-          <a:prstGeom prst="line">
-            <a:avLst/>
-          </a:prstGeom>
-        </p:spPr>
-        <p:style>
-          <a:lnRef idx="2">
-            <a:schemeClr val="dk1"/>
-          </a:lnRef>
-          <a:fillRef idx="0">
-            <a:schemeClr val="dk1"/>
-          </a:fillRef>
-          <a:effectRef idx="1">
-            <a:schemeClr val="dk1"/>
-          </a:effectRef>
-          <a:fontRef idx="minor">
-            <a:schemeClr val="tx1"/>
-          </a:fontRef>
-        </p:style>
-      </p:cxnSp>
-      <p:cxnSp>
-        <p:nvCxnSpPr>
-          <p:cNvPr id="42" name="Straight Connector 41"/>
-          <p:cNvCxnSpPr/>
-          <p:nvPr/>
-        </p:nvCxnSpPr>
-        <p:spPr>
-          <a:xfrm>
-            <a:off x="6094067" y="5181940"/>
-            <a:ext cx="0" cy="280590"/>
-          </a:xfrm>
-          <a:prstGeom prst="line">
-            <a:avLst/>
-          </a:prstGeom>
-        </p:spPr>
-        <p:style>
-          <a:lnRef idx="2">
-            <a:schemeClr val="dk1"/>
-          </a:lnRef>
-          <a:fillRef idx="0">
-            <a:schemeClr val="dk1"/>
-          </a:fillRef>
-          <a:effectRef idx="1">
-            <a:schemeClr val="dk1"/>
-          </a:effectRef>
-          <a:fontRef idx="minor">
-            <a:schemeClr val="tx1"/>
-          </a:fontRef>
-        </p:style>
-      </p:cxnSp>
-      <p:cxnSp>
-        <p:nvCxnSpPr>
-          <p:cNvPr id="43" name="Straight Connector 42"/>
-          <p:cNvCxnSpPr/>
-          <p:nvPr/>
-        </p:nvCxnSpPr>
-        <p:spPr>
-          <a:xfrm>
-            <a:off x="6124521" y="5925000"/>
-            <a:ext cx="173768" cy="0"/>
-          </a:xfrm>
-          <a:prstGeom prst="line">
-            <a:avLst/>
-          </a:prstGeom>
-        </p:spPr>
-        <p:style>
-          <a:lnRef idx="2">
-            <a:schemeClr val="dk1"/>
-          </a:lnRef>
-          <a:fillRef idx="0">
-            <a:schemeClr val="dk1"/>
-          </a:fillRef>
-          <a:effectRef idx="1">
-            <a:schemeClr val="dk1"/>
-          </a:effectRef>
-          <a:fontRef idx="minor">
-            <a:schemeClr val="tx1"/>
-          </a:fontRef>
-        </p:style>
-      </p:cxnSp>
-      <p:cxnSp>
-        <p:nvCxnSpPr>
-          <p:cNvPr id="44" name="Straight Connector 43"/>
-          <p:cNvCxnSpPr/>
-          <p:nvPr/>
-        </p:nvCxnSpPr>
-        <p:spPr>
-          <a:xfrm>
-            <a:off x="6124521" y="5732784"/>
-            <a:ext cx="0" cy="280590"/>
-          </a:xfrm>
-          <a:prstGeom prst="line">
-            <a:avLst/>
-          </a:prstGeom>
-        </p:spPr>
-        <p:style>
-          <a:lnRef idx="2">
-            <a:schemeClr val="dk1"/>
-          </a:lnRef>
-          <a:fillRef idx="0">
-            <a:schemeClr val="dk1"/>
-          </a:fillRef>
-          <a:effectRef idx="1">
-            <a:schemeClr val="dk1"/>
-          </a:effectRef>
-          <a:fontRef idx="minor">
-            <a:schemeClr val="tx1"/>
-          </a:fontRef>
-        </p:style>
-      </p:cxnSp>
+      </p:pic>
     </p:spTree>
     <p:extLst>
       <p:ext uri="{BB962C8B-B14F-4D97-AF65-F5344CB8AC3E}">
-        <p14:creationId xmlns:p14="http://schemas.microsoft.com/office/powerpoint/2010/main" val="1256986985"/>
+        <p14:creationId xmlns:p14="http://schemas.microsoft.com/office/powerpoint/2010/main" val="3511884623"/>
       </p:ext>
     </p:extLst>
   </p:cSld>
@@ -21107,7 +22813,7 @@
       </p:grpSpPr>
       <p:sp>
         <p:nvSpPr>
-          <p:cNvPr id="9" name="Title 8"/>
+          <p:cNvPr id="5" name="Title 4"/>
           <p:cNvSpPr>
             <a:spLocks noGrp="1"/>
           </p:cNvSpPr>
@@ -21117,8 +22823,8 @@
         </p:nvSpPr>
         <p:spPr>
           <a:xfrm>
-            <a:off x="546652" y="585216"/>
-            <a:ext cx="2423160" cy="429802"/>
+            <a:off x="288234" y="585216"/>
+            <a:ext cx="5821018" cy="705578"/>
           </a:xfrm>
         </p:spPr>
         <p:txBody>
@@ -21126,16 +22832,16 @@
           <a:lstStyle/>
           <a:p>
             <a:r>
-              <a:rPr lang="en-US" dirty="0" smtClean="0"/>
-              <a:t>What is Yeoman? </a:t>
-            </a:r>
-            <a:endParaRPr lang="en-US" dirty="0"/>
+              <a:rPr lang="en-US" sz="5400" dirty="0" smtClean="0"/>
+              <a:t>Why Generators?</a:t>
+            </a:r>
+            <a:endParaRPr lang="en-US" sz="5400" dirty="0"/>
           </a:p>
         </p:txBody>
       </p:sp>
       <p:sp>
         <p:nvSpPr>
-          <p:cNvPr id="12" name="Vertical Text Placeholder 11"/>
+          <p:cNvPr id="9" name="Vertical Text Placeholder 8"/>
           <p:cNvSpPr>
             <a:spLocks noGrp="1"/>
           </p:cNvSpPr>
@@ -21145,8 +22851,8 @@
         </p:nvSpPr>
         <p:spPr>
           <a:xfrm>
-            <a:off x="546651" y="1203761"/>
-            <a:ext cx="3813313" cy="1693859"/>
+            <a:off x="288234" y="1720596"/>
+            <a:ext cx="5821018" cy="4279392"/>
           </a:xfrm>
         </p:spPr>
         <p:txBody>
@@ -21155,1195 +22861,91 @@
           <a:p>
             <a:pPr lvl="0"/>
             <a:r>
-              <a:rPr lang="en-US" sz="1400" dirty="0" smtClean="0"/>
-              <a:t>A yeoman generator is kind of a middleware which takes our code and talks to node(fs) to scaffold our application.</a:t>
+              <a:rPr lang="en-US" sz="2400" i="1" dirty="0" smtClean="0"/>
+              <a:t>Setting up a new project from scratch! </a:t>
             </a:r>
           </a:p>
           <a:p>
             <a:pPr lvl="0"/>
-            <a:endParaRPr lang="en-US" sz="1400" dirty="0"/>
+            <a:r>
+              <a:rPr lang="en-US" sz="2400" i="1" dirty="0" smtClean="0"/>
+              <a:t>A hectic </a:t>
+            </a:r>
+            <a:r>
+              <a:rPr lang="en-US" sz="2400" i="1" dirty="0" smtClean="0"/>
+              <a:t>job! </a:t>
+            </a:r>
+          </a:p>
+          <a:p>
+            <a:pPr lvl="0"/>
+            <a:endParaRPr lang="en-US" sz="2400" dirty="0"/>
+          </a:p>
+          <a:p>
+            <a:pPr marL="342900" lvl="0" indent="-342900">
+              <a:buFont typeface="+mj-lt"/>
+              <a:buAutoNum type="arabicPeriod"/>
+            </a:pPr>
+            <a:r>
+              <a:rPr lang="en-US" sz="2400" dirty="0" smtClean="0"/>
+              <a:t>Time consuming</a:t>
+            </a:r>
+            <a:endParaRPr lang="en-US" sz="2400" dirty="0"/>
+          </a:p>
+          <a:p>
+            <a:pPr marL="228600" lvl="0" indent="-228600">
+              <a:buFont typeface="+mj-lt"/>
+              <a:buAutoNum type="arabicPeriod"/>
+            </a:pPr>
+            <a:r>
+              <a:rPr lang="en-US" sz="2400" dirty="0" smtClean="0"/>
+              <a:t>  Complex </a:t>
+            </a:r>
+            <a:r>
+              <a:rPr lang="en-US" sz="2400" dirty="0" smtClean="0"/>
+              <a:t>folder structure </a:t>
+            </a:r>
+            <a:endParaRPr lang="en-US" sz="2400" dirty="0"/>
+          </a:p>
+          <a:p>
+            <a:pPr lvl="0"/>
+            <a:endParaRPr lang="en-US" sz="2400" dirty="0"/>
           </a:p>
         </p:txBody>
       </p:sp>
-      <p:sp>
-        <p:nvSpPr>
-          <p:cNvPr id="7" name="Title 8"/>
-          <p:cNvSpPr txBox="1">
-            <a:spLocks/>
-          </p:cNvSpPr>
-          <p:nvPr/>
-        </p:nvSpPr>
+      <p:pic>
+        <p:nvPicPr>
+          <p:cNvPr id="20" name="Picture Placeholder 19"/>
+          <p:cNvPicPr>
+            <a:picLocks noGrp="1" noChangeAspect="1"/>
+          </p:cNvPicPr>
+          <p:nvPr>
+            <p:ph type="pic" sz="quarter" idx="11"/>
+          </p:nvPr>
+        </p:nvPicPr>
+        <p:blipFill>
+          <a:blip r:embed="rId2">
+            <a:extLst>
+              <a:ext uri="{28A0092B-C50C-407E-A947-70E740481C1C}">
+                <a14:useLocalDpi xmlns:a14="http://schemas.microsoft.com/office/drawing/2010/main" val="0"/>
+              </a:ext>
+            </a:extLst>
+          </a:blip>
+          <a:srcRect l="2196" r="2196"/>
+          <a:stretch>
+            <a:fillRect/>
+          </a:stretch>
+        </p:blipFill>
         <p:spPr>
           <a:xfrm>
-            <a:off x="546652" y="2917131"/>
-            <a:ext cx="2423160" cy="375667"/>
+            <a:off x="6281530" y="0"/>
+            <a:ext cx="5907295" cy="6858000"/>
           </a:xfrm>
-          <a:prstGeom prst="rect">
-            <a:avLst/>
-          </a:prstGeom>
         </p:spPr>
-        <p:txBody>
-          <a:bodyPr vert="horz" lIns="0" tIns="0" rIns="0" bIns="0" rtlCol="0" anchor="t" anchorCtr="0">
-            <a:noAutofit/>
-          </a:bodyPr>
-          <a:lstStyle>
-            <a:lvl1pPr algn="l" defTabSz="457200" rtl="0" eaLnBrk="1" latinLnBrk="0" hangingPunct="1">
-              <a:lnSpc>
-                <a:spcPct val="110000"/>
-              </a:lnSpc>
-              <a:spcBef>
-                <a:spcPct val="0"/>
-              </a:spcBef>
-              <a:buNone/>
-              <a:defRPr sz="2100" kern="1200" spc="30" baseline="0">
-                <a:solidFill>
-                  <a:schemeClr val="tx1"/>
-                </a:solidFill>
-                <a:latin typeface="MillerDisplay"/>
-                <a:ea typeface="+mj-ea"/>
-                <a:cs typeface="+mj-cs"/>
-              </a:defRPr>
-            </a:lvl1pPr>
-          </a:lstStyle>
-          <a:p>
-            <a:r>
-              <a:rPr lang="en-US" dirty="0" smtClean="0"/>
-              <a:t>Why not Yeoman?</a:t>
-            </a:r>
-            <a:endParaRPr lang="en-US" dirty="0"/>
-          </a:p>
-        </p:txBody>
-      </p:sp>
-      <p:sp>
-        <p:nvSpPr>
-          <p:cNvPr id="8" name="Vertical Text Placeholder 11"/>
-          <p:cNvSpPr txBox="1">
-            <a:spLocks/>
-          </p:cNvSpPr>
-          <p:nvPr/>
-        </p:nvSpPr>
-        <p:spPr>
-          <a:xfrm>
-            <a:off x="546651" y="3429000"/>
-            <a:ext cx="3680791" cy="2216426"/>
-          </a:xfrm>
-          <a:prstGeom prst="rect">
-            <a:avLst/>
-          </a:prstGeom>
-        </p:spPr>
-        <p:txBody>
-          <a:bodyPr vert="horz" lIns="0" tIns="0" rIns="0" bIns="0" numCol="1" spcCol="384048" rtlCol="0" anchor="t" anchorCtr="0">
-            <a:noAutofit/>
-          </a:bodyPr>
-          <a:lstStyle>
-            <a:lvl1pPr marL="0" indent="0" algn="l" defTabSz="457200" rtl="0" eaLnBrk="1" latinLnBrk="0" hangingPunct="1">
-              <a:lnSpc>
-                <a:spcPct val="150000"/>
-              </a:lnSpc>
-              <a:spcBef>
-                <a:spcPts val="0"/>
-              </a:spcBef>
-              <a:spcAft>
-                <a:spcPts val="0"/>
-              </a:spcAft>
-              <a:buFontTx/>
-              <a:buNone/>
-              <a:defRPr sz="1100" b="0" i="0" kern="1200">
-                <a:solidFill>
-                  <a:schemeClr val="tx1"/>
-                </a:solidFill>
-                <a:latin typeface="Gotham Book"/>
-                <a:ea typeface="+mn-ea"/>
-                <a:cs typeface="Gotham Book"/>
-              </a:defRPr>
-            </a:lvl1pPr>
-            <a:lvl2pPr marL="177800" indent="-177800" algn="l" defTabSz="457200" rtl="0" eaLnBrk="1" latinLnBrk="0" hangingPunct="1">
-              <a:lnSpc>
-                <a:spcPct val="150000"/>
-              </a:lnSpc>
-              <a:spcBef>
-                <a:spcPts val="0"/>
-              </a:spcBef>
-              <a:spcAft>
-                <a:spcPts val="0"/>
-              </a:spcAft>
-              <a:buClr>
-                <a:schemeClr val="accent1">
-                  <a:lumMod val="50000"/>
-                </a:schemeClr>
-              </a:buClr>
-              <a:buFont typeface="Wingdings" charset="2"/>
-              <a:buChar char="§"/>
-              <a:defRPr sz="1100" b="0" i="0" kern="1200">
-                <a:solidFill>
-                  <a:schemeClr val="tx1"/>
-                </a:solidFill>
-                <a:latin typeface="Gotham Book"/>
-                <a:ea typeface="+mn-ea"/>
-                <a:cs typeface="Gotham Book"/>
-              </a:defRPr>
-            </a:lvl2pPr>
-            <a:lvl3pPr marL="342900" indent="-165100" algn="l" defTabSz="457200" rtl="0" eaLnBrk="1" latinLnBrk="0" hangingPunct="1">
-              <a:lnSpc>
-                <a:spcPct val="150000"/>
-              </a:lnSpc>
-              <a:spcBef>
-                <a:spcPts val="0"/>
-              </a:spcBef>
-              <a:spcAft>
-                <a:spcPts val="0"/>
-              </a:spcAft>
-              <a:buClr>
-                <a:schemeClr val="accent1">
-                  <a:lumMod val="50000"/>
-                </a:schemeClr>
-              </a:buClr>
-              <a:buFont typeface="Wingdings" charset="2"/>
-              <a:buChar char="§"/>
-              <a:defRPr sz="1100" b="0" i="0" kern="1200" baseline="0">
-                <a:solidFill>
-                  <a:schemeClr val="tx1"/>
-                </a:solidFill>
-                <a:latin typeface="Gotham Book"/>
-                <a:ea typeface="+mn-ea"/>
-                <a:cs typeface="Gotham Book"/>
-              </a:defRPr>
-            </a:lvl3pPr>
-            <a:lvl4pPr marL="520700" indent="-177800" algn="l" defTabSz="457200" rtl="0" eaLnBrk="1" latinLnBrk="0" hangingPunct="1">
-              <a:lnSpc>
-                <a:spcPct val="150000"/>
-              </a:lnSpc>
-              <a:spcBef>
-                <a:spcPts val="0"/>
-              </a:spcBef>
-              <a:spcAft>
-                <a:spcPts val="0"/>
-              </a:spcAft>
-              <a:buClr>
-                <a:schemeClr val="accent1">
-                  <a:lumMod val="50000"/>
-                </a:schemeClr>
-              </a:buClr>
-              <a:buFont typeface="Wingdings" charset="2"/>
-              <a:buChar char="§"/>
-              <a:defRPr sz="1100" b="0" i="0" kern="1200">
-                <a:solidFill>
-                  <a:schemeClr val="tx1"/>
-                </a:solidFill>
-                <a:latin typeface="Gotham Book"/>
-                <a:ea typeface="+mn-ea"/>
-                <a:cs typeface="Gotham Book"/>
-              </a:defRPr>
-            </a:lvl4pPr>
-            <a:lvl5pPr marL="692150" indent="-171450" algn="l" defTabSz="457200" rtl="0" eaLnBrk="1" latinLnBrk="0" hangingPunct="1">
-              <a:lnSpc>
-                <a:spcPct val="150000"/>
-              </a:lnSpc>
-              <a:spcBef>
-                <a:spcPts val="0"/>
-              </a:spcBef>
-              <a:spcAft>
-                <a:spcPts val="250"/>
-              </a:spcAft>
-              <a:buClr>
-                <a:schemeClr val="accent1">
-                  <a:lumMod val="50000"/>
-                </a:schemeClr>
-              </a:buClr>
-              <a:buFont typeface="Wingdings" charset="2"/>
-              <a:buChar char="§"/>
-              <a:defRPr sz="1100" b="0" i="0" kern="1200">
-                <a:solidFill>
-                  <a:schemeClr val="tx1"/>
-                </a:solidFill>
-                <a:latin typeface="Gotham Book"/>
-                <a:ea typeface="+mn-ea"/>
-                <a:cs typeface="Gotham Book"/>
-              </a:defRPr>
-            </a:lvl5pPr>
-            <a:lvl6pPr marL="685800" indent="-165100" algn="l" defTabSz="457200" rtl="0" eaLnBrk="1" latinLnBrk="0" hangingPunct="1">
-              <a:lnSpc>
-                <a:spcPct val="150000"/>
-              </a:lnSpc>
-              <a:spcBef>
-                <a:spcPts val="0"/>
-              </a:spcBef>
-              <a:spcAft>
-                <a:spcPts val="0"/>
-              </a:spcAft>
-              <a:buClr>
-                <a:schemeClr val="accent1">
-                  <a:lumMod val="50000"/>
-                </a:schemeClr>
-              </a:buClr>
-              <a:buFont typeface="Wingdings" charset="2"/>
-              <a:buChar char="§"/>
-              <a:defRPr sz="1100" b="0" i="0" kern="1200">
-                <a:solidFill>
-                  <a:schemeClr val="tx1"/>
-                </a:solidFill>
-                <a:latin typeface="Gotham Book"/>
-                <a:ea typeface="+mn-ea"/>
-                <a:cs typeface="Gotham Book"/>
-              </a:defRPr>
-            </a:lvl6pPr>
-            <a:lvl7pPr marL="2971800" indent="-228600" algn="l" defTabSz="457200" rtl="0" eaLnBrk="1" latinLnBrk="0" hangingPunct="1">
-              <a:spcBef>
-                <a:spcPct val="20000"/>
-              </a:spcBef>
-              <a:buFont typeface="Arial"/>
-              <a:buChar char="•"/>
-              <a:defRPr sz="2000" kern="1200">
-                <a:solidFill>
-                  <a:schemeClr val="tx1"/>
-                </a:solidFill>
-                <a:latin typeface="+mn-lt"/>
-                <a:ea typeface="+mn-ea"/>
-                <a:cs typeface="+mn-cs"/>
-              </a:defRPr>
-            </a:lvl7pPr>
-            <a:lvl8pPr marL="3429000" indent="-228600" algn="l" defTabSz="457200" rtl="0" eaLnBrk="1" latinLnBrk="0" hangingPunct="1">
-              <a:spcBef>
-                <a:spcPct val="20000"/>
-              </a:spcBef>
-              <a:buFont typeface="Arial"/>
-              <a:buChar char="•"/>
-              <a:defRPr sz="2000" kern="1200">
-                <a:solidFill>
-                  <a:schemeClr val="tx1"/>
-                </a:solidFill>
-                <a:latin typeface="+mn-lt"/>
-                <a:ea typeface="+mn-ea"/>
-                <a:cs typeface="+mn-cs"/>
-              </a:defRPr>
-            </a:lvl8pPr>
-            <a:lvl9pPr marL="3886200" indent="-228600" algn="l" defTabSz="457200" rtl="0" eaLnBrk="1" latinLnBrk="0" hangingPunct="1">
-              <a:spcBef>
-                <a:spcPct val="20000"/>
-              </a:spcBef>
-              <a:buFont typeface="Arial"/>
-              <a:buChar char="•"/>
-              <a:defRPr sz="2000" kern="1200">
-                <a:solidFill>
-                  <a:schemeClr val="tx1"/>
-                </a:solidFill>
-                <a:latin typeface="+mn-lt"/>
-                <a:ea typeface="+mn-ea"/>
-                <a:cs typeface="+mn-cs"/>
-              </a:defRPr>
-            </a:lvl9pPr>
-          </a:lstStyle>
-          <a:p>
-            <a:pPr marL="285750" indent="-285750">
-              <a:buFont typeface="Arial" panose="020B0604020202020204" pitchFamily="34" charset="0"/>
-              <a:buChar char="•"/>
-            </a:pPr>
-            <a:r>
-              <a:rPr lang="en-US" sz="1400" dirty="0" smtClean="0"/>
-              <a:t>Heavy</a:t>
-            </a:r>
-          </a:p>
-          <a:p>
-            <a:pPr marL="285750" indent="-285750">
-              <a:buFont typeface="Arial" panose="020B0604020202020204" pitchFamily="34" charset="0"/>
-              <a:buChar char="•"/>
-            </a:pPr>
-            <a:r>
-              <a:rPr lang="en-US" sz="1400" dirty="0" smtClean="0"/>
-              <a:t>Not server-side compatible</a:t>
-            </a:r>
-            <a:endParaRPr lang="en-US" sz="1400" dirty="0"/>
-          </a:p>
-        </p:txBody>
-      </p:sp>
-      <p:sp>
-        <p:nvSpPr>
-          <p:cNvPr id="6" name="Vertical Text Placeholder 11"/>
-          <p:cNvSpPr txBox="1">
-            <a:spLocks/>
-          </p:cNvSpPr>
-          <p:nvPr/>
-        </p:nvSpPr>
-        <p:spPr>
-          <a:xfrm>
-            <a:off x="5447321" y="529472"/>
-            <a:ext cx="6384795" cy="6025564"/>
-          </a:xfrm>
-          <a:prstGeom prst="rect">
-            <a:avLst/>
-          </a:prstGeom>
-        </p:spPr>
-        <p:txBody>
-          <a:bodyPr vert="horz" lIns="0" tIns="0" rIns="0" bIns="0" numCol="1" spcCol="384048" rtlCol="0" anchor="t" anchorCtr="0">
-            <a:noAutofit/>
-          </a:bodyPr>
-          <a:lstStyle>
-            <a:lvl1pPr marL="0" indent="0" algn="l" defTabSz="457200" rtl="0" eaLnBrk="1" latinLnBrk="0" hangingPunct="1">
-              <a:lnSpc>
-                <a:spcPct val="150000"/>
-              </a:lnSpc>
-              <a:spcBef>
-                <a:spcPts val="0"/>
-              </a:spcBef>
-              <a:spcAft>
-                <a:spcPts val="0"/>
-              </a:spcAft>
-              <a:buFontTx/>
-              <a:buNone/>
-              <a:defRPr sz="1100" b="0" i="0" kern="1200">
-                <a:solidFill>
-                  <a:schemeClr val="tx1"/>
-                </a:solidFill>
-                <a:latin typeface="Gotham Book"/>
-                <a:ea typeface="+mn-ea"/>
-                <a:cs typeface="Gotham Book"/>
-              </a:defRPr>
-            </a:lvl1pPr>
-            <a:lvl2pPr marL="177800" indent="-177800" algn="l" defTabSz="457200" rtl="0" eaLnBrk="1" latinLnBrk="0" hangingPunct="1">
-              <a:lnSpc>
-                <a:spcPct val="150000"/>
-              </a:lnSpc>
-              <a:spcBef>
-                <a:spcPts val="0"/>
-              </a:spcBef>
-              <a:spcAft>
-                <a:spcPts val="0"/>
-              </a:spcAft>
-              <a:buClr>
-                <a:schemeClr val="accent1">
-                  <a:lumMod val="50000"/>
-                </a:schemeClr>
-              </a:buClr>
-              <a:buFont typeface="Wingdings" charset="2"/>
-              <a:buChar char="§"/>
-              <a:defRPr sz="1100" b="0" i="0" kern="1200">
-                <a:solidFill>
-                  <a:schemeClr val="tx1"/>
-                </a:solidFill>
-                <a:latin typeface="Gotham Book"/>
-                <a:ea typeface="+mn-ea"/>
-                <a:cs typeface="Gotham Book"/>
-              </a:defRPr>
-            </a:lvl2pPr>
-            <a:lvl3pPr marL="342900" indent="-165100" algn="l" defTabSz="457200" rtl="0" eaLnBrk="1" latinLnBrk="0" hangingPunct="1">
-              <a:lnSpc>
-                <a:spcPct val="150000"/>
-              </a:lnSpc>
-              <a:spcBef>
-                <a:spcPts val="0"/>
-              </a:spcBef>
-              <a:spcAft>
-                <a:spcPts val="0"/>
-              </a:spcAft>
-              <a:buClr>
-                <a:schemeClr val="accent1">
-                  <a:lumMod val="50000"/>
-                </a:schemeClr>
-              </a:buClr>
-              <a:buFont typeface="Wingdings" charset="2"/>
-              <a:buChar char="§"/>
-              <a:defRPr sz="1100" b="0" i="0" kern="1200" baseline="0">
-                <a:solidFill>
-                  <a:schemeClr val="tx1"/>
-                </a:solidFill>
-                <a:latin typeface="Gotham Book"/>
-                <a:ea typeface="+mn-ea"/>
-                <a:cs typeface="Gotham Book"/>
-              </a:defRPr>
-            </a:lvl3pPr>
-            <a:lvl4pPr marL="520700" indent="-177800" algn="l" defTabSz="457200" rtl="0" eaLnBrk="1" latinLnBrk="0" hangingPunct="1">
-              <a:lnSpc>
-                <a:spcPct val="150000"/>
-              </a:lnSpc>
-              <a:spcBef>
-                <a:spcPts val="0"/>
-              </a:spcBef>
-              <a:spcAft>
-                <a:spcPts val="0"/>
-              </a:spcAft>
-              <a:buClr>
-                <a:schemeClr val="accent1">
-                  <a:lumMod val="50000"/>
-                </a:schemeClr>
-              </a:buClr>
-              <a:buFont typeface="Wingdings" charset="2"/>
-              <a:buChar char="§"/>
-              <a:defRPr sz="1100" b="0" i="0" kern="1200">
-                <a:solidFill>
-                  <a:schemeClr val="tx1"/>
-                </a:solidFill>
-                <a:latin typeface="Gotham Book"/>
-                <a:ea typeface="+mn-ea"/>
-                <a:cs typeface="Gotham Book"/>
-              </a:defRPr>
-            </a:lvl4pPr>
-            <a:lvl5pPr marL="692150" indent="-171450" algn="l" defTabSz="457200" rtl="0" eaLnBrk="1" latinLnBrk="0" hangingPunct="1">
-              <a:lnSpc>
-                <a:spcPct val="150000"/>
-              </a:lnSpc>
-              <a:spcBef>
-                <a:spcPts val="0"/>
-              </a:spcBef>
-              <a:spcAft>
-                <a:spcPts val="250"/>
-              </a:spcAft>
-              <a:buClr>
-                <a:schemeClr val="accent1">
-                  <a:lumMod val="50000"/>
-                </a:schemeClr>
-              </a:buClr>
-              <a:buFont typeface="Wingdings" charset="2"/>
-              <a:buChar char="§"/>
-              <a:defRPr sz="1100" b="0" i="0" kern="1200">
-                <a:solidFill>
-                  <a:schemeClr val="tx1"/>
-                </a:solidFill>
-                <a:latin typeface="Gotham Book"/>
-                <a:ea typeface="+mn-ea"/>
-                <a:cs typeface="Gotham Book"/>
-              </a:defRPr>
-            </a:lvl5pPr>
-            <a:lvl6pPr marL="685800" indent="-165100" algn="l" defTabSz="457200" rtl="0" eaLnBrk="1" latinLnBrk="0" hangingPunct="1">
-              <a:lnSpc>
-                <a:spcPct val="150000"/>
-              </a:lnSpc>
-              <a:spcBef>
-                <a:spcPts val="0"/>
-              </a:spcBef>
-              <a:spcAft>
-                <a:spcPts val="0"/>
-              </a:spcAft>
-              <a:buClr>
-                <a:schemeClr val="accent1">
-                  <a:lumMod val="50000"/>
-                </a:schemeClr>
-              </a:buClr>
-              <a:buFont typeface="Wingdings" charset="2"/>
-              <a:buChar char="§"/>
-              <a:defRPr sz="1100" b="0" i="0" kern="1200">
-                <a:solidFill>
-                  <a:schemeClr val="tx1"/>
-                </a:solidFill>
-                <a:latin typeface="Gotham Book"/>
-                <a:ea typeface="+mn-ea"/>
-                <a:cs typeface="Gotham Book"/>
-              </a:defRPr>
-            </a:lvl6pPr>
-            <a:lvl7pPr marL="2971800" indent="-228600" algn="l" defTabSz="457200" rtl="0" eaLnBrk="1" latinLnBrk="0" hangingPunct="1">
-              <a:spcBef>
-                <a:spcPct val="20000"/>
-              </a:spcBef>
-              <a:buFont typeface="Arial"/>
-              <a:buChar char="•"/>
-              <a:defRPr sz="2000" kern="1200">
-                <a:solidFill>
-                  <a:schemeClr val="tx1"/>
-                </a:solidFill>
-                <a:latin typeface="+mn-lt"/>
-                <a:ea typeface="+mn-ea"/>
-                <a:cs typeface="+mn-cs"/>
-              </a:defRPr>
-            </a:lvl7pPr>
-            <a:lvl8pPr marL="3429000" indent="-228600" algn="l" defTabSz="457200" rtl="0" eaLnBrk="1" latinLnBrk="0" hangingPunct="1">
-              <a:spcBef>
-                <a:spcPct val="20000"/>
-              </a:spcBef>
-              <a:buFont typeface="Arial"/>
-              <a:buChar char="•"/>
-              <a:defRPr sz="2000" kern="1200">
-                <a:solidFill>
-                  <a:schemeClr val="tx1"/>
-                </a:solidFill>
-                <a:latin typeface="+mn-lt"/>
-                <a:ea typeface="+mn-ea"/>
-                <a:cs typeface="+mn-cs"/>
-              </a:defRPr>
-            </a:lvl8pPr>
-            <a:lvl9pPr marL="3886200" indent="-228600" algn="l" defTabSz="457200" rtl="0" eaLnBrk="1" latinLnBrk="0" hangingPunct="1">
-              <a:spcBef>
-                <a:spcPct val="20000"/>
-              </a:spcBef>
-              <a:buFont typeface="Arial"/>
-              <a:buChar char="•"/>
-              <a:defRPr sz="2000" kern="1200">
-                <a:solidFill>
-                  <a:schemeClr val="tx1"/>
-                </a:solidFill>
-                <a:latin typeface="+mn-lt"/>
-                <a:ea typeface="+mn-ea"/>
-                <a:cs typeface="+mn-cs"/>
-              </a:defRPr>
-            </a:lvl9pPr>
-          </a:lstStyle>
-          <a:p>
-            <a:endParaRPr lang="en-US" sz="1400" dirty="0"/>
-          </a:p>
-        </p:txBody>
-      </p:sp>
-      <p:sp>
-        <p:nvSpPr>
-          <p:cNvPr id="2" name="Rectangle 1"/>
-          <p:cNvSpPr/>
-          <p:nvPr/>
-        </p:nvSpPr>
-        <p:spPr>
-          <a:xfrm>
-            <a:off x="5447321" y="911854"/>
-            <a:ext cx="2804313" cy="5509200"/>
-          </a:xfrm>
-          <a:prstGeom prst="rect">
-            <a:avLst/>
-          </a:prstGeom>
-        </p:spPr>
-        <p:txBody>
-          <a:bodyPr wrap="square">
-            <a:spAutoFit/>
-          </a:bodyPr>
-          <a:lstStyle/>
-          <a:p>
-            <a:r>
-              <a:rPr lang="en-US" sz="1100" b="1" dirty="0"/>
-              <a:t>"dependencies": {</a:t>
-            </a:r>
-          </a:p>
-          <a:p>
-            <a:r>
-              <a:rPr lang="en-US" sz="1100" b="1" dirty="0"/>
-              <a:t>    "</a:t>
-            </a:r>
-            <a:r>
-              <a:rPr lang="en-US" sz="1100" b="1" dirty="0" err="1"/>
-              <a:t>async</a:t>
-            </a:r>
-            <a:r>
-              <a:rPr lang="en-US" sz="1100" b="1" dirty="0"/>
-              <a:t>": "^1.0.0",</a:t>
-            </a:r>
-          </a:p>
-          <a:p>
-            <a:r>
-              <a:rPr lang="en-US" sz="1100" b="1" dirty="0"/>
-              <a:t>    "chalk": "^1.0.0",</a:t>
-            </a:r>
-          </a:p>
-          <a:p>
-            <a:r>
-              <a:rPr lang="en-US" sz="1100" b="1" dirty="0"/>
-              <a:t>    "cli-list": "^0.1.1",</a:t>
-            </a:r>
-          </a:p>
-          <a:p>
-            <a:r>
-              <a:rPr lang="en-US" sz="1100" b="1" dirty="0"/>
-              <a:t>    "</a:t>
-            </a:r>
-            <a:r>
-              <a:rPr lang="en-US" sz="1100" b="1" dirty="0" err="1"/>
-              <a:t>configstore</a:t>
-            </a:r>
-            <a:r>
-              <a:rPr lang="en-US" sz="1100" b="1" dirty="0"/>
-              <a:t>": "^1.0.0",</a:t>
-            </a:r>
-          </a:p>
-          <a:p>
-            <a:r>
-              <a:rPr lang="en-US" sz="1100" b="1" dirty="0"/>
-              <a:t>    "cross-spawn": "^3.0.1",</a:t>
-            </a:r>
-          </a:p>
-          <a:p>
-            <a:r>
-              <a:rPr lang="en-US" sz="1100" b="1" dirty="0"/>
-              <a:t>    "figures": "^1.3.5",</a:t>
-            </a:r>
-          </a:p>
-          <a:p>
-            <a:r>
-              <a:rPr lang="en-US" sz="1100" b="1" dirty="0"/>
-              <a:t>    "</a:t>
-            </a:r>
-            <a:r>
-              <a:rPr lang="en-US" sz="1100" b="1" dirty="0" err="1"/>
-              <a:t>fullname</a:t>
-            </a:r>
-            <a:r>
-              <a:rPr lang="en-US" sz="1100" b="1" dirty="0"/>
-              <a:t>": "^2.0.0",</a:t>
-            </a:r>
-          </a:p>
-          <a:p>
-            <a:r>
-              <a:rPr lang="en-US" sz="1100" b="1" dirty="0"/>
-              <a:t>    "got": "^5.0.0",</a:t>
-            </a:r>
-          </a:p>
-          <a:p>
-            <a:r>
-              <a:rPr lang="en-US" sz="1100" b="1" dirty="0"/>
-              <a:t>    "humanize-string": "^1.0.0",</a:t>
-            </a:r>
-          </a:p>
-          <a:p>
-            <a:r>
-              <a:rPr lang="en-US" sz="1100" b="1" dirty="0"/>
-              <a:t>    "inquirer": "^0.11.0",</a:t>
-            </a:r>
-          </a:p>
-          <a:p>
-            <a:r>
-              <a:rPr lang="en-US" sz="1100" b="1" dirty="0"/>
-              <a:t>    "insight": "^0.7.0",</a:t>
-            </a:r>
-          </a:p>
-          <a:p>
-            <a:r>
-              <a:rPr lang="en-US" sz="1100" b="1" dirty="0"/>
-              <a:t>    "</a:t>
-            </a:r>
-            <a:r>
-              <a:rPr lang="en-US" sz="1100" b="1" dirty="0" err="1"/>
-              <a:t>lodash</a:t>
-            </a:r>
-            <a:r>
-              <a:rPr lang="en-US" sz="1100" b="1" dirty="0"/>
-              <a:t>": "^3.2.0",</a:t>
-            </a:r>
-          </a:p>
-          <a:p>
-            <a:r>
-              <a:rPr lang="en-US" sz="1100" b="1" dirty="0"/>
-              <a:t>    "meow": "^3.0.0",</a:t>
-            </a:r>
-          </a:p>
-          <a:p>
-            <a:r>
-              <a:rPr lang="en-US" sz="1100" b="1" dirty="0"/>
-              <a:t>    "</a:t>
-            </a:r>
-            <a:r>
-              <a:rPr lang="en-US" sz="1100" b="1" dirty="0" err="1"/>
-              <a:t>npm</a:t>
-            </a:r>
-            <a:r>
-              <a:rPr lang="en-US" sz="1100" b="1" dirty="0"/>
-              <a:t>-keyword": "^4.1.0",</a:t>
-            </a:r>
-          </a:p>
-          <a:p>
-            <a:r>
-              <a:rPr lang="en-US" sz="1100" b="1" dirty="0"/>
-              <a:t>    "</a:t>
-            </a:r>
-            <a:r>
-              <a:rPr lang="en-US" sz="1100" b="1" dirty="0" err="1"/>
-              <a:t>opn</a:t>
-            </a:r>
-            <a:r>
-              <a:rPr lang="en-US" sz="1100" b="1" dirty="0"/>
-              <a:t>": "^3.0.2",</a:t>
-            </a:r>
-          </a:p>
-          <a:p>
-            <a:r>
-              <a:rPr lang="en-US" sz="1100" b="1" dirty="0"/>
-              <a:t>    "package-</a:t>
-            </a:r>
-            <a:r>
-              <a:rPr lang="en-US" sz="1100" b="1" dirty="0" err="1"/>
-              <a:t>json</a:t>
-            </a:r>
-            <a:r>
-              <a:rPr lang="en-US" sz="1100" b="1" dirty="0"/>
-              <a:t>": "^2.1.0",</a:t>
-            </a:r>
-          </a:p>
-          <a:p>
-            <a:r>
-              <a:rPr lang="en-US" sz="1100" b="1" dirty="0"/>
-              <a:t>    "parse-help": "^0.1.1",</a:t>
-            </a:r>
-          </a:p>
-          <a:p>
-            <a:r>
-              <a:rPr lang="en-US" sz="1100" b="1" dirty="0"/>
-              <a:t>    "read-</a:t>
-            </a:r>
-            <a:r>
-              <a:rPr lang="en-US" sz="1100" b="1" dirty="0" err="1"/>
-              <a:t>pkg</a:t>
-            </a:r>
-            <a:r>
-              <a:rPr lang="en-US" sz="1100" b="1" dirty="0"/>
-              <a:t>-up": "^1.0.1",</a:t>
-            </a:r>
-          </a:p>
-          <a:p>
-            <a:r>
-              <a:rPr lang="en-US" sz="1100" b="1" dirty="0"/>
-              <a:t>    "repeating": "^2.0.0",</a:t>
-            </a:r>
-          </a:p>
-          <a:p>
-            <a:r>
-              <a:rPr lang="en-US" sz="1100" b="1" dirty="0"/>
-              <a:t>    "root-check": "^1.0.0",</a:t>
-            </a:r>
-          </a:p>
-          <a:p>
-            <a:r>
-              <a:rPr lang="en-US" sz="1100" b="1" dirty="0"/>
-              <a:t>    "sort-on": "^1.0.0",</a:t>
-            </a:r>
-          </a:p>
-          <a:p>
-            <a:r>
-              <a:rPr lang="en-US" sz="1100" b="1" dirty="0"/>
-              <a:t>    "string-length": "^1.0.0",</a:t>
-            </a:r>
-          </a:p>
-          <a:p>
-            <a:r>
-              <a:rPr lang="en-US" sz="1100" b="1" dirty="0"/>
-              <a:t>    "</a:t>
-            </a:r>
-            <a:r>
-              <a:rPr lang="en-US" sz="1100" b="1" dirty="0" err="1"/>
-              <a:t>tabtab</a:t>
-            </a:r>
-            <a:r>
-              <a:rPr lang="en-US" sz="1100" b="1" dirty="0"/>
-              <a:t>": "^1.3.0",</a:t>
-            </a:r>
-          </a:p>
-          <a:p>
-            <a:r>
-              <a:rPr lang="en-US" sz="1100" b="1" dirty="0"/>
-              <a:t>    "</a:t>
-            </a:r>
-            <a:r>
-              <a:rPr lang="en-US" sz="1100" b="1" dirty="0" err="1"/>
-              <a:t>titleize</a:t>
-            </a:r>
-            <a:r>
-              <a:rPr lang="en-US" sz="1100" b="1" dirty="0"/>
-              <a:t>": "^1.0.0",</a:t>
-            </a:r>
-          </a:p>
-          <a:p>
-            <a:r>
-              <a:rPr lang="en-US" sz="1100" b="1" dirty="0"/>
-              <a:t>    "update-</a:t>
-            </a:r>
-            <a:r>
-              <a:rPr lang="en-US" sz="1100" b="1" dirty="0" err="1"/>
-              <a:t>notifier</a:t>
-            </a:r>
-            <a:r>
-              <a:rPr lang="en-US" sz="1100" b="1" dirty="0"/>
-              <a:t>": "^0.6.0",</a:t>
-            </a:r>
-          </a:p>
-          <a:p>
-            <a:r>
-              <a:rPr lang="en-US" sz="1100" b="1" dirty="0"/>
-              <a:t>    "user-home": "^2.0.0",</a:t>
-            </a:r>
-          </a:p>
-          <a:p>
-            <a:r>
-              <a:rPr lang="en-US" sz="1100" b="1" dirty="0"/>
-              <a:t>    "yeoman-character": "^1.0.0",</a:t>
-            </a:r>
-          </a:p>
-          <a:p>
-            <a:r>
-              <a:rPr lang="en-US" sz="1100" b="1" dirty="0"/>
-              <a:t>    "yeoman-doctor": "^2.0.0",</a:t>
-            </a:r>
-          </a:p>
-          <a:p>
-            <a:r>
-              <a:rPr lang="en-US" sz="1100" b="1" dirty="0"/>
-              <a:t>    "yeoman-environment": "^1.6.1",</a:t>
-            </a:r>
-          </a:p>
-          <a:p>
-            <a:r>
-              <a:rPr lang="en-US" sz="1100" b="1" dirty="0"/>
-              <a:t>    "</a:t>
-            </a:r>
-            <a:r>
-              <a:rPr lang="en-US" sz="1100" b="1" dirty="0" err="1"/>
-              <a:t>yosay</a:t>
-            </a:r>
-            <a:r>
-              <a:rPr lang="en-US" sz="1100" b="1" dirty="0"/>
-              <a:t>": "^1.0.0"</a:t>
-            </a:r>
-          </a:p>
-          <a:p>
-            <a:r>
-              <a:rPr lang="en-US" sz="1100" b="1" dirty="0"/>
-              <a:t>  }</a:t>
-            </a:r>
-          </a:p>
-        </p:txBody>
-      </p:sp>
-      <p:sp>
-        <p:nvSpPr>
-          <p:cNvPr id="10" name="Rectangle 9"/>
-          <p:cNvSpPr/>
-          <p:nvPr/>
-        </p:nvSpPr>
-        <p:spPr>
-          <a:xfrm>
-            <a:off x="8404553" y="911854"/>
-            <a:ext cx="3141124" cy="2970044"/>
-          </a:xfrm>
-          <a:prstGeom prst="rect">
-            <a:avLst/>
-          </a:prstGeom>
-        </p:spPr>
-        <p:txBody>
-          <a:bodyPr wrap="square">
-            <a:spAutoFit/>
-          </a:bodyPr>
-          <a:lstStyle/>
-          <a:p>
-            <a:r>
-              <a:rPr lang="en-US" sz="1100" b="1" dirty="0"/>
-              <a:t>"</a:t>
-            </a:r>
-            <a:r>
-              <a:rPr lang="en-US" sz="1100" b="1" dirty="0" err="1"/>
-              <a:t>devDependencies</a:t>
-            </a:r>
-            <a:r>
-              <a:rPr lang="en-US" sz="1100" b="1" dirty="0"/>
-              <a:t>": {</a:t>
-            </a:r>
-          </a:p>
-          <a:p>
-            <a:r>
-              <a:rPr lang="en-US" sz="1100" b="1" dirty="0"/>
-              <a:t>    "gulp": "^3.6.0",</a:t>
-            </a:r>
-          </a:p>
-          <a:p>
-            <a:r>
-              <a:rPr lang="en-US" sz="1100" b="1" dirty="0"/>
-              <a:t>    "gulp-coveralls": "^0.1.0",</a:t>
-            </a:r>
-          </a:p>
-          <a:p>
-            <a:r>
-              <a:rPr lang="en-US" sz="1100" b="1" dirty="0"/>
-              <a:t>    "gulp-</a:t>
-            </a:r>
-            <a:r>
-              <a:rPr lang="en-US" sz="1100" b="1" dirty="0" err="1"/>
-              <a:t>eslint</a:t>
-            </a:r>
-            <a:r>
-              <a:rPr lang="en-US" sz="1100" b="1" dirty="0"/>
-              <a:t>": "^2.0.0",</a:t>
-            </a:r>
-          </a:p>
-          <a:p>
-            <a:r>
-              <a:rPr lang="en-US" sz="1100" b="1" dirty="0"/>
-              <a:t>    "gulp-exclude-</a:t>
-            </a:r>
-            <a:r>
-              <a:rPr lang="en-US" sz="1100" b="1" dirty="0" err="1"/>
-              <a:t>gitignore</a:t>
-            </a:r>
-            <a:r>
-              <a:rPr lang="en-US" sz="1100" b="1" dirty="0"/>
-              <a:t>": "^1.0.0",</a:t>
-            </a:r>
-          </a:p>
-          <a:p>
-            <a:r>
-              <a:rPr lang="en-US" sz="1100" b="1" dirty="0"/>
-              <a:t>    "gulp-</a:t>
-            </a:r>
-            <a:r>
-              <a:rPr lang="en-US" sz="1100" b="1" dirty="0" err="1"/>
-              <a:t>istanbul</a:t>
-            </a:r>
-            <a:r>
-              <a:rPr lang="en-US" sz="1100" b="1" dirty="0"/>
-              <a:t>": "^0.10.4",</a:t>
-            </a:r>
-          </a:p>
-          <a:p>
-            <a:r>
-              <a:rPr lang="en-US" sz="1100" b="1" dirty="0"/>
-              <a:t>    "gulp-mocha": "^2.0.0",</a:t>
-            </a:r>
-          </a:p>
-          <a:p>
-            <a:r>
-              <a:rPr lang="en-US" sz="1100" b="1" dirty="0"/>
-              <a:t>    "gulp-</a:t>
-            </a:r>
-            <a:r>
-              <a:rPr lang="en-US" sz="1100" b="1" dirty="0" err="1"/>
-              <a:t>nsp</a:t>
-            </a:r>
-            <a:r>
-              <a:rPr lang="en-US" sz="1100" b="1" dirty="0"/>
-              <a:t>": "^2.1.0",</a:t>
-            </a:r>
-          </a:p>
-          <a:p>
-            <a:r>
-              <a:rPr lang="en-US" sz="1100" b="1" dirty="0"/>
-              <a:t>    "gulp-plumber": "^1.0.0",</a:t>
-            </a:r>
-          </a:p>
-          <a:p>
-            <a:r>
-              <a:rPr lang="en-US" sz="1100" b="1" dirty="0"/>
-              <a:t>    "mocha": "^2.1.0",</a:t>
-            </a:r>
-          </a:p>
-          <a:p>
-            <a:r>
-              <a:rPr lang="en-US" sz="1100" b="1" dirty="0"/>
-              <a:t>    "mockery": "^1.4.0",</a:t>
-            </a:r>
-          </a:p>
-          <a:p>
-            <a:r>
-              <a:rPr lang="en-US" sz="1100" b="1" dirty="0"/>
-              <a:t>    "nock": "^8.0.0",</a:t>
-            </a:r>
-          </a:p>
-          <a:p>
-            <a:r>
-              <a:rPr lang="en-US" sz="1100" b="1" dirty="0"/>
-              <a:t>    "</a:t>
-            </a:r>
-            <a:r>
-              <a:rPr lang="en-US" sz="1100" b="1" dirty="0" err="1"/>
-              <a:t>nsp</a:t>
-            </a:r>
-            <a:r>
-              <a:rPr lang="en-US" sz="1100" b="1" dirty="0"/>
-              <a:t>": "^2.2.0",</a:t>
-            </a:r>
-          </a:p>
-          <a:p>
-            <a:r>
-              <a:rPr lang="en-US" sz="1100" b="1" dirty="0"/>
-              <a:t>    "</a:t>
-            </a:r>
-            <a:r>
-              <a:rPr lang="en-US" sz="1100" b="1" dirty="0" err="1"/>
-              <a:t>proxyquire</a:t>
-            </a:r>
-            <a:r>
-              <a:rPr lang="en-US" sz="1100" b="1" dirty="0"/>
-              <a:t>": "^1.0.1",</a:t>
-            </a:r>
-          </a:p>
-          <a:p>
-            <a:r>
-              <a:rPr lang="en-US" sz="1100" b="1" dirty="0"/>
-              <a:t>    "registry-</a:t>
-            </a:r>
-            <a:r>
-              <a:rPr lang="en-US" sz="1100" b="1" dirty="0" err="1"/>
-              <a:t>url</a:t>
-            </a:r>
-            <a:r>
-              <a:rPr lang="en-US" sz="1100" b="1" dirty="0"/>
-              <a:t>": "^3.0.0",</a:t>
-            </a:r>
-          </a:p>
-          <a:p>
-            <a:r>
-              <a:rPr lang="en-US" sz="1100" b="1" dirty="0"/>
-              <a:t>    "</a:t>
-            </a:r>
-            <a:r>
-              <a:rPr lang="en-US" sz="1100" b="1" dirty="0" err="1"/>
-              <a:t>sinon</a:t>
-            </a:r>
-            <a:r>
-              <a:rPr lang="en-US" sz="1100" b="1" dirty="0"/>
-              <a:t>": "^1.12.1"</a:t>
-            </a:r>
-          </a:p>
-          <a:p>
-            <a:r>
-              <a:rPr lang="en-US" sz="1100" b="1" dirty="0"/>
-              <a:t>  }</a:t>
-            </a:r>
-          </a:p>
-        </p:txBody>
-      </p:sp>
-      <p:sp>
-        <p:nvSpPr>
-          <p:cNvPr id="11" name="Title 8"/>
-          <p:cNvSpPr txBox="1">
-            <a:spLocks/>
-          </p:cNvSpPr>
-          <p:nvPr/>
-        </p:nvSpPr>
-        <p:spPr>
-          <a:xfrm>
-            <a:off x="5733761" y="307814"/>
-            <a:ext cx="5558528" cy="429802"/>
-          </a:xfrm>
-          <a:prstGeom prst="rect">
-            <a:avLst/>
-          </a:prstGeom>
-        </p:spPr>
-        <p:txBody>
-          <a:bodyPr vert="horz" lIns="0" tIns="0" rIns="0" bIns="0" rtlCol="0" anchor="t" anchorCtr="0">
-            <a:noAutofit/>
-          </a:bodyPr>
-          <a:lstStyle>
-            <a:lvl1pPr algn="l" defTabSz="457200" rtl="0" eaLnBrk="1" latinLnBrk="0" hangingPunct="1">
-              <a:lnSpc>
-                <a:spcPct val="110000"/>
-              </a:lnSpc>
-              <a:spcBef>
-                <a:spcPct val="0"/>
-              </a:spcBef>
-              <a:buNone/>
-              <a:defRPr sz="2100" kern="1200" spc="30" baseline="0">
-                <a:solidFill>
-                  <a:schemeClr val="tx1"/>
-                </a:solidFill>
-                <a:latin typeface="MillerDisplay"/>
-                <a:ea typeface="+mj-ea"/>
-                <a:cs typeface="+mj-cs"/>
-              </a:defRPr>
-            </a:lvl1pPr>
-          </a:lstStyle>
-          <a:p>
-            <a:r>
-              <a:rPr lang="en-US" dirty="0" smtClean="0"/>
-              <a:t>Snapshot of </a:t>
-            </a:r>
-            <a:r>
-              <a:rPr lang="en-US" dirty="0" err="1" smtClean="0"/>
-              <a:t>package.json</a:t>
-            </a:r>
-            <a:endParaRPr lang="en-US" dirty="0"/>
-          </a:p>
-        </p:txBody>
-      </p:sp>
-      <p:sp>
-        <p:nvSpPr>
-          <p:cNvPr id="13" name="Title 8"/>
-          <p:cNvSpPr txBox="1">
-            <a:spLocks/>
-          </p:cNvSpPr>
-          <p:nvPr/>
-        </p:nvSpPr>
-        <p:spPr>
-          <a:xfrm>
-            <a:off x="8404553" y="4537213"/>
-            <a:ext cx="2423160" cy="375667"/>
-          </a:xfrm>
-          <a:prstGeom prst="rect">
-            <a:avLst/>
-          </a:prstGeom>
-        </p:spPr>
-        <p:txBody>
-          <a:bodyPr vert="horz" lIns="0" tIns="0" rIns="0" bIns="0" rtlCol="0" anchor="t" anchorCtr="0">
-            <a:noAutofit/>
-          </a:bodyPr>
-          <a:lstStyle>
-            <a:lvl1pPr algn="l" defTabSz="457200" rtl="0" eaLnBrk="1" latinLnBrk="0" hangingPunct="1">
-              <a:lnSpc>
-                <a:spcPct val="110000"/>
-              </a:lnSpc>
-              <a:spcBef>
-                <a:spcPct val="0"/>
-              </a:spcBef>
-              <a:buNone/>
-              <a:defRPr sz="2100" kern="1200" spc="30" baseline="0">
-                <a:solidFill>
-                  <a:schemeClr val="tx1"/>
-                </a:solidFill>
-                <a:latin typeface="MillerDisplay"/>
-                <a:ea typeface="+mj-ea"/>
-                <a:cs typeface="+mj-cs"/>
-              </a:defRPr>
-            </a:lvl1pPr>
-          </a:lstStyle>
-          <a:p>
-            <a:r>
-              <a:rPr lang="en-US" dirty="0" smtClean="0">
-                <a:solidFill>
-                  <a:srgbClr val="FF0000"/>
-                </a:solidFill>
-              </a:rPr>
-              <a:t>30 + 15 = 45!!!!!! </a:t>
-            </a:r>
-            <a:endParaRPr lang="en-US" dirty="0">
-              <a:solidFill>
-                <a:srgbClr val="FF0000"/>
-              </a:solidFill>
-            </a:endParaRPr>
-          </a:p>
-        </p:txBody>
-      </p:sp>
-      <p:sp>
-        <p:nvSpPr>
-          <p:cNvPr id="4" name="Rectangle 3"/>
-          <p:cNvSpPr/>
-          <p:nvPr/>
-        </p:nvSpPr>
-        <p:spPr>
-          <a:xfrm>
-            <a:off x="5596569" y="2622014"/>
-            <a:ext cx="1817783" cy="198304"/>
-          </a:xfrm>
-          <a:prstGeom prst="rect">
-            <a:avLst/>
-          </a:prstGeom>
-          <a:noFill/>
-          <a:ln>
-            <a:solidFill>
-              <a:schemeClr val="accent2"/>
-            </a:solidFill>
-          </a:ln>
-        </p:spPr>
-        <p:style>
-          <a:lnRef idx="1">
-            <a:schemeClr val="accent1"/>
-          </a:lnRef>
-          <a:fillRef idx="3">
-            <a:schemeClr val="accent1"/>
-          </a:fillRef>
-          <a:effectRef idx="2">
-            <a:schemeClr val="accent1"/>
-          </a:effectRef>
-          <a:fontRef idx="minor">
-            <a:schemeClr val="lt1"/>
-          </a:fontRef>
-        </p:style>
-        <p:txBody>
-          <a:bodyPr rtlCol="0" anchor="ctr"/>
-          <a:lstStyle/>
-          <a:p>
-            <a:pPr algn="ctr"/>
-            <a:endParaRPr lang="en-US"/>
-          </a:p>
-        </p:txBody>
-      </p:sp>
+      </p:pic>
     </p:spTree>
     <p:extLst>
       <p:ext uri="{BB962C8B-B14F-4D97-AF65-F5344CB8AC3E}">
-        <p14:creationId xmlns:p14="http://schemas.microsoft.com/office/powerpoint/2010/main" val="2069162719"/>
+        <p14:creationId xmlns:p14="http://schemas.microsoft.com/office/powerpoint/2010/main" val="2522487511"/>
       </p:ext>
     </p:extLst>
   </p:cSld>
@@ -22379,32 +22981,154 @@
       </p:grpSpPr>
       <p:sp>
         <p:nvSpPr>
-          <p:cNvPr id="8" name="Title 7"/>
+          <p:cNvPr id="5" name="Title 4"/>
           <p:cNvSpPr>
             <a:spLocks noGrp="1"/>
           </p:cNvSpPr>
           <p:nvPr>
-            <p:ph type="ctrTitle"/>
+            <p:ph type="title"/>
           </p:nvPr>
         </p:nvSpPr>
-        <p:spPr/>
+        <p:spPr>
+          <a:xfrm>
+            <a:off x="288234" y="585216"/>
+            <a:ext cx="5821018" cy="705578"/>
+          </a:xfrm>
+        </p:spPr>
         <p:txBody>
           <a:bodyPr/>
           <a:lstStyle/>
           <a:p>
-            <a:pPr algn="ctr"/>
-            <a:r>
-              <a:rPr lang="en-US" sz="4000" dirty="0" smtClean="0"/>
-              <a:t>DEMO</a:t>
-            </a:r>
-            <a:endParaRPr lang="en-US" sz="4000" dirty="0"/>
+            <a:r>
+              <a:rPr lang="en-US" sz="5400" dirty="0" smtClean="0"/>
+              <a:t>Why Generators?</a:t>
+            </a:r>
+            <a:endParaRPr lang="en-US" sz="5400" dirty="0"/>
           </a:p>
         </p:txBody>
       </p:sp>
+      <p:sp>
+        <p:nvSpPr>
+          <p:cNvPr id="9" name="Vertical Text Placeholder 8"/>
+          <p:cNvSpPr>
+            <a:spLocks noGrp="1"/>
+          </p:cNvSpPr>
+          <p:nvPr>
+            <p:ph type="body" orient="vert" idx="1"/>
+          </p:nvPr>
+        </p:nvSpPr>
+        <p:spPr>
+          <a:xfrm>
+            <a:off x="288234" y="1720596"/>
+            <a:ext cx="5821018" cy="4279392"/>
+          </a:xfrm>
+        </p:spPr>
+        <p:txBody>
+          <a:bodyPr/>
+          <a:lstStyle/>
+          <a:p>
+            <a:pPr lvl="0"/>
+            <a:r>
+              <a:rPr lang="en-US" sz="2400" i="1" dirty="0" smtClean="0"/>
+              <a:t>Setting up a new project from scratch! </a:t>
+            </a:r>
+          </a:p>
+          <a:p>
+            <a:pPr lvl="0"/>
+            <a:r>
+              <a:rPr lang="en-US" sz="2400" i="1" dirty="0" smtClean="0"/>
+              <a:t>A hectic </a:t>
+            </a:r>
+            <a:r>
+              <a:rPr lang="en-US" sz="2400" i="1" dirty="0" smtClean="0"/>
+              <a:t>job! </a:t>
+            </a:r>
+          </a:p>
+          <a:p>
+            <a:pPr lvl="0"/>
+            <a:endParaRPr lang="en-US" sz="2400" dirty="0"/>
+          </a:p>
+          <a:p>
+            <a:pPr marL="342900" lvl="0" indent="-342900">
+              <a:buFont typeface="+mj-lt"/>
+              <a:buAutoNum type="arabicPeriod"/>
+            </a:pPr>
+            <a:r>
+              <a:rPr lang="en-US" sz="2400" dirty="0" smtClean="0"/>
+              <a:t>Time consuming</a:t>
+            </a:r>
+            <a:endParaRPr lang="en-US" sz="2400" dirty="0"/>
+          </a:p>
+          <a:p>
+            <a:pPr marL="228600" lvl="0" indent="-228600">
+              <a:buFont typeface="+mj-lt"/>
+              <a:buAutoNum type="arabicPeriod"/>
+            </a:pPr>
+            <a:r>
+              <a:rPr lang="en-US" sz="2400" dirty="0" smtClean="0"/>
+              <a:t>  Complex </a:t>
+            </a:r>
+            <a:r>
+              <a:rPr lang="en-US" sz="2400" dirty="0" smtClean="0"/>
+              <a:t>folder structure </a:t>
+            </a:r>
+            <a:endParaRPr lang="en-US" sz="2400" dirty="0"/>
+          </a:p>
+          <a:p>
+            <a:pPr marL="228600" lvl="0" indent="-228600">
+              <a:buFont typeface="+mj-lt"/>
+              <a:buAutoNum type="arabicPeriod"/>
+            </a:pPr>
+            <a:r>
+              <a:rPr lang="en-US" sz="2400" dirty="0" smtClean="0"/>
+              <a:t>  Configuration </a:t>
+            </a:r>
+            <a:r>
+              <a:rPr lang="en-US" sz="2400" dirty="0" smtClean="0"/>
+              <a:t>of </a:t>
+            </a:r>
+            <a:r>
+              <a:rPr lang="en-US" sz="2400" dirty="0" smtClean="0"/>
+              <a:t>files</a:t>
+            </a:r>
+            <a:endParaRPr lang="en-US" sz="2400" dirty="0"/>
+          </a:p>
+        </p:txBody>
+      </p:sp>
+      <p:pic>
+        <p:nvPicPr>
+          <p:cNvPr id="20" name="Picture Placeholder 19"/>
+          <p:cNvPicPr>
+            <a:picLocks noGrp="1" noChangeAspect="1"/>
+          </p:cNvPicPr>
+          <p:nvPr>
+            <p:ph type="pic" sz="quarter" idx="11"/>
+          </p:nvPr>
+        </p:nvPicPr>
+        <p:blipFill>
+          <a:blip r:embed="rId2">
+            <a:extLst>
+              <a:ext uri="{28A0092B-C50C-407E-A947-70E740481C1C}">
+                <a14:useLocalDpi xmlns:a14="http://schemas.microsoft.com/office/drawing/2010/main" val="0"/>
+              </a:ext>
+            </a:extLst>
+          </a:blip>
+          <a:srcRect l="2196" r="2196"/>
+          <a:stretch>
+            <a:fillRect/>
+          </a:stretch>
+        </p:blipFill>
+        <p:spPr>
+          <a:xfrm>
+            <a:off x="6281530" y="0"/>
+            <a:ext cx="5907295" cy="6858000"/>
+          </a:xfrm>
+        </p:spPr>
+      </p:pic>
     </p:spTree>
     <p:extLst>
       <p:ext uri="{BB962C8B-B14F-4D97-AF65-F5344CB8AC3E}">
-        <p14:creationId xmlns:p14="http://schemas.microsoft.com/office/powerpoint/2010/main" val="1140761246"/>
+        <p14:creationId xmlns:p14="http://schemas.microsoft.com/office/powerpoint/2010/main" val="1845163311"/>
       </p:ext>
     </p:extLst>
   </p:cSld>
@@ -22440,32 +23164,164 @@
       </p:grpSpPr>
       <p:sp>
         <p:nvSpPr>
-          <p:cNvPr id="8" name="Title 7"/>
+          <p:cNvPr id="5" name="Title 4"/>
           <p:cNvSpPr>
             <a:spLocks noGrp="1"/>
           </p:cNvSpPr>
           <p:nvPr>
-            <p:ph type="ctrTitle"/>
+            <p:ph type="title"/>
           </p:nvPr>
         </p:nvSpPr>
-        <p:spPr/>
+        <p:spPr>
+          <a:xfrm>
+            <a:off x="288234" y="585216"/>
+            <a:ext cx="5821018" cy="705578"/>
+          </a:xfrm>
+        </p:spPr>
         <p:txBody>
           <a:bodyPr/>
           <a:lstStyle/>
           <a:p>
-            <a:pPr algn="ctr"/>
-            <a:r>
-              <a:rPr lang="en-US" sz="4000" dirty="0" smtClean="0"/>
-              <a:t>CODE-WALK</a:t>
-            </a:r>
-            <a:endParaRPr lang="en-US" sz="4000" dirty="0"/>
+            <a:r>
+              <a:rPr lang="en-US" sz="5400" dirty="0" smtClean="0"/>
+              <a:t>Why Generators?</a:t>
+            </a:r>
+            <a:endParaRPr lang="en-US" sz="5400" dirty="0"/>
           </a:p>
         </p:txBody>
       </p:sp>
+      <p:sp>
+        <p:nvSpPr>
+          <p:cNvPr id="9" name="Vertical Text Placeholder 8"/>
+          <p:cNvSpPr>
+            <a:spLocks noGrp="1"/>
+          </p:cNvSpPr>
+          <p:nvPr>
+            <p:ph type="body" orient="vert" idx="1"/>
+          </p:nvPr>
+        </p:nvSpPr>
+        <p:spPr>
+          <a:xfrm>
+            <a:off x="288234" y="1720596"/>
+            <a:ext cx="5821018" cy="4279392"/>
+          </a:xfrm>
+        </p:spPr>
+        <p:txBody>
+          <a:bodyPr/>
+          <a:lstStyle/>
+          <a:p>
+            <a:pPr lvl="0"/>
+            <a:r>
+              <a:rPr lang="en-US" sz="2400" i="1" dirty="0" smtClean="0"/>
+              <a:t>Setting up a new project from scratch! </a:t>
+            </a:r>
+          </a:p>
+          <a:p>
+            <a:pPr lvl="0"/>
+            <a:r>
+              <a:rPr lang="en-US" sz="2400" i="1" dirty="0" smtClean="0"/>
+              <a:t>A hectic </a:t>
+            </a:r>
+            <a:r>
+              <a:rPr lang="en-US" sz="2400" i="1" dirty="0" smtClean="0"/>
+              <a:t>job! </a:t>
+            </a:r>
+          </a:p>
+          <a:p>
+            <a:pPr lvl="0"/>
+            <a:endParaRPr lang="en-US" sz="2400" dirty="0"/>
+          </a:p>
+          <a:p>
+            <a:pPr marL="342900" lvl="0" indent="-342900">
+              <a:buFont typeface="+mj-lt"/>
+              <a:buAutoNum type="arabicPeriod"/>
+            </a:pPr>
+            <a:r>
+              <a:rPr lang="en-US" sz="2400" dirty="0" smtClean="0"/>
+              <a:t>Time consuming</a:t>
+            </a:r>
+            <a:endParaRPr lang="en-US" sz="2400" dirty="0"/>
+          </a:p>
+          <a:p>
+            <a:pPr marL="228600" lvl="0" indent="-228600">
+              <a:buFont typeface="+mj-lt"/>
+              <a:buAutoNum type="arabicPeriod"/>
+            </a:pPr>
+            <a:r>
+              <a:rPr lang="en-US" sz="2400" dirty="0" smtClean="0"/>
+              <a:t>  Complex </a:t>
+            </a:r>
+            <a:r>
+              <a:rPr lang="en-US" sz="2400" dirty="0" smtClean="0"/>
+              <a:t>folder structure </a:t>
+            </a:r>
+            <a:endParaRPr lang="en-US" sz="2400" dirty="0"/>
+          </a:p>
+          <a:p>
+            <a:pPr marL="228600" lvl="0" indent="-228600">
+              <a:buFont typeface="+mj-lt"/>
+              <a:buAutoNum type="arabicPeriod"/>
+            </a:pPr>
+            <a:r>
+              <a:rPr lang="en-US" sz="2400" dirty="0" smtClean="0"/>
+              <a:t>  Configuration </a:t>
+            </a:r>
+            <a:r>
+              <a:rPr lang="en-US" sz="2400" dirty="0" smtClean="0"/>
+              <a:t>of files </a:t>
+            </a:r>
+          </a:p>
+          <a:p>
+            <a:pPr marL="228600" lvl="0" indent="-228600">
+              <a:buFont typeface="+mj-lt"/>
+              <a:buAutoNum type="arabicPeriod"/>
+            </a:pPr>
+            <a:r>
+              <a:rPr lang="en-US" sz="2400" dirty="0" smtClean="0"/>
+              <a:t>  Innumerous </a:t>
+            </a:r>
+            <a:r>
+              <a:rPr lang="en-US" sz="2400" dirty="0" smtClean="0"/>
+              <a:t>trial-n-errors!</a:t>
+            </a:r>
+            <a:endParaRPr lang="en-US" sz="2400" dirty="0"/>
+          </a:p>
+        </p:txBody>
+      </p:sp>
+      <p:pic>
+        <p:nvPicPr>
+          <p:cNvPr id="20" name="Picture Placeholder 19"/>
+          <p:cNvPicPr>
+            <a:picLocks noGrp="1" noChangeAspect="1"/>
+          </p:cNvPicPr>
+          <p:nvPr>
+            <p:ph type="pic" sz="quarter" idx="11"/>
+          </p:nvPr>
+        </p:nvPicPr>
+        <p:blipFill>
+          <a:blip r:embed="rId2">
+            <a:extLst>
+              <a:ext uri="{28A0092B-C50C-407E-A947-70E740481C1C}">
+                <a14:useLocalDpi xmlns:a14="http://schemas.microsoft.com/office/drawing/2010/main" val="0"/>
+              </a:ext>
+            </a:extLst>
+          </a:blip>
+          <a:srcRect l="2196" r="2196"/>
+          <a:stretch>
+            <a:fillRect/>
+          </a:stretch>
+        </p:blipFill>
+        <p:spPr>
+          <a:xfrm>
+            <a:off x="6281530" y="0"/>
+            <a:ext cx="5907295" cy="6858000"/>
+          </a:xfrm>
+        </p:spPr>
+      </p:pic>
     </p:spTree>
     <p:extLst>
       <p:ext uri="{BB962C8B-B14F-4D97-AF65-F5344CB8AC3E}">
-        <p14:creationId xmlns:p14="http://schemas.microsoft.com/office/powerpoint/2010/main" val="1142964917"/>
+        <p14:creationId xmlns:p14="http://schemas.microsoft.com/office/powerpoint/2010/main" val="748551743"/>
       </p:ext>
     </p:extLst>
   </p:cSld>

--- a/generators.pptx
+++ b/generators.pptx
@@ -143,7 +143,7 @@
   </p:defaultTextStyle>
   <p:extLst>
     <p:ext uri="{EFAFB233-063F-42B5-8137-9DF3F51BA10A}">
-      <p15:sldGuideLst xmlns:p15="http://schemas.microsoft.com/office/powerpoint/2012/main" xmlns="">
+      <p15:sldGuideLst xmlns="" xmlns:p15="http://schemas.microsoft.com/office/powerpoint/2012/main">
         <p15:guide id="1" orient="horz" pos="3776">
           <p15:clr>
             <a:srgbClr val="A4A3A4"/>
@@ -19221,7 +19221,7 @@
         <p:spPr>
           <a:xfrm>
             <a:off x="662287" y="4270796"/>
-            <a:ext cx="4330150" cy="1284168"/>
+            <a:ext cx="4330150" cy="1953734"/>
           </a:xfrm>
           <a:prstGeom prst="rect">
             <a:avLst/>
@@ -19438,6 +19438,27 @@
               <a:rPr lang="en-US" sz="2000" dirty="0" smtClean="0"/>
               <a:t>Heavy</a:t>
             </a:r>
+          </a:p>
+          <a:p>
+            <a:pPr marL="285750" indent="-285750">
+              <a:buFont typeface="Arial" panose="020B0604020202020204" pitchFamily="34" charset="0"/>
+              <a:buChar char="•"/>
+            </a:pPr>
+            <a:r>
+              <a:rPr lang="en-US" sz="2000" dirty="0" smtClean="0"/>
+              <a:t>Abstraction</a:t>
+            </a:r>
+          </a:p>
+          <a:p>
+            <a:pPr marL="285750" indent="-285750">
+              <a:buFont typeface="Arial" panose="020B0604020202020204" pitchFamily="34" charset="0"/>
+              <a:buChar char="•"/>
+            </a:pPr>
+            <a:r>
+              <a:rPr lang="en-US" sz="2000" dirty="0" smtClean="0"/>
+              <a:t>Less customizable</a:t>
+            </a:r>
+            <a:endParaRPr lang="en-US" sz="2000" dirty="0" smtClean="0"/>
           </a:p>
           <a:p>
             <a:pPr marL="285750" indent="-285750">
@@ -21301,11 +21322,7 @@
           <a:p>
             <a:r>
               <a:rPr lang="en-US" b="1" i="1" dirty="0" smtClean="0"/>
-              <a:t>“Due to time constraints, this is all we could do. But we plan to make it a much bigger project w</a:t>
-            </a:r>
-            <a:r>
-              <a:rPr lang="en-US" b="1" i="1" dirty="0" smtClean="0"/>
-              <a:t>ith many more features.”</a:t>
+              <a:t>“Due to time constraints, this is all we could do. But we plan to make it a much bigger project with many more features.”</a:t>
             </a:r>
           </a:p>
         </p:txBody>
@@ -21420,11 +21437,7 @@
           <a:p>
             <a:r>
               <a:rPr lang="en-US" b="1" i="1" dirty="0" smtClean="0"/>
-              <a:t>“Due to time constraints, this is all we could do. But we plan to make it a much bigger project w</a:t>
-            </a:r>
-            <a:r>
-              <a:rPr lang="en-US" b="1" i="1" dirty="0" smtClean="0"/>
-              <a:t>ith many more features.”</a:t>
+              <a:t>“Due to time constraints, this is all we could do. But we plan to make it a much bigger project with many more features.”</a:t>
             </a:r>
           </a:p>
           <a:p>
@@ -21437,11 +21450,7 @@
             </a:pPr>
             <a:r>
               <a:rPr lang="en-US" dirty="0" smtClean="0"/>
-              <a:t>Create </a:t>
-            </a:r>
-            <a:r>
-              <a:rPr lang="en-US" dirty="0" smtClean="0"/>
-              <a:t>sub-generators to generate </a:t>
+              <a:t>Create sub-generators to generate </a:t>
             </a:r>
             <a:r>
               <a:rPr lang="en-US" b="1" dirty="0" smtClean="0"/>
@@ -21573,11 +21582,7 @@
           <a:p>
             <a:r>
               <a:rPr lang="en-US" b="1" i="1" dirty="0" smtClean="0"/>
-              <a:t>“Due to time constraints, this is all we could do. But we plan to make it a much bigger project w</a:t>
-            </a:r>
-            <a:r>
-              <a:rPr lang="en-US" b="1" i="1" dirty="0" smtClean="0"/>
-              <a:t>ith many more features.”</a:t>
+              <a:t>“Due to time constraints, this is all we could do. But we plan to make it a much bigger project with many more features.”</a:t>
             </a:r>
           </a:p>
           <a:p>
@@ -21590,11 +21595,7 @@
             </a:pPr>
             <a:r>
               <a:rPr lang="en-US" dirty="0" smtClean="0"/>
-              <a:t>Create </a:t>
-            </a:r>
-            <a:r>
-              <a:rPr lang="en-US" dirty="0" smtClean="0"/>
-              <a:t>sub-generators to generate </a:t>
+              <a:t>Create sub-generators to generate </a:t>
             </a:r>
             <a:r>
               <a:rPr lang="en-US" b="1" dirty="0" smtClean="0"/>
@@ -21748,11 +21749,7 @@
           <a:p>
             <a:r>
               <a:rPr lang="en-US" b="1" i="1" dirty="0" smtClean="0"/>
-              <a:t>“Due to time constraints, this is all we could do. But we plan to make it a much bigger project w</a:t>
-            </a:r>
-            <a:r>
-              <a:rPr lang="en-US" b="1" i="1" dirty="0" smtClean="0"/>
-              <a:t>ith many more features.”</a:t>
+              <a:t>“Due to time constraints, this is all we could do. But we plan to make it a much bigger project with many more features.”</a:t>
             </a:r>
           </a:p>
           <a:p>
@@ -21765,11 +21762,7 @@
             </a:pPr>
             <a:r>
               <a:rPr lang="en-US" dirty="0" smtClean="0"/>
-              <a:t>Create </a:t>
-            </a:r>
-            <a:r>
-              <a:rPr lang="en-US" dirty="0" smtClean="0"/>
-              <a:t>sub-generators to generate </a:t>
+              <a:t>Create sub-generators to generate </a:t>
             </a:r>
             <a:r>
               <a:rPr lang="en-US" b="1" dirty="0" smtClean="0"/>
@@ -21933,11 +21926,7 @@
           <a:p>
             <a:r>
               <a:rPr lang="en-US" b="1" i="1" dirty="0" smtClean="0"/>
-              <a:t>“Due to time constraints, this is all we could do. But we plan to make it a much bigger project w</a:t>
-            </a:r>
-            <a:r>
-              <a:rPr lang="en-US" b="1" i="1" dirty="0" smtClean="0"/>
-              <a:t>ith many more features.”</a:t>
+              <a:t>“Due to time constraints, this is all we could do. But we plan to make it a much bigger project with many more features.”</a:t>
             </a:r>
           </a:p>
           <a:p>
@@ -21950,11 +21939,7 @@
             </a:pPr>
             <a:r>
               <a:rPr lang="en-US" dirty="0" smtClean="0"/>
-              <a:t>Create </a:t>
-            </a:r>
-            <a:r>
-              <a:rPr lang="en-US" dirty="0" smtClean="0"/>
-              <a:t>sub-generators to generate </a:t>
+              <a:t>Create sub-generators to generate </a:t>
             </a:r>
             <a:r>
               <a:rPr lang="en-US" b="1" dirty="0" smtClean="0"/>
@@ -22004,7 +21989,6 @@
               <a:rPr lang="en-US" dirty="0" smtClean="0"/>
               <a:t>Support universal rendering.</a:t>
             </a:r>
-            <a:endParaRPr lang="en-US" dirty="0" smtClean="0"/>
           </a:p>
           <a:p>
             <a:pPr marL="285750" indent="-285750">
@@ -22136,11 +22120,7 @@
           <a:p>
             <a:r>
               <a:rPr lang="en-US" b="1" i="1" dirty="0" smtClean="0"/>
-              <a:t>“Due to time constraints, this is all we could do. But we plan to make it a much bigger project w</a:t>
-            </a:r>
-            <a:r>
-              <a:rPr lang="en-US" b="1" i="1" dirty="0" smtClean="0"/>
-              <a:t>ith many more features.”</a:t>
+              <a:t>“Due to time constraints, this is all we could do. But we plan to make it a much bigger project with many more features.”</a:t>
             </a:r>
           </a:p>
           <a:p>
@@ -22153,11 +22133,7 @@
             </a:pPr>
             <a:r>
               <a:rPr lang="en-US" dirty="0" smtClean="0"/>
-              <a:t>Create </a:t>
-            </a:r>
-            <a:r>
-              <a:rPr lang="en-US" dirty="0" smtClean="0"/>
-              <a:t>sub-generators to generate </a:t>
+              <a:t>Create sub-generators to generate </a:t>
             </a:r>
             <a:r>
               <a:rPr lang="en-US" b="1" dirty="0" smtClean="0"/>
@@ -22207,7 +22183,6 @@
               <a:rPr lang="en-US" dirty="0" smtClean="0"/>
               <a:t>Support universal rendering.</a:t>
             </a:r>
-            <a:endParaRPr lang="en-US" dirty="0" smtClean="0"/>
           </a:p>
           <a:p>
             <a:pPr marL="285750" indent="-285750">
